--- a/Projeto_Sistemas_Informacao/Trabalho_10-11.pptx
+++ b/Projeto_Sistemas_Informacao/Trabalho_10-11.pptx
@@ -8,6 +8,7 @@
     <p:sldId id="256" r:id="rId2"/>
     <p:sldId id="257" r:id="rId3"/>
     <p:sldId id="258" r:id="rId4"/>
+    <p:sldId id="259" r:id="rId5"/>
   </p:sldIdLst>
   <p:sldSz cx="12192000" cy="6858000"/>
   <p:notesSz cx="6858000" cy="9144000"/>
@@ -106,7 +107,6206 @@
       </a:defRPr>
     </a:lvl9pPr>
   </p:defaultTextStyle>
+  <p:extLst>
+    <p:ext uri="{EFAFB233-063F-42B5-8137-9DF3F51BA10A}">
+      <p15:sldGuideLst xmlns:p15="http://schemas.microsoft.com/office/powerpoint/2012/main"/>
+    </p:ext>
+  </p:extLst>
 </p:presentation>
+</file>
+
+<file path=ppt/diagrams/colors1.xml><?xml version="1.0" encoding="utf-8"?>
+<dgm:colorsDef xmlns:dgm="http://schemas.openxmlformats.org/drawingml/2006/diagram" xmlns:a="http://schemas.openxmlformats.org/drawingml/2006/main" uniqueId="urn:microsoft.com/office/officeart/2005/8/colors/colorful2">
+  <dgm:title val=""/>
+  <dgm:desc val=""/>
+  <dgm:catLst>
+    <dgm:cat type="colorful" pri="10200"/>
+  </dgm:catLst>
+  <dgm:styleLbl name="node0">
+    <dgm:fillClrLst meth="repeat">
+      <a:schemeClr val="accent1"/>
+    </dgm:fillClrLst>
+    <dgm:linClrLst meth="repeat">
+      <a:schemeClr val="lt1"/>
+    </dgm:linClrLst>
+    <dgm:effectClrLst/>
+    <dgm:txLinClrLst/>
+    <dgm:txFillClrLst/>
+    <dgm:txEffectClrLst/>
+  </dgm:styleLbl>
+  <dgm:styleLbl name="node1">
+    <dgm:fillClrLst>
+      <a:schemeClr val="accent2"/>
+      <a:schemeClr val="accent3"/>
+    </dgm:fillClrLst>
+    <dgm:linClrLst meth="repeat">
+      <a:schemeClr val="lt1"/>
+    </dgm:linClrLst>
+    <dgm:effectClrLst/>
+    <dgm:txLinClrLst/>
+    <dgm:txFillClrLst/>
+    <dgm:txEffectClrLst/>
+  </dgm:styleLbl>
+  <dgm:styleLbl name="alignNode1">
+    <dgm:fillClrLst>
+      <a:schemeClr val="accent2"/>
+      <a:schemeClr val="accent3"/>
+    </dgm:fillClrLst>
+    <dgm:linClrLst>
+      <a:schemeClr val="accent2"/>
+      <a:schemeClr val="accent3"/>
+    </dgm:linClrLst>
+    <dgm:effectClrLst/>
+    <dgm:txLinClrLst/>
+    <dgm:txFillClrLst/>
+    <dgm:txEffectClrLst/>
+  </dgm:styleLbl>
+  <dgm:styleLbl name="lnNode1">
+    <dgm:fillClrLst>
+      <a:schemeClr val="accent2"/>
+      <a:schemeClr val="accent3"/>
+    </dgm:fillClrLst>
+    <dgm:linClrLst meth="repeat">
+      <a:schemeClr val="lt1"/>
+    </dgm:linClrLst>
+    <dgm:effectClrLst/>
+    <dgm:txLinClrLst/>
+    <dgm:txFillClrLst/>
+    <dgm:txEffectClrLst/>
+  </dgm:styleLbl>
+  <dgm:styleLbl name="vennNode1">
+    <dgm:fillClrLst>
+      <a:schemeClr val="accent2">
+        <a:alpha val="50000"/>
+      </a:schemeClr>
+      <a:schemeClr val="accent3">
+        <a:alpha val="50000"/>
+      </a:schemeClr>
+    </dgm:fillClrLst>
+    <dgm:linClrLst meth="repeat">
+      <a:schemeClr val="lt1"/>
+    </dgm:linClrLst>
+    <dgm:effectClrLst/>
+    <dgm:txLinClrLst/>
+    <dgm:txFillClrLst/>
+    <dgm:txEffectClrLst/>
+  </dgm:styleLbl>
+  <dgm:styleLbl name="node2">
+    <dgm:fillClrLst>
+      <a:schemeClr val="accent3"/>
+    </dgm:fillClrLst>
+    <dgm:linClrLst meth="repeat">
+      <a:schemeClr val="lt1"/>
+    </dgm:linClrLst>
+    <dgm:effectClrLst/>
+    <dgm:txLinClrLst/>
+    <dgm:txFillClrLst/>
+    <dgm:txEffectClrLst/>
+  </dgm:styleLbl>
+  <dgm:styleLbl name="node3">
+    <dgm:fillClrLst>
+      <a:schemeClr val="accent4"/>
+    </dgm:fillClrLst>
+    <dgm:linClrLst meth="repeat">
+      <a:schemeClr val="lt1"/>
+    </dgm:linClrLst>
+    <dgm:effectClrLst/>
+    <dgm:txLinClrLst/>
+    <dgm:txFillClrLst/>
+    <dgm:txEffectClrLst/>
+  </dgm:styleLbl>
+  <dgm:styleLbl name="node4">
+    <dgm:fillClrLst>
+      <a:schemeClr val="accent5"/>
+    </dgm:fillClrLst>
+    <dgm:linClrLst meth="repeat">
+      <a:schemeClr val="lt1"/>
+    </dgm:linClrLst>
+    <dgm:effectClrLst/>
+    <dgm:txLinClrLst/>
+    <dgm:txFillClrLst/>
+    <dgm:txEffectClrLst/>
+  </dgm:styleLbl>
+  <dgm:styleLbl name="fgImgPlace1">
+    <dgm:fillClrLst>
+      <a:schemeClr val="accent2">
+        <a:tint val="50000"/>
+      </a:schemeClr>
+      <a:schemeClr val="accent3">
+        <a:tint val="50000"/>
+      </a:schemeClr>
+    </dgm:fillClrLst>
+    <dgm:linClrLst meth="repeat">
+      <a:schemeClr val="lt1"/>
+    </dgm:linClrLst>
+    <dgm:effectClrLst/>
+    <dgm:txLinClrLst/>
+    <dgm:txFillClrLst meth="repeat">
+      <a:schemeClr val="lt1"/>
+    </dgm:txFillClrLst>
+    <dgm:txEffectClrLst/>
+  </dgm:styleLbl>
+  <dgm:styleLbl name="alignImgPlace1">
+    <dgm:fillClrLst>
+      <a:schemeClr val="accent2">
+        <a:tint val="50000"/>
+      </a:schemeClr>
+      <a:schemeClr val="accent3">
+        <a:tint val="20000"/>
+      </a:schemeClr>
+    </dgm:fillClrLst>
+    <dgm:linClrLst meth="repeat">
+      <a:schemeClr val="lt1"/>
+    </dgm:linClrLst>
+    <dgm:effectClrLst/>
+    <dgm:txLinClrLst/>
+    <dgm:txFillClrLst meth="repeat">
+      <a:schemeClr val="lt1"/>
+    </dgm:txFillClrLst>
+    <dgm:txEffectClrLst/>
+  </dgm:styleLbl>
+  <dgm:styleLbl name="bgImgPlace1">
+    <dgm:fillClrLst>
+      <a:schemeClr val="accent2">
+        <a:tint val="50000"/>
+      </a:schemeClr>
+      <a:schemeClr val="accent3">
+        <a:tint val="20000"/>
+      </a:schemeClr>
+    </dgm:fillClrLst>
+    <dgm:linClrLst meth="repeat">
+      <a:schemeClr val="lt1"/>
+    </dgm:linClrLst>
+    <dgm:effectClrLst/>
+    <dgm:txLinClrLst/>
+    <dgm:txFillClrLst meth="repeat">
+      <a:schemeClr val="lt1"/>
+    </dgm:txFillClrLst>
+    <dgm:txEffectClrLst/>
+  </dgm:styleLbl>
+  <dgm:styleLbl name="sibTrans2D1">
+    <dgm:fillClrLst>
+      <a:schemeClr val="accent2"/>
+      <a:schemeClr val="accent3"/>
+    </dgm:fillClrLst>
+    <dgm:linClrLst meth="repeat">
+      <a:schemeClr val="lt1"/>
+    </dgm:linClrLst>
+    <dgm:effectClrLst/>
+    <dgm:txLinClrLst/>
+    <dgm:txFillClrLst/>
+    <dgm:txEffectClrLst/>
+  </dgm:styleLbl>
+  <dgm:styleLbl name="fgSibTrans2D1">
+    <dgm:fillClrLst>
+      <a:schemeClr val="accent2"/>
+      <a:schemeClr val="accent3"/>
+    </dgm:fillClrLst>
+    <dgm:linClrLst meth="repeat">
+      <a:schemeClr val="lt1"/>
+    </dgm:linClrLst>
+    <dgm:effectClrLst/>
+    <dgm:txLinClrLst/>
+    <dgm:txFillClrLst meth="repeat">
+      <a:schemeClr val="lt1"/>
+    </dgm:txFillClrLst>
+    <dgm:txEffectClrLst/>
+  </dgm:styleLbl>
+  <dgm:styleLbl name="bgSibTrans2D1">
+    <dgm:fillClrLst>
+      <a:schemeClr val="accent2"/>
+      <a:schemeClr val="accent3"/>
+    </dgm:fillClrLst>
+    <dgm:linClrLst meth="repeat">
+      <a:schemeClr val="lt1"/>
+    </dgm:linClrLst>
+    <dgm:effectClrLst/>
+    <dgm:txLinClrLst/>
+    <dgm:txFillClrLst meth="repeat">
+      <a:schemeClr val="lt1"/>
+    </dgm:txFillClrLst>
+    <dgm:txEffectClrLst/>
+  </dgm:styleLbl>
+  <dgm:styleLbl name="sibTrans1D1">
+    <dgm:fillClrLst/>
+    <dgm:linClrLst>
+      <a:schemeClr val="accent2"/>
+      <a:schemeClr val="accent3"/>
+    </dgm:linClrLst>
+    <dgm:effectClrLst/>
+    <dgm:txLinClrLst/>
+    <dgm:txFillClrLst meth="repeat">
+      <a:schemeClr val="tx1"/>
+    </dgm:txFillClrLst>
+    <dgm:txEffectClrLst/>
+  </dgm:styleLbl>
+  <dgm:styleLbl name="callout">
+    <dgm:fillClrLst meth="repeat">
+      <a:schemeClr val="accent2"/>
+    </dgm:fillClrLst>
+    <dgm:linClrLst meth="repeat">
+      <a:schemeClr val="accent2">
+        <a:tint val="50000"/>
+      </a:schemeClr>
+    </dgm:linClrLst>
+    <dgm:effectClrLst/>
+    <dgm:txLinClrLst/>
+    <dgm:txFillClrLst meth="repeat">
+      <a:schemeClr val="tx1"/>
+    </dgm:txFillClrLst>
+    <dgm:txEffectClrLst/>
+  </dgm:styleLbl>
+  <dgm:styleLbl name="asst0">
+    <dgm:fillClrLst meth="repeat">
+      <a:schemeClr val="accent2"/>
+    </dgm:fillClrLst>
+    <dgm:linClrLst meth="repeat">
+      <a:schemeClr val="lt1">
+        <a:shade val="80000"/>
+      </a:schemeClr>
+    </dgm:linClrLst>
+    <dgm:effectClrLst/>
+    <dgm:txLinClrLst/>
+    <dgm:txFillClrLst/>
+    <dgm:txEffectClrLst/>
+  </dgm:styleLbl>
+  <dgm:styleLbl name="asst1">
+    <dgm:fillClrLst meth="repeat">
+      <a:schemeClr val="accent3"/>
+    </dgm:fillClrLst>
+    <dgm:linClrLst meth="repeat">
+      <a:schemeClr val="lt1">
+        <a:shade val="80000"/>
+      </a:schemeClr>
+    </dgm:linClrLst>
+    <dgm:effectClrLst/>
+    <dgm:txLinClrLst/>
+    <dgm:txFillClrLst/>
+    <dgm:txEffectClrLst/>
+  </dgm:styleLbl>
+  <dgm:styleLbl name="asst2">
+    <dgm:fillClrLst>
+      <a:schemeClr val="accent4"/>
+    </dgm:fillClrLst>
+    <dgm:linClrLst meth="repeat">
+      <a:schemeClr val="lt1"/>
+    </dgm:linClrLst>
+    <dgm:effectClrLst/>
+    <dgm:txLinClrLst/>
+    <dgm:txFillClrLst/>
+    <dgm:txEffectClrLst/>
+  </dgm:styleLbl>
+  <dgm:styleLbl name="asst3">
+    <dgm:fillClrLst>
+      <a:schemeClr val="accent5"/>
+    </dgm:fillClrLst>
+    <dgm:linClrLst meth="repeat">
+      <a:schemeClr val="lt1"/>
+    </dgm:linClrLst>
+    <dgm:effectClrLst/>
+    <dgm:txLinClrLst/>
+    <dgm:txFillClrLst/>
+    <dgm:txEffectClrLst/>
+  </dgm:styleLbl>
+  <dgm:styleLbl name="asst4">
+    <dgm:fillClrLst>
+      <a:schemeClr val="accent6"/>
+    </dgm:fillClrLst>
+    <dgm:linClrLst meth="repeat">
+      <a:schemeClr val="lt1"/>
+    </dgm:linClrLst>
+    <dgm:effectClrLst/>
+    <dgm:txLinClrLst/>
+    <dgm:txFillClrLst/>
+    <dgm:txEffectClrLst/>
+  </dgm:styleLbl>
+  <dgm:styleLbl name="parChTrans2D1">
+    <dgm:fillClrLst meth="repeat">
+      <a:schemeClr val="accent2"/>
+    </dgm:fillClrLst>
+    <dgm:linClrLst meth="repeat">
+      <a:schemeClr val="lt1"/>
+    </dgm:linClrLst>
+    <dgm:effectClrLst/>
+    <dgm:txLinClrLst/>
+    <dgm:txFillClrLst meth="repeat">
+      <a:schemeClr val="lt1"/>
+    </dgm:txFillClrLst>
+    <dgm:txEffectClrLst/>
+  </dgm:styleLbl>
+  <dgm:styleLbl name="parChTrans2D2">
+    <dgm:fillClrLst meth="repeat">
+      <a:schemeClr val="accent3"/>
+    </dgm:fillClrLst>
+    <dgm:linClrLst meth="repeat">
+      <a:schemeClr val="lt1"/>
+    </dgm:linClrLst>
+    <dgm:effectClrLst/>
+    <dgm:txLinClrLst/>
+    <dgm:txFillClrLst/>
+    <dgm:txEffectClrLst/>
+  </dgm:styleLbl>
+  <dgm:styleLbl name="parChTrans2D3">
+    <dgm:fillClrLst meth="repeat">
+      <a:schemeClr val="accent4"/>
+    </dgm:fillClrLst>
+    <dgm:linClrLst meth="repeat">
+      <a:schemeClr val="lt1"/>
+    </dgm:linClrLst>
+    <dgm:effectClrLst/>
+    <dgm:txLinClrLst/>
+    <dgm:txFillClrLst/>
+    <dgm:txEffectClrLst/>
+  </dgm:styleLbl>
+  <dgm:styleLbl name="parChTrans2D4">
+    <dgm:fillClrLst meth="repeat">
+      <a:schemeClr val="accent5"/>
+    </dgm:fillClrLst>
+    <dgm:linClrLst meth="repeat">
+      <a:schemeClr val="lt1"/>
+    </dgm:linClrLst>
+    <dgm:effectClrLst/>
+    <dgm:txLinClrLst/>
+    <dgm:txFillClrLst meth="repeat">
+      <a:schemeClr val="lt1"/>
+    </dgm:txFillClrLst>
+    <dgm:txEffectClrLst/>
+  </dgm:styleLbl>
+  <dgm:styleLbl name="parChTrans1D1">
+    <dgm:fillClrLst meth="repeat">
+      <a:schemeClr val="accent2"/>
+    </dgm:fillClrLst>
+    <dgm:linClrLst meth="repeat">
+      <a:schemeClr val="accent2"/>
+    </dgm:linClrLst>
+    <dgm:effectClrLst/>
+    <dgm:txLinClrLst/>
+    <dgm:txFillClrLst meth="repeat">
+      <a:schemeClr val="tx1"/>
+    </dgm:txFillClrLst>
+    <dgm:txEffectClrLst/>
+  </dgm:styleLbl>
+  <dgm:styleLbl name="parChTrans1D2">
+    <dgm:fillClrLst meth="repeat">
+      <a:schemeClr val="accent2">
+        <a:tint val="90000"/>
+      </a:schemeClr>
+    </dgm:fillClrLst>
+    <dgm:linClrLst meth="repeat">
+      <a:schemeClr val="accent3"/>
+    </dgm:linClrLst>
+    <dgm:effectClrLst/>
+    <dgm:txLinClrLst/>
+    <dgm:txFillClrLst meth="repeat">
+      <a:schemeClr val="tx1"/>
+    </dgm:txFillClrLst>
+    <dgm:txEffectClrLst/>
+  </dgm:styleLbl>
+  <dgm:styleLbl name="parChTrans1D3">
+    <dgm:fillClrLst meth="repeat">
+      <a:schemeClr val="accent2">
+        <a:tint val="70000"/>
+      </a:schemeClr>
+    </dgm:fillClrLst>
+    <dgm:linClrLst meth="repeat">
+      <a:schemeClr val="accent4"/>
+    </dgm:linClrLst>
+    <dgm:effectClrLst/>
+    <dgm:txLinClrLst/>
+    <dgm:txFillClrLst meth="repeat">
+      <a:schemeClr val="tx1"/>
+    </dgm:txFillClrLst>
+    <dgm:txEffectClrLst/>
+  </dgm:styleLbl>
+  <dgm:styleLbl name="parChTrans1D4">
+    <dgm:fillClrLst meth="repeat">
+      <a:schemeClr val="accent2">
+        <a:tint val="50000"/>
+      </a:schemeClr>
+    </dgm:fillClrLst>
+    <dgm:linClrLst meth="repeat">
+      <a:schemeClr val="accent5"/>
+    </dgm:linClrLst>
+    <dgm:effectClrLst/>
+    <dgm:txLinClrLst/>
+    <dgm:txFillClrLst meth="repeat">
+      <a:schemeClr val="tx1"/>
+    </dgm:txFillClrLst>
+    <dgm:txEffectClrLst/>
+  </dgm:styleLbl>
+  <dgm:styleLbl name="fgAcc1">
+    <dgm:fillClrLst meth="repeat">
+      <a:schemeClr val="lt1">
+        <a:alpha val="90000"/>
+      </a:schemeClr>
+    </dgm:fillClrLst>
+    <dgm:linClrLst>
+      <a:schemeClr val="accent2"/>
+      <a:schemeClr val="accent3"/>
+    </dgm:linClrLst>
+    <dgm:effectClrLst/>
+    <dgm:txLinClrLst/>
+    <dgm:txFillClrLst meth="repeat">
+      <a:schemeClr val="dk1"/>
+    </dgm:txFillClrLst>
+    <dgm:txEffectClrLst/>
+  </dgm:styleLbl>
+  <dgm:styleLbl name="conFgAcc1">
+    <dgm:fillClrLst meth="repeat">
+      <a:schemeClr val="lt1">
+        <a:alpha val="90000"/>
+      </a:schemeClr>
+    </dgm:fillClrLst>
+    <dgm:linClrLst>
+      <a:schemeClr val="accent2"/>
+      <a:schemeClr val="accent3"/>
+    </dgm:linClrLst>
+    <dgm:effectClrLst/>
+    <dgm:txLinClrLst/>
+    <dgm:txFillClrLst meth="repeat">
+      <a:schemeClr val="dk1"/>
+    </dgm:txFillClrLst>
+    <dgm:txEffectClrLst/>
+  </dgm:styleLbl>
+  <dgm:styleLbl name="alignAcc1">
+    <dgm:fillClrLst meth="repeat">
+      <a:schemeClr val="lt1">
+        <a:alpha val="90000"/>
+      </a:schemeClr>
+    </dgm:fillClrLst>
+    <dgm:linClrLst>
+      <a:schemeClr val="accent2"/>
+      <a:schemeClr val="accent3"/>
+    </dgm:linClrLst>
+    <dgm:effectClrLst/>
+    <dgm:txLinClrLst/>
+    <dgm:txFillClrLst meth="repeat">
+      <a:schemeClr val="dk1"/>
+    </dgm:txFillClrLst>
+    <dgm:txEffectClrLst/>
+  </dgm:styleLbl>
+  <dgm:styleLbl name="trAlignAcc1">
+    <dgm:fillClrLst meth="repeat">
+      <a:schemeClr val="lt1">
+        <a:alpha val="40000"/>
+      </a:schemeClr>
+    </dgm:fillClrLst>
+    <dgm:linClrLst meth="repeat">
+      <a:schemeClr val="accent2"/>
+    </dgm:linClrLst>
+    <dgm:effectClrLst/>
+    <dgm:txLinClrLst/>
+    <dgm:txFillClrLst meth="repeat">
+      <a:schemeClr val="dk1"/>
+    </dgm:txFillClrLst>
+    <dgm:txEffectClrLst/>
+  </dgm:styleLbl>
+  <dgm:styleLbl name="bgAcc1">
+    <dgm:fillClrLst meth="repeat">
+      <a:schemeClr val="lt1">
+        <a:alpha val="90000"/>
+      </a:schemeClr>
+    </dgm:fillClrLst>
+    <dgm:linClrLst>
+      <a:schemeClr val="accent2"/>
+      <a:schemeClr val="accent3"/>
+    </dgm:linClrLst>
+    <dgm:effectClrLst/>
+    <dgm:txLinClrLst/>
+    <dgm:txFillClrLst meth="repeat">
+      <a:schemeClr val="dk1"/>
+    </dgm:txFillClrLst>
+    <dgm:txEffectClrLst/>
+  </dgm:styleLbl>
+  <dgm:styleLbl name="solidFgAcc1">
+    <dgm:fillClrLst meth="repeat">
+      <a:schemeClr val="lt1"/>
+    </dgm:fillClrLst>
+    <dgm:linClrLst>
+      <a:schemeClr val="accent2"/>
+      <a:schemeClr val="accent3"/>
+    </dgm:linClrLst>
+    <dgm:effectClrLst/>
+    <dgm:txLinClrLst/>
+    <dgm:txFillClrLst meth="repeat">
+      <a:schemeClr val="dk1"/>
+    </dgm:txFillClrLst>
+    <dgm:txEffectClrLst/>
+  </dgm:styleLbl>
+  <dgm:styleLbl name="solidAlignAcc1">
+    <dgm:fillClrLst meth="repeat">
+      <a:schemeClr val="lt1"/>
+    </dgm:fillClrLst>
+    <dgm:linClrLst>
+      <a:schemeClr val="accent2"/>
+      <a:schemeClr val="accent3"/>
+    </dgm:linClrLst>
+    <dgm:effectClrLst/>
+    <dgm:txLinClrLst/>
+    <dgm:txFillClrLst meth="repeat">
+      <a:schemeClr val="dk1"/>
+    </dgm:txFillClrLst>
+    <dgm:txEffectClrLst/>
+  </dgm:styleLbl>
+  <dgm:styleLbl name="solidBgAcc1">
+    <dgm:fillClrLst meth="repeat">
+      <a:schemeClr val="lt1"/>
+    </dgm:fillClrLst>
+    <dgm:linClrLst>
+      <a:schemeClr val="accent2"/>
+      <a:schemeClr val="accent3"/>
+    </dgm:linClrLst>
+    <dgm:effectClrLst/>
+    <dgm:txLinClrLst/>
+    <dgm:txFillClrLst meth="repeat">
+      <a:schemeClr val="dk1"/>
+    </dgm:txFillClrLst>
+    <dgm:txEffectClrLst/>
+  </dgm:styleLbl>
+  <dgm:styleLbl name="fgAccFollowNode1">
+    <dgm:fillClrLst>
+      <a:schemeClr val="accent2">
+        <a:tint val="40000"/>
+        <a:alpha val="90000"/>
+      </a:schemeClr>
+      <a:schemeClr val="accent3">
+        <a:tint val="40000"/>
+        <a:alpha val="90000"/>
+      </a:schemeClr>
+    </dgm:fillClrLst>
+    <dgm:linClrLst>
+      <a:schemeClr val="accent2">
+        <a:tint val="40000"/>
+        <a:alpha val="90000"/>
+      </a:schemeClr>
+      <a:schemeClr val="accent3">
+        <a:tint val="40000"/>
+        <a:alpha val="90000"/>
+      </a:schemeClr>
+    </dgm:linClrLst>
+    <dgm:effectClrLst/>
+    <dgm:txLinClrLst/>
+    <dgm:txFillClrLst meth="repeat">
+      <a:schemeClr val="dk1"/>
+    </dgm:txFillClrLst>
+    <dgm:txEffectClrLst/>
+  </dgm:styleLbl>
+  <dgm:styleLbl name="alignAccFollowNode1">
+    <dgm:fillClrLst>
+      <a:schemeClr val="accent2">
+        <a:tint val="40000"/>
+        <a:alpha val="90000"/>
+      </a:schemeClr>
+      <a:schemeClr val="accent3">
+        <a:tint val="40000"/>
+        <a:alpha val="90000"/>
+      </a:schemeClr>
+    </dgm:fillClrLst>
+    <dgm:linClrLst>
+      <a:schemeClr val="accent2">
+        <a:tint val="40000"/>
+        <a:alpha val="90000"/>
+      </a:schemeClr>
+      <a:schemeClr val="accent3">
+        <a:tint val="40000"/>
+        <a:alpha val="90000"/>
+      </a:schemeClr>
+    </dgm:linClrLst>
+    <dgm:effectClrLst/>
+    <dgm:txLinClrLst/>
+    <dgm:txFillClrLst meth="repeat">
+      <a:schemeClr val="dk1"/>
+    </dgm:txFillClrLst>
+    <dgm:txEffectClrLst/>
+  </dgm:styleLbl>
+  <dgm:styleLbl name="bgAccFollowNode1">
+    <dgm:fillClrLst>
+      <a:schemeClr val="accent2">
+        <a:tint val="40000"/>
+        <a:alpha val="90000"/>
+      </a:schemeClr>
+      <a:schemeClr val="accent3">
+        <a:tint val="40000"/>
+        <a:alpha val="90000"/>
+      </a:schemeClr>
+    </dgm:fillClrLst>
+    <dgm:linClrLst>
+      <a:schemeClr val="accent2">
+        <a:tint val="40000"/>
+        <a:alpha val="90000"/>
+      </a:schemeClr>
+      <a:schemeClr val="accent3">
+        <a:tint val="40000"/>
+        <a:alpha val="90000"/>
+      </a:schemeClr>
+    </dgm:linClrLst>
+    <dgm:effectClrLst/>
+    <dgm:txLinClrLst/>
+    <dgm:txFillClrLst meth="repeat">
+      <a:schemeClr val="dk1"/>
+    </dgm:txFillClrLst>
+    <dgm:txEffectClrLst/>
+  </dgm:styleLbl>
+  <dgm:styleLbl name="fgAcc0">
+    <dgm:fillClrLst meth="repeat">
+      <a:schemeClr val="lt1">
+        <a:alpha val="90000"/>
+      </a:schemeClr>
+    </dgm:fillClrLst>
+    <dgm:linClrLst>
+      <a:schemeClr val="accent1"/>
+    </dgm:linClrLst>
+    <dgm:effectClrLst/>
+    <dgm:txLinClrLst/>
+    <dgm:txFillClrLst meth="repeat">
+      <a:schemeClr val="dk1"/>
+    </dgm:txFillClrLst>
+    <dgm:txEffectClrLst/>
+  </dgm:styleLbl>
+  <dgm:styleLbl name="fgAcc2">
+    <dgm:fillClrLst meth="repeat">
+      <a:schemeClr val="lt1">
+        <a:alpha val="90000"/>
+      </a:schemeClr>
+    </dgm:fillClrLst>
+    <dgm:linClrLst>
+      <a:schemeClr val="accent3"/>
+    </dgm:linClrLst>
+    <dgm:effectClrLst/>
+    <dgm:txLinClrLst/>
+    <dgm:txFillClrLst meth="repeat">
+      <a:schemeClr val="dk1"/>
+    </dgm:txFillClrLst>
+    <dgm:txEffectClrLst/>
+  </dgm:styleLbl>
+  <dgm:styleLbl name="fgAcc3">
+    <dgm:fillClrLst meth="repeat">
+      <a:schemeClr val="lt1">
+        <a:alpha val="90000"/>
+      </a:schemeClr>
+    </dgm:fillClrLst>
+    <dgm:linClrLst>
+      <a:schemeClr val="accent4"/>
+    </dgm:linClrLst>
+    <dgm:effectClrLst/>
+    <dgm:txLinClrLst/>
+    <dgm:txFillClrLst meth="repeat">
+      <a:schemeClr val="dk1"/>
+    </dgm:txFillClrLst>
+    <dgm:txEffectClrLst/>
+  </dgm:styleLbl>
+  <dgm:styleLbl name="fgAcc4">
+    <dgm:fillClrLst meth="repeat">
+      <a:schemeClr val="lt1">
+        <a:alpha val="90000"/>
+      </a:schemeClr>
+    </dgm:fillClrLst>
+    <dgm:linClrLst>
+      <a:schemeClr val="accent5"/>
+    </dgm:linClrLst>
+    <dgm:effectClrLst/>
+    <dgm:txLinClrLst/>
+    <dgm:txFillClrLst meth="repeat">
+      <a:schemeClr val="dk1"/>
+    </dgm:txFillClrLst>
+    <dgm:txEffectClrLst/>
+  </dgm:styleLbl>
+  <dgm:styleLbl name="bgShp">
+    <dgm:fillClrLst meth="repeat">
+      <a:schemeClr val="accent2">
+        <a:tint val="40000"/>
+      </a:schemeClr>
+    </dgm:fillClrLst>
+    <dgm:linClrLst meth="repeat">
+      <a:schemeClr val="dk1"/>
+    </dgm:linClrLst>
+    <dgm:effectClrLst/>
+    <dgm:txLinClrLst/>
+    <dgm:txFillClrLst meth="repeat">
+      <a:schemeClr val="dk1"/>
+    </dgm:txFillClrLst>
+    <dgm:txEffectClrLst/>
+  </dgm:styleLbl>
+  <dgm:styleLbl name="dkBgShp">
+    <dgm:fillClrLst meth="repeat">
+      <a:schemeClr val="accent2">
+        <a:shade val="90000"/>
+      </a:schemeClr>
+    </dgm:fillClrLst>
+    <dgm:linClrLst meth="repeat">
+      <a:schemeClr val="dk1"/>
+    </dgm:linClrLst>
+    <dgm:effectClrLst/>
+    <dgm:txLinClrLst/>
+    <dgm:txFillClrLst meth="repeat">
+      <a:schemeClr val="lt1"/>
+    </dgm:txFillClrLst>
+    <dgm:txEffectClrLst/>
+  </dgm:styleLbl>
+  <dgm:styleLbl name="trBgShp">
+    <dgm:fillClrLst meth="repeat">
+      <a:schemeClr val="accent2">
+        <a:tint val="50000"/>
+        <a:alpha val="40000"/>
+      </a:schemeClr>
+    </dgm:fillClrLst>
+    <dgm:linClrLst meth="repeat">
+      <a:schemeClr val="accent2"/>
+    </dgm:linClrLst>
+    <dgm:effectClrLst/>
+    <dgm:txLinClrLst/>
+    <dgm:txFillClrLst meth="repeat">
+      <a:schemeClr val="lt1"/>
+    </dgm:txFillClrLst>
+    <dgm:txEffectClrLst/>
+  </dgm:styleLbl>
+  <dgm:styleLbl name="fgShp">
+    <dgm:fillClrLst meth="repeat">
+      <a:schemeClr val="accent2">
+        <a:tint val="40000"/>
+      </a:schemeClr>
+    </dgm:fillClrLst>
+    <dgm:linClrLst meth="repeat">
+      <a:schemeClr val="lt1"/>
+    </dgm:linClrLst>
+    <dgm:effectClrLst/>
+    <dgm:txLinClrLst/>
+    <dgm:txFillClrLst meth="repeat">
+      <a:schemeClr val="dk1"/>
+    </dgm:txFillClrLst>
+    <dgm:txEffectClrLst/>
+  </dgm:styleLbl>
+  <dgm:styleLbl name="revTx">
+    <dgm:fillClrLst meth="repeat">
+      <a:schemeClr val="lt1">
+        <a:alpha val="0"/>
+      </a:schemeClr>
+    </dgm:fillClrLst>
+    <dgm:linClrLst meth="repeat">
+      <a:schemeClr val="dk1">
+        <a:alpha val="0"/>
+      </a:schemeClr>
+    </dgm:linClrLst>
+    <dgm:effectClrLst/>
+    <dgm:txLinClrLst/>
+    <dgm:txFillClrLst meth="repeat">
+      <a:schemeClr val="tx1"/>
+    </dgm:txFillClrLst>
+    <dgm:txEffectClrLst/>
+  </dgm:styleLbl>
+</dgm:colorsDef>
+</file>
+
+<file path=ppt/diagrams/colors2.xml><?xml version="1.0" encoding="utf-8"?>
+<dgm:colorsDef xmlns:dgm="http://schemas.openxmlformats.org/drawingml/2006/diagram" xmlns:a="http://schemas.openxmlformats.org/drawingml/2006/main" uniqueId="urn:microsoft.com/office/officeart/2005/8/colors/colorful2">
+  <dgm:title val=""/>
+  <dgm:desc val=""/>
+  <dgm:catLst>
+    <dgm:cat type="colorful" pri="10200"/>
+  </dgm:catLst>
+  <dgm:styleLbl name="node0">
+    <dgm:fillClrLst meth="repeat">
+      <a:schemeClr val="accent1"/>
+    </dgm:fillClrLst>
+    <dgm:linClrLst meth="repeat">
+      <a:schemeClr val="lt1"/>
+    </dgm:linClrLst>
+    <dgm:effectClrLst/>
+    <dgm:txLinClrLst/>
+    <dgm:txFillClrLst/>
+    <dgm:txEffectClrLst/>
+  </dgm:styleLbl>
+  <dgm:styleLbl name="node1">
+    <dgm:fillClrLst>
+      <a:schemeClr val="accent2"/>
+      <a:schemeClr val="accent3"/>
+    </dgm:fillClrLst>
+    <dgm:linClrLst meth="repeat">
+      <a:schemeClr val="lt1"/>
+    </dgm:linClrLst>
+    <dgm:effectClrLst/>
+    <dgm:txLinClrLst/>
+    <dgm:txFillClrLst/>
+    <dgm:txEffectClrLst/>
+  </dgm:styleLbl>
+  <dgm:styleLbl name="alignNode1">
+    <dgm:fillClrLst>
+      <a:schemeClr val="accent2"/>
+      <a:schemeClr val="accent3"/>
+    </dgm:fillClrLst>
+    <dgm:linClrLst>
+      <a:schemeClr val="accent2"/>
+      <a:schemeClr val="accent3"/>
+    </dgm:linClrLst>
+    <dgm:effectClrLst/>
+    <dgm:txLinClrLst/>
+    <dgm:txFillClrLst/>
+    <dgm:txEffectClrLst/>
+  </dgm:styleLbl>
+  <dgm:styleLbl name="lnNode1">
+    <dgm:fillClrLst>
+      <a:schemeClr val="accent2"/>
+      <a:schemeClr val="accent3"/>
+    </dgm:fillClrLst>
+    <dgm:linClrLst meth="repeat">
+      <a:schemeClr val="lt1"/>
+    </dgm:linClrLst>
+    <dgm:effectClrLst/>
+    <dgm:txLinClrLst/>
+    <dgm:txFillClrLst/>
+    <dgm:txEffectClrLst/>
+  </dgm:styleLbl>
+  <dgm:styleLbl name="vennNode1">
+    <dgm:fillClrLst>
+      <a:schemeClr val="accent2">
+        <a:alpha val="50000"/>
+      </a:schemeClr>
+      <a:schemeClr val="accent3">
+        <a:alpha val="50000"/>
+      </a:schemeClr>
+    </dgm:fillClrLst>
+    <dgm:linClrLst meth="repeat">
+      <a:schemeClr val="lt1"/>
+    </dgm:linClrLst>
+    <dgm:effectClrLst/>
+    <dgm:txLinClrLst/>
+    <dgm:txFillClrLst/>
+    <dgm:txEffectClrLst/>
+  </dgm:styleLbl>
+  <dgm:styleLbl name="node2">
+    <dgm:fillClrLst>
+      <a:schemeClr val="accent3"/>
+    </dgm:fillClrLst>
+    <dgm:linClrLst meth="repeat">
+      <a:schemeClr val="lt1"/>
+    </dgm:linClrLst>
+    <dgm:effectClrLst/>
+    <dgm:txLinClrLst/>
+    <dgm:txFillClrLst/>
+    <dgm:txEffectClrLst/>
+  </dgm:styleLbl>
+  <dgm:styleLbl name="node3">
+    <dgm:fillClrLst>
+      <a:schemeClr val="accent4"/>
+    </dgm:fillClrLst>
+    <dgm:linClrLst meth="repeat">
+      <a:schemeClr val="lt1"/>
+    </dgm:linClrLst>
+    <dgm:effectClrLst/>
+    <dgm:txLinClrLst/>
+    <dgm:txFillClrLst/>
+    <dgm:txEffectClrLst/>
+  </dgm:styleLbl>
+  <dgm:styleLbl name="node4">
+    <dgm:fillClrLst>
+      <a:schemeClr val="accent5"/>
+    </dgm:fillClrLst>
+    <dgm:linClrLst meth="repeat">
+      <a:schemeClr val="lt1"/>
+    </dgm:linClrLst>
+    <dgm:effectClrLst/>
+    <dgm:txLinClrLst/>
+    <dgm:txFillClrLst/>
+    <dgm:txEffectClrLst/>
+  </dgm:styleLbl>
+  <dgm:styleLbl name="fgImgPlace1">
+    <dgm:fillClrLst>
+      <a:schemeClr val="accent2">
+        <a:tint val="50000"/>
+      </a:schemeClr>
+      <a:schemeClr val="accent3">
+        <a:tint val="50000"/>
+      </a:schemeClr>
+    </dgm:fillClrLst>
+    <dgm:linClrLst meth="repeat">
+      <a:schemeClr val="lt1"/>
+    </dgm:linClrLst>
+    <dgm:effectClrLst/>
+    <dgm:txLinClrLst/>
+    <dgm:txFillClrLst meth="repeat">
+      <a:schemeClr val="lt1"/>
+    </dgm:txFillClrLst>
+    <dgm:txEffectClrLst/>
+  </dgm:styleLbl>
+  <dgm:styleLbl name="alignImgPlace1">
+    <dgm:fillClrLst>
+      <a:schemeClr val="accent2">
+        <a:tint val="50000"/>
+      </a:schemeClr>
+      <a:schemeClr val="accent3">
+        <a:tint val="20000"/>
+      </a:schemeClr>
+    </dgm:fillClrLst>
+    <dgm:linClrLst meth="repeat">
+      <a:schemeClr val="lt1"/>
+    </dgm:linClrLst>
+    <dgm:effectClrLst/>
+    <dgm:txLinClrLst/>
+    <dgm:txFillClrLst meth="repeat">
+      <a:schemeClr val="lt1"/>
+    </dgm:txFillClrLst>
+    <dgm:txEffectClrLst/>
+  </dgm:styleLbl>
+  <dgm:styleLbl name="bgImgPlace1">
+    <dgm:fillClrLst>
+      <a:schemeClr val="accent2">
+        <a:tint val="50000"/>
+      </a:schemeClr>
+      <a:schemeClr val="accent3">
+        <a:tint val="20000"/>
+      </a:schemeClr>
+    </dgm:fillClrLst>
+    <dgm:linClrLst meth="repeat">
+      <a:schemeClr val="lt1"/>
+    </dgm:linClrLst>
+    <dgm:effectClrLst/>
+    <dgm:txLinClrLst/>
+    <dgm:txFillClrLst meth="repeat">
+      <a:schemeClr val="lt1"/>
+    </dgm:txFillClrLst>
+    <dgm:txEffectClrLst/>
+  </dgm:styleLbl>
+  <dgm:styleLbl name="sibTrans2D1">
+    <dgm:fillClrLst>
+      <a:schemeClr val="accent2"/>
+      <a:schemeClr val="accent3"/>
+    </dgm:fillClrLst>
+    <dgm:linClrLst meth="repeat">
+      <a:schemeClr val="lt1"/>
+    </dgm:linClrLst>
+    <dgm:effectClrLst/>
+    <dgm:txLinClrLst/>
+    <dgm:txFillClrLst/>
+    <dgm:txEffectClrLst/>
+  </dgm:styleLbl>
+  <dgm:styleLbl name="fgSibTrans2D1">
+    <dgm:fillClrLst>
+      <a:schemeClr val="accent2"/>
+      <a:schemeClr val="accent3"/>
+    </dgm:fillClrLst>
+    <dgm:linClrLst meth="repeat">
+      <a:schemeClr val="lt1"/>
+    </dgm:linClrLst>
+    <dgm:effectClrLst/>
+    <dgm:txLinClrLst/>
+    <dgm:txFillClrLst meth="repeat">
+      <a:schemeClr val="lt1"/>
+    </dgm:txFillClrLst>
+    <dgm:txEffectClrLst/>
+  </dgm:styleLbl>
+  <dgm:styleLbl name="bgSibTrans2D1">
+    <dgm:fillClrLst>
+      <a:schemeClr val="accent2"/>
+      <a:schemeClr val="accent3"/>
+    </dgm:fillClrLst>
+    <dgm:linClrLst meth="repeat">
+      <a:schemeClr val="lt1"/>
+    </dgm:linClrLst>
+    <dgm:effectClrLst/>
+    <dgm:txLinClrLst/>
+    <dgm:txFillClrLst meth="repeat">
+      <a:schemeClr val="lt1"/>
+    </dgm:txFillClrLst>
+    <dgm:txEffectClrLst/>
+  </dgm:styleLbl>
+  <dgm:styleLbl name="sibTrans1D1">
+    <dgm:fillClrLst/>
+    <dgm:linClrLst>
+      <a:schemeClr val="accent2"/>
+      <a:schemeClr val="accent3"/>
+    </dgm:linClrLst>
+    <dgm:effectClrLst/>
+    <dgm:txLinClrLst/>
+    <dgm:txFillClrLst meth="repeat">
+      <a:schemeClr val="tx1"/>
+    </dgm:txFillClrLst>
+    <dgm:txEffectClrLst/>
+  </dgm:styleLbl>
+  <dgm:styleLbl name="callout">
+    <dgm:fillClrLst meth="repeat">
+      <a:schemeClr val="accent2"/>
+    </dgm:fillClrLst>
+    <dgm:linClrLst meth="repeat">
+      <a:schemeClr val="accent2">
+        <a:tint val="50000"/>
+      </a:schemeClr>
+    </dgm:linClrLst>
+    <dgm:effectClrLst/>
+    <dgm:txLinClrLst/>
+    <dgm:txFillClrLst meth="repeat">
+      <a:schemeClr val="tx1"/>
+    </dgm:txFillClrLst>
+    <dgm:txEffectClrLst/>
+  </dgm:styleLbl>
+  <dgm:styleLbl name="asst0">
+    <dgm:fillClrLst meth="repeat">
+      <a:schemeClr val="accent2"/>
+    </dgm:fillClrLst>
+    <dgm:linClrLst meth="repeat">
+      <a:schemeClr val="lt1">
+        <a:shade val="80000"/>
+      </a:schemeClr>
+    </dgm:linClrLst>
+    <dgm:effectClrLst/>
+    <dgm:txLinClrLst/>
+    <dgm:txFillClrLst/>
+    <dgm:txEffectClrLst/>
+  </dgm:styleLbl>
+  <dgm:styleLbl name="asst1">
+    <dgm:fillClrLst meth="repeat">
+      <a:schemeClr val="accent3"/>
+    </dgm:fillClrLst>
+    <dgm:linClrLst meth="repeat">
+      <a:schemeClr val="lt1">
+        <a:shade val="80000"/>
+      </a:schemeClr>
+    </dgm:linClrLst>
+    <dgm:effectClrLst/>
+    <dgm:txLinClrLst/>
+    <dgm:txFillClrLst/>
+    <dgm:txEffectClrLst/>
+  </dgm:styleLbl>
+  <dgm:styleLbl name="asst2">
+    <dgm:fillClrLst>
+      <a:schemeClr val="accent4"/>
+    </dgm:fillClrLst>
+    <dgm:linClrLst meth="repeat">
+      <a:schemeClr val="lt1"/>
+    </dgm:linClrLst>
+    <dgm:effectClrLst/>
+    <dgm:txLinClrLst/>
+    <dgm:txFillClrLst/>
+    <dgm:txEffectClrLst/>
+  </dgm:styleLbl>
+  <dgm:styleLbl name="asst3">
+    <dgm:fillClrLst>
+      <a:schemeClr val="accent5"/>
+    </dgm:fillClrLst>
+    <dgm:linClrLst meth="repeat">
+      <a:schemeClr val="lt1"/>
+    </dgm:linClrLst>
+    <dgm:effectClrLst/>
+    <dgm:txLinClrLst/>
+    <dgm:txFillClrLst/>
+    <dgm:txEffectClrLst/>
+  </dgm:styleLbl>
+  <dgm:styleLbl name="asst4">
+    <dgm:fillClrLst>
+      <a:schemeClr val="accent6"/>
+    </dgm:fillClrLst>
+    <dgm:linClrLst meth="repeat">
+      <a:schemeClr val="lt1"/>
+    </dgm:linClrLst>
+    <dgm:effectClrLst/>
+    <dgm:txLinClrLst/>
+    <dgm:txFillClrLst/>
+    <dgm:txEffectClrLst/>
+  </dgm:styleLbl>
+  <dgm:styleLbl name="parChTrans2D1">
+    <dgm:fillClrLst meth="repeat">
+      <a:schemeClr val="accent2"/>
+    </dgm:fillClrLst>
+    <dgm:linClrLst meth="repeat">
+      <a:schemeClr val="lt1"/>
+    </dgm:linClrLst>
+    <dgm:effectClrLst/>
+    <dgm:txLinClrLst/>
+    <dgm:txFillClrLst meth="repeat">
+      <a:schemeClr val="lt1"/>
+    </dgm:txFillClrLst>
+    <dgm:txEffectClrLst/>
+  </dgm:styleLbl>
+  <dgm:styleLbl name="parChTrans2D2">
+    <dgm:fillClrLst meth="repeat">
+      <a:schemeClr val="accent3"/>
+    </dgm:fillClrLst>
+    <dgm:linClrLst meth="repeat">
+      <a:schemeClr val="lt1"/>
+    </dgm:linClrLst>
+    <dgm:effectClrLst/>
+    <dgm:txLinClrLst/>
+    <dgm:txFillClrLst/>
+    <dgm:txEffectClrLst/>
+  </dgm:styleLbl>
+  <dgm:styleLbl name="parChTrans2D3">
+    <dgm:fillClrLst meth="repeat">
+      <a:schemeClr val="accent4"/>
+    </dgm:fillClrLst>
+    <dgm:linClrLst meth="repeat">
+      <a:schemeClr val="lt1"/>
+    </dgm:linClrLst>
+    <dgm:effectClrLst/>
+    <dgm:txLinClrLst/>
+    <dgm:txFillClrLst/>
+    <dgm:txEffectClrLst/>
+  </dgm:styleLbl>
+  <dgm:styleLbl name="parChTrans2D4">
+    <dgm:fillClrLst meth="repeat">
+      <a:schemeClr val="accent5"/>
+    </dgm:fillClrLst>
+    <dgm:linClrLst meth="repeat">
+      <a:schemeClr val="lt1"/>
+    </dgm:linClrLst>
+    <dgm:effectClrLst/>
+    <dgm:txLinClrLst/>
+    <dgm:txFillClrLst meth="repeat">
+      <a:schemeClr val="lt1"/>
+    </dgm:txFillClrLst>
+    <dgm:txEffectClrLst/>
+  </dgm:styleLbl>
+  <dgm:styleLbl name="parChTrans1D1">
+    <dgm:fillClrLst meth="repeat">
+      <a:schemeClr val="accent2"/>
+    </dgm:fillClrLst>
+    <dgm:linClrLst meth="repeat">
+      <a:schemeClr val="accent2"/>
+    </dgm:linClrLst>
+    <dgm:effectClrLst/>
+    <dgm:txLinClrLst/>
+    <dgm:txFillClrLst meth="repeat">
+      <a:schemeClr val="tx1"/>
+    </dgm:txFillClrLst>
+    <dgm:txEffectClrLst/>
+  </dgm:styleLbl>
+  <dgm:styleLbl name="parChTrans1D2">
+    <dgm:fillClrLst meth="repeat">
+      <a:schemeClr val="accent2">
+        <a:tint val="90000"/>
+      </a:schemeClr>
+    </dgm:fillClrLst>
+    <dgm:linClrLst meth="repeat">
+      <a:schemeClr val="accent3"/>
+    </dgm:linClrLst>
+    <dgm:effectClrLst/>
+    <dgm:txLinClrLst/>
+    <dgm:txFillClrLst meth="repeat">
+      <a:schemeClr val="tx1"/>
+    </dgm:txFillClrLst>
+    <dgm:txEffectClrLst/>
+  </dgm:styleLbl>
+  <dgm:styleLbl name="parChTrans1D3">
+    <dgm:fillClrLst meth="repeat">
+      <a:schemeClr val="accent2">
+        <a:tint val="70000"/>
+      </a:schemeClr>
+    </dgm:fillClrLst>
+    <dgm:linClrLst meth="repeat">
+      <a:schemeClr val="accent4"/>
+    </dgm:linClrLst>
+    <dgm:effectClrLst/>
+    <dgm:txLinClrLst/>
+    <dgm:txFillClrLst meth="repeat">
+      <a:schemeClr val="tx1"/>
+    </dgm:txFillClrLst>
+    <dgm:txEffectClrLst/>
+  </dgm:styleLbl>
+  <dgm:styleLbl name="parChTrans1D4">
+    <dgm:fillClrLst meth="repeat">
+      <a:schemeClr val="accent2">
+        <a:tint val="50000"/>
+      </a:schemeClr>
+    </dgm:fillClrLst>
+    <dgm:linClrLst meth="repeat">
+      <a:schemeClr val="accent5"/>
+    </dgm:linClrLst>
+    <dgm:effectClrLst/>
+    <dgm:txLinClrLst/>
+    <dgm:txFillClrLst meth="repeat">
+      <a:schemeClr val="tx1"/>
+    </dgm:txFillClrLst>
+    <dgm:txEffectClrLst/>
+  </dgm:styleLbl>
+  <dgm:styleLbl name="fgAcc1">
+    <dgm:fillClrLst meth="repeat">
+      <a:schemeClr val="lt1">
+        <a:alpha val="90000"/>
+      </a:schemeClr>
+    </dgm:fillClrLst>
+    <dgm:linClrLst>
+      <a:schemeClr val="accent2"/>
+      <a:schemeClr val="accent3"/>
+    </dgm:linClrLst>
+    <dgm:effectClrLst/>
+    <dgm:txLinClrLst/>
+    <dgm:txFillClrLst meth="repeat">
+      <a:schemeClr val="dk1"/>
+    </dgm:txFillClrLst>
+    <dgm:txEffectClrLst/>
+  </dgm:styleLbl>
+  <dgm:styleLbl name="conFgAcc1">
+    <dgm:fillClrLst meth="repeat">
+      <a:schemeClr val="lt1">
+        <a:alpha val="90000"/>
+      </a:schemeClr>
+    </dgm:fillClrLst>
+    <dgm:linClrLst>
+      <a:schemeClr val="accent2"/>
+      <a:schemeClr val="accent3"/>
+    </dgm:linClrLst>
+    <dgm:effectClrLst/>
+    <dgm:txLinClrLst/>
+    <dgm:txFillClrLst meth="repeat">
+      <a:schemeClr val="dk1"/>
+    </dgm:txFillClrLst>
+    <dgm:txEffectClrLst/>
+  </dgm:styleLbl>
+  <dgm:styleLbl name="alignAcc1">
+    <dgm:fillClrLst meth="repeat">
+      <a:schemeClr val="lt1">
+        <a:alpha val="90000"/>
+      </a:schemeClr>
+    </dgm:fillClrLst>
+    <dgm:linClrLst>
+      <a:schemeClr val="accent2"/>
+      <a:schemeClr val="accent3"/>
+    </dgm:linClrLst>
+    <dgm:effectClrLst/>
+    <dgm:txLinClrLst/>
+    <dgm:txFillClrLst meth="repeat">
+      <a:schemeClr val="dk1"/>
+    </dgm:txFillClrLst>
+    <dgm:txEffectClrLst/>
+  </dgm:styleLbl>
+  <dgm:styleLbl name="trAlignAcc1">
+    <dgm:fillClrLst meth="repeat">
+      <a:schemeClr val="lt1">
+        <a:alpha val="40000"/>
+      </a:schemeClr>
+    </dgm:fillClrLst>
+    <dgm:linClrLst meth="repeat">
+      <a:schemeClr val="accent2"/>
+    </dgm:linClrLst>
+    <dgm:effectClrLst/>
+    <dgm:txLinClrLst/>
+    <dgm:txFillClrLst meth="repeat">
+      <a:schemeClr val="dk1"/>
+    </dgm:txFillClrLst>
+    <dgm:txEffectClrLst/>
+  </dgm:styleLbl>
+  <dgm:styleLbl name="bgAcc1">
+    <dgm:fillClrLst meth="repeat">
+      <a:schemeClr val="lt1">
+        <a:alpha val="90000"/>
+      </a:schemeClr>
+    </dgm:fillClrLst>
+    <dgm:linClrLst>
+      <a:schemeClr val="accent2"/>
+      <a:schemeClr val="accent3"/>
+    </dgm:linClrLst>
+    <dgm:effectClrLst/>
+    <dgm:txLinClrLst/>
+    <dgm:txFillClrLst meth="repeat">
+      <a:schemeClr val="dk1"/>
+    </dgm:txFillClrLst>
+    <dgm:txEffectClrLst/>
+  </dgm:styleLbl>
+  <dgm:styleLbl name="solidFgAcc1">
+    <dgm:fillClrLst meth="repeat">
+      <a:schemeClr val="lt1"/>
+    </dgm:fillClrLst>
+    <dgm:linClrLst>
+      <a:schemeClr val="accent2"/>
+      <a:schemeClr val="accent3"/>
+    </dgm:linClrLst>
+    <dgm:effectClrLst/>
+    <dgm:txLinClrLst/>
+    <dgm:txFillClrLst meth="repeat">
+      <a:schemeClr val="dk1"/>
+    </dgm:txFillClrLst>
+    <dgm:txEffectClrLst/>
+  </dgm:styleLbl>
+  <dgm:styleLbl name="solidAlignAcc1">
+    <dgm:fillClrLst meth="repeat">
+      <a:schemeClr val="lt1"/>
+    </dgm:fillClrLst>
+    <dgm:linClrLst>
+      <a:schemeClr val="accent2"/>
+      <a:schemeClr val="accent3"/>
+    </dgm:linClrLst>
+    <dgm:effectClrLst/>
+    <dgm:txLinClrLst/>
+    <dgm:txFillClrLst meth="repeat">
+      <a:schemeClr val="dk1"/>
+    </dgm:txFillClrLst>
+    <dgm:txEffectClrLst/>
+  </dgm:styleLbl>
+  <dgm:styleLbl name="solidBgAcc1">
+    <dgm:fillClrLst meth="repeat">
+      <a:schemeClr val="lt1"/>
+    </dgm:fillClrLst>
+    <dgm:linClrLst>
+      <a:schemeClr val="accent2"/>
+      <a:schemeClr val="accent3"/>
+    </dgm:linClrLst>
+    <dgm:effectClrLst/>
+    <dgm:txLinClrLst/>
+    <dgm:txFillClrLst meth="repeat">
+      <a:schemeClr val="dk1"/>
+    </dgm:txFillClrLst>
+    <dgm:txEffectClrLst/>
+  </dgm:styleLbl>
+  <dgm:styleLbl name="fgAccFollowNode1">
+    <dgm:fillClrLst>
+      <a:schemeClr val="accent2">
+        <a:tint val="40000"/>
+        <a:alpha val="90000"/>
+      </a:schemeClr>
+      <a:schemeClr val="accent3">
+        <a:tint val="40000"/>
+        <a:alpha val="90000"/>
+      </a:schemeClr>
+    </dgm:fillClrLst>
+    <dgm:linClrLst>
+      <a:schemeClr val="accent2">
+        <a:tint val="40000"/>
+        <a:alpha val="90000"/>
+      </a:schemeClr>
+      <a:schemeClr val="accent3">
+        <a:tint val="40000"/>
+        <a:alpha val="90000"/>
+      </a:schemeClr>
+    </dgm:linClrLst>
+    <dgm:effectClrLst/>
+    <dgm:txLinClrLst/>
+    <dgm:txFillClrLst meth="repeat">
+      <a:schemeClr val="dk1"/>
+    </dgm:txFillClrLst>
+    <dgm:txEffectClrLst/>
+  </dgm:styleLbl>
+  <dgm:styleLbl name="alignAccFollowNode1">
+    <dgm:fillClrLst>
+      <a:schemeClr val="accent2">
+        <a:tint val="40000"/>
+        <a:alpha val="90000"/>
+      </a:schemeClr>
+      <a:schemeClr val="accent3">
+        <a:tint val="40000"/>
+        <a:alpha val="90000"/>
+      </a:schemeClr>
+    </dgm:fillClrLst>
+    <dgm:linClrLst>
+      <a:schemeClr val="accent2">
+        <a:tint val="40000"/>
+        <a:alpha val="90000"/>
+      </a:schemeClr>
+      <a:schemeClr val="accent3">
+        <a:tint val="40000"/>
+        <a:alpha val="90000"/>
+      </a:schemeClr>
+    </dgm:linClrLst>
+    <dgm:effectClrLst/>
+    <dgm:txLinClrLst/>
+    <dgm:txFillClrLst meth="repeat">
+      <a:schemeClr val="dk1"/>
+    </dgm:txFillClrLst>
+    <dgm:txEffectClrLst/>
+  </dgm:styleLbl>
+  <dgm:styleLbl name="bgAccFollowNode1">
+    <dgm:fillClrLst>
+      <a:schemeClr val="accent2">
+        <a:tint val="40000"/>
+        <a:alpha val="90000"/>
+      </a:schemeClr>
+      <a:schemeClr val="accent3">
+        <a:tint val="40000"/>
+        <a:alpha val="90000"/>
+      </a:schemeClr>
+    </dgm:fillClrLst>
+    <dgm:linClrLst>
+      <a:schemeClr val="accent2">
+        <a:tint val="40000"/>
+        <a:alpha val="90000"/>
+      </a:schemeClr>
+      <a:schemeClr val="accent3">
+        <a:tint val="40000"/>
+        <a:alpha val="90000"/>
+      </a:schemeClr>
+    </dgm:linClrLst>
+    <dgm:effectClrLst/>
+    <dgm:txLinClrLst/>
+    <dgm:txFillClrLst meth="repeat">
+      <a:schemeClr val="dk1"/>
+    </dgm:txFillClrLst>
+    <dgm:txEffectClrLst/>
+  </dgm:styleLbl>
+  <dgm:styleLbl name="fgAcc0">
+    <dgm:fillClrLst meth="repeat">
+      <a:schemeClr val="lt1">
+        <a:alpha val="90000"/>
+      </a:schemeClr>
+    </dgm:fillClrLst>
+    <dgm:linClrLst>
+      <a:schemeClr val="accent1"/>
+    </dgm:linClrLst>
+    <dgm:effectClrLst/>
+    <dgm:txLinClrLst/>
+    <dgm:txFillClrLst meth="repeat">
+      <a:schemeClr val="dk1"/>
+    </dgm:txFillClrLst>
+    <dgm:txEffectClrLst/>
+  </dgm:styleLbl>
+  <dgm:styleLbl name="fgAcc2">
+    <dgm:fillClrLst meth="repeat">
+      <a:schemeClr val="lt1">
+        <a:alpha val="90000"/>
+      </a:schemeClr>
+    </dgm:fillClrLst>
+    <dgm:linClrLst>
+      <a:schemeClr val="accent3"/>
+    </dgm:linClrLst>
+    <dgm:effectClrLst/>
+    <dgm:txLinClrLst/>
+    <dgm:txFillClrLst meth="repeat">
+      <a:schemeClr val="dk1"/>
+    </dgm:txFillClrLst>
+    <dgm:txEffectClrLst/>
+  </dgm:styleLbl>
+  <dgm:styleLbl name="fgAcc3">
+    <dgm:fillClrLst meth="repeat">
+      <a:schemeClr val="lt1">
+        <a:alpha val="90000"/>
+      </a:schemeClr>
+    </dgm:fillClrLst>
+    <dgm:linClrLst>
+      <a:schemeClr val="accent4"/>
+    </dgm:linClrLst>
+    <dgm:effectClrLst/>
+    <dgm:txLinClrLst/>
+    <dgm:txFillClrLst meth="repeat">
+      <a:schemeClr val="dk1"/>
+    </dgm:txFillClrLst>
+    <dgm:txEffectClrLst/>
+  </dgm:styleLbl>
+  <dgm:styleLbl name="fgAcc4">
+    <dgm:fillClrLst meth="repeat">
+      <a:schemeClr val="lt1">
+        <a:alpha val="90000"/>
+      </a:schemeClr>
+    </dgm:fillClrLst>
+    <dgm:linClrLst>
+      <a:schemeClr val="accent5"/>
+    </dgm:linClrLst>
+    <dgm:effectClrLst/>
+    <dgm:txLinClrLst/>
+    <dgm:txFillClrLst meth="repeat">
+      <a:schemeClr val="dk1"/>
+    </dgm:txFillClrLst>
+    <dgm:txEffectClrLst/>
+  </dgm:styleLbl>
+  <dgm:styleLbl name="bgShp">
+    <dgm:fillClrLst meth="repeat">
+      <a:schemeClr val="accent2">
+        <a:tint val="40000"/>
+      </a:schemeClr>
+    </dgm:fillClrLst>
+    <dgm:linClrLst meth="repeat">
+      <a:schemeClr val="dk1"/>
+    </dgm:linClrLst>
+    <dgm:effectClrLst/>
+    <dgm:txLinClrLst/>
+    <dgm:txFillClrLst meth="repeat">
+      <a:schemeClr val="dk1"/>
+    </dgm:txFillClrLst>
+    <dgm:txEffectClrLst/>
+  </dgm:styleLbl>
+  <dgm:styleLbl name="dkBgShp">
+    <dgm:fillClrLst meth="repeat">
+      <a:schemeClr val="accent2">
+        <a:shade val="90000"/>
+      </a:schemeClr>
+    </dgm:fillClrLst>
+    <dgm:linClrLst meth="repeat">
+      <a:schemeClr val="dk1"/>
+    </dgm:linClrLst>
+    <dgm:effectClrLst/>
+    <dgm:txLinClrLst/>
+    <dgm:txFillClrLst meth="repeat">
+      <a:schemeClr val="lt1"/>
+    </dgm:txFillClrLst>
+    <dgm:txEffectClrLst/>
+  </dgm:styleLbl>
+  <dgm:styleLbl name="trBgShp">
+    <dgm:fillClrLst meth="repeat">
+      <a:schemeClr val="accent2">
+        <a:tint val="50000"/>
+        <a:alpha val="40000"/>
+      </a:schemeClr>
+    </dgm:fillClrLst>
+    <dgm:linClrLst meth="repeat">
+      <a:schemeClr val="accent2"/>
+    </dgm:linClrLst>
+    <dgm:effectClrLst/>
+    <dgm:txLinClrLst/>
+    <dgm:txFillClrLst meth="repeat">
+      <a:schemeClr val="lt1"/>
+    </dgm:txFillClrLst>
+    <dgm:txEffectClrLst/>
+  </dgm:styleLbl>
+  <dgm:styleLbl name="fgShp">
+    <dgm:fillClrLst meth="repeat">
+      <a:schemeClr val="accent2">
+        <a:tint val="40000"/>
+      </a:schemeClr>
+    </dgm:fillClrLst>
+    <dgm:linClrLst meth="repeat">
+      <a:schemeClr val="lt1"/>
+    </dgm:linClrLst>
+    <dgm:effectClrLst/>
+    <dgm:txLinClrLst/>
+    <dgm:txFillClrLst meth="repeat">
+      <a:schemeClr val="dk1"/>
+    </dgm:txFillClrLst>
+    <dgm:txEffectClrLst/>
+  </dgm:styleLbl>
+  <dgm:styleLbl name="revTx">
+    <dgm:fillClrLst meth="repeat">
+      <a:schemeClr val="lt1">
+        <a:alpha val="0"/>
+      </a:schemeClr>
+    </dgm:fillClrLst>
+    <dgm:linClrLst meth="repeat">
+      <a:schemeClr val="dk1">
+        <a:alpha val="0"/>
+      </a:schemeClr>
+    </dgm:linClrLst>
+    <dgm:effectClrLst/>
+    <dgm:txLinClrLst/>
+    <dgm:txFillClrLst meth="repeat">
+      <a:schemeClr val="tx1"/>
+    </dgm:txFillClrLst>
+    <dgm:txEffectClrLst/>
+  </dgm:styleLbl>
+</dgm:colorsDef>
+</file>
+
+<file path=ppt/diagrams/data1.xml><?xml version="1.0" encoding="utf-8"?>
+<dgm:dataModel xmlns:dgm="http://schemas.openxmlformats.org/drawingml/2006/diagram" xmlns:a="http://schemas.openxmlformats.org/drawingml/2006/main">
+  <dgm:ptLst>
+    <dgm:pt modelId="{D624FDDF-C00F-4E12-8C2A-B4F9011C951F}" type="doc">
+      <dgm:prSet loTypeId="urn:microsoft.com/office/officeart/2008/layout/LinedList" loCatId="list" qsTypeId="urn:microsoft.com/office/officeart/2005/8/quickstyle/simple1" qsCatId="simple" csTypeId="urn:microsoft.com/office/officeart/2005/8/colors/colorful2" csCatId="colorful" phldr="1"/>
+      <dgm:spPr/>
+      <dgm:t>
+        <a:bodyPr/>
+        <a:lstStyle/>
+        <a:p>
+          <a:endParaRPr lang="en-US"/>
+        </a:p>
+      </dgm:t>
+    </dgm:pt>
+    <dgm:pt modelId="{B24FA4F3-9C20-4A4A-82EF-1976375DA2DC}">
+      <dgm:prSet/>
+      <dgm:spPr/>
+      <dgm:t>
+        <a:bodyPr/>
+        <a:lstStyle/>
+        <a:p>
+          <a:r>
+            <a:rPr lang="pt-PT"/>
+            <a:t>Listagem do produtos;</a:t>
+          </a:r>
+          <a:endParaRPr lang="en-US"/>
+        </a:p>
+      </dgm:t>
+    </dgm:pt>
+    <dgm:pt modelId="{8A8D293E-E2B0-4F42-B180-4098F47E7BA6}" type="parTrans" cxnId="{573D7302-65B1-457E-BF78-50A2855687C2}">
+      <dgm:prSet/>
+      <dgm:spPr/>
+      <dgm:t>
+        <a:bodyPr/>
+        <a:lstStyle/>
+        <a:p>
+          <a:endParaRPr lang="en-US"/>
+        </a:p>
+      </dgm:t>
+    </dgm:pt>
+    <dgm:pt modelId="{DB1D1779-87A5-4BBD-BC88-E95E6CB2BA8C}" type="sibTrans" cxnId="{573D7302-65B1-457E-BF78-50A2855687C2}">
+      <dgm:prSet/>
+      <dgm:spPr/>
+      <dgm:t>
+        <a:bodyPr/>
+        <a:lstStyle/>
+        <a:p>
+          <a:endParaRPr lang="en-US"/>
+        </a:p>
+      </dgm:t>
+    </dgm:pt>
+    <dgm:pt modelId="{D672490F-8B22-4C12-B522-B7839F1770DB}">
+      <dgm:prSet/>
+      <dgm:spPr/>
+      <dgm:t>
+        <a:bodyPr/>
+        <a:lstStyle/>
+        <a:p>
+          <a:r>
+            <a:rPr lang="pt-PT"/>
+            <a:t>Carrinho;</a:t>
+          </a:r>
+          <a:endParaRPr lang="en-US"/>
+        </a:p>
+      </dgm:t>
+    </dgm:pt>
+    <dgm:pt modelId="{3E3E3E02-97F7-4287-B72A-B53F9146FEBE}" type="parTrans" cxnId="{D23051FE-DD98-4883-9942-C14864F0F8E8}">
+      <dgm:prSet/>
+      <dgm:spPr/>
+      <dgm:t>
+        <a:bodyPr/>
+        <a:lstStyle/>
+        <a:p>
+          <a:endParaRPr lang="en-US"/>
+        </a:p>
+      </dgm:t>
+    </dgm:pt>
+    <dgm:pt modelId="{4D45C70F-86FE-4EED-B284-9BA7810A1F7F}" type="sibTrans" cxnId="{D23051FE-DD98-4883-9942-C14864F0F8E8}">
+      <dgm:prSet/>
+      <dgm:spPr/>
+      <dgm:t>
+        <a:bodyPr/>
+        <a:lstStyle/>
+        <a:p>
+          <a:endParaRPr lang="en-US"/>
+        </a:p>
+      </dgm:t>
+    </dgm:pt>
+    <dgm:pt modelId="{B12A95E9-8C6E-46EE-9A8D-57FB55DAC882}">
+      <dgm:prSet/>
+      <dgm:spPr/>
+      <dgm:t>
+        <a:bodyPr/>
+        <a:lstStyle/>
+        <a:p>
+          <a:r>
+            <a:rPr lang="pt-PT" dirty="0"/>
+            <a:t>Fartura (opcional);</a:t>
+          </a:r>
+          <a:endParaRPr lang="en-US" dirty="0"/>
+        </a:p>
+      </dgm:t>
+    </dgm:pt>
+    <dgm:pt modelId="{BA032F8C-279D-4F1E-A19D-024ECCC2D5CD}" type="parTrans" cxnId="{C528C4FF-0F5B-4AD4-BA50-528DBDAC89AD}">
+      <dgm:prSet/>
+      <dgm:spPr/>
+      <dgm:t>
+        <a:bodyPr/>
+        <a:lstStyle/>
+        <a:p>
+          <a:endParaRPr lang="en-US"/>
+        </a:p>
+      </dgm:t>
+    </dgm:pt>
+    <dgm:pt modelId="{5469DA54-5A2D-4B25-8B97-3F6B457BB8AD}" type="sibTrans" cxnId="{C528C4FF-0F5B-4AD4-BA50-528DBDAC89AD}">
+      <dgm:prSet/>
+      <dgm:spPr/>
+      <dgm:t>
+        <a:bodyPr/>
+        <a:lstStyle/>
+        <a:p>
+          <a:endParaRPr lang="en-US"/>
+        </a:p>
+      </dgm:t>
+    </dgm:pt>
+    <dgm:pt modelId="{6B29CBEA-F6A1-4A15-86E5-9F04ED39ADAD}">
+      <dgm:prSet/>
+      <dgm:spPr/>
+      <dgm:t>
+        <a:bodyPr/>
+        <a:lstStyle/>
+        <a:p>
+          <a:r>
+            <a:rPr lang="pt-PT"/>
+            <a:t>Tracking da encomenda;</a:t>
+          </a:r>
+          <a:endParaRPr lang="en-US"/>
+        </a:p>
+      </dgm:t>
+    </dgm:pt>
+    <dgm:pt modelId="{173353F3-047D-4C2C-80C0-2505AC76467B}" type="parTrans" cxnId="{EADF1E74-10FC-4F7A-B9D4-4C3F17E8DD0D}">
+      <dgm:prSet/>
+      <dgm:spPr/>
+      <dgm:t>
+        <a:bodyPr/>
+        <a:lstStyle/>
+        <a:p>
+          <a:endParaRPr lang="en-US"/>
+        </a:p>
+      </dgm:t>
+    </dgm:pt>
+    <dgm:pt modelId="{D9B60643-D497-4F79-BF3B-D51A9B40B1DC}" type="sibTrans" cxnId="{EADF1E74-10FC-4F7A-B9D4-4C3F17E8DD0D}">
+      <dgm:prSet/>
+      <dgm:spPr/>
+      <dgm:t>
+        <a:bodyPr/>
+        <a:lstStyle/>
+        <a:p>
+          <a:endParaRPr lang="en-US"/>
+        </a:p>
+      </dgm:t>
+    </dgm:pt>
+    <dgm:pt modelId="{4A0C7437-9470-4CA7-9666-B07C250B6832}">
+      <dgm:prSet/>
+      <dgm:spPr/>
+      <dgm:t>
+        <a:bodyPr/>
+        <a:lstStyle/>
+        <a:p>
+          <a:r>
+            <a:rPr lang="pt-PT" dirty="0"/>
+            <a:t>Histórico de encomendas. </a:t>
+          </a:r>
+          <a:endParaRPr lang="en-US" dirty="0"/>
+        </a:p>
+      </dgm:t>
+    </dgm:pt>
+    <dgm:pt modelId="{669DC967-A32E-466A-A2BF-61881188A092}" type="parTrans" cxnId="{397CD855-37C7-438E-B67E-39031966C333}">
+      <dgm:prSet/>
+      <dgm:spPr/>
+      <dgm:t>
+        <a:bodyPr/>
+        <a:lstStyle/>
+        <a:p>
+          <a:endParaRPr lang="en-US"/>
+        </a:p>
+      </dgm:t>
+    </dgm:pt>
+    <dgm:pt modelId="{7361B05E-FD1C-4268-9167-5B71C65D8BDB}" type="sibTrans" cxnId="{397CD855-37C7-438E-B67E-39031966C333}">
+      <dgm:prSet/>
+      <dgm:spPr/>
+      <dgm:t>
+        <a:bodyPr/>
+        <a:lstStyle/>
+        <a:p>
+          <a:endParaRPr lang="en-US"/>
+        </a:p>
+      </dgm:t>
+    </dgm:pt>
+    <dgm:pt modelId="{CEE896F5-6A58-42CE-A320-152E6BFBBD11}" type="pres">
+      <dgm:prSet presAssocID="{D624FDDF-C00F-4E12-8C2A-B4F9011C951F}" presName="vert0" presStyleCnt="0">
+        <dgm:presLayoutVars>
+          <dgm:dir/>
+          <dgm:animOne val="branch"/>
+          <dgm:animLvl val="lvl"/>
+        </dgm:presLayoutVars>
+      </dgm:prSet>
+      <dgm:spPr/>
+    </dgm:pt>
+    <dgm:pt modelId="{42A92718-7066-4F6A-AA5A-D212A10F907F}" type="pres">
+      <dgm:prSet presAssocID="{B24FA4F3-9C20-4A4A-82EF-1976375DA2DC}" presName="thickLine" presStyleLbl="alignNode1" presStyleIdx="0" presStyleCnt="5"/>
+      <dgm:spPr/>
+    </dgm:pt>
+    <dgm:pt modelId="{73AB1FAD-AE9B-4AAA-9BBD-8E8E4DCAE3DB}" type="pres">
+      <dgm:prSet presAssocID="{B24FA4F3-9C20-4A4A-82EF-1976375DA2DC}" presName="horz1" presStyleCnt="0"/>
+      <dgm:spPr/>
+    </dgm:pt>
+    <dgm:pt modelId="{02BAF7DA-CFE3-455E-81F4-8C8D5DBF07C9}" type="pres">
+      <dgm:prSet presAssocID="{B24FA4F3-9C20-4A4A-82EF-1976375DA2DC}" presName="tx1" presStyleLbl="revTx" presStyleIdx="0" presStyleCnt="5"/>
+      <dgm:spPr/>
+    </dgm:pt>
+    <dgm:pt modelId="{EA922934-DE51-49F4-A752-0C7CDE4EF791}" type="pres">
+      <dgm:prSet presAssocID="{B24FA4F3-9C20-4A4A-82EF-1976375DA2DC}" presName="vert1" presStyleCnt="0"/>
+      <dgm:spPr/>
+    </dgm:pt>
+    <dgm:pt modelId="{B77336A3-5E49-4803-9031-A652F0E4DCFF}" type="pres">
+      <dgm:prSet presAssocID="{D672490F-8B22-4C12-B522-B7839F1770DB}" presName="thickLine" presStyleLbl="alignNode1" presStyleIdx="1" presStyleCnt="5"/>
+      <dgm:spPr/>
+    </dgm:pt>
+    <dgm:pt modelId="{4BA6F9F8-5885-4395-BE08-3D38F8EC92C1}" type="pres">
+      <dgm:prSet presAssocID="{D672490F-8B22-4C12-B522-B7839F1770DB}" presName="horz1" presStyleCnt="0"/>
+      <dgm:spPr/>
+    </dgm:pt>
+    <dgm:pt modelId="{4254D8D1-53AE-4E9B-B604-E3A12A832AD5}" type="pres">
+      <dgm:prSet presAssocID="{D672490F-8B22-4C12-B522-B7839F1770DB}" presName="tx1" presStyleLbl="revTx" presStyleIdx="1" presStyleCnt="5"/>
+      <dgm:spPr/>
+    </dgm:pt>
+    <dgm:pt modelId="{574D22F1-AA78-4C63-A84E-0A66DCE42F20}" type="pres">
+      <dgm:prSet presAssocID="{D672490F-8B22-4C12-B522-B7839F1770DB}" presName="vert1" presStyleCnt="0"/>
+      <dgm:spPr/>
+    </dgm:pt>
+    <dgm:pt modelId="{D55CD4B4-BA3B-4576-BC32-B4B8584239F2}" type="pres">
+      <dgm:prSet presAssocID="{B12A95E9-8C6E-46EE-9A8D-57FB55DAC882}" presName="thickLine" presStyleLbl="alignNode1" presStyleIdx="2" presStyleCnt="5"/>
+      <dgm:spPr/>
+    </dgm:pt>
+    <dgm:pt modelId="{665200E1-FFF7-42DA-8891-94040009E7A1}" type="pres">
+      <dgm:prSet presAssocID="{B12A95E9-8C6E-46EE-9A8D-57FB55DAC882}" presName="horz1" presStyleCnt="0"/>
+      <dgm:spPr/>
+    </dgm:pt>
+    <dgm:pt modelId="{D784C0FE-7B51-482C-B203-5F687D06A36C}" type="pres">
+      <dgm:prSet presAssocID="{B12A95E9-8C6E-46EE-9A8D-57FB55DAC882}" presName="tx1" presStyleLbl="revTx" presStyleIdx="2" presStyleCnt="5"/>
+      <dgm:spPr/>
+    </dgm:pt>
+    <dgm:pt modelId="{E9793441-437D-4905-B6EC-5550E80A1A87}" type="pres">
+      <dgm:prSet presAssocID="{B12A95E9-8C6E-46EE-9A8D-57FB55DAC882}" presName="vert1" presStyleCnt="0"/>
+      <dgm:spPr/>
+    </dgm:pt>
+    <dgm:pt modelId="{16AB90D7-EBB5-45BF-AB6D-05F1A0300860}" type="pres">
+      <dgm:prSet presAssocID="{6B29CBEA-F6A1-4A15-86E5-9F04ED39ADAD}" presName="thickLine" presStyleLbl="alignNode1" presStyleIdx="3" presStyleCnt="5"/>
+      <dgm:spPr/>
+    </dgm:pt>
+    <dgm:pt modelId="{220F4FF5-A997-4E72-AA00-A5834153E345}" type="pres">
+      <dgm:prSet presAssocID="{6B29CBEA-F6A1-4A15-86E5-9F04ED39ADAD}" presName="horz1" presStyleCnt="0"/>
+      <dgm:spPr/>
+    </dgm:pt>
+    <dgm:pt modelId="{E287B03E-3805-4B88-8DB7-ED50A0D63866}" type="pres">
+      <dgm:prSet presAssocID="{6B29CBEA-F6A1-4A15-86E5-9F04ED39ADAD}" presName="tx1" presStyleLbl="revTx" presStyleIdx="3" presStyleCnt="5"/>
+      <dgm:spPr/>
+    </dgm:pt>
+    <dgm:pt modelId="{BAE43BF8-DBD1-4280-9884-A19A48596259}" type="pres">
+      <dgm:prSet presAssocID="{6B29CBEA-F6A1-4A15-86E5-9F04ED39ADAD}" presName="vert1" presStyleCnt="0"/>
+      <dgm:spPr/>
+    </dgm:pt>
+    <dgm:pt modelId="{FD992DA9-9AE1-4291-9AAA-81E672CD8DE1}" type="pres">
+      <dgm:prSet presAssocID="{4A0C7437-9470-4CA7-9666-B07C250B6832}" presName="thickLine" presStyleLbl="alignNode1" presStyleIdx="4" presStyleCnt="5"/>
+      <dgm:spPr/>
+    </dgm:pt>
+    <dgm:pt modelId="{1600219A-1FCC-48A2-B764-0A5DFE2B1092}" type="pres">
+      <dgm:prSet presAssocID="{4A0C7437-9470-4CA7-9666-B07C250B6832}" presName="horz1" presStyleCnt="0"/>
+      <dgm:spPr/>
+    </dgm:pt>
+    <dgm:pt modelId="{B3492493-E95E-4C32-A273-7694343E52CE}" type="pres">
+      <dgm:prSet presAssocID="{4A0C7437-9470-4CA7-9666-B07C250B6832}" presName="tx1" presStyleLbl="revTx" presStyleIdx="4" presStyleCnt="5"/>
+      <dgm:spPr/>
+    </dgm:pt>
+    <dgm:pt modelId="{AE0AEC38-6AD0-4DB8-8E25-7348465E76FA}" type="pres">
+      <dgm:prSet presAssocID="{4A0C7437-9470-4CA7-9666-B07C250B6832}" presName="vert1" presStyleCnt="0"/>
+      <dgm:spPr/>
+    </dgm:pt>
+  </dgm:ptLst>
+  <dgm:cxnLst>
+    <dgm:cxn modelId="{573D7302-65B1-457E-BF78-50A2855687C2}" srcId="{D624FDDF-C00F-4E12-8C2A-B4F9011C951F}" destId="{B24FA4F3-9C20-4A4A-82EF-1976375DA2DC}" srcOrd="0" destOrd="0" parTransId="{8A8D293E-E2B0-4F42-B180-4098F47E7BA6}" sibTransId="{DB1D1779-87A5-4BBD-BC88-E95E6CB2BA8C}"/>
+    <dgm:cxn modelId="{B2E1EB02-7C18-4532-BAE4-5F8260B95F4C}" type="presOf" srcId="{B24FA4F3-9C20-4A4A-82EF-1976375DA2DC}" destId="{02BAF7DA-CFE3-455E-81F4-8C8D5DBF07C9}" srcOrd="0" destOrd="0" presId="urn:microsoft.com/office/officeart/2008/layout/LinedList"/>
+    <dgm:cxn modelId="{ACA7BF18-A07F-456B-A759-A5CFE95BD80C}" type="presOf" srcId="{D624FDDF-C00F-4E12-8C2A-B4F9011C951F}" destId="{CEE896F5-6A58-42CE-A320-152E6BFBBD11}" srcOrd="0" destOrd="0" presId="urn:microsoft.com/office/officeart/2008/layout/LinedList"/>
+    <dgm:cxn modelId="{DD806D23-B3B9-482E-80C3-31BA8186CA32}" type="presOf" srcId="{D672490F-8B22-4C12-B522-B7839F1770DB}" destId="{4254D8D1-53AE-4E9B-B604-E3A12A832AD5}" srcOrd="0" destOrd="0" presId="urn:microsoft.com/office/officeart/2008/layout/LinedList"/>
+    <dgm:cxn modelId="{A017BC2F-A023-4F13-9491-E81B34BE513E}" type="presOf" srcId="{B12A95E9-8C6E-46EE-9A8D-57FB55DAC882}" destId="{D784C0FE-7B51-482C-B203-5F687D06A36C}" srcOrd="0" destOrd="0" presId="urn:microsoft.com/office/officeart/2008/layout/LinedList"/>
+    <dgm:cxn modelId="{E4921E4E-23A4-4036-A3E2-91AD6BCD4B2B}" type="presOf" srcId="{6B29CBEA-F6A1-4A15-86E5-9F04ED39ADAD}" destId="{E287B03E-3805-4B88-8DB7-ED50A0D63866}" srcOrd="0" destOrd="0" presId="urn:microsoft.com/office/officeart/2008/layout/LinedList"/>
+    <dgm:cxn modelId="{EADF1E74-10FC-4F7A-B9D4-4C3F17E8DD0D}" srcId="{D624FDDF-C00F-4E12-8C2A-B4F9011C951F}" destId="{6B29CBEA-F6A1-4A15-86E5-9F04ED39ADAD}" srcOrd="3" destOrd="0" parTransId="{173353F3-047D-4C2C-80C0-2505AC76467B}" sibTransId="{D9B60643-D497-4F79-BF3B-D51A9B40B1DC}"/>
+    <dgm:cxn modelId="{397CD855-37C7-438E-B67E-39031966C333}" srcId="{D624FDDF-C00F-4E12-8C2A-B4F9011C951F}" destId="{4A0C7437-9470-4CA7-9666-B07C250B6832}" srcOrd="4" destOrd="0" parTransId="{669DC967-A32E-466A-A2BF-61881188A092}" sibTransId="{7361B05E-FD1C-4268-9167-5B71C65D8BDB}"/>
+    <dgm:cxn modelId="{20FC387E-A0F2-4DF5-9383-2EFCF5F1328D}" type="presOf" srcId="{4A0C7437-9470-4CA7-9666-B07C250B6832}" destId="{B3492493-E95E-4C32-A273-7694343E52CE}" srcOrd="0" destOrd="0" presId="urn:microsoft.com/office/officeart/2008/layout/LinedList"/>
+    <dgm:cxn modelId="{D23051FE-DD98-4883-9942-C14864F0F8E8}" srcId="{D624FDDF-C00F-4E12-8C2A-B4F9011C951F}" destId="{D672490F-8B22-4C12-B522-B7839F1770DB}" srcOrd="1" destOrd="0" parTransId="{3E3E3E02-97F7-4287-B72A-B53F9146FEBE}" sibTransId="{4D45C70F-86FE-4EED-B284-9BA7810A1F7F}"/>
+    <dgm:cxn modelId="{C528C4FF-0F5B-4AD4-BA50-528DBDAC89AD}" srcId="{D624FDDF-C00F-4E12-8C2A-B4F9011C951F}" destId="{B12A95E9-8C6E-46EE-9A8D-57FB55DAC882}" srcOrd="2" destOrd="0" parTransId="{BA032F8C-279D-4F1E-A19D-024ECCC2D5CD}" sibTransId="{5469DA54-5A2D-4B25-8B97-3F6B457BB8AD}"/>
+    <dgm:cxn modelId="{2F3D4081-2AD6-427A-9620-980B71CA7B72}" type="presParOf" srcId="{CEE896F5-6A58-42CE-A320-152E6BFBBD11}" destId="{42A92718-7066-4F6A-AA5A-D212A10F907F}" srcOrd="0" destOrd="0" presId="urn:microsoft.com/office/officeart/2008/layout/LinedList"/>
+    <dgm:cxn modelId="{443C7E9D-2A6F-4FC7-B624-810E0BC4A4DE}" type="presParOf" srcId="{CEE896F5-6A58-42CE-A320-152E6BFBBD11}" destId="{73AB1FAD-AE9B-4AAA-9BBD-8E8E4DCAE3DB}" srcOrd="1" destOrd="0" presId="urn:microsoft.com/office/officeart/2008/layout/LinedList"/>
+    <dgm:cxn modelId="{D0AA22C2-E97D-4D33-9EBA-7902D097FD5E}" type="presParOf" srcId="{73AB1FAD-AE9B-4AAA-9BBD-8E8E4DCAE3DB}" destId="{02BAF7DA-CFE3-455E-81F4-8C8D5DBF07C9}" srcOrd="0" destOrd="0" presId="urn:microsoft.com/office/officeart/2008/layout/LinedList"/>
+    <dgm:cxn modelId="{126F9FF4-10A1-4567-B299-5C8D1D7211D6}" type="presParOf" srcId="{73AB1FAD-AE9B-4AAA-9BBD-8E8E4DCAE3DB}" destId="{EA922934-DE51-49F4-A752-0C7CDE4EF791}" srcOrd="1" destOrd="0" presId="urn:microsoft.com/office/officeart/2008/layout/LinedList"/>
+    <dgm:cxn modelId="{ADA1F27D-BCA1-4FB2-9516-279C9F9D65F6}" type="presParOf" srcId="{CEE896F5-6A58-42CE-A320-152E6BFBBD11}" destId="{B77336A3-5E49-4803-9031-A652F0E4DCFF}" srcOrd="2" destOrd="0" presId="urn:microsoft.com/office/officeart/2008/layout/LinedList"/>
+    <dgm:cxn modelId="{2DD4F1B4-223C-48EE-9B84-B37ED68D2BBE}" type="presParOf" srcId="{CEE896F5-6A58-42CE-A320-152E6BFBBD11}" destId="{4BA6F9F8-5885-4395-BE08-3D38F8EC92C1}" srcOrd="3" destOrd="0" presId="urn:microsoft.com/office/officeart/2008/layout/LinedList"/>
+    <dgm:cxn modelId="{C3393CC3-C5C2-488D-A6C8-ECB7BEF7CD7B}" type="presParOf" srcId="{4BA6F9F8-5885-4395-BE08-3D38F8EC92C1}" destId="{4254D8D1-53AE-4E9B-B604-E3A12A832AD5}" srcOrd="0" destOrd="0" presId="urn:microsoft.com/office/officeart/2008/layout/LinedList"/>
+    <dgm:cxn modelId="{F8819933-834C-4C32-BAFC-6AAAF1AA735D}" type="presParOf" srcId="{4BA6F9F8-5885-4395-BE08-3D38F8EC92C1}" destId="{574D22F1-AA78-4C63-A84E-0A66DCE42F20}" srcOrd="1" destOrd="0" presId="urn:microsoft.com/office/officeart/2008/layout/LinedList"/>
+    <dgm:cxn modelId="{FF88A640-EE85-4A3D-BB9C-6A752467E267}" type="presParOf" srcId="{CEE896F5-6A58-42CE-A320-152E6BFBBD11}" destId="{D55CD4B4-BA3B-4576-BC32-B4B8584239F2}" srcOrd="4" destOrd="0" presId="urn:microsoft.com/office/officeart/2008/layout/LinedList"/>
+    <dgm:cxn modelId="{45E473CD-A141-45EF-A9F5-E7D02A3CA14B}" type="presParOf" srcId="{CEE896F5-6A58-42CE-A320-152E6BFBBD11}" destId="{665200E1-FFF7-42DA-8891-94040009E7A1}" srcOrd="5" destOrd="0" presId="urn:microsoft.com/office/officeart/2008/layout/LinedList"/>
+    <dgm:cxn modelId="{1C93ECEB-791C-465A-B315-B5DF5C3620C4}" type="presParOf" srcId="{665200E1-FFF7-42DA-8891-94040009E7A1}" destId="{D784C0FE-7B51-482C-B203-5F687D06A36C}" srcOrd="0" destOrd="0" presId="urn:microsoft.com/office/officeart/2008/layout/LinedList"/>
+    <dgm:cxn modelId="{8AB9156E-840F-4DBA-98D6-BC694AB61A80}" type="presParOf" srcId="{665200E1-FFF7-42DA-8891-94040009E7A1}" destId="{E9793441-437D-4905-B6EC-5550E80A1A87}" srcOrd="1" destOrd="0" presId="urn:microsoft.com/office/officeart/2008/layout/LinedList"/>
+    <dgm:cxn modelId="{20E7F0A2-AC50-432D-97E8-1C432F3FBE46}" type="presParOf" srcId="{CEE896F5-6A58-42CE-A320-152E6BFBBD11}" destId="{16AB90D7-EBB5-45BF-AB6D-05F1A0300860}" srcOrd="6" destOrd="0" presId="urn:microsoft.com/office/officeart/2008/layout/LinedList"/>
+    <dgm:cxn modelId="{5462BF3F-1D39-4358-874D-74914774CE7C}" type="presParOf" srcId="{CEE896F5-6A58-42CE-A320-152E6BFBBD11}" destId="{220F4FF5-A997-4E72-AA00-A5834153E345}" srcOrd="7" destOrd="0" presId="urn:microsoft.com/office/officeart/2008/layout/LinedList"/>
+    <dgm:cxn modelId="{E3568618-9673-46A7-A4A4-ADF1297B7C2F}" type="presParOf" srcId="{220F4FF5-A997-4E72-AA00-A5834153E345}" destId="{E287B03E-3805-4B88-8DB7-ED50A0D63866}" srcOrd="0" destOrd="0" presId="urn:microsoft.com/office/officeart/2008/layout/LinedList"/>
+    <dgm:cxn modelId="{76968612-CD6B-491D-8646-87AF98026F65}" type="presParOf" srcId="{220F4FF5-A997-4E72-AA00-A5834153E345}" destId="{BAE43BF8-DBD1-4280-9884-A19A48596259}" srcOrd="1" destOrd="0" presId="urn:microsoft.com/office/officeart/2008/layout/LinedList"/>
+    <dgm:cxn modelId="{E9290C7F-A8B4-4911-9F0A-CA567C806BB2}" type="presParOf" srcId="{CEE896F5-6A58-42CE-A320-152E6BFBBD11}" destId="{FD992DA9-9AE1-4291-9AAA-81E672CD8DE1}" srcOrd="8" destOrd="0" presId="urn:microsoft.com/office/officeart/2008/layout/LinedList"/>
+    <dgm:cxn modelId="{AA2079F6-9342-44F2-98F3-874CD7922B7C}" type="presParOf" srcId="{CEE896F5-6A58-42CE-A320-152E6BFBBD11}" destId="{1600219A-1FCC-48A2-B764-0A5DFE2B1092}" srcOrd="9" destOrd="0" presId="urn:microsoft.com/office/officeart/2008/layout/LinedList"/>
+    <dgm:cxn modelId="{82E0BFC3-BAC8-4D17-814B-D75E86814A5A}" type="presParOf" srcId="{1600219A-1FCC-48A2-B764-0A5DFE2B1092}" destId="{B3492493-E95E-4C32-A273-7694343E52CE}" srcOrd="0" destOrd="0" presId="urn:microsoft.com/office/officeart/2008/layout/LinedList"/>
+    <dgm:cxn modelId="{3F6E5CFF-DD34-4C80-9F36-561F57987CDA}" type="presParOf" srcId="{1600219A-1FCC-48A2-B764-0A5DFE2B1092}" destId="{AE0AEC38-6AD0-4DB8-8E25-7348465E76FA}" srcOrd="1" destOrd="0" presId="urn:microsoft.com/office/officeart/2008/layout/LinedList"/>
+  </dgm:cxnLst>
+  <dgm:bg/>
+  <dgm:whole/>
+  <dgm:extLst>
+    <a:ext uri="http://schemas.microsoft.com/office/drawing/2008/diagram">
+      <dsp:dataModelExt xmlns:dsp="http://schemas.microsoft.com/office/drawing/2008/diagram" relId="rId6" minVer="http://schemas.openxmlformats.org/drawingml/2006/diagram"/>
+    </a:ext>
+  </dgm:extLst>
+</dgm:dataModel>
+</file>
+
+<file path=ppt/diagrams/data2.xml><?xml version="1.0" encoding="utf-8"?>
+<dgm:dataModel xmlns:dgm="http://schemas.openxmlformats.org/drawingml/2006/diagram" xmlns:a="http://schemas.openxmlformats.org/drawingml/2006/main">
+  <dgm:ptLst>
+    <dgm:pt modelId="{E1063240-F220-4487-A82A-BCC109E99895}" type="doc">
+      <dgm:prSet loTypeId="urn:microsoft.com/office/officeart/2008/layout/LinedList" loCatId="list" qsTypeId="urn:microsoft.com/office/officeart/2005/8/quickstyle/simple1" qsCatId="simple" csTypeId="urn:microsoft.com/office/officeart/2005/8/colors/colorful2" csCatId="colorful"/>
+      <dgm:spPr/>
+      <dgm:t>
+        <a:bodyPr/>
+        <a:lstStyle/>
+        <a:p>
+          <a:endParaRPr lang="en-US"/>
+        </a:p>
+      </dgm:t>
+    </dgm:pt>
+    <dgm:pt modelId="{3AB55EE9-13DB-449E-ABF4-4B07AD227FF5}">
+      <dgm:prSet/>
+      <dgm:spPr/>
+      <dgm:t>
+        <a:bodyPr/>
+        <a:lstStyle/>
+        <a:p>
+          <a:r>
+            <a:rPr lang="pt-PT" dirty="0"/>
+            <a:t>Programação do website/programa;</a:t>
+          </a:r>
+          <a:endParaRPr lang="en-US" dirty="0"/>
+        </a:p>
+      </dgm:t>
+    </dgm:pt>
+    <dgm:pt modelId="{71B15298-28FB-4FC6-B9A5-67F01BFC09BC}" type="parTrans" cxnId="{931942B9-D983-43E5-BEB8-ED91C9963F04}">
+      <dgm:prSet/>
+      <dgm:spPr/>
+      <dgm:t>
+        <a:bodyPr/>
+        <a:lstStyle/>
+        <a:p>
+          <a:endParaRPr lang="en-US"/>
+        </a:p>
+      </dgm:t>
+    </dgm:pt>
+    <dgm:pt modelId="{EF591BB4-CB2E-43C5-805D-C0D98FF9A992}" type="sibTrans" cxnId="{931942B9-D983-43E5-BEB8-ED91C9963F04}">
+      <dgm:prSet/>
+      <dgm:spPr/>
+      <dgm:t>
+        <a:bodyPr/>
+        <a:lstStyle/>
+        <a:p>
+          <a:endParaRPr lang="en-US"/>
+        </a:p>
+      </dgm:t>
+    </dgm:pt>
+    <dgm:pt modelId="{C3D37891-D982-4DC0-8DFD-35745339AF90}">
+      <dgm:prSet/>
+      <dgm:spPr/>
+      <dgm:t>
+        <a:bodyPr/>
+        <a:lstStyle/>
+        <a:p>
+          <a:r>
+            <a:rPr lang="pt-PT" dirty="0"/>
+            <a:t>Escolha do restaurante mais próximo da morada para entrega da pizza;</a:t>
+          </a:r>
+          <a:endParaRPr lang="en-US" dirty="0"/>
+        </a:p>
+      </dgm:t>
+    </dgm:pt>
+    <dgm:pt modelId="{8677A612-5DDC-415F-84CB-8BB2F3B1172F}" type="parTrans" cxnId="{C69DE156-9062-4D9E-8A83-B06C19489D4D}">
+      <dgm:prSet/>
+      <dgm:spPr/>
+      <dgm:t>
+        <a:bodyPr/>
+        <a:lstStyle/>
+        <a:p>
+          <a:endParaRPr lang="en-US"/>
+        </a:p>
+      </dgm:t>
+    </dgm:pt>
+    <dgm:pt modelId="{68E310AE-24EA-4175-8B44-EACF94ECF063}" type="sibTrans" cxnId="{C69DE156-9062-4D9E-8A83-B06C19489D4D}">
+      <dgm:prSet/>
+      <dgm:spPr/>
+      <dgm:t>
+        <a:bodyPr/>
+        <a:lstStyle/>
+        <a:p>
+          <a:endParaRPr lang="en-US"/>
+        </a:p>
+      </dgm:t>
+    </dgm:pt>
+    <dgm:pt modelId="{C8CEBACE-2670-413B-9762-725438A955F0}">
+      <dgm:prSet/>
+      <dgm:spPr/>
+      <dgm:t>
+        <a:bodyPr/>
+        <a:lstStyle/>
+        <a:p>
+          <a:r>
+            <a:rPr lang="pt-PT"/>
+            <a:t>Verificação do cliente;</a:t>
+          </a:r>
+          <a:endParaRPr lang="en-US"/>
+        </a:p>
+      </dgm:t>
+    </dgm:pt>
+    <dgm:pt modelId="{88F8EFEE-D565-4A33-9389-07B608F08F7B}" type="parTrans" cxnId="{4AE5CA57-87D7-43F2-9024-6BFFB43D9675}">
+      <dgm:prSet/>
+      <dgm:spPr/>
+      <dgm:t>
+        <a:bodyPr/>
+        <a:lstStyle/>
+        <a:p>
+          <a:endParaRPr lang="en-US"/>
+        </a:p>
+      </dgm:t>
+    </dgm:pt>
+    <dgm:pt modelId="{B5EF7E5B-F95F-4926-A2B3-A6DDA2699B30}" type="sibTrans" cxnId="{4AE5CA57-87D7-43F2-9024-6BFFB43D9675}">
+      <dgm:prSet/>
+      <dgm:spPr/>
+      <dgm:t>
+        <a:bodyPr/>
+        <a:lstStyle/>
+        <a:p>
+          <a:endParaRPr lang="en-US"/>
+        </a:p>
+      </dgm:t>
+    </dgm:pt>
+    <dgm:pt modelId="{C402757B-BFC6-45E9-A965-A33EAF28F446}">
+      <dgm:prSet/>
+      <dgm:spPr/>
+      <dgm:t>
+        <a:bodyPr/>
+        <a:lstStyle/>
+        <a:p>
+          <a:r>
+            <a:rPr lang="pt-PT" dirty="0"/>
+            <a:t>Utilização de um SGBD;</a:t>
+          </a:r>
+          <a:endParaRPr lang="en-US" dirty="0"/>
+        </a:p>
+      </dgm:t>
+    </dgm:pt>
+    <dgm:pt modelId="{CAF41288-9967-4A08-9B83-EA9C95CB38D4}" type="parTrans" cxnId="{BDD6D40F-4358-401C-AACE-0CB741197C58}">
+      <dgm:prSet/>
+      <dgm:spPr/>
+      <dgm:t>
+        <a:bodyPr/>
+        <a:lstStyle/>
+        <a:p>
+          <a:endParaRPr lang="en-US"/>
+        </a:p>
+      </dgm:t>
+    </dgm:pt>
+    <dgm:pt modelId="{41C542F2-60E4-4D8F-80A1-5AB0CC024CFE}" type="sibTrans" cxnId="{BDD6D40F-4358-401C-AACE-0CB741197C58}">
+      <dgm:prSet/>
+      <dgm:spPr/>
+      <dgm:t>
+        <a:bodyPr/>
+        <a:lstStyle/>
+        <a:p>
+          <a:endParaRPr lang="en-US"/>
+        </a:p>
+      </dgm:t>
+    </dgm:pt>
+    <dgm:pt modelId="{48C0313A-A47F-43D9-A533-B719EA48AFB8}" type="pres">
+      <dgm:prSet presAssocID="{E1063240-F220-4487-A82A-BCC109E99895}" presName="vert0" presStyleCnt="0">
+        <dgm:presLayoutVars>
+          <dgm:dir/>
+          <dgm:animOne val="branch"/>
+          <dgm:animLvl val="lvl"/>
+        </dgm:presLayoutVars>
+      </dgm:prSet>
+      <dgm:spPr/>
+    </dgm:pt>
+    <dgm:pt modelId="{366BF79E-86D6-450A-8894-1310C888E927}" type="pres">
+      <dgm:prSet presAssocID="{3AB55EE9-13DB-449E-ABF4-4B07AD227FF5}" presName="thickLine" presStyleLbl="alignNode1" presStyleIdx="0" presStyleCnt="4"/>
+      <dgm:spPr/>
+    </dgm:pt>
+    <dgm:pt modelId="{ACD02CFE-34A6-436D-A0C4-4B2F531D30EF}" type="pres">
+      <dgm:prSet presAssocID="{3AB55EE9-13DB-449E-ABF4-4B07AD227FF5}" presName="horz1" presStyleCnt="0"/>
+      <dgm:spPr/>
+    </dgm:pt>
+    <dgm:pt modelId="{71A35076-6BFC-418E-9590-FE2232B7C2DF}" type="pres">
+      <dgm:prSet presAssocID="{3AB55EE9-13DB-449E-ABF4-4B07AD227FF5}" presName="tx1" presStyleLbl="revTx" presStyleIdx="0" presStyleCnt="4"/>
+      <dgm:spPr/>
+    </dgm:pt>
+    <dgm:pt modelId="{DFBC71AA-F28F-4E35-A0FB-C1AC462BB0AB}" type="pres">
+      <dgm:prSet presAssocID="{3AB55EE9-13DB-449E-ABF4-4B07AD227FF5}" presName="vert1" presStyleCnt="0"/>
+      <dgm:spPr/>
+    </dgm:pt>
+    <dgm:pt modelId="{491CB2D2-6AF0-4AD4-98CE-3AC24FF9195E}" type="pres">
+      <dgm:prSet presAssocID="{C3D37891-D982-4DC0-8DFD-35745339AF90}" presName="thickLine" presStyleLbl="alignNode1" presStyleIdx="1" presStyleCnt="4"/>
+      <dgm:spPr/>
+    </dgm:pt>
+    <dgm:pt modelId="{8338A7B9-227A-4916-9C19-A1583E49F1B2}" type="pres">
+      <dgm:prSet presAssocID="{C3D37891-D982-4DC0-8DFD-35745339AF90}" presName="horz1" presStyleCnt="0"/>
+      <dgm:spPr/>
+    </dgm:pt>
+    <dgm:pt modelId="{D3D9F4E9-9D80-4474-A8F5-A4B75842D427}" type="pres">
+      <dgm:prSet presAssocID="{C3D37891-D982-4DC0-8DFD-35745339AF90}" presName="tx1" presStyleLbl="revTx" presStyleIdx="1" presStyleCnt="4"/>
+      <dgm:spPr/>
+    </dgm:pt>
+    <dgm:pt modelId="{9276EF35-9A26-4DD7-876D-02E3C7A33A24}" type="pres">
+      <dgm:prSet presAssocID="{C3D37891-D982-4DC0-8DFD-35745339AF90}" presName="vert1" presStyleCnt="0"/>
+      <dgm:spPr/>
+    </dgm:pt>
+    <dgm:pt modelId="{5740D15F-D91C-4D1E-B5B1-438D08C66EF8}" type="pres">
+      <dgm:prSet presAssocID="{C8CEBACE-2670-413B-9762-725438A955F0}" presName="thickLine" presStyleLbl="alignNode1" presStyleIdx="2" presStyleCnt="4"/>
+      <dgm:spPr/>
+    </dgm:pt>
+    <dgm:pt modelId="{978CB06C-8B9F-42FB-B52E-2BC3E670DA4A}" type="pres">
+      <dgm:prSet presAssocID="{C8CEBACE-2670-413B-9762-725438A955F0}" presName="horz1" presStyleCnt="0"/>
+      <dgm:spPr/>
+    </dgm:pt>
+    <dgm:pt modelId="{3C508A61-0A14-4B12-B1DF-086C09184852}" type="pres">
+      <dgm:prSet presAssocID="{C8CEBACE-2670-413B-9762-725438A955F0}" presName="tx1" presStyleLbl="revTx" presStyleIdx="2" presStyleCnt="4"/>
+      <dgm:spPr/>
+    </dgm:pt>
+    <dgm:pt modelId="{88C8B20D-3655-4C7D-B914-0C804C8A1374}" type="pres">
+      <dgm:prSet presAssocID="{C8CEBACE-2670-413B-9762-725438A955F0}" presName="vert1" presStyleCnt="0"/>
+      <dgm:spPr/>
+    </dgm:pt>
+    <dgm:pt modelId="{C4219F01-90FC-464F-8204-192C395BFA1E}" type="pres">
+      <dgm:prSet presAssocID="{C402757B-BFC6-45E9-A965-A33EAF28F446}" presName="thickLine" presStyleLbl="alignNode1" presStyleIdx="3" presStyleCnt="4"/>
+      <dgm:spPr/>
+    </dgm:pt>
+    <dgm:pt modelId="{AC5A9F73-D41B-42E5-9E5B-0E1F282717EE}" type="pres">
+      <dgm:prSet presAssocID="{C402757B-BFC6-45E9-A965-A33EAF28F446}" presName="horz1" presStyleCnt="0"/>
+      <dgm:spPr/>
+    </dgm:pt>
+    <dgm:pt modelId="{0963590E-09F5-4545-B901-CD4E8544AF9F}" type="pres">
+      <dgm:prSet presAssocID="{C402757B-BFC6-45E9-A965-A33EAF28F446}" presName="tx1" presStyleLbl="revTx" presStyleIdx="3" presStyleCnt="4"/>
+      <dgm:spPr/>
+    </dgm:pt>
+    <dgm:pt modelId="{625B8F63-710D-41B3-9DA8-33F003D6B645}" type="pres">
+      <dgm:prSet presAssocID="{C402757B-BFC6-45E9-A965-A33EAF28F446}" presName="vert1" presStyleCnt="0"/>
+      <dgm:spPr/>
+    </dgm:pt>
+  </dgm:ptLst>
+  <dgm:cxnLst>
+    <dgm:cxn modelId="{BDD6D40F-4358-401C-AACE-0CB741197C58}" srcId="{E1063240-F220-4487-A82A-BCC109E99895}" destId="{C402757B-BFC6-45E9-A965-A33EAF28F446}" srcOrd="3" destOrd="0" parTransId="{CAF41288-9967-4A08-9B83-EA9C95CB38D4}" sibTransId="{41C542F2-60E4-4D8F-80A1-5AB0CC024CFE}"/>
+    <dgm:cxn modelId="{0B31CF2B-2C44-4F00-84D1-D98994134681}" type="presOf" srcId="{C3D37891-D982-4DC0-8DFD-35745339AF90}" destId="{D3D9F4E9-9D80-4474-A8F5-A4B75842D427}" srcOrd="0" destOrd="0" presId="urn:microsoft.com/office/officeart/2008/layout/LinedList"/>
+    <dgm:cxn modelId="{C96BFD5B-6148-4D38-9D44-9C01DCA891D7}" type="presOf" srcId="{C8CEBACE-2670-413B-9762-725438A955F0}" destId="{3C508A61-0A14-4B12-B1DF-086C09184852}" srcOrd="0" destOrd="0" presId="urn:microsoft.com/office/officeart/2008/layout/LinedList"/>
+    <dgm:cxn modelId="{C69DE156-9062-4D9E-8A83-B06C19489D4D}" srcId="{E1063240-F220-4487-A82A-BCC109E99895}" destId="{C3D37891-D982-4DC0-8DFD-35745339AF90}" srcOrd="1" destOrd="0" parTransId="{8677A612-5DDC-415F-84CB-8BB2F3B1172F}" sibTransId="{68E310AE-24EA-4175-8B44-EACF94ECF063}"/>
+    <dgm:cxn modelId="{4AE5CA57-87D7-43F2-9024-6BFFB43D9675}" srcId="{E1063240-F220-4487-A82A-BCC109E99895}" destId="{C8CEBACE-2670-413B-9762-725438A955F0}" srcOrd="2" destOrd="0" parTransId="{88F8EFEE-D565-4A33-9389-07B608F08F7B}" sibTransId="{B5EF7E5B-F95F-4926-A2B3-A6DDA2699B30}"/>
+    <dgm:cxn modelId="{0504E882-3BA9-473F-A59D-52387B53D084}" type="presOf" srcId="{C402757B-BFC6-45E9-A965-A33EAF28F446}" destId="{0963590E-09F5-4545-B901-CD4E8544AF9F}" srcOrd="0" destOrd="0" presId="urn:microsoft.com/office/officeart/2008/layout/LinedList"/>
+    <dgm:cxn modelId="{931942B9-D983-43E5-BEB8-ED91C9963F04}" srcId="{E1063240-F220-4487-A82A-BCC109E99895}" destId="{3AB55EE9-13DB-449E-ABF4-4B07AD227FF5}" srcOrd="0" destOrd="0" parTransId="{71B15298-28FB-4FC6-B9A5-67F01BFC09BC}" sibTransId="{EF591BB4-CB2E-43C5-805D-C0D98FF9A992}"/>
+    <dgm:cxn modelId="{9E42C9DC-BACE-4B29-B16B-ECF94EA5BD83}" type="presOf" srcId="{3AB55EE9-13DB-449E-ABF4-4B07AD227FF5}" destId="{71A35076-6BFC-418E-9590-FE2232B7C2DF}" srcOrd="0" destOrd="0" presId="urn:microsoft.com/office/officeart/2008/layout/LinedList"/>
+    <dgm:cxn modelId="{F830E5FC-0A63-4B92-9451-4C6B05994404}" type="presOf" srcId="{E1063240-F220-4487-A82A-BCC109E99895}" destId="{48C0313A-A47F-43D9-A533-B719EA48AFB8}" srcOrd="0" destOrd="0" presId="urn:microsoft.com/office/officeart/2008/layout/LinedList"/>
+    <dgm:cxn modelId="{3868F1A6-24C5-4EED-AB4C-61607D375680}" type="presParOf" srcId="{48C0313A-A47F-43D9-A533-B719EA48AFB8}" destId="{366BF79E-86D6-450A-8894-1310C888E927}" srcOrd="0" destOrd="0" presId="urn:microsoft.com/office/officeart/2008/layout/LinedList"/>
+    <dgm:cxn modelId="{B70E0B40-D6B6-42EC-8C31-6EA1486E20E5}" type="presParOf" srcId="{48C0313A-A47F-43D9-A533-B719EA48AFB8}" destId="{ACD02CFE-34A6-436D-A0C4-4B2F531D30EF}" srcOrd="1" destOrd="0" presId="urn:microsoft.com/office/officeart/2008/layout/LinedList"/>
+    <dgm:cxn modelId="{1F2C0F56-9977-4FAB-9DFA-89109B58EF7F}" type="presParOf" srcId="{ACD02CFE-34A6-436D-A0C4-4B2F531D30EF}" destId="{71A35076-6BFC-418E-9590-FE2232B7C2DF}" srcOrd="0" destOrd="0" presId="urn:microsoft.com/office/officeart/2008/layout/LinedList"/>
+    <dgm:cxn modelId="{91E8E3CE-E9D1-4624-BF9A-06A6706145EF}" type="presParOf" srcId="{ACD02CFE-34A6-436D-A0C4-4B2F531D30EF}" destId="{DFBC71AA-F28F-4E35-A0FB-C1AC462BB0AB}" srcOrd="1" destOrd="0" presId="urn:microsoft.com/office/officeart/2008/layout/LinedList"/>
+    <dgm:cxn modelId="{7AA42F7A-D362-4A5C-819B-9402E85D81D4}" type="presParOf" srcId="{48C0313A-A47F-43D9-A533-B719EA48AFB8}" destId="{491CB2D2-6AF0-4AD4-98CE-3AC24FF9195E}" srcOrd="2" destOrd="0" presId="urn:microsoft.com/office/officeart/2008/layout/LinedList"/>
+    <dgm:cxn modelId="{C9B3E231-BFAE-475C-BCF9-AEE3FEB1E9FE}" type="presParOf" srcId="{48C0313A-A47F-43D9-A533-B719EA48AFB8}" destId="{8338A7B9-227A-4916-9C19-A1583E49F1B2}" srcOrd="3" destOrd="0" presId="urn:microsoft.com/office/officeart/2008/layout/LinedList"/>
+    <dgm:cxn modelId="{50EB79F5-B708-4100-B42B-8FBC69307A8A}" type="presParOf" srcId="{8338A7B9-227A-4916-9C19-A1583E49F1B2}" destId="{D3D9F4E9-9D80-4474-A8F5-A4B75842D427}" srcOrd="0" destOrd="0" presId="urn:microsoft.com/office/officeart/2008/layout/LinedList"/>
+    <dgm:cxn modelId="{88FFBFEF-81C3-4C9F-9CFC-864AE8967332}" type="presParOf" srcId="{8338A7B9-227A-4916-9C19-A1583E49F1B2}" destId="{9276EF35-9A26-4DD7-876D-02E3C7A33A24}" srcOrd="1" destOrd="0" presId="urn:microsoft.com/office/officeart/2008/layout/LinedList"/>
+    <dgm:cxn modelId="{A9E81E44-23D2-40E1-9D1E-979B8CF71DD7}" type="presParOf" srcId="{48C0313A-A47F-43D9-A533-B719EA48AFB8}" destId="{5740D15F-D91C-4D1E-B5B1-438D08C66EF8}" srcOrd="4" destOrd="0" presId="urn:microsoft.com/office/officeart/2008/layout/LinedList"/>
+    <dgm:cxn modelId="{9DBF8FE2-0BC1-48A1-BD3F-305BEEC3DE57}" type="presParOf" srcId="{48C0313A-A47F-43D9-A533-B719EA48AFB8}" destId="{978CB06C-8B9F-42FB-B52E-2BC3E670DA4A}" srcOrd="5" destOrd="0" presId="urn:microsoft.com/office/officeart/2008/layout/LinedList"/>
+    <dgm:cxn modelId="{D4214E7F-1632-46CB-9205-F61527E20C08}" type="presParOf" srcId="{978CB06C-8B9F-42FB-B52E-2BC3E670DA4A}" destId="{3C508A61-0A14-4B12-B1DF-086C09184852}" srcOrd="0" destOrd="0" presId="urn:microsoft.com/office/officeart/2008/layout/LinedList"/>
+    <dgm:cxn modelId="{D2D6E115-B583-4820-B1DF-5951FBE3AC4E}" type="presParOf" srcId="{978CB06C-8B9F-42FB-B52E-2BC3E670DA4A}" destId="{88C8B20D-3655-4C7D-B914-0C804C8A1374}" srcOrd="1" destOrd="0" presId="urn:microsoft.com/office/officeart/2008/layout/LinedList"/>
+    <dgm:cxn modelId="{A5EC8232-1CE4-45F3-BF5C-FA09147A8FD1}" type="presParOf" srcId="{48C0313A-A47F-43D9-A533-B719EA48AFB8}" destId="{C4219F01-90FC-464F-8204-192C395BFA1E}" srcOrd="6" destOrd="0" presId="urn:microsoft.com/office/officeart/2008/layout/LinedList"/>
+    <dgm:cxn modelId="{3183392F-8F8A-4DBE-A994-8FE4665ECE91}" type="presParOf" srcId="{48C0313A-A47F-43D9-A533-B719EA48AFB8}" destId="{AC5A9F73-D41B-42E5-9E5B-0E1F282717EE}" srcOrd="7" destOrd="0" presId="urn:microsoft.com/office/officeart/2008/layout/LinedList"/>
+    <dgm:cxn modelId="{B4A3D7DB-F62C-4DD0-8340-8A4A26439F2D}" type="presParOf" srcId="{AC5A9F73-D41B-42E5-9E5B-0E1F282717EE}" destId="{0963590E-09F5-4545-B901-CD4E8544AF9F}" srcOrd="0" destOrd="0" presId="urn:microsoft.com/office/officeart/2008/layout/LinedList"/>
+    <dgm:cxn modelId="{6F9EE489-5416-4C6C-8FB5-2F5B2B16177C}" type="presParOf" srcId="{AC5A9F73-D41B-42E5-9E5B-0E1F282717EE}" destId="{625B8F63-710D-41B3-9DA8-33F003D6B645}" srcOrd="1" destOrd="0" presId="urn:microsoft.com/office/officeart/2008/layout/LinedList"/>
+  </dgm:cxnLst>
+  <dgm:bg/>
+  <dgm:whole/>
+  <dgm:extLst>
+    <a:ext uri="http://schemas.microsoft.com/office/drawing/2008/diagram">
+      <dsp:dataModelExt xmlns:dsp="http://schemas.microsoft.com/office/drawing/2008/diagram" relId="rId6" minVer="http://schemas.openxmlformats.org/drawingml/2006/diagram"/>
+    </a:ext>
+  </dgm:extLst>
+</dgm:dataModel>
+</file>
+
+<file path=ppt/diagrams/drawing1.xml><?xml version="1.0" encoding="utf-8"?>
+<dsp:drawing xmlns:dgm="http://schemas.openxmlformats.org/drawingml/2006/diagram" xmlns:dsp="http://schemas.microsoft.com/office/drawing/2008/diagram" xmlns:a="http://schemas.openxmlformats.org/drawingml/2006/main">
+  <dsp:spTree>
+    <dsp:nvGrpSpPr>
+      <dsp:cNvPr id="0" name=""/>
+      <dsp:cNvGrpSpPr/>
+    </dsp:nvGrpSpPr>
+    <dsp:grpSpPr/>
+    <dsp:sp modelId="{42A92718-7066-4F6A-AA5A-D212A10F907F}">
+      <dsp:nvSpPr>
+        <dsp:cNvPr id="0" name=""/>
+        <dsp:cNvSpPr/>
+      </dsp:nvSpPr>
+      <dsp:spPr>
+        <a:xfrm>
+          <a:off x="0" y="623"/>
+          <a:ext cx="6492875" cy="0"/>
+        </a:xfrm>
+        <a:prstGeom prst="line">
+          <a:avLst/>
+        </a:prstGeom>
+        <a:solidFill>
+          <a:schemeClr val="accent2">
+            <a:hueOff val="0"/>
+            <a:satOff val="0"/>
+            <a:lumOff val="0"/>
+            <a:alphaOff val="0"/>
+          </a:schemeClr>
+        </a:solidFill>
+        <a:ln w="12700" cap="flat" cmpd="sng" algn="ctr">
+          <a:solidFill>
+            <a:schemeClr val="accent2">
+              <a:hueOff val="0"/>
+              <a:satOff val="0"/>
+              <a:lumOff val="0"/>
+              <a:alphaOff val="0"/>
+            </a:schemeClr>
+          </a:solidFill>
+          <a:prstDash val="solid"/>
+          <a:miter lim="800000"/>
+        </a:ln>
+        <a:effectLst/>
+      </dsp:spPr>
+      <dsp:style>
+        <a:lnRef idx="2">
+          <a:scrgbClr r="0" g="0" b="0"/>
+        </a:lnRef>
+        <a:fillRef idx="1">
+          <a:scrgbClr r="0" g="0" b="0"/>
+        </a:fillRef>
+        <a:effectRef idx="0">
+          <a:scrgbClr r="0" g="0" b="0"/>
+        </a:effectRef>
+        <a:fontRef idx="minor">
+          <a:schemeClr val="lt1"/>
+        </a:fontRef>
+      </dsp:style>
+    </dsp:sp>
+    <dsp:sp modelId="{02BAF7DA-CFE3-455E-81F4-8C8D5DBF07C9}">
+      <dsp:nvSpPr>
+        <dsp:cNvPr id="0" name=""/>
+        <dsp:cNvSpPr/>
+      </dsp:nvSpPr>
+      <dsp:spPr>
+        <a:xfrm>
+          <a:off x="0" y="623"/>
+          <a:ext cx="6492875" cy="1020830"/>
+        </a:xfrm>
+        <a:prstGeom prst="rect">
+          <a:avLst/>
+        </a:prstGeom>
+        <a:noFill/>
+        <a:ln>
+          <a:noFill/>
+        </a:ln>
+        <a:effectLst/>
+      </dsp:spPr>
+      <dsp:style>
+        <a:lnRef idx="0">
+          <a:scrgbClr r="0" g="0" b="0"/>
+        </a:lnRef>
+        <a:fillRef idx="0">
+          <a:scrgbClr r="0" g="0" b="0"/>
+        </a:fillRef>
+        <a:effectRef idx="0">
+          <a:scrgbClr r="0" g="0" b="0"/>
+        </a:effectRef>
+        <a:fontRef idx="minor"/>
+      </dsp:style>
+      <dsp:txBody>
+        <a:bodyPr spcFirstLastPara="0" vert="horz" wrap="square" lIns="171450" tIns="171450" rIns="171450" bIns="171450" numCol="1" spcCol="1270" anchor="t" anchorCtr="0">
+          <a:noAutofit/>
+        </a:bodyPr>
+        <a:lstStyle/>
+        <a:p>
+          <a:pPr marL="0" lvl="0" indent="0" algn="l" defTabSz="2000250">
+            <a:lnSpc>
+              <a:spcPct val="90000"/>
+            </a:lnSpc>
+            <a:spcBef>
+              <a:spcPct val="0"/>
+            </a:spcBef>
+            <a:spcAft>
+              <a:spcPct val="35000"/>
+            </a:spcAft>
+            <a:buNone/>
+          </a:pPr>
+          <a:r>
+            <a:rPr lang="pt-PT" sz="4500" kern="1200"/>
+            <a:t>Listagem do produtos;</a:t>
+          </a:r>
+          <a:endParaRPr lang="en-US" sz="4500" kern="1200"/>
+        </a:p>
+      </dsp:txBody>
+      <dsp:txXfrm>
+        <a:off x="0" y="623"/>
+        <a:ext cx="6492875" cy="1020830"/>
+      </dsp:txXfrm>
+    </dsp:sp>
+    <dsp:sp modelId="{B77336A3-5E49-4803-9031-A652F0E4DCFF}">
+      <dsp:nvSpPr>
+        <dsp:cNvPr id="0" name=""/>
+        <dsp:cNvSpPr/>
+      </dsp:nvSpPr>
+      <dsp:spPr>
+        <a:xfrm>
+          <a:off x="0" y="1021453"/>
+          <a:ext cx="6492875" cy="0"/>
+        </a:xfrm>
+        <a:prstGeom prst="line">
+          <a:avLst/>
+        </a:prstGeom>
+        <a:solidFill>
+          <a:schemeClr val="accent2">
+            <a:hueOff val="-363841"/>
+            <a:satOff val="-20982"/>
+            <a:lumOff val="2157"/>
+            <a:alphaOff val="0"/>
+          </a:schemeClr>
+        </a:solidFill>
+        <a:ln w="12700" cap="flat" cmpd="sng" algn="ctr">
+          <a:solidFill>
+            <a:schemeClr val="accent2">
+              <a:hueOff val="-363841"/>
+              <a:satOff val="-20982"/>
+              <a:lumOff val="2157"/>
+              <a:alphaOff val="0"/>
+            </a:schemeClr>
+          </a:solidFill>
+          <a:prstDash val="solid"/>
+          <a:miter lim="800000"/>
+        </a:ln>
+        <a:effectLst/>
+      </dsp:spPr>
+      <dsp:style>
+        <a:lnRef idx="2">
+          <a:scrgbClr r="0" g="0" b="0"/>
+        </a:lnRef>
+        <a:fillRef idx="1">
+          <a:scrgbClr r="0" g="0" b="0"/>
+        </a:fillRef>
+        <a:effectRef idx="0">
+          <a:scrgbClr r="0" g="0" b="0"/>
+        </a:effectRef>
+        <a:fontRef idx="minor">
+          <a:schemeClr val="lt1"/>
+        </a:fontRef>
+      </dsp:style>
+    </dsp:sp>
+    <dsp:sp modelId="{4254D8D1-53AE-4E9B-B604-E3A12A832AD5}">
+      <dsp:nvSpPr>
+        <dsp:cNvPr id="0" name=""/>
+        <dsp:cNvSpPr/>
+      </dsp:nvSpPr>
+      <dsp:spPr>
+        <a:xfrm>
+          <a:off x="0" y="1021453"/>
+          <a:ext cx="6492875" cy="1020830"/>
+        </a:xfrm>
+        <a:prstGeom prst="rect">
+          <a:avLst/>
+        </a:prstGeom>
+        <a:noFill/>
+        <a:ln>
+          <a:noFill/>
+        </a:ln>
+        <a:effectLst/>
+      </dsp:spPr>
+      <dsp:style>
+        <a:lnRef idx="0">
+          <a:scrgbClr r="0" g="0" b="0"/>
+        </a:lnRef>
+        <a:fillRef idx="0">
+          <a:scrgbClr r="0" g="0" b="0"/>
+        </a:fillRef>
+        <a:effectRef idx="0">
+          <a:scrgbClr r="0" g="0" b="0"/>
+        </a:effectRef>
+        <a:fontRef idx="minor"/>
+      </dsp:style>
+      <dsp:txBody>
+        <a:bodyPr spcFirstLastPara="0" vert="horz" wrap="square" lIns="171450" tIns="171450" rIns="171450" bIns="171450" numCol="1" spcCol="1270" anchor="t" anchorCtr="0">
+          <a:noAutofit/>
+        </a:bodyPr>
+        <a:lstStyle/>
+        <a:p>
+          <a:pPr marL="0" lvl="0" indent="0" algn="l" defTabSz="2000250">
+            <a:lnSpc>
+              <a:spcPct val="90000"/>
+            </a:lnSpc>
+            <a:spcBef>
+              <a:spcPct val="0"/>
+            </a:spcBef>
+            <a:spcAft>
+              <a:spcPct val="35000"/>
+            </a:spcAft>
+            <a:buNone/>
+          </a:pPr>
+          <a:r>
+            <a:rPr lang="pt-PT" sz="4500" kern="1200"/>
+            <a:t>Carrinho;</a:t>
+          </a:r>
+          <a:endParaRPr lang="en-US" sz="4500" kern="1200"/>
+        </a:p>
+      </dsp:txBody>
+      <dsp:txXfrm>
+        <a:off x="0" y="1021453"/>
+        <a:ext cx="6492875" cy="1020830"/>
+      </dsp:txXfrm>
+    </dsp:sp>
+    <dsp:sp modelId="{D55CD4B4-BA3B-4576-BC32-B4B8584239F2}">
+      <dsp:nvSpPr>
+        <dsp:cNvPr id="0" name=""/>
+        <dsp:cNvSpPr/>
+      </dsp:nvSpPr>
+      <dsp:spPr>
+        <a:xfrm>
+          <a:off x="0" y="2042284"/>
+          <a:ext cx="6492875" cy="0"/>
+        </a:xfrm>
+        <a:prstGeom prst="line">
+          <a:avLst/>
+        </a:prstGeom>
+        <a:solidFill>
+          <a:schemeClr val="accent2">
+            <a:hueOff val="-727682"/>
+            <a:satOff val="-41964"/>
+            <a:lumOff val="4314"/>
+            <a:alphaOff val="0"/>
+          </a:schemeClr>
+        </a:solidFill>
+        <a:ln w="12700" cap="flat" cmpd="sng" algn="ctr">
+          <a:solidFill>
+            <a:schemeClr val="accent2">
+              <a:hueOff val="-727682"/>
+              <a:satOff val="-41964"/>
+              <a:lumOff val="4314"/>
+              <a:alphaOff val="0"/>
+            </a:schemeClr>
+          </a:solidFill>
+          <a:prstDash val="solid"/>
+          <a:miter lim="800000"/>
+        </a:ln>
+        <a:effectLst/>
+      </dsp:spPr>
+      <dsp:style>
+        <a:lnRef idx="2">
+          <a:scrgbClr r="0" g="0" b="0"/>
+        </a:lnRef>
+        <a:fillRef idx="1">
+          <a:scrgbClr r="0" g="0" b="0"/>
+        </a:fillRef>
+        <a:effectRef idx="0">
+          <a:scrgbClr r="0" g="0" b="0"/>
+        </a:effectRef>
+        <a:fontRef idx="minor">
+          <a:schemeClr val="lt1"/>
+        </a:fontRef>
+      </dsp:style>
+    </dsp:sp>
+    <dsp:sp modelId="{D784C0FE-7B51-482C-B203-5F687D06A36C}">
+      <dsp:nvSpPr>
+        <dsp:cNvPr id="0" name=""/>
+        <dsp:cNvSpPr/>
+      </dsp:nvSpPr>
+      <dsp:spPr>
+        <a:xfrm>
+          <a:off x="0" y="2042284"/>
+          <a:ext cx="6492875" cy="1020830"/>
+        </a:xfrm>
+        <a:prstGeom prst="rect">
+          <a:avLst/>
+        </a:prstGeom>
+        <a:noFill/>
+        <a:ln>
+          <a:noFill/>
+        </a:ln>
+        <a:effectLst/>
+      </dsp:spPr>
+      <dsp:style>
+        <a:lnRef idx="0">
+          <a:scrgbClr r="0" g="0" b="0"/>
+        </a:lnRef>
+        <a:fillRef idx="0">
+          <a:scrgbClr r="0" g="0" b="0"/>
+        </a:fillRef>
+        <a:effectRef idx="0">
+          <a:scrgbClr r="0" g="0" b="0"/>
+        </a:effectRef>
+        <a:fontRef idx="minor"/>
+      </dsp:style>
+      <dsp:txBody>
+        <a:bodyPr spcFirstLastPara="0" vert="horz" wrap="square" lIns="171450" tIns="171450" rIns="171450" bIns="171450" numCol="1" spcCol="1270" anchor="t" anchorCtr="0">
+          <a:noAutofit/>
+        </a:bodyPr>
+        <a:lstStyle/>
+        <a:p>
+          <a:pPr marL="0" lvl="0" indent="0" algn="l" defTabSz="2000250">
+            <a:lnSpc>
+              <a:spcPct val="90000"/>
+            </a:lnSpc>
+            <a:spcBef>
+              <a:spcPct val="0"/>
+            </a:spcBef>
+            <a:spcAft>
+              <a:spcPct val="35000"/>
+            </a:spcAft>
+            <a:buNone/>
+          </a:pPr>
+          <a:r>
+            <a:rPr lang="pt-PT" sz="4500" kern="1200" dirty="0"/>
+            <a:t>Fartura (opcional);</a:t>
+          </a:r>
+          <a:endParaRPr lang="en-US" sz="4500" kern="1200" dirty="0"/>
+        </a:p>
+      </dsp:txBody>
+      <dsp:txXfrm>
+        <a:off x="0" y="2042284"/>
+        <a:ext cx="6492875" cy="1020830"/>
+      </dsp:txXfrm>
+    </dsp:sp>
+    <dsp:sp modelId="{16AB90D7-EBB5-45BF-AB6D-05F1A0300860}">
+      <dsp:nvSpPr>
+        <dsp:cNvPr id="0" name=""/>
+        <dsp:cNvSpPr/>
+      </dsp:nvSpPr>
+      <dsp:spPr>
+        <a:xfrm>
+          <a:off x="0" y="3063115"/>
+          <a:ext cx="6492875" cy="0"/>
+        </a:xfrm>
+        <a:prstGeom prst="line">
+          <a:avLst/>
+        </a:prstGeom>
+        <a:solidFill>
+          <a:schemeClr val="accent2">
+            <a:hueOff val="-1091522"/>
+            <a:satOff val="-62946"/>
+            <a:lumOff val="6471"/>
+            <a:alphaOff val="0"/>
+          </a:schemeClr>
+        </a:solidFill>
+        <a:ln w="12700" cap="flat" cmpd="sng" algn="ctr">
+          <a:solidFill>
+            <a:schemeClr val="accent2">
+              <a:hueOff val="-1091522"/>
+              <a:satOff val="-62946"/>
+              <a:lumOff val="6471"/>
+              <a:alphaOff val="0"/>
+            </a:schemeClr>
+          </a:solidFill>
+          <a:prstDash val="solid"/>
+          <a:miter lim="800000"/>
+        </a:ln>
+        <a:effectLst/>
+      </dsp:spPr>
+      <dsp:style>
+        <a:lnRef idx="2">
+          <a:scrgbClr r="0" g="0" b="0"/>
+        </a:lnRef>
+        <a:fillRef idx="1">
+          <a:scrgbClr r="0" g="0" b="0"/>
+        </a:fillRef>
+        <a:effectRef idx="0">
+          <a:scrgbClr r="0" g="0" b="0"/>
+        </a:effectRef>
+        <a:fontRef idx="minor">
+          <a:schemeClr val="lt1"/>
+        </a:fontRef>
+      </dsp:style>
+    </dsp:sp>
+    <dsp:sp modelId="{E287B03E-3805-4B88-8DB7-ED50A0D63866}">
+      <dsp:nvSpPr>
+        <dsp:cNvPr id="0" name=""/>
+        <dsp:cNvSpPr/>
+      </dsp:nvSpPr>
+      <dsp:spPr>
+        <a:xfrm>
+          <a:off x="0" y="3063115"/>
+          <a:ext cx="6492875" cy="1020830"/>
+        </a:xfrm>
+        <a:prstGeom prst="rect">
+          <a:avLst/>
+        </a:prstGeom>
+        <a:noFill/>
+        <a:ln>
+          <a:noFill/>
+        </a:ln>
+        <a:effectLst/>
+      </dsp:spPr>
+      <dsp:style>
+        <a:lnRef idx="0">
+          <a:scrgbClr r="0" g="0" b="0"/>
+        </a:lnRef>
+        <a:fillRef idx="0">
+          <a:scrgbClr r="0" g="0" b="0"/>
+        </a:fillRef>
+        <a:effectRef idx="0">
+          <a:scrgbClr r="0" g="0" b="0"/>
+        </a:effectRef>
+        <a:fontRef idx="minor"/>
+      </dsp:style>
+      <dsp:txBody>
+        <a:bodyPr spcFirstLastPara="0" vert="horz" wrap="square" lIns="171450" tIns="171450" rIns="171450" bIns="171450" numCol="1" spcCol="1270" anchor="t" anchorCtr="0">
+          <a:noAutofit/>
+        </a:bodyPr>
+        <a:lstStyle/>
+        <a:p>
+          <a:pPr marL="0" lvl="0" indent="0" algn="l" defTabSz="2000250">
+            <a:lnSpc>
+              <a:spcPct val="90000"/>
+            </a:lnSpc>
+            <a:spcBef>
+              <a:spcPct val="0"/>
+            </a:spcBef>
+            <a:spcAft>
+              <a:spcPct val="35000"/>
+            </a:spcAft>
+            <a:buNone/>
+          </a:pPr>
+          <a:r>
+            <a:rPr lang="pt-PT" sz="4500" kern="1200"/>
+            <a:t>Tracking da encomenda;</a:t>
+          </a:r>
+          <a:endParaRPr lang="en-US" sz="4500" kern="1200"/>
+        </a:p>
+      </dsp:txBody>
+      <dsp:txXfrm>
+        <a:off x="0" y="3063115"/>
+        <a:ext cx="6492875" cy="1020830"/>
+      </dsp:txXfrm>
+    </dsp:sp>
+    <dsp:sp modelId="{FD992DA9-9AE1-4291-9AAA-81E672CD8DE1}">
+      <dsp:nvSpPr>
+        <dsp:cNvPr id="0" name=""/>
+        <dsp:cNvSpPr/>
+      </dsp:nvSpPr>
+      <dsp:spPr>
+        <a:xfrm>
+          <a:off x="0" y="4083946"/>
+          <a:ext cx="6492875" cy="0"/>
+        </a:xfrm>
+        <a:prstGeom prst="line">
+          <a:avLst/>
+        </a:prstGeom>
+        <a:solidFill>
+          <a:schemeClr val="accent2">
+            <a:hueOff val="-1455363"/>
+            <a:satOff val="-83928"/>
+            <a:lumOff val="8628"/>
+            <a:alphaOff val="0"/>
+          </a:schemeClr>
+        </a:solidFill>
+        <a:ln w="12700" cap="flat" cmpd="sng" algn="ctr">
+          <a:solidFill>
+            <a:schemeClr val="accent2">
+              <a:hueOff val="-1455363"/>
+              <a:satOff val="-83928"/>
+              <a:lumOff val="8628"/>
+              <a:alphaOff val="0"/>
+            </a:schemeClr>
+          </a:solidFill>
+          <a:prstDash val="solid"/>
+          <a:miter lim="800000"/>
+        </a:ln>
+        <a:effectLst/>
+      </dsp:spPr>
+      <dsp:style>
+        <a:lnRef idx="2">
+          <a:scrgbClr r="0" g="0" b="0"/>
+        </a:lnRef>
+        <a:fillRef idx="1">
+          <a:scrgbClr r="0" g="0" b="0"/>
+        </a:fillRef>
+        <a:effectRef idx="0">
+          <a:scrgbClr r="0" g="0" b="0"/>
+        </a:effectRef>
+        <a:fontRef idx="minor">
+          <a:schemeClr val="lt1"/>
+        </a:fontRef>
+      </dsp:style>
+    </dsp:sp>
+    <dsp:sp modelId="{B3492493-E95E-4C32-A273-7694343E52CE}">
+      <dsp:nvSpPr>
+        <dsp:cNvPr id="0" name=""/>
+        <dsp:cNvSpPr/>
+      </dsp:nvSpPr>
+      <dsp:spPr>
+        <a:xfrm>
+          <a:off x="0" y="4083946"/>
+          <a:ext cx="6492875" cy="1020830"/>
+        </a:xfrm>
+        <a:prstGeom prst="rect">
+          <a:avLst/>
+        </a:prstGeom>
+        <a:noFill/>
+        <a:ln>
+          <a:noFill/>
+        </a:ln>
+        <a:effectLst/>
+      </dsp:spPr>
+      <dsp:style>
+        <a:lnRef idx="0">
+          <a:scrgbClr r="0" g="0" b="0"/>
+        </a:lnRef>
+        <a:fillRef idx="0">
+          <a:scrgbClr r="0" g="0" b="0"/>
+        </a:fillRef>
+        <a:effectRef idx="0">
+          <a:scrgbClr r="0" g="0" b="0"/>
+        </a:effectRef>
+        <a:fontRef idx="minor"/>
+      </dsp:style>
+      <dsp:txBody>
+        <a:bodyPr spcFirstLastPara="0" vert="horz" wrap="square" lIns="171450" tIns="171450" rIns="171450" bIns="171450" numCol="1" spcCol="1270" anchor="t" anchorCtr="0">
+          <a:noAutofit/>
+        </a:bodyPr>
+        <a:lstStyle/>
+        <a:p>
+          <a:pPr marL="0" lvl="0" indent="0" algn="l" defTabSz="2000250">
+            <a:lnSpc>
+              <a:spcPct val="90000"/>
+            </a:lnSpc>
+            <a:spcBef>
+              <a:spcPct val="0"/>
+            </a:spcBef>
+            <a:spcAft>
+              <a:spcPct val="35000"/>
+            </a:spcAft>
+            <a:buNone/>
+          </a:pPr>
+          <a:r>
+            <a:rPr lang="pt-PT" sz="4500" kern="1200" dirty="0"/>
+            <a:t>Histórico de encomendas. </a:t>
+          </a:r>
+          <a:endParaRPr lang="en-US" sz="4500" kern="1200" dirty="0"/>
+        </a:p>
+      </dsp:txBody>
+      <dsp:txXfrm>
+        <a:off x="0" y="4083946"/>
+        <a:ext cx="6492875" cy="1020830"/>
+      </dsp:txXfrm>
+    </dsp:sp>
+  </dsp:spTree>
+</dsp:drawing>
+</file>
+
+<file path=ppt/diagrams/drawing2.xml><?xml version="1.0" encoding="utf-8"?>
+<dsp:drawing xmlns:dgm="http://schemas.openxmlformats.org/drawingml/2006/diagram" xmlns:dsp="http://schemas.microsoft.com/office/drawing/2008/diagram" xmlns:a="http://schemas.openxmlformats.org/drawingml/2006/main">
+  <dsp:spTree>
+    <dsp:nvGrpSpPr>
+      <dsp:cNvPr id="0" name=""/>
+      <dsp:cNvGrpSpPr/>
+    </dsp:nvGrpSpPr>
+    <dsp:grpSpPr/>
+    <dsp:sp modelId="{366BF79E-86D6-450A-8894-1310C888E927}">
+      <dsp:nvSpPr>
+        <dsp:cNvPr id="0" name=""/>
+        <dsp:cNvSpPr/>
+      </dsp:nvSpPr>
+      <dsp:spPr>
+        <a:xfrm>
+          <a:off x="0" y="0"/>
+          <a:ext cx="6492875" cy="0"/>
+        </a:xfrm>
+        <a:prstGeom prst="line">
+          <a:avLst/>
+        </a:prstGeom>
+        <a:solidFill>
+          <a:schemeClr val="accent2">
+            <a:hueOff val="0"/>
+            <a:satOff val="0"/>
+            <a:lumOff val="0"/>
+            <a:alphaOff val="0"/>
+          </a:schemeClr>
+        </a:solidFill>
+        <a:ln w="12700" cap="flat" cmpd="sng" algn="ctr">
+          <a:solidFill>
+            <a:schemeClr val="accent2">
+              <a:hueOff val="0"/>
+              <a:satOff val="0"/>
+              <a:lumOff val="0"/>
+              <a:alphaOff val="0"/>
+            </a:schemeClr>
+          </a:solidFill>
+          <a:prstDash val="solid"/>
+          <a:miter lim="800000"/>
+        </a:ln>
+        <a:effectLst/>
+      </dsp:spPr>
+      <dsp:style>
+        <a:lnRef idx="2">
+          <a:scrgbClr r="0" g="0" b="0"/>
+        </a:lnRef>
+        <a:fillRef idx="1">
+          <a:scrgbClr r="0" g="0" b="0"/>
+        </a:fillRef>
+        <a:effectRef idx="0">
+          <a:scrgbClr r="0" g="0" b="0"/>
+        </a:effectRef>
+        <a:fontRef idx="minor">
+          <a:schemeClr val="lt1"/>
+        </a:fontRef>
+      </dsp:style>
+    </dsp:sp>
+    <dsp:sp modelId="{71A35076-6BFC-418E-9590-FE2232B7C2DF}">
+      <dsp:nvSpPr>
+        <dsp:cNvPr id="0" name=""/>
+        <dsp:cNvSpPr/>
+      </dsp:nvSpPr>
+      <dsp:spPr>
+        <a:xfrm>
+          <a:off x="0" y="0"/>
+          <a:ext cx="6492875" cy="1276350"/>
+        </a:xfrm>
+        <a:prstGeom prst="rect">
+          <a:avLst/>
+        </a:prstGeom>
+        <a:noFill/>
+        <a:ln>
+          <a:noFill/>
+        </a:ln>
+        <a:effectLst/>
+      </dsp:spPr>
+      <dsp:style>
+        <a:lnRef idx="0">
+          <a:scrgbClr r="0" g="0" b="0"/>
+        </a:lnRef>
+        <a:fillRef idx="0">
+          <a:scrgbClr r="0" g="0" b="0"/>
+        </a:fillRef>
+        <a:effectRef idx="0">
+          <a:scrgbClr r="0" g="0" b="0"/>
+        </a:effectRef>
+        <a:fontRef idx="minor"/>
+      </dsp:style>
+      <dsp:txBody>
+        <a:bodyPr spcFirstLastPara="0" vert="horz" wrap="square" lIns="121920" tIns="121920" rIns="121920" bIns="121920" numCol="1" spcCol="1270" anchor="t" anchorCtr="0">
+          <a:noAutofit/>
+        </a:bodyPr>
+        <a:lstStyle/>
+        <a:p>
+          <a:pPr marL="0" lvl="0" indent="0" algn="l" defTabSz="1422400">
+            <a:lnSpc>
+              <a:spcPct val="90000"/>
+            </a:lnSpc>
+            <a:spcBef>
+              <a:spcPct val="0"/>
+            </a:spcBef>
+            <a:spcAft>
+              <a:spcPct val="35000"/>
+            </a:spcAft>
+            <a:buNone/>
+          </a:pPr>
+          <a:r>
+            <a:rPr lang="pt-PT" sz="3200" kern="1200" dirty="0"/>
+            <a:t>Programação do website/programa;</a:t>
+          </a:r>
+          <a:endParaRPr lang="en-US" sz="3200" kern="1200" dirty="0"/>
+        </a:p>
+      </dsp:txBody>
+      <dsp:txXfrm>
+        <a:off x="0" y="0"/>
+        <a:ext cx="6492875" cy="1276350"/>
+      </dsp:txXfrm>
+    </dsp:sp>
+    <dsp:sp modelId="{491CB2D2-6AF0-4AD4-98CE-3AC24FF9195E}">
+      <dsp:nvSpPr>
+        <dsp:cNvPr id="0" name=""/>
+        <dsp:cNvSpPr/>
+      </dsp:nvSpPr>
+      <dsp:spPr>
+        <a:xfrm>
+          <a:off x="0" y="1276350"/>
+          <a:ext cx="6492875" cy="0"/>
+        </a:xfrm>
+        <a:prstGeom prst="line">
+          <a:avLst/>
+        </a:prstGeom>
+        <a:solidFill>
+          <a:schemeClr val="accent2">
+            <a:hueOff val="-485121"/>
+            <a:satOff val="-27976"/>
+            <a:lumOff val="2876"/>
+            <a:alphaOff val="0"/>
+          </a:schemeClr>
+        </a:solidFill>
+        <a:ln w="12700" cap="flat" cmpd="sng" algn="ctr">
+          <a:solidFill>
+            <a:schemeClr val="accent2">
+              <a:hueOff val="-485121"/>
+              <a:satOff val="-27976"/>
+              <a:lumOff val="2876"/>
+              <a:alphaOff val="0"/>
+            </a:schemeClr>
+          </a:solidFill>
+          <a:prstDash val="solid"/>
+          <a:miter lim="800000"/>
+        </a:ln>
+        <a:effectLst/>
+      </dsp:spPr>
+      <dsp:style>
+        <a:lnRef idx="2">
+          <a:scrgbClr r="0" g="0" b="0"/>
+        </a:lnRef>
+        <a:fillRef idx="1">
+          <a:scrgbClr r="0" g="0" b="0"/>
+        </a:fillRef>
+        <a:effectRef idx="0">
+          <a:scrgbClr r="0" g="0" b="0"/>
+        </a:effectRef>
+        <a:fontRef idx="minor">
+          <a:schemeClr val="lt1"/>
+        </a:fontRef>
+      </dsp:style>
+    </dsp:sp>
+    <dsp:sp modelId="{D3D9F4E9-9D80-4474-A8F5-A4B75842D427}">
+      <dsp:nvSpPr>
+        <dsp:cNvPr id="0" name=""/>
+        <dsp:cNvSpPr/>
+      </dsp:nvSpPr>
+      <dsp:spPr>
+        <a:xfrm>
+          <a:off x="0" y="1276350"/>
+          <a:ext cx="6492875" cy="1276350"/>
+        </a:xfrm>
+        <a:prstGeom prst="rect">
+          <a:avLst/>
+        </a:prstGeom>
+        <a:noFill/>
+        <a:ln>
+          <a:noFill/>
+        </a:ln>
+        <a:effectLst/>
+      </dsp:spPr>
+      <dsp:style>
+        <a:lnRef idx="0">
+          <a:scrgbClr r="0" g="0" b="0"/>
+        </a:lnRef>
+        <a:fillRef idx="0">
+          <a:scrgbClr r="0" g="0" b="0"/>
+        </a:fillRef>
+        <a:effectRef idx="0">
+          <a:scrgbClr r="0" g="0" b="0"/>
+        </a:effectRef>
+        <a:fontRef idx="minor"/>
+      </dsp:style>
+      <dsp:txBody>
+        <a:bodyPr spcFirstLastPara="0" vert="horz" wrap="square" lIns="121920" tIns="121920" rIns="121920" bIns="121920" numCol="1" spcCol="1270" anchor="t" anchorCtr="0">
+          <a:noAutofit/>
+        </a:bodyPr>
+        <a:lstStyle/>
+        <a:p>
+          <a:pPr marL="0" lvl="0" indent="0" algn="l" defTabSz="1422400">
+            <a:lnSpc>
+              <a:spcPct val="90000"/>
+            </a:lnSpc>
+            <a:spcBef>
+              <a:spcPct val="0"/>
+            </a:spcBef>
+            <a:spcAft>
+              <a:spcPct val="35000"/>
+            </a:spcAft>
+            <a:buNone/>
+          </a:pPr>
+          <a:r>
+            <a:rPr lang="pt-PT" sz="3200" kern="1200" dirty="0"/>
+            <a:t>Escolha do restaurante mais próximo da morada para entrega da pizza;</a:t>
+          </a:r>
+          <a:endParaRPr lang="en-US" sz="3200" kern="1200" dirty="0"/>
+        </a:p>
+      </dsp:txBody>
+      <dsp:txXfrm>
+        <a:off x="0" y="1276350"/>
+        <a:ext cx="6492875" cy="1276350"/>
+      </dsp:txXfrm>
+    </dsp:sp>
+    <dsp:sp modelId="{5740D15F-D91C-4D1E-B5B1-438D08C66EF8}">
+      <dsp:nvSpPr>
+        <dsp:cNvPr id="0" name=""/>
+        <dsp:cNvSpPr/>
+      </dsp:nvSpPr>
+      <dsp:spPr>
+        <a:xfrm>
+          <a:off x="0" y="2552700"/>
+          <a:ext cx="6492875" cy="0"/>
+        </a:xfrm>
+        <a:prstGeom prst="line">
+          <a:avLst/>
+        </a:prstGeom>
+        <a:solidFill>
+          <a:schemeClr val="accent2">
+            <a:hueOff val="-970242"/>
+            <a:satOff val="-55952"/>
+            <a:lumOff val="5752"/>
+            <a:alphaOff val="0"/>
+          </a:schemeClr>
+        </a:solidFill>
+        <a:ln w="12700" cap="flat" cmpd="sng" algn="ctr">
+          <a:solidFill>
+            <a:schemeClr val="accent2">
+              <a:hueOff val="-970242"/>
+              <a:satOff val="-55952"/>
+              <a:lumOff val="5752"/>
+              <a:alphaOff val="0"/>
+            </a:schemeClr>
+          </a:solidFill>
+          <a:prstDash val="solid"/>
+          <a:miter lim="800000"/>
+        </a:ln>
+        <a:effectLst/>
+      </dsp:spPr>
+      <dsp:style>
+        <a:lnRef idx="2">
+          <a:scrgbClr r="0" g="0" b="0"/>
+        </a:lnRef>
+        <a:fillRef idx="1">
+          <a:scrgbClr r="0" g="0" b="0"/>
+        </a:fillRef>
+        <a:effectRef idx="0">
+          <a:scrgbClr r="0" g="0" b="0"/>
+        </a:effectRef>
+        <a:fontRef idx="minor">
+          <a:schemeClr val="lt1"/>
+        </a:fontRef>
+      </dsp:style>
+    </dsp:sp>
+    <dsp:sp modelId="{3C508A61-0A14-4B12-B1DF-086C09184852}">
+      <dsp:nvSpPr>
+        <dsp:cNvPr id="0" name=""/>
+        <dsp:cNvSpPr/>
+      </dsp:nvSpPr>
+      <dsp:spPr>
+        <a:xfrm>
+          <a:off x="0" y="2552700"/>
+          <a:ext cx="6492875" cy="1276350"/>
+        </a:xfrm>
+        <a:prstGeom prst="rect">
+          <a:avLst/>
+        </a:prstGeom>
+        <a:noFill/>
+        <a:ln>
+          <a:noFill/>
+        </a:ln>
+        <a:effectLst/>
+      </dsp:spPr>
+      <dsp:style>
+        <a:lnRef idx="0">
+          <a:scrgbClr r="0" g="0" b="0"/>
+        </a:lnRef>
+        <a:fillRef idx="0">
+          <a:scrgbClr r="0" g="0" b="0"/>
+        </a:fillRef>
+        <a:effectRef idx="0">
+          <a:scrgbClr r="0" g="0" b="0"/>
+        </a:effectRef>
+        <a:fontRef idx="minor"/>
+      </dsp:style>
+      <dsp:txBody>
+        <a:bodyPr spcFirstLastPara="0" vert="horz" wrap="square" lIns="121920" tIns="121920" rIns="121920" bIns="121920" numCol="1" spcCol="1270" anchor="t" anchorCtr="0">
+          <a:noAutofit/>
+        </a:bodyPr>
+        <a:lstStyle/>
+        <a:p>
+          <a:pPr marL="0" lvl="0" indent="0" algn="l" defTabSz="1422400">
+            <a:lnSpc>
+              <a:spcPct val="90000"/>
+            </a:lnSpc>
+            <a:spcBef>
+              <a:spcPct val="0"/>
+            </a:spcBef>
+            <a:spcAft>
+              <a:spcPct val="35000"/>
+            </a:spcAft>
+            <a:buNone/>
+          </a:pPr>
+          <a:r>
+            <a:rPr lang="pt-PT" sz="3200" kern="1200"/>
+            <a:t>Verificação do cliente;</a:t>
+          </a:r>
+          <a:endParaRPr lang="en-US" sz="3200" kern="1200"/>
+        </a:p>
+      </dsp:txBody>
+      <dsp:txXfrm>
+        <a:off x="0" y="2552700"/>
+        <a:ext cx="6492875" cy="1276350"/>
+      </dsp:txXfrm>
+    </dsp:sp>
+    <dsp:sp modelId="{C4219F01-90FC-464F-8204-192C395BFA1E}">
+      <dsp:nvSpPr>
+        <dsp:cNvPr id="0" name=""/>
+        <dsp:cNvSpPr/>
+      </dsp:nvSpPr>
+      <dsp:spPr>
+        <a:xfrm>
+          <a:off x="0" y="3829050"/>
+          <a:ext cx="6492875" cy="0"/>
+        </a:xfrm>
+        <a:prstGeom prst="line">
+          <a:avLst/>
+        </a:prstGeom>
+        <a:solidFill>
+          <a:schemeClr val="accent2">
+            <a:hueOff val="-1455363"/>
+            <a:satOff val="-83928"/>
+            <a:lumOff val="8628"/>
+            <a:alphaOff val="0"/>
+          </a:schemeClr>
+        </a:solidFill>
+        <a:ln w="12700" cap="flat" cmpd="sng" algn="ctr">
+          <a:solidFill>
+            <a:schemeClr val="accent2">
+              <a:hueOff val="-1455363"/>
+              <a:satOff val="-83928"/>
+              <a:lumOff val="8628"/>
+              <a:alphaOff val="0"/>
+            </a:schemeClr>
+          </a:solidFill>
+          <a:prstDash val="solid"/>
+          <a:miter lim="800000"/>
+        </a:ln>
+        <a:effectLst/>
+      </dsp:spPr>
+      <dsp:style>
+        <a:lnRef idx="2">
+          <a:scrgbClr r="0" g="0" b="0"/>
+        </a:lnRef>
+        <a:fillRef idx="1">
+          <a:scrgbClr r="0" g="0" b="0"/>
+        </a:fillRef>
+        <a:effectRef idx="0">
+          <a:scrgbClr r="0" g="0" b="0"/>
+        </a:effectRef>
+        <a:fontRef idx="minor">
+          <a:schemeClr val="lt1"/>
+        </a:fontRef>
+      </dsp:style>
+    </dsp:sp>
+    <dsp:sp modelId="{0963590E-09F5-4545-B901-CD4E8544AF9F}">
+      <dsp:nvSpPr>
+        <dsp:cNvPr id="0" name=""/>
+        <dsp:cNvSpPr/>
+      </dsp:nvSpPr>
+      <dsp:spPr>
+        <a:xfrm>
+          <a:off x="0" y="3829050"/>
+          <a:ext cx="6492875" cy="1276350"/>
+        </a:xfrm>
+        <a:prstGeom prst="rect">
+          <a:avLst/>
+        </a:prstGeom>
+        <a:noFill/>
+        <a:ln>
+          <a:noFill/>
+        </a:ln>
+        <a:effectLst/>
+      </dsp:spPr>
+      <dsp:style>
+        <a:lnRef idx="0">
+          <a:scrgbClr r="0" g="0" b="0"/>
+        </a:lnRef>
+        <a:fillRef idx="0">
+          <a:scrgbClr r="0" g="0" b="0"/>
+        </a:fillRef>
+        <a:effectRef idx="0">
+          <a:scrgbClr r="0" g="0" b="0"/>
+        </a:effectRef>
+        <a:fontRef idx="minor"/>
+      </dsp:style>
+      <dsp:txBody>
+        <a:bodyPr spcFirstLastPara="0" vert="horz" wrap="square" lIns="121920" tIns="121920" rIns="121920" bIns="121920" numCol="1" spcCol="1270" anchor="t" anchorCtr="0">
+          <a:noAutofit/>
+        </a:bodyPr>
+        <a:lstStyle/>
+        <a:p>
+          <a:pPr marL="0" lvl="0" indent="0" algn="l" defTabSz="1422400">
+            <a:lnSpc>
+              <a:spcPct val="90000"/>
+            </a:lnSpc>
+            <a:spcBef>
+              <a:spcPct val="0"/>
+            </a:spcBef>
+            <a:spcAft>
+              <a:spcPct val="35000"/>
+            </a:spcAft>
+            <a:buNone/>
+          </a:pPr>
+          <a:r>
+            <a:rPr lang="pt-PT" sz="3200" kern="1200" dirty="0"/>
+            <a:t>Utilização de um SGBD;</a:t>
+          </a:r>
+          <a:endParaRPr lang="en-US" sz="3200" kern="1200" dirty="0"/>
+        </a:p>
+      </dsp:txBody>
+      <dsp:txXfrm>
+        <a:off x="0" y="3829050"/>
+        <a:ext cx="6492875" cy="1276350"/>
+      </dsp:txXfrm>
+    </dsp:sp>
+  </dsp:spTree>
+</dsp:drawing>
+</file>
+
+<file path=ppt/diagrams/layout1.xml><?xml version="1.0" encoding="utf-8"?>
+<dgm:layoutDef xmlns:dgm="http://schemas.openxmlformats.org/drawingml/2006/diagram" xmlns:a="http://schemas.openxmlformats.org/drawingml/2006/main" uniqueId="urn:microsoft.com/office/officeart/2008/layout/LinedList">
+  <dgm:title val=""/>
+  <dgm:desc val=""/>
+  <dgm:catLst>
+    <dgm:cat type="hierarchy" pri="8000"/>
+    <dgm:cat type="list" pri="2500"/>
+  </dgm:catLst>
+  <dgm:sampData>
+    <dgm:dataModel>
+      <dgm:ptLst>
+        <dgm:pt modelId="0" type="doc"/>
+        <dgm:pt modelId="1">
+          <dgm:prSet phldr="1"/>
+        </dgm:pt>
+        <dgm:pt modelId="11">
+          <dgm:prSet phldr="1"/>
+        </dgm:pt>
+        <dgm:pt modelId="12">
+          <dgm:prSet phldr="1"/>
+        </dgm:pt>
+        <dgm:pt modelId="13">
+          <dgm:prSet phldr="1"/>
+        </dgm:pt>
+      </dgm:ptLst>
+      <dgm:cxnLst>
+        <dgm:cxn modelId="2" srcId="0" destId="1" srcOrd="0" destOrd="0"/>
+        <dgm:cxn modelId="3" srcId="1" destId="11" srcOrd="0" destOrd="0"/>
+        <dgm:cxn modelId="4" srcId="1" destId="12" srcOrd="1" destOrd="0"/>
+        <dgm:cxn modelId="5" srcId="1" destId="13" srcOrd="2" destOrd="0"/>
+      </dgm:cxnLst>
+      <dgm:bg/>
+      <dgm:whole/>
+    </dgm:dataModel>
+  </dgm:sampData>
+  <dgm:styleData>
+    <dgm:dataModel>
+      <dgm:ptLst>
+        <dgm:pt modelId="0" type="doc"/>
+        <dgm:pt modelId="1">
+          <dgm:prSet phldr="1"/>
+        </dgm:pt>
+        <dgm:pt modelId="11">
+          <dgm:prSet phldr="1"/>
+        </dgm:pt>
+        <dgm:pt modelId="12">
+          <dgm:prSet phldr="1"/>
+        </dgm:pt>
+      </dgm:ptLst>
+      <dgm:cxnLst>
+        <dgm:cxn modelId="2" srcId="0" destId="1" srcOrd="0" destOrd="0"/>
+        <dgm:cxn modelId="3" srcId="1" destId="11" srcOrd="0" destOrd="0"/>
+        <dgm:cxn modelId="4" srcId="1" destId="12" srcOrd="1" destOrd="0"/>
+      </dgm:cxnLst>
+      <dgm:bg/>
+      <dgm:whole/>
+    </dgm:dataModel>
+  </dgm:styleData>
+  <dgm:clrData>
+    <dgm:dataModel>
+      <dgm:ptLst>
+        <dgm:pt modelId="0" type="doc"/>
+        <dgm:pt modelId="1">
+          <dgm:prSet phldr="1"/>
+        </dgm:pt>
+        <dgm:pt modelId="11">
+          <dgm:prSet phldr="1"/>
+        </dgm:pt>
+        <dgm:pt modelId="12">
+          <dgm:prSet phldr="1"/>
+        </dgm:pt>
+      </dgm:ptLst>
+      <dgm:cxnLst>
+        <dgm:cxn modelId="2" srcId="0" destId="1" srcOrd="0" destOrd="0"/>
+        <dgm:cxn modelId="3" srcId="1" destId="11" srcOrd="0" destOrd="0"/>
+        <dgm:cxn modelId="4" srcId="1" destId="12" srcOrd="1" destOrd="0"/>
+      </dgm:cxnLst>
+      <dgm:bg/>
+      <dgm:whole/>
+    </dgm:dataModel>
+  </dgm:clrData>
+  <dgm:layoutNode name="vert0">
+    <dgm:varLst>
+      <dgm:dir/>
+      <dgm:animOne val="branch"/>
+      <dgm:animLvl val="lvl"/>
+    </dgm:varLst>
+    <dgm:choose name="Name0">
+      <dgm:if name="Name1" func="var" arg="dir" op="equ" val="norm">
+        <dgm:alg type="lin">
+          <dgm:param type="linDir" val="fromT"/>
+          <dgm:param type="nodeHorzAlign" val="l"/>
+        </dgm:alg>
+      </dgm:if>
+      <dgm:else name="Name2">
+        <dgm:alg type="lin">
+          <dgm:param type="linDir" val="fromT"/>
+          <dgm:param type="nodeHorzAlign" val="r"/>
+        </dgm:alg>
+      </dgm:else>
+    </dgm:choose>
+    <dgm:shape xmlns:r="http://schemas.openxmlformats.org/officeDocument/2006/relationships" r:blip="">
+      <dgm:adjLst/>
+    </dgm:shape>
+    <dgm:presOf/>
+    <dgm:constrLst>
+      <dgm:constr type="w" for="ch" forName="horz1" refType="w"/>
+      <dgm:constr type="h" for="ch" forName="horz1" refType="h"/>
+      <dgm:constr type="h" for="des" forName="vert1" refType="h"/>
+      <dgm:constr type="h" for="des" forName="tx1" refType="h"/>
+      <dgm:constr type="h" for="des" forName="horz2" refType="h"/>
+      <dgm:constr type="h" for="des" forName="vert2" refType="h"/>
+      <dgm:constr type="h" for="des" forName="horz3" refType="h"/>
+      <dgm:constr type="h" for="des" forName="vert3" refType="h"/>
+      <dgm:constr type="h" for="des" forName="horz4" refType="h"/>
+      <dgm:constr type="h" for="des" ptType="node" refType="h"/>
+      <dgm:constr type="primFontSz" for="des" forName="tx1" op="equ" val="65"/>
+      <dgm:constr type="primFontSz" for="des" forName="tx2" op="equ" val="65"/>
+      <dgm:constr type="primFontSz" for="des" forName="tx3" op="equ" val="65"/>
+      <dgm:constr type="primFontSz" for="des" forName="tx4" op="equ" val="65"/>
+      <dgm:constr type="w" for="des" forName="thickLine" refType="w"/>
+      <dgm:constr type="h" for="des" forName="thickLine"/>
+      <dgm:constr type="h" for="des" forName="thinLine1"/>
+      <dgm:constr type="h" for="des" forName="thinLine2b"/>
+      <dgm:constr type="h" for="des" forName="thinLine3"/>
+      <dgm:constr type="h" for="des" forName="vertSpace2a" refType="h" fact="0.05"/>
+      <dgm:constr type="h" for="des" forName="vertSpace2b" refType="h" refFor="des" refForName="vertSpace2a"/>
+    </dgm:constrLst>
+    <dgm:forEach name="Name3" axis="ch" ptType="node">
+      <dgm:layoutNode name="thickLine" styleLbl="alignNode1">
+        <dgm:alg type="sp"/>
+        <dgm:shape xmlns:r="http://schemas.openxmlformats.org/officeDocument/2006/relationships" type="line" r:blip="">
+          <dgm:adjLst/>
+        </dgm:shape>
+        <dgm:presOf/>
+      </dgm:layoutNode>
+      <dgm:layoutNode name="horz1">
+        <dgm:choose name="Name4">
+          <dgm:if name="Name5" func="var" arg="dir" op="equ" val="norm">
+            <dgm:alg type="lin">
+              <dgm:param type="linDir" val="fromL"/>
+              <dgm:param type="nodeVertAlign" val="t"/>
+            </dgm:alg>
+          </dgm:if>
+          <dgm:else name="Name6">
+            <dgm:alg type="lin">
+              <dgm:param type="linDir" val="fromR"/>
+              <dgm:param type="nodeVertAlign" val="t"/>
+            </dgm:alg>
+          </dgm:else>
+        </dgm:choose>
+        <dgm:shape xmlns:r="http://schemas.openxmlformats.org/officeDocument/2006/relationships" r:blip="">
+          <dgm:adjLst/>
+        </dgm:shape>
+        <dgm:presOf/>
+        <dgm:choose name="Name7">
+          <dgm:if name="Name8" axis="root des" func="maxDepth" op="equ" val="1">
+            <dgm:constrLst>
+              <dgm:constr type="w" for="ch" forName="tx1" refType="w"/>
+            </dgm:constrLst>
+          </dgm:if>
+          <dgm:if name="Name9" axis="root des" func="maxDepth" op="equ" val="2">
+            <dgm:constrLst>
+              <dgm:constr type="w" for="ch" forName="tx1" refType="w" fact="0.2"/>
+              <dgm:constr type="w" for="des" forName="tx2" refType="w" fact="0.785"/>
+              <dgm:constr type="w" for="des" forName="horzSpace2" refType="w" fact="0.015"/>
+              <dgm:constr type="w" for="des" forName="thinLine2b" refType="w" fact="0.8"/>
+            </dgm:constrLst>
+          </dgm:if>
+          <dgm:if name="Name10" axis="root des" func="maxDepth" op="equ" val="3">
+            <dgm:constrLst>
+              <dgm:constr type="w" for="ch" forName="tx1" refType="w" fact="0.2"/>
+              <dgm:constr type="w" for="des" forName="tx2" refType="w" fact="0.385"/>
+              <dgm:constr type="w" for="des" forName="tx3" refType="w" fact="0.385"/>
+              <dgm:constr type="w" for="des" forName="horzSpace2" refType="w" fact="0.015"/>
+              <dgm:constr type="w" for="des" forName="horzSpace3" refType="w" fact="0.015"/>
+              <dgm:constr type="w" for="des" forName="thinLine2b" refType="w" fact="0.8"/>
+              <dgm:constr type="w" for="des" forName="thinLine3" refType="w" fact="0.385"/>
+            </dgm:constrLst>
+          </dgm:if>
+          <dgm:if name="Name11" axis="root des" func="maxDepth" op="gte" val="4">
+            <dgm:constrLst>
+              <dgm:constr type="w" for="ch" forName="tx1" refType="w" fact="0.2"/>
+              <dgm:constr type="w" for="des" forName="tx2" refType="w" fact="0.2516"/>
+              <dgm:constr type="w" for="des" forName="tx3" refType="w" fact="0.2516"/>
+              <dgm:constr type="w" for="des" forName="tx4" refType="w" fact="0.2516"/>
+              <dgm:constr type="w" for="des" forName="horzSpace2" refType="w" fact="0.015"/>
+              <dgm:constr type="w" for="des" forName="horzSpace3" refType="w" fact="0.015"/>
+              <dgm:constr type="w" for="des" forName="horzSpace4" refType="w" fact="0.015"/>
+              <dgm:constr type="w" for="des" forName="thinLine2b" refType="w" fact="0.8"/>
+              <dgm:constr type="w" for="des" forName="thinLine3" refType="w" fact="0.5332"/>
+            </dgm:constrLst>
+          </dgm:if>
+          <dgm:else name="Name12"/>
+        </dgm:choose>
+        <dgm:layoutNode name="tx1" styleLbl="revTx">
+          <dgm:alg type="tx">
+            <dgm:param type="parTxLTRAlign" val="l"/>
+            <dgm:param type="parTxRTLAlign" val="r"/>
+            <dgm:param type="txAnchorVert" val="t"/>
+          </dgm:alg>
+          <dgm:shape xmlns:r="http://schemas.openxmlformats.org/officeDocument/2006/relationships" type="rect" r:blip="">
+            <dgm:adjLst/>
+          </dgm:shape>
+          <dgm:presOf axis="self"/>
+          <dgm:constrLst>
+            <dgm:constr type="tMarg" refType="primFontSz" fact="0.3"/>
+            <dgm:constr type="bMarg" refType="primFontSz" fact="0.3"/>
+            <dgm:constr type="lMarg" refType="primFontSz" fact="0.3"/>
+            <dgm:constr type="rMarg" refType="primFontSz" fact="0.3"/>
+          </dgm:constrLst>
+          <dgm:ruleLst>
+            <dgm:rule type="primFontSz" val="5" fact="NaN" max="NaN"/>
+          </dgm:ruleLst>
+        </dgm:layoutNode>
+        <dgm:layoutNode name="vert1">
+          <dgm:choose name="Name13">
+            <dgm:if name="Name14" func="var" arg="dir" op="equ" val="norm">
+              <dgm:alg type="lin">
+                <dgm:param type="linDir" val="fromT"/>
+                <dgm:param type="nodeHorzAlign" val="l"/>
+              </dgm:alg>
+            </dgm:if>
+            <dgm:else name="Name15">
+              <dgm:alg type="lin">
+                <dgm:param type="linDir" val="fromT"/>
+                <dgm:param type="nodeHorzAlign" val="r"/>
+              </dgm:alg>
+            </dgm:else>
+          </dgm:choose>
+          <dgm:shape xmlns:r="http://schemas.openxmlformats.org/officeDocument/2006/relationships" r:blip="">
+            <dgm:adjLst/>
+          </dgm:shape>
+          <dgm:presOf/>
+          <dgm:forEach name="Name16" axis="ch" ptType="node">
+            <dgm:choose name="Name17">
+              <dgm:if name="Name18" axis="self" ptType="node" func="pos" op="equ" val="1">
+                <dgm:layoutNode name="vertSpace2a">
+                  <dgm:alg type="sp"/>
+                  <dgm:shape xmlns:r="http://schemas.openxmlformats.org/officeDocument/2006/relationships" r:blip="">
+                    <dgm:adjLst/>
+                  </dgm:shape>
+                  <dgm:presOf/>
+                </dgm:layoutNode>
+              </dgm:if>
+              <dgm:else name="Name19"/>
+            </dgm:choose>
+            <dgm:layoutNode name="horz2">
+              <dgm:choose name="Name20">
+                <dgm:if name="Name21" func="var" arg="dir" op="equ" val="norm">
+                  <dgm:alg type="lin">
+                    <dgm:param type="linDir" val="fromL"/>
+                    <dgm:param type="nodeVertAlign" val="t"/>
+                  </dgm:alg>
+                </dgm:if>
+                <dgm:else name="Name22">
+                  <dgm:alg type="lin">
+                    <dgm:param type="linDir" val="fromR"/>
+                    <dgm:param type="nodeVertAlign" val="t"/>
+                  </dgm:alg>
+                </dgm:else>
+              </dgm:choose>
+              <dgm:shape xmlns:r="http://schemas.openxmlformats.org/officeDocument/2006/relationships" r:blip="">
+                <dgm:adjLst/>
+              </dgm:shape>
+              <dgm:presOf/>
+              <dgm:layoutNode name="horzSpace2">
+                <dgm:alg type="sp"/>
+                <dgm:shape xmlns:r="http://schemas.openxmlformats.org/officeDocument/2006/relationships" r:blip="">
+                  <dgm:adjLst/>
+                </dgm:shape>
+                <dgm:presOf/>
+              </dgm:layoutNode>
+              <dgm:layoutNode name="tx2" styleLbl="revTx">
+                <dgm:alg type="tx">
+                  <dgm:param type="parTxLTRAlign" val="l"/>
+                  <dgm:param type="parTxRTLAlign" val="r"/>
+                  <dgm:param type="txAnchorVert" val="t"/>
+                </dgm:alg>
+                <dgm:shape xmlns:r="http://schemas.openxmlformats.org/officeDocument/2006/relationships" type="rect" r:blip="">
+                  <dgm:adjLst/>
+                </dgm:shape>
+                <dgm:presOf axis="self"/>
+                <dgm:constrLst>
+                  <dgm:constr type="tMarg" refType="primFontSz" fact="0.3"/>
+                  <dgm:constr type="bMarg" refType="primFontSz" fact="0.3"/>
+                  <dgm:constr type="lMarg" refType="primFontSz" fact="0.3"/>
+                  <dgm:constr type="rMarg" refType="primFontSz" fact="0.3"/>
+                </dgm:constrLst>
+                <dgm:ruleLst>
+                  <dgm:rule type="primFontSz" val="5" fact="NaN" max="NaN"/>
+                </dgm:ruleLst>
+              </dgm:layoutNode>
+              <dgm:layoutNode name="vert2">
+                <dgm:choose name="Name23">
+                  <dgm:if name="Name24" func="var" arg="dir" op="equ" val="norm">
+                    <dgm:alg type="lin">
+                      <dgm:param type="linDir" val="fromT"/>
+                      <dgm:param type="nodeHorzAlign" val="l"/>
+                    </dgm:alg>
+                  </dgm:if>
+                  <dgm:else name="Name25">
+                    <dgm:alg type="lin">
+                      <dgm:param type="linDir" val="fromT"/>
+                      <dgm:param type="nodeHorzAlign" val="r"/>
+                    </dgm:alg>
+                  </dgm:else>
+                </dgm:choose>
+                <dgm:shape xmlns:r="http://schemas.openxmlformats.org/officeDocument/2006/relationships" r:blip="">
+                  <dgm:adjLst/>
+                </dgm:shape>
+                <dgm:presOf/>
+                <dgm:forEach name="Name26" axis="ch" ptType="node">
+                  <dgm:layoutNode name="horz3">
+                    <dgm:choose name="Name27">
+                      <dgm:if name="Name28" func="var" arg="dir" op="equ" val="norm">
+                        <dgm:alg type="lin">
+                          <dgm:param type="linDir" val="fromL"/>
+                          <dgm:param type="nodeVertAlign" val="t"/>
+                        </dgm:alg>
+                      </dgm:if>
+                      <dgm:else name="Name29">
+                        <dgm:alg type="lin">
+                          <dgm:param type="linDir" val="fromR"/>
+                          <dgm:param type="nodeVertAlign" val="t"/>
+                        </dgm:alg>
+                      </dgm:else>
+                    </dgm:choose>
+                    <dgm:shape xmlns:r="http://schemas.openxmlformats.org/officeDocument/2006/relationships" r:blip="">
+                      <dgm:adjLst/>
+                    </dgm:shape>
+                    <dgm:presOf/>
+                    <dgm:layoutNode name="horzSpace3">
+                      <dgm:alg type="sp"/>
+                      <dgm:shape xmlns:r="http://schemas.openxmlformats.org/officeDocument/2006/relationships" r:blip="">
+                        <dgm:adjLst/>
+                      </dgm:shape>
+                      <dgm:presOf/>
+                    </dgm:layoutNode>
+                    <dgm:layoutNode name="tx3" styleLbl="revTx">
+                      <dgm:alg type="tx">
+                        <dgm:param type="parTxLTRAlign" val="l"/>
+                        <dgm:param type="parTxRTLAlign" val="r"/>
+                        <dgm:param type="txAnchorVert" val="t"/>
+                      </dgm:alg>
+                      <dgm:shape xmlns:r="http://schemas.openxmlformats.org/officeDocument/2006/relationships" type="rect" r:blip="">
+                        <dgm:adjLst/>
+                      </dgm:shape>
+                      <dgm:presOf axis="self"/>
+                      <dgm:constrLst>
+                        <dgm:constr type="tMarg" refType="primFontSz" fact="0.3"/>
+                        <dgm:constr type="bMarg" refType="primFontSz" fact="0.3"/>
+                        <dgm:constr type="lMarg" refType="primFontSz" fact="0.3"/>
+                        <dgm:constr type="rMarg" refType="primFontSz" fact="0.3"/>
+                      </dgm:constrLst>
+                      <dgm:ruleLst>
+                        <dgm:rule type="primFontSz" val="5" fact="NaN" max="NaN"/>
+                      </dgm:ruleLst>
+                    </dgm:layoutNode>
+                    <dgm:layoutNode name="vert3">
+                      <dgm:choose name="Name30">
+                        <dgm:if name="Name31" func="var" arg="dir" op="equ" val="norm">
+                          <dgm:alg type="lin">
+                            <dgm:param type="linDir" val="fromT"/>
+                            <dgm:param type="nodeHorzAlign" val="l"/>
+                          </dgm:alg>
+                        </dgm:if>
+                        <dgm:else name="Name32">
+                          <dgm:alg type="lin">
+                            <dgm:param type="linDir" val="fromT"/>
+                            <dgm:param type="nodeHorzAlign" val="r"/>
+                          </dgm:alg>
+                        </dgm:else>
+                      </dgm:choose>
+                      <dgm:shape xmlns:r="http://schemas.openxmlformats.org/officeDocument/2006/relationships" r:blip="">
+                        <dgm:adjLst/>
+                      </dgm:shape>
+                      <dgm:presOf/>
+                      <dgm:forEach name="Name33" axis="ch" ptType="node">
+                        <dgm:layoutNode name="horz4">
+                          <dgm:choose name="Name34">
+                            <dgm:if name="Name35" func="var" arg="dir" op="equ" val="norm">
+                              <dgm:alg type="lin">
+                                <dgm:param type="linDir" val="fromL"/>
+                                <dgm:param type="nodeVertAlign" val="t"/>
+                              </dgm:alg>
+                            </dgm:if>
+                            <dgm:else name="Name36">
+                              <dgm:alg type="lin">
+                                <dgm:param type="linDir" val="fromR"/>
+                                <dgm:param type="nodeVertAlign" val="t"/>
+                              </dgm:alg>
+                            </dgm:else>
+                          </dgm:choose>
+                          <dgm:shape xmlns:r="http://schemas.openxmlformats.org/officeDocument/2006/relationships" r:blip="">
+                            <dgm:adjLst/>
+                          </dgm:shape>
+                          <dgm:presOf/>
+                          <dgm:layoutNode name="horzSpace4">
+                            <dgm:alg type="sp"/>
+                            <dgm:shape xmlns:r="http://schemas.openxmlformats.org/officeDocument/2006/relationships" r:blip="">
+                              <dgm:adjLst/>
+                            </dgm:shape>
+                            <dgm:presOf/>
+                          </dgm:layoutNode>
+                          <dgm:layoutNode name="tx4" styleLbl="revTx">
+                            <dgm:varLst>
+                              <dgm:bulletEnabled val="1"/>
+                            </dgm:varLst>
+                            <dgm:alg type="tx">
+                              <dgm:param type="parTxLTRAlign" val="l"/>
+                              <dgm:param type="parTxRTLAlign" val="r"/>
+                              <dgm:param type="txAnchorVert" val="t"/>
+                            </dgm:alg>
+                            <dgm:shape xmlns:r="http://schemas.openxmlformats.org/officeDocument/2006/relationships" type="rect" r:blip="">
+                              <dgm:adjLst/>
+                            </dgm:shape>
+                            <dgm:presOf axis="desOrSelf" ptType="node"/>
+                            <dgm:constrLst>
+                              <dgm:constr type="tMarg" refType="primFontSz" fact="0.3"/>
+                              <dgm:constr type="bMarg" refType="primFontSz" fact="0.3"/>
+                              <dgm:constr type="lMarg" refType="primFontSz" fact="0.3"/>
+                              <dgm:constr type="rMarg" refType="primFontSz" fact="0.3"/>
+                            </dgm:constrLst>
+                            <dgm:ruleLst>
+                              <dgm:rule type="primFontSz" val="5" fact="NaN" max="NaN"/>
+                            </dgm:ruleLst>
+                          </dgm:layoutNode>
+                        </dgm:layoutNode>
+                      </dgm:forEach>
+                    </dgm:layoutNode>
+                  </dgm:layoutNode>
+                  <dgm:forEach name="Name37" axis="followSib" ptType="sibTrans" cnt="1">
+                    <dgm:layoutNode name="thinLine3" styleLbl="callout">
+                      <dgm:alg type="sp"/>
+                      <dgm:shape xmlns:r="http://schemas.openxmlformats.org/officeDocument/2006/relationships" type="line" r:blip="">
+                        <dgm:adjLst/>
+                      </dgm:shape>
+                      <dgm:presOf/>
+                    </dgm:layoutNode>
+                  </dgm:forEach>
+                </dgm:forEach>
+              </dgm:layoutNode>
+            </dgm:layoutNode>
+            <dgm:layoutNode name="thinLine2b" styleLbl="callout">
+              <dgm:alg type="sp"/>
+              <dgm:shape xmlns:r="http://schemas.openxmlformats.org/officeDocument/2006/relationships" type="line" r:blip="">
+                <dgm:adjLst/>
+              </dgm:shape>
+              <dgm:presOf/>
+            </dgm:layoutNode>
+            <dgm:layoutNode name="vertSpace2b">
+              <dgm:alg type="sp"/>
+              <dgm:shape xmlns:r="http://schemas.openxmlformats.org/officeDocument/2006/relationships" r:blip="">
+                <dgm:adjLst/>
+              </dgm:shape>
+              <dgm:presOf/>
+            </dgm:layoutNode>
+          </dgm:forEach>
+        </dgm:layoutNode>
+      </dgm:layoutNode>
+    </dgm:forEach>
+  </dgm:layoutNode>
+</dgm:layoutDef>
+</file>
+
+<file path=ppt/diagrams/layout2.xml><?xml version="1.0" encoding="utf-8"?>
+<dgm:layoutDef xmlns:dgm="http://schemas.openxmlformats.org/drawingml/2006/diagram" xmlns:a="http://schemas.openxmlformats.org/drawingml/2006/main" uniqueId="urn:microsoft.com/office/officeart/2008/layout/LinedList">
+  <dgm:title val=""/>
+  <dgm:desc val=""/>
+  <dgm:catLst>
+    <dgm:cat type="hierarchy" pri="8000"/>
+    <dgm:cat type="list" pri="2500"/>
+  </dgm:catLst>
+  <dgm:sampData>
+    <dgm:dataModel>
+      <dgm:ptLst>
+        <dgm:pt modelId="0" type="doc"/>
+        <dgm:pt modelId="1">
+          <dgm:prSet phldr="1"/>
+        </dgm:pt>
+        <dgm:pt modelId="11">
+          <dgm:prSet phldr="1"/>
+        </dgm:pt>
+        <dgm:pt modelId="12">
+          <dgm:prSet phldr="1"/>
+        </dgm:pt>
+        <dgm:pt modelId="13">
+          <dgm:prSet phldr="1"/>
+        </dgm:pt>
+      </dgm:ptLst>
+      <dgm:cxnLst>
+        <dgm:cxn modelId="2" srcId="0" destId="1" srcOrd="0" destOrd="0"/>
+        <dgm:cxn modelId="3" srcId="1" destId="11" srcOrd="0" destOrd="0"/>
+        <dgm:cxn modelId="4" srcId="1" destId="12" srcOrd="1" destOrd="0"/>
+        <dgm:cxn modelId="5" srcId="1" destId="13" srcOrd="2" destOrd="0"/>
+      </dgm:cxnLst>
+      <dgm:bg/>
+      <dgm:whole/>
+    </dgm:dataModel>
+  </dgm:sampData>
+  <dgm:styleData>
+    <dgm:dataModel>
+      <dgm:ptLst>
+        <dgm:pt modelId="0" type="doc"/>
+        <dgm:pt modelId="1">
+          <dgm:prSet phldr="1"/>
+        </dgm:pt>
+        <dgm:pt modelId="11">
+          <dgm:prSet phldr="1"/>
+        </dgm:pt>
+        <dgm:pt modelId="12">
+          <dgm:prSet phldr="1"/>
+        </dgm:pt>
+      </dgm:ptLst>
+      <dgm:cxnLst>
+        <dgm:cxn modelId="2" srcId="0" destId="1" srcOrd="0" destOrd="0"/>
+        <dgm:cxn modelId="3" srcId="1" destId="11" srcOrd="0" destOrd="0"/>
+        <dgm:cxn modelId="4" srcId="1" destId="12" srcOrd="1" destOrd="0"/>
+      </dgm:cxnLst>
+      <dgm:bg/>
+      <dgm:whole/>
+    </dgm:dataModel>
+  </dgm:styleData>
+  <dgm:clrData>
+    <dgm:dataModel>
+      <dgm:ptLst>
+        <dgm:pt modelId="0" type="doc"/>
+        <dgm:pt modelId="1">
+          <dgm:prSet phldr="1"/>
+        </dgm:pt>
+        <dgm:pt modelId="11">
+          <dgm:prSet phldr="1"/>
+        </dgm:pt>
+        <dgm:pt modelId="12">
+          <dgm:prSet phldr="1"/>
+        </dgm:pt>
+      </dgm:ptLst>
+      <dgm:cxnLst>
+        <dgm:cxn modelId="2" srcId="0" destId="1" srcOrd="0" destOrd="0"/>
+        <dgm:cxn modelId="3" srcId="1" destId="11" srcOrd="0" destOrd="0"/>
+        <dgm:cxn modelId="4" srcId="1" destId="12" srcOrd="1" destOrd="0"/>
+      </dgm:cxnLst>
+      <dgm:bg/>
+      <dgm:whole/>
+    </dgm:dataModel>
+  </dgm:clrData>
+  <dgm:layoutNode name="vert0">
+    <dgm:varLst>
+      <dgm:dir/>
+      <dgm:animOne val="branch"/>
+      <dgm:animLvl val="lvl"/>
+    </dgm:varLst>
+    <dgm:choose name="Name0">
+      <dgm:if name="Name1" func="var" arg="dir" op="equ" val="norm">
+        <dgm:alg type="lin">
+          <dgm:param type="linDir" val="fromT"/>
+          <dgm:param type="nodeHorzAlign" val="l"/>
+        </dgm:alg>
+      </dgm:if>
+      <dgm:else name="Name2">
+        <dgm:alg type="lin">
+          <dgm:param type="linDir" val="fromT"/>
+          <dgm:param type="nodeHorzAlign" val="r"/>
+        </dgm:alg>
+      </dgm:else>
+    </dgm:choose>
+    <dgm:shape xmlns:r="http://schemas.openxmlformats.org/officeDocument/2006/relationships" r:blip="">
+      <dgm:adjLst/>
+    </dgm:shape>
+    <dgm:presOf/>
+    <dgm:constrLst>
+      <dgm:constr type="w" for="ch" forName="horz1" refType="w"/>
+      <dgm:constr type="h" for="ch" forName="horz1" refType="h"/>
+      <dgm:constr type="h" for="des" forName="vert1" refType="h"/>
+      <dgm:constr type="h" for="des" forName="tx1" refType="h"/>
+      <dgm:constr type="h" for="des" forName="horz2" refType="h"/>
+      <dgm:constr type="h" for="des" forName="vert2" refType="h"/>
+      <dgm:constr type="h" for="des" forName="horz3" refType="h"/>
+      <dgm:constr type="h" for="des" forName="vert3" refType="h"/>
+      <dgm:constr type="h" for="des" forName="horz4" refType="h"/>
+      <dgm:constr type="h" for="des" ptType="node" refType="h"/>
+      <dgm:constr type="primFontSz" for="des" forName="tx1" op="equ" val="65"/>
+      <dgm:constr type="primFontSz" for="des" forName="tx2" op="equ" val="65"/>
+      <dgm:constr type="primFontSz" for="des" forName="tx3" op="equ" val="65"/>
+      <dgm:constr type="primFontSz" for="des" forName="tx4" op="equ" val="65"/>
+      <dgm:constr type="w" for="des" forName="thickLine" refType="w"/>
+      <dgm:constr type="h" for="des" forName="thickLine"/>
+      <dgm:constr type="h" for="des" forName="thinLine1"/>
+      <dgm:constr type="h" for="des" forName="thinLine2b"/>
+      <dgm:constr type="h" for="des" forName="thinLine3"/>
+      <dgm:constr type="h" for="des" forName="vertSpace2a" refType="h" fact="0.05"/>
+      <dgm:constr type="h" for="des" forName="vertSpace2b" refType="h" refFor="des" refForName="vertSpace2a"/>
+    </dgm:constrLst>
+    <dgm:forEach name="Name3" axis="ch" ptType="node">
+      <dgm:layoutNode name="thickLine" styleLbl="alignNode1">
+        <dgm:alg type="sp"/>
+        <dgm:shape xmlns:r="http://schemas.openxmlformats.org/officeDocument/2006/relationships" type="line" r:blip="">
+          <dgm:adjLst/>
+        </dgm:shape>
+        <dgm:presOf/>
+      </dgm:layoutNode>
+      <dgm:layoutNode name="horz1">
+        <dgm:choose name="Name4">
+          <dgm:if name="Name5" func="var" arg="dir" op="equ" val="norm">
+            <dgm:alg type="lin">
+              <dgm:param type="linDir" val="fromL"/>
+              <dgm:param type="nodeVertAlign" val="t"/>
+            </dgm:alg>
+          </dgm:if>
+          <dgm:else name="Name6">
+            <dgm:alg type="lin">
+              <dgm:param type="linDir" val="fromR"/>
+              <dgm:param type="nodeVertAlign" val="t"/>
+            </dgm:alg>
+          </dgm:else>
+        </dgm:choose>
+        <dgm:shape xmlns:r="http://schemas.openxmlformats.org/officeDocument/2006/relationships" r:blip="">
+          <dgm:adjLst/>
+        </dgm:shape>
+        <dgm:presOf/>
+        <dgm:choose name="Name7">
+          <dgm:if name="Name8" axis="root des" func="maxDepth" op="equ" val="1">
+            <dgm:constrLst>
+              <dgm:constr type="w" for="ch" forName="tx1" refType="w"/>
+            </dgm:constrLst>
+          </dgm:if>
+          <dgm:if name="Name9" axis="root des" func="maxDepth" op="equ" val="2">
+            <dgm:constrLst>
+              <dgm:constr type="w" for="ch" forName="tx1" refType="w" fact="0.2"/>
+              <dgm:constr type="w" for="des" forName="tx2" refType="w" fact="0.785"/>
+              <dgm:constr type="w" for="des" forName="horzSpace2" refType="w" fact="0.015"/>
+              <dgm:constr type="w" for="des" forName="thinLine2b" refType="w" fact="0.8"/>
+            </dgm:constrLst>
+          </dgm:if>
+          <dgm:if name="Name10" axis="root des" func="maxDepth" op="equ" val="3">
+            <dgm:constrLst>
+              <dgm:constr type="w" for="ch" forName="tx1" refType="w" fact="0.2"/>
+              <dgm:constr type="w" for="des" forName="tx2" refType="w" fact="0.385"/>
+              <dgm:constr type="w" for="des" forName="tx3" refType="w" fact="0.385"/>
+              <dgm:constr type="w" for="des" forName="horzSpace2" refType="w" fact="0.015"/>
+              <dgm:constr type="w" for="des" forName="horzSpace3" refType="w" fact="0.015"/>
+              <dgm:constr type="w" for="des" forName="thinLine2b" refType="w" fact="0.8"/>
+              <dgm:constr type="w" for="des" forName="thinLine3" refType="w" fact="0.385"/>
+            </dgm:constrLst>
+          </dgm:if>
+          <dgm:if name="Name11" axis="root des" func="maxDepth" op="gte" val="4">
+            <dgm:constrLst>
+              <dgm:constr type="w" for="ch" forName="tx1" refType="w" fact="0.2"/>
+              <dgm:constr type="w" for="des" forName="tx2" refType="w" fact="0.2516"/>
+              <dgm:constr type="w" for="des" forName="tx3" refType="w" fact="0.2516"/>
+              <dgm:constr type="w" for="des" forName="tx4" refType="w" fact="0.2516"/>
+              <dgm:constr type="w" for="des" forName="horzSpace2" refType="w" fact="0.015"/>
+              <dgm:constr type="w" for="des" forName="horzSpace3" refType="w" fact="0.015"/>
+              <dgm:constr type="w" for="des" forName="horzSpace4" refType="w" fact="0.015"/>
+              <dgm:constr type="w" for="des" forName="thinLine2b" refType="w" fact="0.8"/>
+              <dgm:constr type="w" for="des" forName="thinLine3" refType="w" fact="0.5332"/>
+            </dgm:constrLst>
+          </dgm:if>
+          <dgm:else name="Name12"/>
+        </dgm:choose>
+        <dgm:layoutNode name="tx1" styleLbl="revTx">
+          <dgm:alg type="tx">
+            <dgm:param type="parTxLTRAlign" val="l"/>
+            <dgm:param type="parTxRTLAlign" val="r"/>
+            <dgm:param type="txAnchorVert" val="t"/>
+          </dgm:alg>
+          <dgm:shape xmlns:r="http://schemas.openxmlformats.org/officeDocument/2006/relationships" type="rect" r:blip="">
+            <dgm:adjLst/>
+          </dgm:shape>
+          <dgm:presOf axis="self"/>
+          <dgm:constrLst>
+            <dgm:constr type="tMarg" refType="primFontSz" fact="0.3"/>
+            <dgm:constr type="bMarg" refType="primFontSz" fact="0.3"/>
+            <dgm:constr type="lMarg" refType="primFontSz" fact="0.3"/>
+            <dgm:constr type="rMarg" refType="primFontSz" fact="0.3"/>
+          </dgm:constrLst>
+          <dgm:ruleLst>
+            <dgm:rule type="primFontSz" val="5" fact="NaN" max="NaN"/>
+          </dgm:ruleLst>
+        </dgm:layoutNode>
+        <dgm:layoutNode name="vert1">
+          <dgm:choose name="Name13">
+            <dgm:if name="Name14" func="var" arg="dir" op="equ" val="norm">
+              <dgm:alg type="lin">
+                <dgm:param type="linDir" val="fromT"/>
+                <dgm:param type="nodeHorzAlign" val="l"/>
+              </dgm:alg>
+            </dgm:if>
+            <dgm:else name="Name15">
+              <dgm:alg type="lin">
+                <dgm:param type="linDir" val="fromT"/>
+                <dgm:param type="nodeHorzAlign" val="r"/>
+              </dgm:alg>
+            </dgm:else>
+          </dgm:choose>
+          <dgm:shape xmlns:r="http://schemas.openxmlformats.org/officeDocument/2006/relationships" r:blip="">
+            <dgm:adjLst/>
+          </dgm:shape>
+          <dgm:presOf/>
+          <dgm:forEach name="Name16" axis="ch" ptType="node">
+            <dgm:choose name="Name17">
+              <dgm:if name="Name18" axis="self" ptType="node" func="pos" op="equ" val="1">
+                <dgm:layoutNode name="vertSpace2a">
+                  <dgm:alg type="sp"/>
+                  <dgm:shape xmlns:r="http://schemas.openxmlformats.org/officeDocument/2006/relationships" r:blip="">
+                    <dgm:adjLst/>
+                  </dgm:shape>
+                  <dgm:presOf/>
+                </dgm:layoutNode>
+              </dgm:if>
+              <dgm:else name="Name19"/>
+            </dgm:choose>
+            <dgm:layoutNode name="horz2">
+              <dgm:choose name="Name20">
+                <dgm:if name="Name21" func="var" arg="dir" op="equ" val="norm">
+                  <dgm:alg type="lin">
+                    <dgm:param type="linDir" val="fromL"/>
+                    <dgm:param type="nodeVertAlign" val="t"/>
+                  </dgm:alg>
+                </dgm:if>
+                <dgm:else name="Name22">
+                  <dgm:alg type="lin">
+                    <dgm:param type="linDir" val="fromR"/>
+                    <dgm:param type="nodeVertAlign" val="t"/>
+                  </dgm:alg>
+                </dgm:else>
+              </dgm:choose>
+              <dgm:shape xmlns:r="http://schemas.openxmlformats.org/officeDocument/2006/relationships" r:blip="">
+                <dgm:adjLst/>
+              </dgm:shape>
+              <dgm:presOf/>
+              <dgm:layoutNode name="horzSpace2">
+                <dgm:alg type="sp"/>
+                <dgm:shape xmlns:r="http://schemas.openxmlformats.org/officeDocument/2006/relationships" r:blip="">
+                  <dgm:adjLst/>
+                </dgm:shape>
+                <dgm:presOf/>
+              </dgm:layoutNode>
+              <dgm:layoutNode name="tx2" styleLbl="revTx">
+                <dgm:alg type="tx">
+                  <dgm:param type="parTxLTRAlign" val="l"/>
+                  <dgm:param type="parTxRTLAlign" val="r"/>
+                  <dgm:param type="txAnchorVert" val="t"/>
+                </dgm:alg>
+                <dgm:shape xmlns:r="http://schemas.openxmlformats.org/officeDocument/2006/relationships" type="rect" r:blip="">
+                  <dgm:adjLst/>
+                </dgm:shape>
+                <dgm:presOf axis="self"/>
+                <dgm:constrLst>
+                  <dgm:constr type="tMarg" refType="primFontSz" fact="0.3"/>
+                  <dgm:constr type="bMarg" refType="primFontSz" fact="0.3"/>
+                  <dgm:constr type="lMarg" refType="primFontSz" fact="0.3"/>
+                  <dgm:constr type="rMarg" refType="primFontSz" fact="0.3"/>
+                </dgm:constrLst>
+                <dgm:ruleLst>
+                  <dgm:rule type="primFontSz" val="5" fact="NaN" max="NaN"/>
+                </dgm:ruleLst>
+              </dgm:layoutNode>
+              <dgm:layoutNode name="vert2">
+                <dgm:choose name="Name23">
+                  <dgm:if name="Name24" func="var" arg="dir" op="equ" val="norm">
+                    <dgm:alg type="lin">
+                      <dgm:param type="linDir" val="fromT"/>
+                      <dgm:param type="nodeHorzAlign" val="l"/>
+                    </dgm:alg>
+                  </dgm:if>
+                  <dgm:else name="Name25">
+                    <dgm:alg type="lin">
+                      <dgm:param type="linDir" val="fromT"/>
+                      <dgm:param type="nodeHorzAlign" val="r"/>
+                    </dgm:alg>
+                  </dgm:else>
+                </dgm:choose>
+                <dgm:shape xmlns:r="http://schemas.openxmlformats.org/officeDocument/2006/relationships" r:blip="">
+                  <dgm:adjLst/>
+                </dgm:shape>
+                <dgm:presOf/>
+                <dgm:forEach name="Name26" axis="ch" ptType="node">
+                  <dgm:layoutNode name="horz3">
+                    <dgm:choose name="Name27">
+                      <dgm:if name="Name28" func="var" arg="dir" op="equ" val="norm">
+                        <dgm:alg type="lin">
+                          <dgm:param type="linDir" val="fromL"/>
+                          <dgm:param type="nodeVertAlign" val="t"/>
+                        </dgm:alg>
+                      </dgm:if>
+                      <dgm:else name="Name29">
+                        <dgm:alg type="lin">
+                          <dgm:param type="linDir" val="fromR"/>
+                          <dgm:param type="nodeVertAlign" val="t"/>
+                        </dgm:alg>
+                      </dgm:else>
+                    </dgm:choose>
+                    <dgm:shape xmlns:r="http://schemas.openxmlformats.org/officeDocument/2006/relationships" r:blip="">
+                      <dgm:adjLst/>
+                    </dgm:shape>
+                    <dgm:presOf/>
+                    <dgm:layoutNode name="horzSpace3">
+                      <dgm:alg type="sp"/>
+                      <dgm:shape xmlns:r="http://schemas.openxmlformats.org/officeDocument/2006/relationships" r:blip="">
+                        <dgm:adjLst/>
+                      </dgm:shape>
+                      <dgm:presOf/>
+                    </dgm:layoutNode>
+                    <dgm:layoutNode name="tx3" styleLbl="revTx">
+                      <dgm:alg type="tx">
+                        <dgm:param type="parTxLTRAlign" val="l"/>
+                        <dgm:param type="parTxRTLAlign" val="r"/>
+                        <dgm:param type="txAnchorVert" val="t"/>
+                      </dgm:alg>
+                      <dgm:shape xmlns:r="http://schemas.openxmlformats.org/officeDocument/2006/relationships" type="rect" r:blip="">
+                        <dgm:adjLst/>
+                      </dgm:shape>
+                      <dgm:presOf axis="self"/>
+                      <dgm:constrLst>
+                        <dgm:constr type="tMarg" refType="primFontSz" fact="0.3"/>
+                        <dgm:constr type="bMarg" refType="primFontSz" fact="0.3"/>
+                        <dgm:constr type="lMarg" refType="primFontSz" fact="0.3"/>
+                        <dgm:constr type="rMarg" refType="primFontSz" fact="0.3"/>
+                      </dgm:constrLst>
+                      <dgm:ruleLst>
+                        <dgm:rule type="primFontSz" val="5" fact="NaN" max="NaN"/>
+                      </dgm:ruleLst>
+                    </dgm:layoutNode>
+                    <dgm:layoutNode name="vert3">
+                      <dgm:choose name="Name30">
+                        <dgm:if name="Name31" func="var" arg="dir" op="equ" val="norm">
+                          <dgm:alg type="lin">
+                            <dgm:param type="linDir" val="fromT"/>
+                            <dgm:param type="nodeHorzAlign" val="l"/>
+                          </dgm:alg>
+                        </dgm:if>
+                        <dgm:else name="Name32">
+                          <dgm:alg type="lin">
+                            <dgm:param type="linDir" val="fromT"/>
+                            <dgm:param type="nodeHorzAlign" val="r"/>
+                          </dgm:alg>
+                        </dgm:else>
+                      </dgm:choose>
+                      <dgm:shape xmlns:r="http://schemas.openxmlformats.org/officeDocument/2006/relationships" r:blip="">
+                        <dgm:adjLst/>
+                      </dgm:shape>
+                      <dgm:presOf/>
+                      <dgm:forEach name="Name33" axis="ch" ptType="node">
+                        <dgm:layoutNode name="horz4">
+                          <dgm:choose name="Name34">
+                            <dgm:if name="Name35" func="var" arg="dir" op="equ" val="norm">
+                              <dgm:alg type="lin">
+                                <dgm:param type="linDir" val="fromL"/>
+                                <dgm:param type="nodeVertAlign" val="t"/>
+                              </dgm:alg>
+                            </dgm:if>
+                            <dgm:else name="Name36">
+                              <dgm:alg type="lin">
+                                <dgm:param type="linDir" val="fromR"/>
+                                <dgm:param type="nodeVertAlign" val="t"/>
+                              </dgm:alg>
+                            </dgm:else>
+                          </dgm:choose>
+                          <dgm:shape xmlns:r="http://schemas.openxmlformats.org/officeDocument/2006/relationships" r:blip="">
+                            <dgm:adjLst/>
+                          </dgm:shape>
+                          <dgm:presOf/>
+                          <dgm:layoutNode name="horzSpace4">
+                            <dgm:alg type="sp"/>
+                            <dgm:shape xmlns:r="http://schemas.openxmlformats.org/officeDocument/2006/relationships" r:blip="">
+                              <dgm:adjLst/>
+                            </dgm:shape>
+                            <dgm:presOf/>
+                          </dgm:layoutNode>
+                          <dgm:layoutNode name="tx4" styleLbl="revTx">
+                            <dgm:varLst>
+                              <dgm:bulletEnabled val="1"/>
+                            </dgm:varLst>
+                            <dgm:alg type="tx">
+                              <dgm:param type="parTxLTRAlign" val="l"/>
+                              <dgm:param type="parTxRTLAlign" val="r"/>
+                              <dgm:param type="txAnchorVert" val="t"/>
+                            </dgm:alg>
+                            <dgm:shape xmlns:r="http://schemas.openxmlformats.org/officeDocument/2006/relationships" type="rect" r:blip="">
+                              <dgm:adjLst/>
+                            </dgm:shape>
+                            <dgm:presOf axis="desOrSelf" ptType="node"/>
+                            <dgm:constrLst>
+                              <dgm:constr type="tMarg" refType="primFontSz" fact="0.3"/>
+                              <dgm:constr type="bMarg" refType="primFontSz" fact="0.3"/>
+                              <dgm:constr type="lMarg" refType="primFontSz" fact="0.3"/>
+                              <dgm:constr type="rMarg" refType="primFontSz" fact="0.3"/>
+                            </dgm:constrLst>
+                            <dgm:ruleLst>
+                              <dgm:rule type="primFontSz" val="5" fact="NaN" max="NaN"/>
+                            </dgm:ruleLst>
+                          </dgm:layoutNode>
+                        </dgm:layoutNode>
+                      </dgm:forEach>
+                    </dgm:layoutNode>
+                  </dgm:layoutNode>
+                  <dgm:forEach name="Name37" axis="followSib" ptType="sibTrans" cnt="1">
+                    <dgm:layoutNode name="thinLine3" styleLbl="callout">
+                      <dgm:alg type="sp"/>
+                      <dgm:shape xmlns:r="http://schemas.openxmlformats.org/officeDocument/2006/relationships" type="line" r:blip="">
+                        <dgm:adjLst/>
+                      </dgm:shape>
+                      <dgm:presOf/>
+                    </dgm:layoutNode>
+                  </dgm:forEach>
+                </dgm:forEach>
+              </dgm:layoutNode>
+            </dgm:layoutNode>
+            <dgm:layoutNode name="thinLine2b" styleLbl="callout">
+              <dgm:alg type="sp"/>
+              <dgm:shape xmlns:r="http://schemas.openxmlformats.org/officeDocument/2006/relationships" type="line" r:blip="">
+                <dgm:adjLst/>
+              </dgm:shape>
+              <dgm:presOf/>
+            </dgm:layoutNode>
+            <dgm:layoutNode name="vertSpace2b">
+              <dgm:alg type="sp"/>
+              <dgm:shape xmlns:r="http://schemas.openxmlformats.org/officeDocument/2006/relationships" r:blip="">
+                <dgm:adjLst/>
+              </dgm:shape>
+              <dgm:presOf/>
+            </dgm:layoutNode>
+          </dgm:forEach>
+        </dgm:layoutNode>
+      </dgm:layoutNode>
+    </dgm:forEach>
+  </dgm:layoutNode>
+</dgm:layoutDef>
+</file>
+
+<file path=ppt/diagrams/quickStyle1.xml><?xml version="1.0" encoding="utf-8"?>
+<dgm:styleDef xmlns:dgm="http://schemas.openxmlformats.org/drawingml/2006/diagram" xmlns:a="http://schemas.openxmlformats.org/drawingml/2006/main" uniqueId="urn:microsoft.com/office/officeart/2005/8/quickstyle/simple1">
+  <dgm:title val=""/>
+  <dgm:desc val=""/>
+  <dgm:catLst>
+    <dgm:cat type="simple" pri="10100"/>
+  </dgm:catLst>
+  <dgm:scene3d>
+    <a:camera prst="orthographicFront"/>
+    <a:lightRig rig="threePt" dir="t"/>
+  </dgm:scene3d>
+  <dgm:styleLbl name="node0">
+    <dgm:scene3d>
+      <a:camera prst="orthographicFront"/>
+      <a:lightRig rig="threePt" dir="t"/>
+    </dgm:scene3d>
+    <dgm:sp3d/>
+    <dgm:txPr/>
+    <dgm:style>
+      <a:lnRef idx="2">
+        <a:scrgbClr r="0" g="0" b="0"/>
+      </a:lnRef>
+      <a:fillRef idx="1">
+        <a:scrgbClr r="0" g="0" b="0"/>
+      </a:fillRef>
+      <a:effectRef idx="0">
+        <a:scrgbClr r="0" g="0" b="0"/>
+      </a:effectRef>
+      <a:fontRef idx="minor">
+        <a:schemeClr val="lt1"/>
+      </a:fontRef>
+    </dgm:style>
+  </dgm:styleLbl>
+  <dgm:styleLbl name="lnNode1">
+    <dgm:scene3d>
+      <a:camera prst="orthographicFront"/>
+      <a:lightRig rig="threePt" dir="t"/>
+    </dgm:scene3d>
+    <dgm:sp3d/>
+    <dgm:txPr/>
+    <dgm:style>
+      <a:lnRef idx="2">
+        <a:scrgbClr r="0" g="0" b="0"/>
+      </a:lnRef>
+      <a:fillRef idx="1">
+        <a:scrgbClr r="0" g="0" b="0"/>
+      </a:fillRef>
+      <a:effectRef idx="0">
+        <a:scrgbClr r="0" g="0" b="0"/>
+      </a:effectRef>
+      <a:fontRef idx="minor">
+        <a:schemeClr val="lt1"/>
+      </a:fontRef>
+    </dgm:style>
+  </dgm:styleLbl>
+  <dgm:styleLbl name="vennNode1">
+    <dgm:scene3d>
+      <a:camera prst="orthographicFront"/>
+      <a:lightRig rig="threePt" dir="t"/>
+    </dgm:scene3d>
+    <dgm:sp3d/>
+    <dgm:txPr/>
+    <dgm:style>
+      <a:lnRef idx="2">
+        <a:scrgbClr r="0" g="0" b="0"/>
+      </a:lnRef>
+      <a:fillRef idx="1">
+        <a:scrgbClr r="0" g="0" b="0"/>
+      </a:fillRef>
+      <a:effectRef idx="0">
+        <a:scrgbClr r="0" g="0" b="0"/>
+      </a:effectRef>
+      <a:fontRef idx="minor">
+        <a:schemeClr val="tx1"/>
+      </a:fontRef>
+    </dgm:style>
+  </dgm:styleLbl>
+  <dgm:styleLbl name="alignNode1">
+    <dgm:scene3d>
+      <a:camera prst="orthographicFront"/>
+      <a:lightRig rig="threePt" dir="t"/>
+    </dgm:scene3d>
+    <dgm:sp3d/>
+    <dgm:txPr/>
+    <dgm:style>
+      <a:lnRef idx="2">
+        <a:scrgbClr r="0" g="0" b="0"/>
+      </a:lnRef>
+      <a:fillRef idx="1">
+        <a:scrgbClr r="0" g="0" b="0"/>
+      </a:fillRef>
+      <a:effectRef idx="0">
+        <a:scrgbClr r="0" g="0" b="0"/>
+      </a:effectRef>
+      <a:fontRef idx="minor">
+        <a:schemeClr val="lt1"/>
+      </a:fontRef>
+    </dgm:style>
+  </dgm:styleLbl>
+  <dgm:styleLbl name="node1">
+    <dgm:scene3d>
+      <a:camera prst="orthographicFront"/>
+      <a:lightRig rig="threePt" dir="t"/>
+    </dgm:scene3d>
+    <dgm:sp3d/>
+    <dgm:txPr/>
+    <dgm:style>
+      <a:lnRef idx="2">
+        <a:scrgbClr r="0" g="0" b="0"/>
+      </a:lnRef>
+      <a:fillRef idx="1">
+        <a:scrgbClr r="0" g="0" b="0"/>
+      </a:fillRef>
+      <a:effectRef idx="0">
+        <a:scrgbClr r="0" g="0" b="0"/>
+      </a:effectRef>
+      <a:fontRef idx="minor">
+        <a:schemeClr val="lt1"/>
+      </a:fontRef>
+    </dgm:style>
+  </dgm:styleLbl>
+  <dgm:styleLbl name="node2">
+    <dgm:scene3d>
+      <a:camera prst="orthographicFront"/>
+      <a:lightRig rig="threePt" dir="t"/>
+    </dgm:scene3d>
+    <dgm:sp3d/>
+    <dgm:txPr/>
+    <dgm:style>
+      <a:lnRef idx="2">
+        <a:scrgbClr r="0" g="0" b="0"/>
+      </a:lnRef>
+      <a:fillRef idx="1">
+        <a:scrgbClr r="0" g="0" b="0"/>
+      </a:fillRef>
+      <a:effectRef idx="0">
+        <a:scrgbClr r="0" g="0" b="0"/>
+      </a:effectRef>
+      <a:fontRef idx="minor">
+        <a:schemeClr val="lt1"/>
+      </a:fontRef>
+    </dgm:style>
+  </dgm:styleLbl>
+  <dgm:styleLbl name="node3">
+    <dgm:scene3d>
+      <a:camera prst="orthographicFront"/>
+      <a:lightRig rig="threePt" dir="t"/>
+    </dgm:scene3d>
+    <dgm:sp3d/>
+    <dgm:txPr/>
+    <dgm:style>
+      <a:lnRef idx="2">
+        <a:scrgbClr r="0" g="0" b="0"/>
+      </a:lnRef>
+      <a:fillRef idx="1">
+        <a:scrgbClr r="0" g="0" b="0"/>
+      </a:fillRef>
+      <a:effectRef idx="0">
+        <a:scrgbClr r="0" g="0" b="0"/>
+      </a:effectRef>
+      <a:fontRef idx="minor">
+        <a:schemeClr val="lt1"/>
+      </a:fontRef>
+    </dgm:style>
+  </dgm:styleLbl>
+  <dgm:styleLbl name="node4">
+    <dgm:scene3d>
+      <a:camera prst="orthographicFront"/>
+      <a:lightRig rig="threePt" dir="t"/>
+    </dgm:scene3d>
+    <dgm:sp3d/>
+    <dgm:txPr/>
+    <dgm:style>
+      <a:lnRef idx="2">
+        <a:scrgbClr r="0" g="0" b="0"/>
+      </a:lnRef>
+      <a:fillRef idx="1">
+        <a:scrgbClr r="0" g="0" b="0"/>
+      </a:fillRef>
+      <a:effectRef idx="0">
+        <a:scrgbClr r="0" g="0" b="0"/>
+      </a:effectRef>
+      <a:fontRef idx="minor">
+        <a:schemeClr val="lt1"/>
+      </a:fontRef>
+    </dgm:style>
+  </dgm:styleLbl>
+  <dgm:styleLbl name="fgImgPlace1">
+    <dgm:scene3d>
+      <a:camera prst="orthographicFront"/>
+      <a:lightRig rig="threePt" dir="t"/>
+    </dgm:scene3d>
+    <dgm:sp3d/>
+    <dgm:txPr/>
+    <dgm:style>
+      <a:lnRef idx="2">
+        <a:scrgbClr r="0" g="0" b="0"/>
+      </a:lnRef>
+      <a:fillRef idx="1">
+        <a:scrgbClr r="0" g="0" b="0"/>
+      </a:fillRef>
+      <a:effectRef idx="0">
+        <a:scrgbClr r="0" g="0" b="0"/>
+      </a:effectRef>
+      <a:fontRef idx="minor"/>
+    </dgm:style>
+  </dgm:styleLbl>
+  <dgm:styleLbl name="alignImgPlace1">
+    <dgm:scene3d>
+      <a:camera prst="orthographicFront"/>
+      <a:lightRig rig="threePt" dir="t"/>
+    </dgm:scene3d>
+    <dgm:sp3d/>
+    <dgm:txPr/>
+    <dgm:style>
+      <a:lnRef idx="2">
+        <a:scrgbClr r="0" g="0" b="0"/>
+      </a:lnRef>
+      <a:fillRef idx="1">
+        <a:scrgbClr r="0" g="0" b="0"/>
+      </a:fillRef>
+      <a:effectRef idx="0">
+        <a:scrgbClr r="0" g="0" b="0"/>
+      </a:effectRef>
+      <a:fontRef idx="minor"/>
+    </dgm:style>
+  </dgm:styleLbl>
+  <dgm:styleLbl name="bgImgPlace1">
+    <dgm:scene3d>
+      <a:camera prst="orthographicFront"/>
+      <a:lightRig rig="threePt" dir="t"/>
+    </dgm:scene3d>
+    <dgm:sp3d/>
+    <dgm:txPr/>
+    <dgm:style>
+      <a:lnRef idx="2">
+        <a:scrgbClr r="0" g="0" b="0"/>
+      </a:lnRef>
+      <a:fillRef idx="1">
+        <a:scrgbClr r="0" g="0" b="0"/>
+      </a:fillRef>
+      <a:effectRef idx="0">
+        <a:scrgbClr r="0" g="0" b="0"/>
+      </a:effectRef>
+      <a:fontRef idx="minor"/>
+    </dgm:style>
+  </dgm:styleLbl>
+  <dgm:styleLbl name="sibTrans2D1">
+    <dgm:scene3d>
+      <a:camera prst="orthographicFront"/>
+      <a:lightRig rig="threePt" dir="t"/>
+    </dgm:scene3d>
+    <dgm:sp3d/>
+    <dgm:txPr/>
+    <dgm:style>
+      <a:lnRef idx="0">
+        <a:scrgbClr r="0" g="0" b="0"/>
+      </a:lnRef>
+      <a:fillRef idx="1">
+        <a:scrgbClr r="0" g="0" b="0"/>
+      </a:fillRef>
+      <a:effectRef idx="0">
+        <a:scrgbClr r="0" g="0" b="0"/>
+      </a:effectRef>
+      <a:fontRef idx="minor">
+        <a:schemeClr val="lt1"/>
+      </a:fontRef>
+    </dgm:style>
+  </dgm:styleLbl>
+  <dgm:styleLbl name="fgSibTrans2D1">
+    <dgm:scene3d>
+      <a:camera prst="orthographicFront"/>
+      <a:lightRig rig="threePt" dir="t"/>
+    </dgm:scene3d>
+    <dgm:sp3d/>
+    <dgm:txPr/>
+    <dgm:style>
+      <a:lnRef idx="0">
+        <a:scrgbClr r="0" g="0" b="0"/>
+      </a:lnRef>
+      <a:fillRef idx="1">
+        <a:scrgbClr r="0" g="0" b="0"/>
+      </a:fillRef>
+      <a:effectRef idx="0">
+        <a:scrgbClr r="0" g="0" b="0"/>
+      </a:effectRef>
+      <a:fontRef idx="minor">
+        <a:schemeClr val="lt1"/>
+      </a:fontRef>
+    </dgm:style>
+  </dgm:styleLbl>
+  <dgm:styleLbl name="bgSibTrans2D1">
+    <dgm:scene3d>
+      <a:camera prst="orthographicFront"/>
+      <a:lightRig rig="threePt" dir="t"/>
+    </dgm:scene3d>
+    <dgm:sp3d/>
+    <dgm:txPr/>
+    <dgm:style>
+      <a:lnRef idx="0">
+        <a:scrgbClr r="0" g="0" b="0"/>
+      </a:lnRef>
+      <a:fillRef idx="1">
+        <a:scrgbClr r="0" g="0" b="0"/>
+      </a:fillRef>
+      <a:effectRef idx="0">
+        <a:scrgbClr r="0" g="0" b="0"/>
+      </a:effectRef>
+      <a:fontRef idx="minor">
+        <a:schemeClr val="lt1"/>
+      </a:fontRef>
+    </dgm:style>
+  </dgm:styleLbl>
+  <dgm:styleLbl name="sibTrans1D1">
+    <dgm:scene3d>
+      <a:camera prst="orthographicFront"/>
+      <a:lightRig rig="threePt" dir="t"/>
+    </dgm:scene3d>
+    <dgm:sp3d/>
+    <dgm:txPr/>
+    <dgm:style>
+      <a:lnRef idx="1">
+        <a:scrgbClr r="0" g="0" b="0"/>
+      </a:lnRef>
+      <a:fillRef idx="0">
+        <a:scrgbClr r="0" g="0" b="0"/>
+      </a:fillRef>
+      <a:effectRef idx="0">
+        <a:scrgbClr r="0" g="0" b="0"/>
+      </a:effectRef>
+      <a:fontRef idx="minor"/>
+    </dgm:style>
+  </dgm:styleLbl>
+  <dgm:styleLbl name="callout">
+    <dgm:scene3d>
+      <a:camera prst="orthographicFront"/>
+      <a:lightRig rig="threePt" dir="t"/>
+    </dgm:scene3d>
+    <dgm:sp3d/>
+    <dgm:txPr/>
+    <dgm:style>
+      <a:lnRef idx="2">
+        <a:scrgbClr r="0" g="0" b="0"/>
+      </a:lnRef>
+      <a:fillRef idx="1">
+        <a:scrgbClr r="0" g="0" b="0"/>
+      </a:fillRef>
+      <a:effectRef idx="0">
+        <a:scrgbClr r="0" g="0" b="0"/>
+      </a:effectRef>
+      <a:fontRef idx="minor"/>
+    </dgm:style>
+  </dgm:styleLbl>
+  <dgm:styleLbl name="asst0">
+    <dgm:scene3d>
+      <a:camera prst="orthographicFront"/>
+      <a:lightRig rig="threePt" dir="t"/>
+    </dgm:scene3d>
+    <dgm:sp3d/>
+    <dgm:txPr/>
+    <dgm:style>
+      <a:lnRef idx="2">
+        <a:scrgbClr r="0" g="0" b="0"/>
+      </a:lnRef>
+      <a:fillRef idx="1">
+        <a:scrgbClr r="0" g="0" b="0"/>
+      </a:fillRef>
+      <a:effectRef idx="0">
+        <a:scrgbClr r="0" g="0" b="0"/>
+      </a:effectRef>
+      <a:fontRef idx="minor">
+        <a:schemeClr val="lt1"/>
+      </a:fontRef>
+    </dgm:style>
+  </dgm:styleLbl>
+  <dgm:styleLbl name="asst1">
+    <dgm:scene3d>
+      <a:camera prst="orthographicFront"/>
+      <a:lightRig rig="threePt" dir="t"/>
+    </dgm:scene3d>
+    <dgm:sp3d/>
+    <dgm:txPr/>
+    <dgm:style>
+      <a:lnRef idx="2">
+        <a:scrgbClr r="0" g="0" b="0"/>
+      </a:lnRef>
+      <a:fillRef idx="1">
+        <a:scrgbClr r="0" g="0" b="0"/>
+      </a:fillRef>
+      <a:effectRef idx="0">
+        <a:scrgbClr r="0" g="0" b="0"/>
+      </a:effectRef>
+      <a:fontRef idx="minor">
+        <a:schemeClr val="lt1"/>
+      </a:fontRef>
+    </dgm:style>
+  </dgm:styleLbl>
+  <dgm:styleLbl name="asst2">
+    <dgm:scene3d>
+      <a:camera prst="orthographicFront"/>
+      <a:lightRig rig="threePt" dir="t"/>
+    </dgm:scene3d>
+    <dgm:sp3d/>
+    <dgm:txPr/>
+    <dgm:style>
+      <a:lnRef idx="2">
+        <a:scrgbClr r="0" g="0" b="0"/>
+      </a:lnRef>
+      <a:fillRef idx="1">
+        <a:scrgbClr r="0" g="0" b="0"/>
+      </a:fillRef>
+      <a:effectRef idx="0">
+        <a:scrgbClr r="0" g="0" b="0"/>
+      </a:effectRef>
+      <a:fontRef idx="minor">
+        <a:schemeClr val="lt1"/>
+      </a:fontRef>
+    </dgm:style>
+  </dgm:styleLbl>
+  <dgm:styleLbl name="asst3">
+    <dgm:scene3d>
+      <a:camera prst="orthographicFront"/>
+      <a:lightRig rig="threePt" dir="t"/>
+    </dgm:scene3d>
+    <dgm:sp3d/>
+    <dgm:txPr/>
+    <dgm:style>
+      <a:lnRef idx="2">
+        <a:scrgbClr r="0" g="0" b="0"/>
+      </a:lnRef>
+      <a:fillRef idx="1">
+        <a:scrgbClr r="0" g="0" b="0"/>
+      </a:fillRef>
+      <a:effectRef idx="0">
+        <a:scrgbClr r="0" g="0" b="0"/>
+      </a:effectRef>
+      <a:fontRef idx="minor">
+        <a:schemeClr val="lt1"/>
+      </a:fontRef>
+    </dgm:style>
+  </dgm:styleLbl>
+  <dgm:styleLbl name="asst4">
+    <dgm:scene3d>
+      <a:camera prst="orthographicFront"/>
+      <a:lightRig rig="threePt" dir="t"/>
+    </dgm:scene3d>
+    <dgm:sp3d/>
+    <dgm:txPr/>
+    <dgm:style>
+      <a:lnRef idx="2">
+        <a:scrgbClr r="0" g="0" b="0"/>
+      </a:lnRef>
+      <a:fillRef idx="1">
+        <a:scrgbClr r="0" g="0" b="0"/>
+      </a:fillRef>
+      <a:effectRef idx="0">
+        <a:scrgbClr r="0" g="0" b="0"/>
+      </a:effectRef>
+      <a:fontRef idx="minor">
+        <a:schemeClr val="lt1"/>
+      </a:fontRef>
+    </dgm:style>
+  </dgm:styleLbl>
+  <dgm:styleLbl name="parChTrans2D1">
+    <dgm:scene3d>
+      <a:camera prst="orthographicFront"/>
+      <a:lightRig rig="threePt" dir="t"/>
+    </dgm:scene3d>
+    <dgm:sp3d/>
+    <dgm:txPr/>
+    <dgm:style>
+      <a:lnRef idx="2">
+        <a:scrgbClr r="0" g="0" b="0"/>
+      </a:lnRef>
+      <a:fillRef idx="1">
+        <a:scrgbClr r="0" g="0" b="0"/>
+      </a:fillRef>
+      <a:effectRef idx="0">
+        <a:scrgbClr r="0" g="0" b="0"/>
+      </a:effectRef>
+      <a:fontRef idx="minor">
+        <a:schemeClr val="lt1"/>
+      </a:fontRef>
+    </dgm:style>
+  </dgm:styleLbl>
+  <dgm:styleLbl name="parChTrans2D2">
+    <dgm:scene3d>
+      <a:camera prst="orthographicFront"/>
+      <a:lightRig rig="threePt" dir="t"/>
+    </dgm:scene3d>
+    <dgm:sp3d/>
+    <dgm:txPr/>
+    <dgm:style>
+      <a:lnRef idx="2">
+        <a:scrgbClr r="0" g="0" b="0"/>
+      </a:lnRef>
+      <a:fillRef idx="1">
+        <a:scrgbClr r="0" g="0" b="0"/>
+      </a:fillRef>
+      <a:effectRef idx="0">
+        <a:scrgbClr r="0" g="0" b="0"/>
+      </a:effectRef>
+      <a:fontRef idx="minor">
+        <a:schemeClr val="lt1"/>
+      </a:fontRef>
+    </dgm:style>
+  </dgm:styleLbl>
+  <dgm:styleLbl name="parChTrans2D3">
+    <dgm:scene3d>
+      <a:camera prst="orthographicFront"/>
+      <a:lightRig rig="threePt" dir="t"/>
+    </dgm:scene3d>
+    <dgm:sp3d/>
+    <dgm:txPr/>
+    <dgm:style>
+      <a:lnRef idx="2">
+        <a:scrgbClr r="0" g="0" b="0"/>
+      </a:lnRef>
+      <a:fillRef idx="1">
+        <a:scrgbClr r="0" g="0" b="0"/>
+      </a:fillRef>
+      <a:effectRef idx="0">
+        <a:scrgbClr r="0" g="0" b="0"/>
+      </a:effectRef>
+      <a:fontRef idx="minor">
+        <a:schemeClr val="lt1"/>
+      </a:fontRef>
+    </dgm:style>
+  </dgm:styleLbl>
+  <dgm:styleLbl name="parChTrans2D4">
+    <dgm:scene3d>
+      <a:camera prst="orthographicFront"/>
+      <a:lightRig rig="threePt" dir="t"/>
+    </dgm:scene3d>
+    <dgm:sp3d/>
+    <dgm:txPr/>
+    <dgm:style>
+      <a:lnRef idx="2">
+        <a:scrgbClr r="0" g="0" b="0"/>
+      </a:lnRef>
+      <a:fillRef idx="1">
+        <a:scrgbClr r="0" g="0" b="0"/>
+      </a:fillRef>
+      <a:effectRef idx="0">
+        <a:scrgbClr r="0" g="0" b="0"/>
+      </a:effectRef>
+      <a:fontRef idx="minor">
+        <a:schemeClr val="lt1"/>
+      </a:fontRef>
+    </dgm:style>
+  </dgm:styleLbl>
+  <dgm:styleLbl name="parChTrans1D1">
+    <dgm:scene3d>
+      <a:camera prst="orthographicFront"/>
+      <a:lightRig rig="threePt" dir="t"/>
+    </dgm:scene3d>
+    <dgm:sp3d/>
+    <dgm:txPr/>
+    <dgm:style>
+      <a:lnRef idx="2">
+        <a:scrgbClr r="0" g="0" b="0"/>
+      </a:lnRef>
+      <a:fillRef idx="0">
+        <a:scrgbClr r="0" g="0" b="0"/>
+      </a:fillRef>
+      <a:effectRef idx="0">
+        <a:scrgbClr r="0" g="0" b="0"/>
+      </a:effectRef>
+      <a:fontRef idx="minor"/>
+    </dgm:style>
+  </dgm:styleLbl>
+  <dgm:styleLbl name="parChTrans1D2">
+    <dgm:scene3d>
+      <a:camera prst="orthographicFront"/>
+      <a:lightRig rig="threePt" dir="t"/>
+    </dgm:scene3d>
+    <dgm:sp3d/>
+    <dgm:txPr/>
+    <dgm:style>
+      <a:lnRef idx="2">
+        <a:scrgbClr r="0" g="0" b="0"/>
+      </a:lnRef>
+      <a:fillRef idx="0">
+        <a:scrgbClr r="0" g="0" b="0"/>
+      </a:fillRef>
+      <a:effectRef idx="0">
+        <a:scrgbClr r="0" g="0" b="0"/>
+      </a:effectRef>
+      <a:fontRef idx="minor"/>
+    </dgm:style>
+  </dgm:styleLbl>
+  <dgm:styleLbl name="parChTrans1D3">
+    <dgm:scene3d>
+      <a:camera prst="orthographicFront"/>
+      <a:lightRig rig="threePt" dir="t"/>
+    </dgm:scene3d>
+    <dgm:sp3d/>
+    <dgm:txPr/>
+    <dgm:style>
+      <a:lnRef idx="2">
+        <a:scrgbClr r="0" g="0" b="0"/>
+      </a:lnRef>
+      <a:fillRef idx="0">
+        <a:scrgbClr r="0" g="0" b="0"/>
+      </a:fillRef>
+      <a:effectRef idx="0">
+        <a:scrgbClr r="0" g="0" b="0"/>
+      </a:effectRef>
+      <a:fontRef idx="minor"/>
+    </dgm:style>
+  </dgm:styleLbl>
+  <dgm:styleLbl name="parChTrans1D4">
+    <dgm:scene3d>
+      <a:camera prst="orthographicFront"/>
+      <a:lightRig rig="threePt" dir="t"/>
+    </dgm:scene3d>
+    <dgm:sp3d/>
+    <dgm:txPr/>
+    <dgm:style>
+      <a:lnRef idx="2">
+        <a:scrgbClr r="0" g="0" b="0"/>
+      </a:lnRef>
+      <a:fillRef idx="0">
+        <a:scrgbClr r="0" g="0" b="0"/>
+      </a:fillRef>
+      <a:effectRef idx="0">
+        <a:scrgbClr r="0" g="0" b="0"/>
+      </a:effectRef>
+      <a:fontRef idx="minor"/>
+    </dgm:style>
+  </dgm:styleLbl>
+  <dgm:styleLbl name="fgAcc1">
+    <dgm:scene3d>
+      <a:camera prst="orthographicFront"/>
+      <a:lightRig rig="threePt" dir="t"/>
+    </dgm:scene3d>
+    <dgm:sp3d/>
+    <dgm:txPr/>
+    <dgm:style>
+      <a:lnRef idx="2">
+        <a:scrgbClr r="0" g="0" b="0"/>
+      </a:lnRef>
+      <a:fillRef idx="1">
+        <a:scrgbClr r="0" g="0" b="0"/>
+      </a:fillRef>
+      <a:effectRef idx="0">
+        <a:scrgbClr r="0" g="0" b="0"/>
+      </a:effectRef>
+      <a:fontRef idx="minor"/>
+    </dgm:style>
+  </dgm:styleLbl>
+  <dgm:styleLbl name="conFgAcc1">
+    <dgm:scene3d>
+      <a:camera prst="orthographicFront"/>
+      <a:lightRig rig="threePt" dir="t"/>
+    </dgm:scene3d>
+    <dgm:sp3d/>
+    <dgm:txPr/>
+    <dgm:style>
+      <a:lnRef idx="2">
+        <a:scrgbClr r="0" g="0" b="0"/>
+      </a:lnRef>
+      <a:fillRef idx="1">
+        <a:scrgbClr r="0" g="0" b="0"/>
+      </a:fillRef>
+      <a:effectRef idx="0">
+        <a:scrgbClr r="0" g="0" b="0"/>
+      </a:effectRef>
+      <a:fontRef idx="minor"/>
+    </dgm:style>
+  </dgm:styleLbl>
+  <dgm:styleLbl name="alignAcc1">
+    <dgm:scene3d>
+      <a:camera prst="orthographicFront"/>
+      <a:lightRig rig="threePt" dir="t"/>
+    </dgm:scene3d>
+    <dgm:sp3d/>
+    <dgm:txPr/>
+    <dgm:style>
+      <a:lnRef idx="2">
+        <a:scrgbClr r="0" g="0" b="0"/>
+      </a:lnRef>
+      <a:fillRef idx="1">
+        <a:scrgbClr r="0" g="0" b="0"/>
+      </a:fillRef>
+      <a:effectRef idx="0">
+        <a:scrgbClr r="0" g="0" b="0"/>
+      </a:effectRef>
+      <a:fontRef idx="minor"/>
+    </dgm:style>
+  </dgm:styleLbl>
+  <dgm:styleLbl name="trAlignAcc1">
+    <dgm:scene3d>
+      <a:camera prst="orthographicFront"/>
+      <a:lightRig rig="threePt" dir="t"/>
+    </dgm:scene3d>
+    <dgm:sp3d/>
+    <dgm:txPr/>
+    <dgm:style>
+      <a:lnRef idx="1">
+        <a:scrgbClr r="0" g="0" b="0"/>
+      </a:lnRef>
+      <a:fillRef idx="1">
+        <a:scrgbClr r="0" g="0" b="0"/>
+      </a:fillRef>
+      <a:effectRef idx="0">
+        <a:scrgbClr r="0" g="0" b="0"/>
+      </a:effectRef>
+      <a:fontRef idx="minor"/>
+    </dgm:style>
+  </dgm:styleLbl>
+  <dgm:styleLbl name="bgAcc1">
+    <dgm:scene3d>
+      <a:camera prst="orthographicFront"/>
+      <a:lightRig rig="threePt" dir="t"/>
+    </dgm:scene3d>
+    <dgm:sp3d/>
+    <dgm:txPr/>
+    <dgm:style>
+      <a:lnRef idx="2">
+        <a:scrgbClr r="0" g="0" b="0"/>
+      </a:lnRef>
+      <a:fillRef idx="1">
+        <a:scrgbClr r="0" g="0" b="0"/>
+      </a:fillRef>
+      <a:effectRef idx="0">
+        <a:scrgbClr r="0" g="0" b="0"/>
+      </a:effectRef>
+      <a:fontRef idx="minor"/>
+    </dgm:style>
+  </dgm:styleLbl>
+  <dgm:styleLbl name="solidFgAcc1">
+    <dgm:scene3d>
+      <a:camera prst="orthographicFront"/>
+      <a:lightRig rig="threePt" dir="t"/>
+    </dgm:scene3d>
+    <dgm:sp3d/>
+    <dgm:txPr/>
+    <dgm:style>
+      <a:lnRef idx="2">
+        <a:scrgbClr r="0" g="0" b="0"/>
+      </a:lnRef>
+      <a:fillRef idx="1">
+        <a:scrgbClr r="0" g="0" b="0"/>
+      </a:fillRef>
+      <a:effectRef idx="0">
+        <a:scrgbClr r="0" g="0" b="0"/>
+      </a:effectRef>
+      <a:fontRef idx="minor"/>
+    </dgm:style>
+  </dgm:styleLbl>
+  <dgm:styleLbl name="solidAlignAcc1">
+    <dgm:scene3d>
+      <a:camera prst="orthographicFront"/>
+      <a:lightRig rig="threePt" dir="t"/>
+    </dgm:scene3d>
+    <dgm:sp3d/>
+    <dgm:txPr/>
+    <dgm:style>
+      <a:lnRef idx="2">
+        <a:scrgbClr r="0" g="0" b="0"/>
+      </a:lnRef>
+      <a:fillRef idx="1">
+        <a:scrgbClr r="0" g="0" b="0"/>
+      </a:fillRef>
+      <a:effectRef idx="0">
+        <a:scrgbClr r="0" g="0" b="0"/>
+      </a:effectRef>
+      <a:fontRef idx="minor"/>
+    </dgm:style>
+  </dgm:styleLbl>
+  <dgm:styleLbl name="solidBgAcc1">
+    <dgm:scene3d>
+      <a:camera prst="orthographicFront"/>
+      <a:lightRig rig="threePt" dir="t"/>
+    </dgm:scene3d>
+    <dgm:sp3d/>
+    <dgm:txPr/>
+    <dgm:style>
+      <a:lnRef idx="2">
+        <a:scrgbClr r="0" g="0" b="0"/>
+      </a:lnRef>
+      <a:fillRef idx="1">
+        <a:scrgbClr r="0" g="0" b="0"/>
+      </a:fillRef>
+      <a:effectRef idx="0">
+        <a:scrgbClr r="0" g="0" b="0"/>
+      </a:effectRef>
+      <a:fontRef idx="minor"/>
+    </dgm:style>
+  </dgm:styleLbl>
+  <dgm:styleLbl name="fgAccFollowNode1">
+    <dgm:scene3d>
+      <a:camera prst="orthographicFront"/>
+      <a:lightRig rig="threePt" dir="t"/>
+    </dgm:scene3d>
+    <dgm:sp3d/>
+    <dgm:txPr/>
+    <dgm:style>
+      <a:lnRef idx="2">
+        <a:scrgbClr r="0" g="0" b="0"/>
+      </a:lnRef>
+      <a:fillRef idx="1">
+        <a:scrgbClr r="0" g="0" b="0"/>
+      </a:fillRef>
+      <a:effectRef idx="0">
+        <a:scrgbClr r="0" g="0" b="0"/>
+      </a:effectRef>
+      <a:fontRef idx="minor"/>
+    </dgm:style>
+  </dgm:styleLbl>
+  <dgm:styleLbl name="alignAccFollowNode1">
+    <dgm:scene3d>
+      <a:camera prst="orthographicFront"/>
+      <a:lightRig rig="threePt" dir="t"/>
+    </dgm:scene3d>
+    <dgm:sp3d/>
+    <dgm:txPr/>
+    <dgm:style>
+      <a:lnRef idx="2">
+        <a:scrgbClr r="0" g="0" b="0"/>
+      </a:lnRef>
+      <a:fillRef idx="1">
+        <a:scrgbClr r="0" g="0" b="0"/>
+      </a:fillRef>
+      <a:effectRef idx="0">
+        <a:scrgbClr r="0" g="0" b="0"/>
+      </a:effectRef>
+      <a:fontRef idx="minor"/>
+    </dgm:style>
+  </dgm:styleLbl>
+  <dgm:styleLbl name="bgAccFollowNode1">
+    <dgm:scene3d>
+      <a:camera prst="orthographicFront"/>
+      <a:lightRig rig="threePt" dir="t"/>
+    </dgm:scene3d>
+    <dgm:sp3d/>
+    <dgm:txPr/>
+    <dgm:style>
+      <a:lnRef idx="2">
+        <a:scrgbClr r="0" g="0" b="0"/>
+      </a:lnRef>
+      <a:fillRef idx="1">
+        <a:scrgbClr r="0" g="0" b="0"/>
+      </a:fillRef>
+      <a:effectRef idx="0">
+        <a:scrgbClr r="0" g="0" b="0"/>
+      </a:effectRef>
+      <a:fontRef idx="minor"/>
+    </dgm:style>
+  </dgm:styleLbl>
+  <dgm:styleLbl name="fgAcc0">
+    <dgm:scene3d>
+      <a:camera prst="orthographicFront"/>
+      <a:lightRig rig="threePt" dir="t"/>
+    </dgm:scene3d>
+    <dgm:sp3d/>
+    <dgm:txPr/>
+    <dgm:style>
+      <a:lnRef idx="2">
+        <a:scrgbClr r="0" g="0" b="0"/>
+      </a:lnRef>
+      <a:fillRef idx="1">
+        <a:scrgbClr r="0" g="0" b="0"/>
+      </a:fillRef>
+      <a:effectRef idx="0">
+        <a:scrgbClr r="0" g="0" b="0"/>
+      </a:effectRef>
+      <a:fontRef idx="minor"/>
+    </dgm:style>
+  </dgm:styleLbl>
+  <dgm:styleLbl name="fgAcc2">
+    <dgm:scene3d>
+      <a:camera prst="orthographicFront"/>
+      <a:lightRig rig="threePt" dir="t"/>
+    </dgm:scene3d>
+    <dgm:sp3d/>
+    <dgm:txPr/>
+    <dgm:style>
+      <a:lnRef idx="2">
+        <a:scrgbClr r="0" g="0" b="0"/>
+      </a:lnRef>
+      <a:fillRef idx="1">
+        <a:scrgbClr r="0" g="0" b="0"/>
+      </a:fillRef>
+      <a:effectRef idx="0">
+        <a:scrgbClr r="0" g="0" b="0"/>
+      </a:effectRef>
+      <a:fontRef idx="minor"/>
+    </dgm:style>
+  </dgm:styleLbl>
+  <dgm:styleLbl name="fgAcc3">
+    <dgm:scene3d>
+      <a:camera prst="orthographicFront"/>
+      <a:lightRig rig="threePt" dir="t"/>
+    </dgm:scene3d>
+    <dgm:sp3d/>
+    <dgm:txPr/>
+    <dgm:style>
+      <a:lnRef idx="2">
+        <a:scrgbClr r="0" g="0" b="0"/>
+      </a:lnRef>
+      <a:fillRef idx="1">
+        <a:scrgbClr r="0" g="0" b="0"/>
+      </a:fillRef>
+      <a:effectRef idx="0">
+        <a:scrgbClr r="0" g="0" b="0"/>
+      </a:effectRef>
+      <a:fontRef idx="minor"/>
+    </dgm:style>
+  </dgm:styleLbl>
+  <dgm:styleLbl name="fgAcc4">
+    <dgm:scene3d>
+      <a:camera prst="orthographicFront"/>
+      <a:lightRig rig="threePt" dir="t"/>
+    </dgm:scene3d>
+    <dgm:sp3d/>
+    <dgm:txPr/>
+    <dgm:style>
+      <a:lnRef idx="2">
+        <a:scrgbClr r="0" g="0" b="0"/>
+      </a:lnRef>
+      <a:fillRef idx="1">
+        <a:scrgbClr r="0" g="0" b="0"/>
+      </a:fillRef>
+      <a:effectRef idx="0">
+        <a:scrgbClr r="0" g="0" b="0"/>
+      </a:effectRef>
+      <a:fontRef idx="minor"/>
+    </dgm:style>
+  </dgm:styleLbl>
+  <dgm:styleLbl name="bgShp">
+    <dgm:scene3d>
+      <a:camera prst="orthographicFront"/>
+      <a:lightRig rig="threePt" dir="t"/>
+    </dgm:scene3d>
+    <dgm:sp3d/>
+    <dgm:txPr/>
+    <dgm:style>
+      <a:lnRef idx="0">
+        <a:scrgbClr r="0" g="0" b="0"/>
+      </a:lnRef>
+      <a:fillRef idx="1">
+        <a:scrgbClr r="0" g="0" b="0"/>
+      </a:fillRef>
+      <a:effectRef idx="0">
+        <a:scrgbClr r="0" g="0" b="0"/>
+      </a:effectRef>
+      <a:fontRef idx="minor"/>
+    </dgm:style>
+  </dgm:styleLbl>
+  <dgm:styleLbl name="dkBgShp">
+    <dgm:scene3d>
+      <a:camera prst="orthographicFront"/>
+      <a:lightRig rig="threePt" dir="t"/>
+    </dgm:scene3d>
+    <dgm:sp3d/>
+    <dgm:txPr/>
+    <dgm:style>
+      <a:lnRef idx="0">
+        <a:scrgbClr r="0" g="0" b="0"/>
+      </a:lnRef>
+      <a:fillRef idx="1">
+        <a:scrgbClr r="0" g="0" b="0"/>
+      </a:fillRef>
+      <a:effectRef idx="0">
+        <a:scrgbClr r="0" g="0" b="0"/>
+      </a:effectRef>
+      <a:fontRef idx="minor"/>
+    </dgm:style>
+  </dgm:styleLbl>
+  <dgm:styleLbl name="trBgShp">
+    <dgm:scene3d>
+      <a:camera prst="orthographicFront"/>
+      <a:lightRig rig="threePt" dir="t"/>
+    </dgm:scene3d>
+    <dgm:sp3d/>
+    <dgm:txPr/>
+    <dgm:style>
+      <a:lnRef idx="0">
+        <a:scrgbClr r="0" g="0" b="0"/>
+      </a:lnRef>
+      <a:fillRef idx="1">
+        <a:scrgbClr r="0" g="0" b="0"/>
+      </a:fillRef>
+      <a:effectRef idx="0">
+        <a:scrgbClr r="0" g="0" b="0"/>
+      </a:effectRef>
+      <a:fontRef idx="minor"/>
+    </dgm:style>
+  </dgm:styleLbl>
+  <dgm:styleLbl name="fgShp">
+    <dgm:scene3d>
+      <a:camera prst="orthographicFront"/>
+      <a:lightRig rig="threePt" dir="t"/>
+    </dgm:scene3d>
+    <dgm:sp3d/>
+    <dgm:txPr/>
+    <dgm:style>
+      <a:lnRef idx="2">
+        <a:scrgbClr r="0" g="0" b="0"/>
+      </a:lnRef>
+      <a:fillRef idx="1">
+        <a:scrgbClr r="0" g="0" b="0"/>
+      </a:fillRef>
+      <a:effectRef idx="0">
+        <a:scrgbClr r="0" g="0" b="0"/>
+      </a:effectRef>
+      <a:fontRef idx="minor"/>
+    </dgm:style>
+  </dgm:styleLbl>
+  <dgm:styleLbl name="revTx">
+    <dgm:scene3d>
+      <a:camera prst="orthographicFront"/>
+      <a:lightRig rig="threePt" dir="t"/>
+    </dgm:scene3d>
+    <dgm:sp3d/>
+    <dgm:txPr/>
+    <dgm:style>
+      <a:lnRef idx="0">
+        <a:scrgbClr r="0" g="0" b="0"/>
+      </a:lnRef>
+      <a:fillRef idx="0">
+        <a:scrgbClr r="0" g="0" b="0"/>
+      </a:fillRef>
+      <a:effectRef idx="0">
+        <a:scrgbClr r="0" g="0" b="0"/>
+      </a:effectRef>
+      <a:fontRef idx="minor"/>
+    </dgm:style>
+  </dgm:styleLbl>
+</dgm:styleDef>
+</file>
+
+<file path=ppt/diagrams/quickStyle2.xml><?xml version="1.0" encoding="utf-8"?>
+<dgm:styleDef xmlns:dgm="http://schemas.openxmlformats.org/drawingml/2006/diagram" xmlns:a="http://schemas.openxmlformats.org/drawingml/2006/main" uniqueId="urn:microsoft.com/office/officeart/2005/8/quickstyle/simple1">
+  <dgm:title val=""/>
+  <dgm:desc val=""/>
+  <dgm:catLst>
+    <dgm:cat type="simple" pri="10100"/>
+  </dgm:catLst>
+  <dgm:scene3d>
+    <a:camera prst="orthographicFront"/>
+    <a:lightRig rig="threePt" dir="t"/>
+  </dgm:scene3d>
+  <dgm:styleLbl name="node0">
+    <dgm:scene3d>
+      <a:camera prst="orthographicFront"/>
+      <a:lightRig rig="threePt" dir="t"/>
+    </dgm:scene3d>
+    <dgm:sp3d/>
+    <dgm:txPr/>
+    <dgm:style>
+      <a:lnRef idx="2">
+        <a:scrgbClr r="0" g="0" b="0"/>
+      </a:lnRef>
+      <a:fillRef idx="1">
+        <a:scrgbClr r="0" g="0" b="0"/>
+      </a:fillRef>
+      <a:effectRef idx="0">
+        <a:scrgbClr r="0" g="0" b="0"/>
+      </a:effectRef>
+      <a:fontRef idx="minor">
+        <a:schemeClr val="lt1"/>
+      </a:fontRef>
+    </dgm:style>
+  </dgm:styleLbl>
+  <dgm:styleLbl name="lnNode1">
+    <dgm:scene3d>
+      <a:camera prst="orthographicFront"/>
+      <a:lightRig rig="threePt" dir="t"/>
+    </dgm:scene3d>
+    <dgm:sp3d/>
+    <dgm:txPr/>
+    <dgm:style>
+      <a:lnRef idx="2">
+        <a:scrgbClr r="0" g="0" b="0"/>
+      </a:lnRef>
+      <a:fillRef idx="1">
+        <a:scrgbClr r="0" g="0" b="0"/>
+      </a:fillRef>
+      <a:effectRef idx="0">
+        <a:scrgbClr r="0" g="0" b="0"/>
+      </a:effectRef>
+      <a:fontRef idx="minor">
+        <a:schemeClr val="lt1"/>
+      </a:fontRef>
+    </dgm:style>
+  </dgm:styleLbl>
+  <dgm:styleLbl name="vennNode1">
+    <dgm:scene3d>
+      <a:camera prst="orthographicFront"/>
+      <a:lightRig rig="threePt" dir="t"/>
+    </dgm:scene3d>
+    <dgm:sp3d/>
+    <dgm:txPr/>
+    <dgm:style>
+      <a:lnRef idx="2">
+        <a:scrgbClr r="0" g="0" b="0"/>
+      </a:lnRef>
+      <a:fillRef idx="1">
+        <a:scrgbClr r="0" g="0" b="0"/>
+      </a:fillRef>
+      <a:effectRef idx="0">
+        <a:scrgbClr r="0" g="0" b="0"/>
+      </a:effectRef>
+      <a:fontRef idx="minor">
+        <a:schemeClr val="tx1"/>
+      </a:fontRef>
+    </dgm:style>
+  </dgm:styleLbl>
+  <dgm:styleLbl name="alignNode1">
+    <dgm:scene3d>
+      <a:camera prst="orthographicFront"/>
+      <a:lightRig rig="threePt" dir="t"/>
+    </dgm:scene3d>
+    <dgm:sp3d/>
+    <dgm:txPr/>
+    <dgm:style>
+      <a:lnRef idx="2">
+        <a:scrgbClr r="0" g="0" b="0"/>
+      </a:lnRef>
+      <a:fillRef idx="1">
+        <a:scrgbClr r="0" g="0" b="0"/>
+      </a:fillRef>
+      <a:effectRef idx="0">
+        <a:scrgbClr r="0" g="0" b="0"/>
+      </a:effectRef>
+      <a:fontRef idx="minor">
+        <a:schemeClr val="lt1"/>
+      </a:fontRef>
+    </dgm:style>
+  </dgm:styleLbl>
+  <dgm:styleLbl name="node1">
+    <dgm:scene3d>
+      <a:camera prst="orthographicFront"/>
+      <a:lightRig rig="threePt" dir="t"/>
+    </dgm:scene3d>
+    <dgm:sp3d/>
+    <dgm:txPr/>
+    <dgm:style>
+      <a:lnRef idx="2">
+        <a:scrgbClr r="0" g="0" b="0"/>
+      </a:lnRef>
+      <a:fillRef idx="1">
+        <a:scrgbClr r="0" g="0" b="0"/>
+      </a:fillRef>
+      <a:effectRef idx="0">
+        <a:scrgbClr r="0" g="0" b="0"/>
+      </a:effectRef>
+      <a:fontRef idx="minor">
+        <a:schemeClr val="lt1"/>
+      </a:fontRef>
+    </dgm:style>
+  </dgm:styleLbl>
+  <dgm:styleLbl name="node2">
+    <dgm:scene3d>
+      <a:camera prst="orthographicFront"/>
+      <a:lightRig rig="threePt" dir="t"/>
+    </dgm:scene3d>
+    <dgm:sp3d/>
+    <dgm:txPr/>
+    <dgm:style>
+      <a:lnRef idx="2">
+        <a:scrgbClr r="0" g="0" b="0"/>
+      </a:lnRef>
+      <a:fillRef idx="1">
+        <a:scrgbClr r="0" g="0" b="0"/>
+      </a:fillRef>
+      <a:effectRef idx="0">
+        <a:scrgbClr r="0" g="0" b="0"/>
+      </a:effectRef>
+      <a:fontRef idx="minor">
+        <a:schemeClr val="lt1"/>
+      </a:fontRef>
+    </dgm:style>
+  </dgm:styleLbl>
+  <dgm:styleLbl name="node3">
+    <dgm:scene3d>
+      <a:camera prst="orthographicFront"/>
+      <a:lightRig rig="threePt" dir="t"/>
+    </dgm:scene3d>
+    <dgm:sp3d/>
+    <dgm:txPr/>
+    <dgm:style>
+      <a:lnRef idx="2">
+        <a:scrgbClr r="0" g="0" b="0"/>
+      </a:lnRef>
+      <a:fillRef idx="1">
+        <a:scrgbClr r="0" g="0" b="0"/>
+      </a:fillRef>
+      <a:effectRef idx="0">
+        <a:scrgbClr r="0" g="0" b="0"/>
+      </a:effectRef>
+      <a:fontRef idx="minor">
+        <a:schemeClr val="lt1"/>
+      </a:fontRef>
+    </dgm:style>
+  </dgm:styleLbl>
+  <dgm:styleLbl name="node4">
+    <dgm:scene3d>
+      <a:camera prst="orthographicFront"/>
+      <a:lightRig rig="threePt" dir="t"/>
+    </dgm:scene3d>
+    <dgm:sp3d/>
+    <dgm:txPr/>
+    <dgm:style>
+      <a:lnRef idx="2">
+        <a:scrgbClr r="0" g="0" b="0"/>
+      </a:lnRef>
+      <a:fillRef idx="1">
+        <a:scrgbClr r="0" g="0" b="0"/>
+      </a:fillRef>
+      <a:effectRef idx="0">
+        <a:scrgbClr r="0" g="0" b="0"/>
+      </a:effectRef>
+      <a:fontRef idx="minor">
+        <a:schemeClr val="lt1"/>
+      </a:fontRef>
+    </dgm:style>
+  </dgm:styleLbl>
+  <dgm:styleLbl name="fgImgPlace1">
+    <dgm:scene3d>
+      <a:camera prst="orthographicFront"/>
+      <a:lightRig rig="threePt" dir="t"/>
+    </dgm:scene3d>
+    <dgm:sp3d/>
+    <dgm:txPr/>
+    <dgm:style>
+      <a:lnRef idx="2">
+        <a:scrgbClr r="0" g="0" b="0"/>
+      </a:lnRef>
+      <a:fillRef idx="1">
+        <a:scrgbClr r="0" g="0" b="0"/>
+      </a:fillRef>
+      <a:effectRef idx="0">
+        <a:scrgbClr r="0" g="0" b="0"/>
+      </a:effectRef>
+      <a:fontRef idx="minor"/>
+    </dgm:style>
+  </dgm:styleLbl>
+  <dgm:styleLbl name="alignImgPlace1">
+    <dgm:scene3d>
+      <a:camera prst="orthographicFront"/>
+      <a:lightRig rig="threePt" dir="t"/>
+    </dgm:scene3d>
+    <dgm:sp3d/>
+    <dgm:txPr/>
+    <dgm:style>
+      <a:lnRef idx="2">
+        <a:scrgbClr r="0" g="0" b="0"/>
+      </a:lnRef>
+      <a:fillRef idx="1">
+        <a:scrgbClr r="0" g="0" b="0"/>
+      </a:fillRef>
+      <a:effectRef idx="0">
+        <a:scrgbClr r="0" g="0" b="0"/>
+      </a:effectRef>
+      <a:fontRef idx="minor"/>
+    </dgm:style>
+  </dgm:styleLbl>
+  <dgm:styleLbl name="bgImgPlace1">
+    <dgm:scene3d>
+      <a:camera prst="orthographicFront"/>
+      <a:lightRig rig="threePt" dir="t"/>
+    </dgm:scene3d>
+    <dgm:sp3d/>
+    <dgm:txPr/>
+    <dgm:style>
+      <a:lnRef idx="2">
+        <a:scrgbClr r="0" g="0" b="0"/>
+      </a:lnRef>
+      <a:fillRef idx="1">
+        <a:scrgbClr r="0" g="0" b="0"/>
+      </a:fillRef>
+      <a:effectRef idx="0">
+        <a:scrgbClr r="0" g="0" b="0"/>
+      </a:effectRef>
+      <a:fontRef idx="minor"/>
+    </dgm:style>
+  </dgm:styleLbl>
+  <dgm:styleLbl name="sibTrans2D1">
+    <dgm:scene3d>
+      <a:camera prst="orthographicFront"/>
+      <a:lightRig rig="threePt" dir="t"/>
+    </dgm:scene3d>
+    <dgm:sp3d/>
+    <dgm:txPr/>
+    <dgm:style>
+      <a:lnRef idx="0">
+        <a:scrgbClr r="0" g="0" b="0"/>
+      </a:lnRef>
+      <a:fillRef idx="1">
+        <a:scrgbClr r="0" g="0" b="0"/>
+      </a:fillRef>
+      <a:effectRef idx="0">
+        <a:scrgbClr r="0" g="0" b="0"/>
+      </a:effectRef>
+      <a:fontRef idx="minor">
+        <a:schemeClr val="lt1"/>
+      </a:fontRef>
+    </dgm:style>
+  </dgm:styleLbl>
+  <dgm:styleLbl name="fgSibTrans2D1">
+    <dgm:scene3d>
+      <a:camera prst="orthographicFront"/>
+      <a:lightRig rig="threePt" dir="t"/>
+    </dgm:scene3d>
+    <dgm:sp3d/>
+    <dgm:txPr/>
+    <dgm:style>
+      <a:lnRef idx="0">
+        <a:scrgbClr r="0" g="0" b="0"/>
+      </a:lnRef>
+      <a:fillRef idx="1">
+        <a:scrgbClr r="0" g="0" b="0"/>
+      </a:fillRef>
+      <a:effectRef idx="0">
+        <a:scrgbClr r="0" g="0" b="0"/>
+      </a:effectRef>
+      <a:fontRef idx="minor">
+        <a:schemeClr val="lt1"/>
+      </a:fontRef>
+    </dgm:style>
+  </dgm:styleLbl>
+  <dgm:styleLbl name="bgSibTrans2D1">
+    <dgm:scene3d>
+      <a:camera prst="orthographicFront"/>
+      <a:lightRig rig="threePt" dir="t"/>
+    </dgm:scene3d>
+    <dgm:sp3d/>
+    <dgm:txPr/>
+    <dgm:style>
+      <a:lnRef idx="0">
+        <a:scrgbClr r="0" g="0" b="0"/>
+      </a:lnRef>
+      <a:fillRef idx="1">
+        <a:scrgbClr r="0" g="0" b="0"/>
+      </a:fillRef>
+      <a:effectRef idx="0">
+        <a:scrgbClr r="0" g="0" b="0"/>
+      </a:effectRef>
+      <a:fontRef idx="minor">
+        <a:schemeClr val="lt1"/>
+      </a:fontRef>
+    </dgm:style>
+  </dgm:styleLbl>
+  <dgm:styleLbl name="sibTrans1D1">
+    <dgm:scene3d>
+      <a:camera prst="orthographicFront"/>
+      <a:lightRig rig="threePt" dir="t"/>
+    </dgm:scene3d>
+    <dgm:sp3d/>
+    <dgm:txPr/>
+    <dgm:style>
+      <a:lnRef idx="1">
+        <a:scrgbClr r="0" g="0" b="0"/>
+      </a:lnRef>
+      <a:fillRef idx="0">
+        <a:scrgbClr r="0" g="0" b="0"/>
+      </a:fillRef>
+      <a:effectRef idx="0">
+        <a:scrgbClr r="0" g="0" b="0"/>
+      </a:effectRef>
+      <a:fontRef idx="minor"/>
+    </dgm:style>
+  </dgm:styleLbl>
+  <dgm:styleLbl name="callout">
+    <dgm:scene3d>
+      <a:camera prst="orthographicFront"/>
+      <a:lightRig rig="threePt" dir="t"/>
+    </dgm:scene3d>
+    <dgm:sp3d/>
+    <dgm:txPr/>
+    <dgm:style>
+      <a:lnRef idx="2">
+        <a:scrgbClr r="0" g="0" b="0"/>
+      </a:lnRef>
+      <a:fillRef idx="1">
+        <a:scrgbClr r="0" g="0" b="0"/>
+      </a:fillRef>
+      <a:effectRef idx="0">
+        <a:scrgbClr r="0" g="0" b="0"/>
+      </a:effectRef>
+      <a:fontRef idx="minor"/>
+    </dgm:style>
+  </dgm:styleLbl>
+  <dgm:styleLbl name="asst0">
+    <dgm:scene3d>
+      <a:camera prst="orthographicFront"/>
+      <a:lightRig rig="threePt" dir="t"/>
+    </dgm:scene3d>
+    <dgm:sp3d/>
+    <dgm:txPr/>
+    <dgm:style>
+      <a:lnRef idx="2">
+        <a:scrgbClr r="0" g="0" b="0"/>
+      </a:lnRef>
+      <a:fillRef idx="1">
+        <a:scrgbClr r="0" g="0" b="0"/>
+      </a:fillRef>
+      <a:effectRef idx="0">
+        <a:scrgbClr r="0" g="0" b="0"/>
+      </a:effectRef>
+      <a:fontRef idx="minor">
+        <a:schemeClr val="lt1"/>
+      </a:fontRef>
+    </dgm:style>
+  </dgm:styleLbl>
+  <dgm:styleLbl name="asst1">
+    <dgm:scene3d>
+      <a:camera prst="orthographicFront"/>
+      <a:lightRig rig="threePt" dir="t"/>
+    </dgm:scene3d>
+    <dgm:sp3d/>
+    <dgm:txPr/>
+    <dgm:style>
+      <a:lnRef idx="2">
+        <a:scrgbClr r="0" g="0" b="0"/>
+      </a:lnRef>
+      <a:fillRef idx="1">
+        <a:scrgbClr r="0" g="0" b="0"/>
+      </a:fillRef>
+      <a:effectRef idx="0">
+        <a:scrgbClr r="0" g="0" b="0"/>
+      </a:effectRef>
+      <a:fontRef idx="minor">
+        <a:schemeClr val="lt1"/>
+      </a:fontRef>
+    </dgm:style>
+  </dgm:styleLbl>
+  <dgm:styleLbl name="asst2">
+    <dgm:scene3d>
+      <a:camera prst="orthographicFront"/>
+      <a:lightRig rig="threePt" dir="t"/>
+    </dgm:scene3d>
+    <dgm:sp3d/>
+    <dgm:txPr/>
+    <dgm:style>
+      <a:lnRef idx="2">
+        <a:scrgbClr r="0" g="0" b="0"/>
+      </a:lnRef>
+      <a:fillRef idx="1">
+        <a:scrgbClr r="0" g="0" b="0"/>
+      </a:fillRef>
+      <a:effectRef idx="0">
+        <a:scrgbClr r="0" g="0" b="0"/>
+      </a:effectRef>
+      <a:fontRef idx="minor">
+        <a:schemeClr val="lt1"/>
+      </a:fontRef>
+    </dgm:style>
+  </dgm:styleLbl>
+  <dgm:styleLbl name="asst3">
+    <dgm:scene3d>
+      <a:camera prst="orthographicFront"/>
+      <a:lightRig rig="threePt" dir="t"/>
+    </dgm:scene3d>
+    <dgm:sp3d/>
+    <dgm:txPr/>
+    <dgm:style>
+      <a:lnRef idx="2">
+        <a:scrgbClr r="0" g="0" b="0"/>
+      </a:lnRef>
+      <a:fillRef idx="1">
+        <a:scrgbClr r="0" g="0" b="0"/>
+      </a:fillRef>
+      <a:effectRef idx="0">
+        <a:scrgbClr r="0" g="0" b="0"/>
+      </a:effectRef>
+      <a:fontRef idx="minor">
+        <a:schemeClr val="lt1"/>
+      </a:fontRef>
+    </dgm:style>
+  </dgm:styleLbl>
+  <dgm:styleLbl name="asst4">
+    <dgm:scene3d>
+      <a:camera prst="orthographicFront"/>
+      <a:lightRig rig="threePt" dir="t"/>
+    </dgm:scene3d>
+    <dgm:sp3d/>
+    <dgm:txPr/>
+    <dgm:style>
+      <a:lnRef idx="2">
+        <a:scrgbClr r="0" g="0" b="0"/>
+      </a:lnRef>
+      <a:fillRef idx="1">
+        <a:scrgbClr r="0" g="0" b="0"/>
+      </a:fillRef>
+      <a:effectRef idx="0">
+        <a:scrgbClr r="0" g="0" b="0"/>
+      </a:effectRef>
+      <a:fontRef idx="minor">
+        <a:schemeClr val="lt1"/>
+      </a:fontRef>
+    </dgm:style>
+  </dgm:styleLbl>
+  <dgm:styleLbl name="parChTrans2D1">
+    <dgm:scene3d>
+      <a:camera prst="orthographicFront"/>
+      <a:lightRig rig="threePt" dir="t"/>
+    </dgm:scene3d>
+    <dgm:sp3d/>
+    <dgm:txPr/>
+    <dgm:style>
+      <a:lnRef idx="2">
+        <a:scrgbClr r="0" g="0" b="0"/>
+      </a:lnRef>
+      <a:fillRef idx="1">
+        <a:scrgbClr r="0" g="0" b="0"/>
+      </a:fillRef>
+      <a:effectRef idx="0">
+        <a:scrgbClr r="0" g="0" b="0"/>
+      </a:effectRef>
+      <a:fontRef idx="minor">
+        <a:schemeClr val="lt1"/>
+      </a:fontRef>
+    </dgm:style>
+  </dgm:styleLbl>
+  <dgm:styleLbl name="parChTrans2D2">
+    <dgm:scene3d>
+      <a:camera prst="orthographicFront"/>
+      <a:lightRig rig="threePt" dir="t"/>
+    </dgm:scene3d>
+    <dgm:sp3d/>
+    <dgm:txPr/>
+    <dgm:style>
+      <a:lnRef idx="2">
+        <a:scrgbClr r="0" g="0" b="0"/>
+      </a:lnRef>
+      <a:fillRef idx="1">
+        <a:scrgbClr r="0" g="0" b="0"/>
+      </a:fillRef>
+      <a:effectRef idx="0">
+        <a:scrgbClr r="0" g="0" b="0"/>
+      </a:effectRef>
+      <a:fontRef idx="minor">
+        <a:schemeClr val="lt1"/>
+      </a:fontRef>
+    </dgm:style>
+  </dgm:styleLbl>
+  <dgm:styleLbl name="parChTrans2D3">
+    <dgm:scene3d>
+      <a:camera prst="orthographicFront"/>
+      <a:lightRig rig="threePt" dir="t"/>
+    </dgm:scene3d>
+    <dgm:sp3d/>
+    <dgm:txPr/>
+    <dgm:style>
+      <a:lnRef idx="2">
+        <a:scrgbClr r="0" g="0" b="0"/>
+      </a:lnRef>
+      <a:fillRef idx="1">
+        <a:scrgbClr r="0" g="0" b="0"/>
+      </a:fillRef>
+      <a:effectRef idx="0">
+        <a:scrgbClr r="0" g="0" b="0"/>
+      </a:effectRef>
+      <a:fontRef idx="minor">
+        <a:schemeClr val="lt1"/>
+      </a:fontRef>
+    </dgm:style>
+  </dgm:styleLbl>
+  <dgm:styleLbl name="parChTrans2D4">
+    <dgm:scene3d>
+      <a:camera prst="orthographicFront"/>
+      <a:lightRig rig="threePt" dir="t"/>
+    </dgm:scene3d>
+    <dgm:sp3d/>
+    <dgm:txPr/>
+    <dgm:style>
+      <a:lnRef idx="2">
+        <a:scrgbClr r="0" g="0" b="0"/>
+      </a:lnRef>
+      <a:fillRef idx="1">
+        <a:scrgbClr r="0" g="0" b="0"/>
+      </a:fillRef>
+      <a:effectRef idx="0">
+        <a:scrgbClr r="0" g="0" b="0"/>
+      </a:effectRef>
+      <a:fontRef idx="minor">
+        <a:schemeClr val="lt1"/>
+      </a:fontRef>
+    </dgm:style>
+  </dgm:styleLbl>
+  <dgm:styleLbl name="parChTrans1D1">
+    <dgm:scene3d>
+      <a:camera prst="orthographicFront"/>
+      <a:lightRig rig="threePt" dir="t"/>
+    </dgm:scene3d>
+    <dgm:sp3d/>
+    <dgm:txPr/>
+    <dgm:style>
+      <a:lnRef idx="2">
+        <a:scrgbClr r="0" g="0" b="0"/>
+      </a:lnRef>
+      <a:fillRef idx="0">
+        <a:scrgbClr r="0" g="0" b="0"/>
+      </a:fillRef>
+      <a:effectRef idx="0">
+        <a:scrgbClr r="0" g="0" b="0"/>
+      </a:effectRef>
+      <a:fontRef idx="minor"/>
+    </dgm:style>
+  </dgm:styleLbl>
+  <dgm:styleLbl name="parChTrans1D2">
+    <dgm:scene3d>
+      <a:camera prst="orthographicFront"/>
+      <a:lightRig rig="threePt" dir="t"/>
+    </dgm:scene3d>
+    <dgm:sp3d/>
+    <dgm:txPr/>
+    <dgm:style>
+      <a:lnRef idx="2">
+        <a:scrgbClr r="0" g="0" b="0"/>
+      </a:lnRef>
+      <a:fillRef idx="0">
+        <a:scrgbClr r="0" g="0" b="0"/>
+      </a:fillRef>
+      <a:effectRef idx="0">
+        <a:scrgbClr r="0" g="0" b="0"/>
+      </a:effectRef>
+      <a:fontRef idx="minor"/>
+    </dgm:style>
+  </dgm:styleLbl>
+  <dgm:styleLbl name="parChTrans1D3">
+    <dgm:scene3d>
+      <a:camera prst="orthographicFront"/>
+      <a:lightRig rig="threePt" dir="t"/>
+    </dgm:scene3d>
+    <dgm:sp3d/>
+    <dgm:txPr/>
+    <dgm:style>
+      <a:lnRef idx="2">
+        <a:scrgbClr r="0" g="0" b="0"/>
+      </a:lnRef>
+      <a:fillRef idx="0">
+        <a:scrgbClr r="0" g="0" b="0"/>
+      </a:fillRef>
+      <a:effectRef idx="0">
+        <a:scrgbClr r="0" g="0" b="0"/>
+      </a:effectRef>
+      <a:fontRef idx="minor"/>
+    </dgm:style>
+  </dgm:styleLbl>
+  <dgm:styleLbl name="parChTrans1D4">
+    <dgm:scene3d>
+      <a:camera prst="orthographicFront"/>
+      <a:lightRig rig="threePt" dir="t"/>
+    </dgm:scene3d>
+    <dgm:sp3d/>
+    <dgm:txPr/>
+    <dgm:style>
+      <a:lnRef idx="2">
+        <a:scrgbClr r="0" g="0" b="0"/>
+      </a:lnRef>
+      <a:fillRef idx="0">
+        <a:scrgbClr r="0" g="0" b="0"/>
+      </a:fillRef>
+      <a:effectRef idx="0">
+        <a:scrgbClr r="0" g="0" b="0"/>
+      </a:effectRef>
+      <a:fontRef idx="minor"/>
+    </dgm:style>
+  </dgm:styleLbl>
+  <dgm:styleLbl name="fgAcc1">
+    <dgm:scene3d>
+      <a:camera prst="orthographicFront"/>
+      <a:lightRig rig="threePt" dir="t"/>
+    </dgm:scene3d>
+    <dgm:sp3d/>
+    <dgm:txPr/>
+    <dgm:style>
+      <a:lnRef idx="2">
+        <a:scrgbClr r="0" g="0" b="0"/>
+      </a:lnRef>
+      <a:fillRef idx="1">
+        <a:scrgbClr r="0" g="0" b="0"/>
+      </a:fillRef>
+      <a:effectRef idx="0">
+        <a:scrgbClr r="0" g="0" b="0"/>
+      </a:effectRef>
+      <a:fontRef idx="minor"/>
+    </dgm:style>
+  </dgm:styleLbl>
+  <dgm:styleLbl name="conFgAcc1">
+    <dgm:scene3d>
+      <a:camera prst="orthographicFront"/>
+      <a:lightRig rig="threePt" dir="t"/>
+    </dgm:scene3d>
+    <dgm:sp3d/>
+    <dgm:txPr/>
+    <dgm:style>
+      <a:lnRef idx="2">
+        <a:scrgbClr r="0" g="0" b="0"/>
+      </a:lnRef>
+      <a:fillRef idx="1">
+        <a:scrgbClr r="0" g="0" b="0"/>
+      </a:fillRef>
+      <a:effectRef idx="0">
+        <a:scrgbClr r="0" g="0" b="0"/>
+      </a:effectRef>
+      <a:fontRef idx="minor"/>
+    </dgm:style>
+  </dgm:styleLbl>
+  <dgm:styleLbl name="alignAcc1">
+    <dgm:scene3d>
+      <a:camera prst="orthographicFront"/>
+      <a:lightRig rig="threePt" dir="t"/>
+    </dgm:scene3d>
+    <dgm:sp3d/>
+    <dgm:txPr/>
+    <dgm:style>
+      <a:lnRef idx="2">
+        <a:scrgbClr r="0" g="0" b="0"/>
+      </a:lnRef>
+      <a:fillRef idx="1">
+        <a:scrgbClr r="0" g="0" b="0"/>
+      </a:fillRef>
+      <a:effectRef idx="0">
+        <a:scrgbClr r="0" g="0" b="0"/>
+      </a:effectRef>
+      <a:fontRef idx="minor"/>
+    </dgm:style>
+  </dgm:styleLbl>
+  <dgm:styleLbl name="trAlignAcc1">
+    <dgm:scene3d>
+      <a:camera prst="orthographicFront"/>
+      <a:lightRig rig="threePt" dir="t"/>
+    </dgm:scene3d>
+    <dgm:sp3d/>
+    <dgm:txPr/>
+    <dgm:style>
+      <a:lnRef idx="1">
+        <a:scrgbClr r="0" g="0" b="0"/>
+      </a:lnRef>
+      <a:fillRef idx="1">
+        <a:scrgbClr r="0" g="0" b="0"/>
+      </a:fillRef>
+      <a:effectRef idx="0">
+        <a:scrgbClr r="0" g="0" b="0"/>
+      </a:effectRef>
+      <a:fontRef idx="minor"/>
+    </dgm:style>
+  </dgm:styleLbl>
+  <dgm:styleLbl name="bgAcc1">
+    <dgm:scene3d>
+      <a:camera prst="orthographicFront"/>
+      <a:lightRig rig="threePt" dir="t"/>
+    </dgm:scene3d>
+    <dgm:sp3d/>
+    <dgm:txPr/>
+    <dgm:style>
+      <a:lnRef idx="2">
+        <a:scrgbClr r="0" g="0" b="0"/>
+      </a:lnRef>
+      <a:fillRef idx="1">
+        <a:scrgbClr r="0" g="0" b="0"/>
+      </a:fillRef>
+      <a:effectRef idx="0">
+        <a:scrgbClr r="0" g="0" b="0"/>
+      </a:effectRef>
+      <a:fontRef idx="minor"/>
+    </dgm:style>
+  </dgm:styleLbl>
+  <dgm:styleLbl name="solidFgAcc1">
+    <dgm:scene3d>
+      <a:camera prst="orthographicFront"/>
+      <a:lightRig rig="threePt" dir="t"/>
+    </dgm:scene3d>
+    <dgm:sp3d/>
+    <dgm:txPr/>
+    <dgm:style>
+      <a:lnRef idx="2">
+        <a:scrgbClr r="0" g="0" b="0"/>
+      </a:lnRef>
+      <a:fillRef idx="1">
+        <a:scrgbClr r="0" g="0" b="0"/>
+      </a:fillRef>
+      <a:effectRef idx="0">
+        <a:scrgbClr r="0" g="0" b="0"/>
+      </a:effectRef>
+      <a:fontRef idx="minor"/>
+    </dgm:style>
+  </dgm:styleLbl>
+  <dgm:styleLbl name="solidAlignAcc1">
+    <dgm:scene3d>
+      <a:camera prst="orthographicFront"/>
+      <a:lightRig rig="threePt" dir="t"/>
+    </dgm:scene3d>
+    <dgm:sp3d/>
+    <dgm:txPr/>
+    <dgm:style>
+      <a:lnRef idx="2">
+        <a:scrgbClr r="0" g="0" b="0"/>
+      </a:lnRef>
+      <a:fillRef idx="1">
+        <a:scrgbClr r="0" g="0" b="0"/>
+      </a:fillRef>
+      <a:effectRef idx="0">
+        <a:scrgbClr r="0" g="0" b="0"/>
+      </a:effectRef>
+      <a:fontRef idx="minor"/>
+    </dgm:style>
+  </dgm:styleLbl>
+  <dgm:styleLbl name="solidBgAcc1">
+    <dgm:scene3d>
+      <a:camera prst="orthographicFront"/>
+      <a:lightRig rig="threePt" dir="t"/>
+    </dgm:scene3d>
+    <dgm:sp3d/>
+    <dgm:txPr/>
+    <dgm:style>
+      <a:lnRef idx="2">
+        <a:scrgbClr r="0" g="0" b="0"/>
+      </a:lnRef>
+      <a:fillRef idx="1">
+        <a:scrgbClr r="0" g="0" b="0"/>
+      </a:fillRef>
+      <a:effectRef idx="0">
+        <a:scrgbClr r="0" g="0" b="0"/>
+      </a:effectRef>
+      <a:fontRef idx="minor"/>
+    </dgm:style>
+  </dgm:styleLbl>
+  <dgm:styleLbl name="fgAccFollowNode1">
+    <dgm:scene3d>
+      <a:camera prst="orthographicFront"/>
+      <a:lightRig rig="threePt" dir="t"/>
+    </dgm:scene3d>
+    <dgm:sp3d/>
+    <dgm:txPr/>
+    <dgm:style>
+      <a:lnRef idx="2">
+        <a:scrgbClr r="0" g="0" b="0"/>
+      </a:lnRef>
+      <a:fillRef idx="1">
+        <a:scrgbClr r="0" g="0" b="0"/>
+      </a:fillRef>
+      <a:effectRef idx="0">
+        <a:scrgbClr r="0" g="0" b="0"/>
+      </a:effectRef>
+      <a:fontRef idx="minor"/>
+    </dgm:style>
+  </dgm:styleLbl>
+  <dgm:styleLbl name="alignAccFollowNode1">
+    <dgm:scene3d>
+      <a:camera prst="orthographicFront"/>
+      <a:lightRig rig="threePt" dir="t"/>
+    </dgm:scene3d>
+    <dgm:sp3d/>
+    <dgm:txPr/>
+    <dgm:style>
+      <a:lnRef idx="2">
+        <a:scrgbClr r="0" g="0" b="0"/>
+      </a:lnRef>
+      <a:fillRef idx="1">
+        <a:scrgbClr r="0" g="0" b="0"/>
+      </a:fillRef>
+      <a:effectRef idx="0">
+        <a:scrgbClr r="0" g="0" b="0"/>
+      </a:effectRef>
+      <a:fontRef idx="minor"/>
+    </dgm:style>
+  </dgm:styleLbl>
+  <dgm:styleLbl name="bgAccFollowNode1">
+    <dgm:scene3d>
+      <a:camera prst="orthographicFront"/>
+      <a:lightRig rig="threePt" dir="t"/>
+    </dgm:scene3d>
+    <dgm:sp3d/>
+    <dgm:txPr/>
+    <dgm:style>
+      <a:lnRef idx="2">
+        <a:scrgbClr r="0" g="0" b="0"/>
+      </a:lnRef>
+      <a:fillRef idx="1">
+        <a:scrgbClr r="0" g="0" b="0"/>
+      </a:fillRef>
+      <a:effectRef idx="0">
+        <a:scrgbClr r="0" g="0" b="0"/>
+      </a:effectRef>
+      <a:fontRef idx="minor"/>
+    </dgm:style>
+  </dgm:styleLbl>
+  <dgm:styleLbl name="fgAcc0">
+    <dgm:scene3d>
+      <a:camera prst="orthographicFront"/>
+      <a:lightRig rig="threePt" dir="t"/>
+    </dgm:scene3d>
+    <dgm:sp3d/>
+    <dgm:txPr/>
+    <dgm:style>
+      <a:lnRef idx="2">
+        <a:scrgbClr r="0" g="0" b="0"/>
+      </a:lnRef>
+      <a:fillRef idx="1">
+        <a:scrgbClr r="0" g="0" b="0"/>
+      </a:fillRef>
+      <a:effectRef idx="0">
+        <a:scrgbClr r="0" g="0" b="0"/>
+      </a:effectRef>
+      <a:fontRef idx="minor"/>
+    </dgm:style>
+  </dgm:styleLbl>
+  <dgm:styleLbl name="fgAcc2">
+    <dgm:scene3d>
+      <a:camera prst="orthographicFront"/>
+      <a:lightRig rig="threePt" dir="t"/>
+    </dgm:scene3d>
+    <dgm:sp3d/>
+    <dgm:txPr/>
+    <dgm:style>
+      <a:lnRef idx="2">
+        <a:scrgbClr r="0" g="0" b="0"/>
+      </a:lnRef>
+      <a:fillRef idx="1">
+        <a:scrgbClr r="0" g="0" b="0"/>
+      </a:fillRef>
+      <a:effectRef idx="0">
+        <a:scrgbClr r="0" g="0" b="0"/>
+      </a:effectRef>
+      <a:fontRef idx="minor"/>
+    </dgm:style>
+  </dgm:styleLbl>
+  <dgm:styleLbl name="fgAcc3">
+    <dgm:scene3d>
+      <a:camera prst="orthographicFront"/>
+      <a:lightRig rig="threePt" dir="t"/>
+    </dgm:scene3d>
+    <dgm:sp3d/>
+    <dgm:txPr/>
+    <dgm:style>
+      <a:lnRef idx="2">
+        <a:scrgbClr r="0" g="0" b="0"/>
+      </a:lnRef>
+      <a:fillRef idx="1">
+        <a:scrgbClr r="0" g="0" b="0"/>
+      </a:fillRef>
+      <a:effectRef idx="0">
+        <a:scrgbClr r="0" g="0" b="0"/>
+      </a:effectRef>
+      <a:fontRef idx="minor"/>
+    </dgm:style>
+  </dgm:styleLbl>
+  <dgm:styleLbl name="fgAcc4">
+    <dgm:scene3d>
+      <a:camera prst="orthographicFront"/>
+      <a:lightRig rig="threePt" dir="t"/>
+    </dgm:scene3d>
+    <dgm:sp3d/>
+    <dgm:txPr/>
+    <dgm:style>
+      <a:lnRef idx="2">
+        <a:scrgbClr r="0" g="0" b="0"/>
+      </a:lnRef>
+      <a:fillRef idx="1">
+        <a:scrgbClr r="0" g="0" b="0"/>
+      </a:fillRef>
+      <a:effectRef idx="0">
+        <a:scrgbClr r="0" g="0" b="0"/>
+      </a:effectRef>
+      <a:fontRef idx="minor"/>
+    </dgm:style>
+  </dgm:styleLbl>
+  <dgm:styleLbl name="bgShp">
+    <dgm:scene3d>
+      <a:camera prst="orthographicFront"/>
+      <a:lightRig rig="threePt" dir="t"/>
+    </dgm:scene3d>
+    <dgm:sp3d/>
+    <dgm:txPr/>
+    <dgm:style>
+      <a:lnRef idx="0">
+        <a:scrgbClr r="0" g="0" b="0"/>
+      </a:lnRef>
+      <a:fillRef idx="1">
+        <a:scrgbClr r="0" g="0" b="0"/>
+      </a:fillRef>
+      <a:effectRef idx="0">
+        <a:scrgbClr r="0" g="0" b="0"/>
+      </a:effectRef>
+      <a:fontRef idx="minor"/>
+    </dgm:style>
+  </dgm:styleLbl>
+  <dgm:styleLbl name="dkBgShp">
+    <dgm:scene3d>
+      <a:camera prst="orthographicFront"/>
+      <a:lightRig rig="threePt" dir="t"/>
+    </dgm:scene3d>
+    <dgm:sp3d/>
+    <dgm:txPr/>
+    <dgm:style>
+      <a:lnRef idx="0">
+        <a:scrgbClr r="0" g="0" b="0"/>
+      </a:lnRef>
+      <a:fillRef idx="1">
+        <a:scrgbClr r="0" g="0" b="0"/>
+      </a:fillRef>
+      <a:effectRef idx="0">
+        <a:scrgbClr r="0" g="0" b="0"/>
+      </a:effectRef>
+      <a:fontRef idx="minor"/>
+    </dgm:style>
+  </dgm:styleLbl>
+  <dgm:styleLbl name="trBgShp">
+    <dgm:scene3d>
+      <a:camera prst="orthographicFront"/>
+      <a:lightRig rig="threePt" dir="t"/>
+    </dgm:scene3d>
+    <dgm:sp3d/>
+    <dgm:txPr/>
+    <dgm:style>
+      <a:lnRef idx="0">
+        <a:scrgbClr r="0" g="0" b="0"/>
+      </a:lnRef>
+      <a:fillRef idx="1">
+        <a:scrgbClr r="0" g="0" b="0"/>
+      </a:fillRef>
+      <a:effectRef idx="0">
+        <a:scrgbClr r="0" g="0" b="0"/>
+      </a:effectRef>
+      <a:fontRef idx="minor"/>
+    </dgm:style>
+  </dgm:styleLbl>
+  <dgm:styleLbl name="fgShp">
+    <dgm:scene3d>
+      <a:camera prst="orthographicFront"/>
+      <a:lightRig rig="threePt" dir="t"/>
+    </dgm:scene3d>
+    <dgm:sp3d/>
+    <dgm:txPr/>
+    <dgm:style>
+      <a:lnRef idx="2">
+        <a:scrgbClr r="0" g="0" b="0"/>
+      </a:lnRef>
+      <a:fillRef idx="1">
+        <a:scrgbClr r="0" g="0" b="0"/>
+      </a:fillRef>
+      <a:effectRef idx="0">
+        <a:scrgbClr r="0" g="0" b="0"/>
+      </a:effectRef>
+      <a:fontRef idx="minor"/>
+    </dgm:style>
+  </dgm:styleLbl>
+  <dgm:styleLbl name="revTx">
+    <dgm:scene3d>
+      <a:camera prst="orthographicFront"/>
+      <a:lightRig rig="threePt" dir="t"/>
+    </dgm:scene3d>
+    <dgm:sp3d/>
+    <dgm:txPr/>
+    <dgm:style>
+      <a:lnRef idx="0">
+        <a:scrgbClr r="0" g="0" b="0"/>
+      </a:lnRef>
+      <a:fillRef idx="0">
+        <a:scrgbClr r="0" g="0" b="0"/>
+      </a:fillRef>
+      <a:effectRef idx="0">
+        <a:scrgbClr r="0" g="0" b="0"/>
+      </a:effectRef>
+      <a:fontRef idx="minor"/>
+    </dgm:style>
+  </dgm:styleLbl>
+</dgm:styleDef>
 </file>
 
 <file path=ppt/slideLayouts/slideLayout1.xml><?xml version="1.0" encoding="utf-8"?>
@@ -3309,6 +9509,14 @@
 <file path=ppt/slides/slide1.xml><?xml version="1.0" encoding="utf-8"?>
 <p:sld xmlns:a="http://schemas.openxmlformats.org/drawingml/2006/main" xmlns:r="http://schemas.openxmlformats.org/officeDocument/2006/relationships" xmlns:p="http://schemas.openxmlformats.org/presentationml/2006/main">
   <p:cSld>
+    <p:bg>
+      <p:bgPr>
+        <a:solidFill>
+          <a:schemeClr val="bg1"/>
+        </a:solidFill>
+        <a:effectLst/>
+      </p:bgPr>
+    </p:bg>
     <p:spTree>
       <p:nvGrpSpPr>
         <p:cNvPr id="1" name=""/>
@@ -3325,6 +9533,72 @@
       </p:grpSpPr>
       <p:sp>
         <p:nvSpPr>
+          <p:cNvPr id="71" name="Rectangle 70">
+            <a:extLst>
+              <a:ext uri="{FF2B5EF4-FFF2-40B4-BE49-F238E27FC236}">
+                <a16:creationId xmlns:a16="http://schemas.microsoft.com/office/drawing/2014/main" id="{C0B27210-D0CA-4654-B3E3-9ABB4F178EA1}"/>
+              </a:ext>
+              <a:ext uri="{C183D7F6-B498-43B3-948B-1728B52AA6E4}">
+                <adec:decorative xmlns:adec="http://schemas.microsoft.com/office/drawing/2017/decorative" val="1"/>
+              </a:ext>
+            </a:extLst>
+          </p:cNvPr>
+          <p:cNvSpPr>
+            <a:spLocks noGrp="1" noRot="1" noChangeAspect="1" noMove="1" noResize="1" noEditPoints="1" noAdjustHandles="1" noChangeArrowheads="1" noChangeShapeType="1" noTextEdit="1"/>
+          </p:cNvSpPr>
+          <p:nvPr>
+            <p:extLst>
+              <p:ext uri="{386F3935-93C4-4BCD-93E2-E3B085C9AB24}">
+                <p16:designElem xmlns:p16="http://schemas.microsoft.com/office/powerpoint/2015/main" val="1"/>
+              </p:ext>
+            </p:extLst>
+          </p:nvPr>
+        </p:nvSpPr>
+        <p:spPr>
+          <a:xfrm>
+            <a:off x="0" y="0"/>
+            <a:ext cx="12192000" cy="6858000"/>
+          </a:xfrm>
+          <a:prstGeom prst="rect">
+            <a:avLst/>
+          </a:prstGeom>
+          <a:solidFill>
+            <a:schemeClr val="tx1">
+              <a:lumMod val="75000"/>
+              <a:lumOff val="25000"/>
+            </a:schemeClr>
+          </a:solidFill>
+          <a:ln>
+            <a:noFill/>
+          </a:ln>
+        </p:spPr>
+        <p:style>
+          <a:lnRef idx="2">
+            <a:schemeClr val="accent1">
+              <a:shade val="50000"/>
+            </a:schemeClr>
+          </a:lnRef>
+          <a:fillRef idx="1">
+            <a:schemeClr val="accent1"/>
+          </a:fillRef>
+          <a:effectRef idx="0">
+            <a:schemeClr val="accent1"/>
+          </a:effectRef>
+          <a:fontRef idx="minor">
+            <a:schemeClr val="lt1"/>
+          </a:fontRef>
+        </p:style>
+        <p:txBody>
+          <a:bodyPr rtlCol="0" anchor="ctr"/>
+          <a:lstStyle/>
+          <a:p>
+            <a:pPr algn="ctr"/>
+            <a:endParaRPr lang="en-US"/>
+          </a:p>
+        </p:txBody>
+      </p:sp>
+      <p:sp>
+        <p:nvSpPr>
           <p:cNvPr id="2" name="Título 1">
             <a:extLst>
               <a:ext uri="{FF2B5EF4-FFF2-40B4-BE49-F238E27FC236}">
@@ -3339,16 +9613,27 @@
             <p:ph type="ctrTitle"/>
           </p:nvPr>
         </p:nvSpPr>
-        <p:spPr/>
+        <p:spPr>
+          <a:xfrm>
+            <a:off x="6746628" y="1783959"/>
+            <a:ext cx="4645250" cy="2889114"/>
+          </a:xfrm>
+        </p:spPr>
         <p:txBody>
-          <a:bodyPr/>
+          <a:bodyPr anchor="b">
+            <a:normAutofit/>
+          </a:bodyPr>
           <a:lstStyle/>
           <a:p>
+            <a:pPr algn="l"/>
             <a:r>
-              <a:rPr lang="pt-PT" dirty="0" err="1"/>
+              <a:rPr lang="pt-PT">
+                <a:solidFill>
+                  <a:schemeClr val="bg1"/>
+                </a:solidFill>
+              </a:rPr>
               <a:t>PhonePizza</a:t>
             </a:r>
-            <a:endParaRPr lang="pt-PT" dirty="0"/>
           </a:p>
         </p:txBody>
       </p:sp>
@@ -3368,30 +9653,430 @@
             <p:ph type="subTitle" idx="1"/>
           </p:nvPr>
         </p:nvSpPr>
-        <p:spPr/>
+        <p:spPr>
+          <a:xfrm>
+            <a:off x="6746627" y="4750893"/>
+            <a:ext cx="4645250" cy="1147863"/>
+          </a:xfrm>
+        </p:spPr>
         <p:txBody>
-          <a:bodyPr/>
+          <a:bodyPr anchor="t">
+            <a:normAutofit/>
+          </a:bodyPr>
           <a:lstStyle/>
           <a:p>
+            <a:pPr algn="l"/>
             <a:r>
-              <a:rPr lang="pt-PT" dirty="0"/>
+              <a:rPr lang="pt-PT" sz="1900">
+                <a:solidFill>
+                  <a:schemeClr val="bg1"/>
+                </a:solidFill>
+              </a:rPr>
               <a:t>Pedro Serpe </a:t>
             </a:r>
           </a:p>
           <a:p>
+            <a:pPr algn="l"/>
             <a:r>
-              <a:rPr lang="pt-PT" dirty="0"/>
+              <a:rPr lang="pt-PT" sz="1900">
+                <a:solidFill>
+                  <a:schemeClr val="bg1"/>
+                </a:solidFill>
+              </a:rPr>
               <a:t>Ricardo Palhoça</a:t>
             </a:r>
           </a:p>
           <a:p>
+            <a:pPr algn="l"/>
             <a:r>
-              <a:rPr lang="pt-PT" dirty="0"/>
+              <a:rPr lang="pt-PT" sz="1900">
+                <a:solidFill>
+                  <a:schemeClr val="bg1"/>
+                </a:solidFill>
+              </a:rPr>
               <a:t>Grupo 7</a:t>
             </a:r>
           </a:p>
         </p:txBody>
       </p:sp>
+      <p:sp>
+        <p:nvSpPr>
+          <p:cNvPr id="73" name="Freeform: Shape 72">
+            <a:extLst>
+              <a:ext uri="{FF2B5EF4-FFF2-40B4-BE49-F238E27FC236}">
+                <a16:creationId xmlns:a16="http://schemas.microsoft.com/office/drawing/2014/main" id="{1DB7C82F-AB7E-4F0C-B829-FA1B9C415180}"/>
+              </a:ext>
+              <a:ext uri="{C183D7F6-B498-43B3-948B-1728B52AA6E4}">
+                <adec:decorative xmlns:adec="http://schemas.microsoft.com/office/drawing/2017/decorative" val="1"/>
+              </a:ext>
+            </a:extLst>
+          </p:cNvPr>
+          <p:cNvSpPr>
+            <a:spLocks noGrp="1" noRot="1" noChangeAspect="1" noMove="1" noResize="1" noEditPoints="1" noAdjustHandles="1" noChangeArrowheads="1" noChangeShapeType="1" noTextEdit="1"/>
+          </p:cNvSpPr>
+          <p:nvPr>
+            <p:extLst>
+              <p:ext uri="{386F3935-93C4-4BCD-93E2-E3B085C9AB24}">
+                <p16:designElem xmlns:p16="http://schemas.microsoft.com/office/powerpoint/2015/main" val="1"/>
+              </p:ext>
+            </p:extLst>
+          </p:nvPr>
+        </p:nvSpPr>
+        <p:spPr>
+          <a:xfrm flipH="1">
+            <a:off x="0" y="0"/>
+            <a:ext cx="6172782" cy="6858000"/>
+          </a:xfrm>
+          <a:custGeom>
+            <a:avLst/>
+            <a:gdLst>
+              <a:gd name="connsiteX0" fmla="*/ 6172782 w 6172782"/>
+              <a:gd name="connsiteY0" fmla="*/ 0 h 6858000"/>
+              <a:gd name="connsiteX1" fmla="*/ 69075 w 6172782"/>
+              <a:gd name="connsiteY1" fmla="*/ 0 h 6858000"/>
+              <a:gd name="connsiteX2" fmla="*/ 35131 w 6172782"/>
+              <a:gd name="connsiteY2" fmla="*/ 267128 h 6858000"/>
+              <a:gd name="connsiteX3" fmla="*/ 0 w 6172782"/>
+              <a:gd name="connsiteY3" fmla="*/ 962845 h 6858000"/>
+              <a:gd name="connsiteX4" fmla="*/ 3276103 w 6172782"/>
+              <a:gd name="connsiteY4" fmla="*/ 6782205 h 6858000"/>
+              <a:gd name="connsiteX5" fmla="*/ 3407923 w 6172782"/>
+              <a:gd name="connsiteY5" fmla="*/ 6858000 h 6858000"/>
+              <a:gd name="connsiteX6" fmla="*/ 6172782 w 6172782"/>
+              <a:gd name="connsiteY6" fmla="*/ 6858000 h 6858000"/>
+            </a:gdLst>
+            <a:ahLst/>
+            <a:cxnLst>
+              <a:cxn ang="0">
+                <a:pos x="connsiteX0" y="connsiteY0"/>
+              </a:cxn>
+              <a:cxn ang="0">
+                <a:pos x="connsiteX1" y="connsiteY1"/>
+              </a:cxn>
+              <a:cxn ang="0">
+                <a:pos x="connsiteX2" y="connsiteY2"/>
+              </a:cxn>
+              <a:cxn ang="0">
+                <a:pos x="connsiteX3" y="connsiteY3"/>
+              </a:cxn>
+              <a:cxn ang="0">
+                <a:pos x="connsiteX4" y="connsiteY4"/>
+              </a:cxn>
+              <a:cxn ang="0">
+                <a:pos x="connsiteX5" y="connsiteY5"/>
+              </a:cxn>
+              <a:cxn ang="0">
+                <a:pos x="connsiteX6" y="connsiteY6"/>
+              </a:cxn>
+            </a:cxnLst>
+            <a:rect l="l" t="t" r="r" b="b"/>
+            <a:pathLst>
+              <a:path w="6172782" h="6858000">
+                <a:moveTo>
+                  <a:pt x="6172782" y="0"/>
+                </a:moveTo>
+                <a:lnTo>
+                  <a:pt x="69075" y="0"/>
+                </a:lnTo>
+                <a:lnTo>
+                  <a:pt x="35131" y="267128"/>
+                </a:lnTo>
+                <a:cubicBezTo>
+                  <a:pt x="11901" y="495874"/>
+                  <a:pt x="0" y="727970"/>
+                  <a:pt x="0" y="962845"/>
+                </a:cubicBezTo>
+                <a:cubicBezTo>
+                  <a:pt x="0" y="3429034"/>
+                  <a:pt x="1312002" y="5588789"/>
+                  <a:pt x="3276103" y="6782205"/>
+                </a:cubicBezTo>
+                <a:lnTo>
+                  <a:pt x="3407923" y="6858000"/>
+                </a:lnTo>
+                <a:lnTo>
+                  <a:pt x="6172782" y="6858000"/>
+                </a:lnTo>
+                <a:close/>
+              </a:path>
+            </a:pathLst>
+          </a:custGeom>
+          <a:solidFill>
+            <a:schemeClr val="bg1">
+              <a:alpha val="80000"/>
+            </a:schemeClr>
+          </a:solidFill>
+          <a:ln>
+            <a:noFill/>
+          </a:ln>
+        </p:spPr>
+        <p:style>
+          <a:lnRef idx="2">
+            <a:schemeClr val="accent1">
+              <a:shade val="50000"/>
+            </a:schemeClr>
+          </a:lnRef>
+          <a:fillRef idx="1">
+            <a:schemeClr val="accent1"/>
+          </a:fillRef>
+          <a:effectRef idx="0">
+            <a:schemeClr val="accent1"/>
+          </a:effectRef>
+          <a:fontRef idx="minor">
+            <a:schemeClr val="lt1"/>
+          </a:fontRef>
+        </p:style>
+        <p:txBody>
+          <a:bodyPr wrap="square" rtlCol="0" anchor="ctr">
+            <a:noAutofit/>
+          </a:bodyPr>
+          <a:lstStyle/>
+          <a:p>
+            <a:pPr marL="0" marR="0" lvl="0" indent="0" algn="ctr" defTabSz="914400" rtl="0" eaLnBrk="1" fontAlgn="auto" latinLnBrk="0" hangingPunct="1">
+              <a:lnSpc>
+                <a:spcPct val="100000"/>
+              </a:lnSpc>
+              <a:spcBef>
+                <a:spcPts val="0"/>
+              </a:spcBef>
+              <a:spcAft>
+                <a:spcPts val="0"/>
+              </a:spcAft>
+              <a:buClrTx/>
+              <a:buSzTx/>
+              <a:buFontTx/>
+              <a:buNone/>
+              <a:tabLst/>
+              <a:defRPr/>
+            </a:pPr>
+            <a:endParaRPr kumimoji="0" lang="en-US" sz="1800" b="0" i="0" u="none" strike="noStrike" kern="1200" cap="none" spc="0" normalizeH="0" baseline="0" noProof="0">
+              <a:ln>
+                <a:noFill/>
+              </a:ln>
+              <a:solidFill>
+                <a:prstClr val="white"/>
+              </a:solidFill>
+              <a:effectLst/>
+              <a:uLnTx/>
+              <a:uFillTx/>
+              <a:latin typeface="Calibri" panose="020F0502020204030204"/>
+              <a:ea typeface="+mn-ea"/>
+              <a:cs typeface="+mn-cs"/>
+            </a:endParaRPr>
+          </a:p>
+        </p:txBody>
+      </p:sp>
+      <p:sp>
+        <p:nvSpPr>
+          <p:cNvPr id="75" name="Freeform: Shape 74">
+            <a:extLst>
+              <a:ext uri="{FF2B5EF4-FFF2-40B4-BE49-F238E27FC236}">
+                <a16:creationId xmlns:a16="http://schemas.microsoft.com/office/drawing/2014/main" id="{70B66945-4967-4040-926D-DCA44313CDAB}"/>
+              </a:ext>
+              <a:ext uri="{C183D7F6-B498-43B3-948B-1728B52AA6E4}">
+                <adec:decorative xmlns:adec="http://schemas.microsoft.com/office/drawing/2017/decorative" val="1"/>
+              </a:ext>
+            </a:extLst>
+          </p:cNvPr>
+          <p:cNvSpPr>
+            <a:spLocks noGrp="1" noRot="1" noChangeAspect="1" noMove="1" noResize="1" noEditPoints="1" noAdjustHandles="1" noChangeArrowheads="1" noChangeShapeType="1" noTextEdit="1"/>
+          </p:cNvSpPr>
+          <p:nvPr>
+            <p:extLst>
+              <p:ext uri="{386F3935-93C4-4BCD-93E2-E3B085C9AB24}">
+                <p16:designElem xmlns:p16="http://schemas.microsoft.com/office/powerpoint/2015/main" val="1"/>
+              </p:ext>
+            </p:extLst>
+          </p:nvPr>
+        </p:nvSpPr>
+        <p:spPr>
+          <a:xfrm>
+            <a:off x="0" y="0"/>
+            <a:ext cx="6024154" cy="6858000"/>
+          </a:xfrm>
+          <a:custGeom>
+            <a:avLst/>
+            <a:gdLst>
+              <a:gd name="connsiteX0" fmla="*/ 0 w 6024154"/>
+              <a:gd name="connsiteY0" fmla="*/ 0 h 6858000"/>
+              <a:gd name="connsiteX1" fmla="*/ 5953780 w 6024154"/>
+              <a:gd name="connsiteY1" fmla="*/ 0 h 6858000"/>
+              <a:gd name="connsiteX2" fmla="*/ 5989880 w 6024154"/>
+              <a:gd name="connsiteY2" fmla="*/ 284091 h 6858000"/>
+              <a:gd name="connsiteX3" fmla="*/ 6024154 w 6024154"/>
+              <a:gd name="connsiteY3" fmla="*/ 962844 h 6858000"/>
+              <a:gd name="connsiteX4" fmla="*/ 2549934 w 6024154"/>
+              <a:gd name="connsiteY4" fmla="*/ 6800152 h 6858000"/>
+              <a:gd name="connsiteX5" fmla="*/ 2436987 w 6024154"/>
+              <a:gd name="connsiteY5" fmla="*/ 6858000 h 6858000"/>
+              <a:gd name="connsiteX6" fmla="*/ 0 w 6024154"/>
+              <a:gd name="connsiteY6" fmla="*/ 6858000 h 6858000"/>
+            </a:gdLst>
+            <a:ahLst/>
+            <a:cxnLst>
+              <a:cxn ang="0">
+                <a:pos x="connsiteX0" y="connsiteY0"/>
+              </a:cxn>
+              <a:cxn ang="0">
+                <a:pos x="connsiteX1" y="connsiteY1"/>
+              </a:cxn>
+              <a:cxn ang="0">
+                <a:pos x="connsiteX2" y="connsiteY2"/>
+              </a:cxn>
+              <a:cxn ang="0">
+                <a:pos x="connsiteX3" y="connsiteY3"/>
+              </a:cxn>
+              <a:cxn ang="0">
+                <a:pos x="connsiteX4" y="connsiteY4"/>
+              </a:cxn>
+              <a:cxn ang="0">
+                <a:pos x="connsiteX5" y="connsiteY5"/>
+              </a:cxn>
+              <a:cxn ang="0">
+                <a:pos x="connsiteX6" y="connsiteY6"/>
+              </a:cxn>
+            </a:cxnLst>
+            <a:rect l="l" t="t" r="r" b="b"/>
+            <a:pathLst>
+              <a:path w="6024154" h="6858000">
+                <a:moveTo>
+                  <a:pt x="0" y="0"/>
+                </a:moveTo>
+                <a:lnTo>
+                  <a:pt x="5953780" y="0"/>
+                </a:lnTo>
+                <a:lnTo>
+                  <a:pt x="5989880" y="284091"/>
+                </a:lnTo>
+                <a:cubicBezTo>
+                  <a:pt x="6012544" y="507260"/>
+                  <a:pt x="6024154" y="733696"/>
+                  <a:pt x="6024154" y="962844"/>
+                </a:cubicBezTo>
+                <a:cubicBezTo>
+                  <a:pt x="6024154" y="3483472"/>
+                  <a:pt x="4619336" y="5675986"/>
+                  <a:pt x="2549934" y="6800152"/>
+                </a:cubicBezTo>
+                <a:lnTo>
+                  <a:pt x="2436987" y="6858000"/>
+                </a:lnTo>
+                <a:lnTo>
+                  <a:pt x="0" y="6858000"/>
+                </a:lnTo>
+                <a:close/>
+              </a:path>
+            </a:pathLst>
+          </a:custGeom>
+          <a:solidFill>
+            <a:schemeClr val="bg1"/>
+          </a:solidFill>
+          <a:ln>
+            <a:noFill/>
+          </a:ln>
+        </p:spPr>
+        <p:style>
+          <a:lnRef idx="2">
+            <a:schemeClr val="accent1">
+              <a:shade val="50000"/>
+            </a:schemeClr>
+          </a:lnRef>
+          <a:fillRef idx="1">
+            <a:schemeClr val="accent1"/>
+          </a:fillRef>
+          <a:effectRef idx="0">
+            <a:schemeClr val="accent1"/>
+          </a:effectRef>
+          <a:fontRef idx="minor">
+            <a:schemeClr val="lt1"/>
+          </a:fontRef>
+        </p:style>
+        <p:txBody>
+          <a:bodyPr wrap="square" rtlCol="0" anchor="ctr">
+            <a:noAutofit/>
+          </a:bodyPr>
+          <a:lstStyle/>
+          <a:p>
+            <a:pPr marL="0" marR="0" lvl="0" indent="0" algn="ctr" defTabSz="914400" rtl="0" eaLnBrk="1" fontAlgn="auto" latinLnBrk="0" hangingPunct="1">
+              <a:lnSpc>
+                <a:spcPct val="100000"/>
+              </a:lnSpc>
+              <a:spcBef>
+                <a:spcPts val="0"/>
+              </a:spcBef>
+              <a:spcAft>
+                <a:spcPts val="0"/>
+              </a:spcAft>
+              <a:buClrTx/>
+              <a:buSzTx/>
+              <a:buFontTx/>
+              <a:buNone/>
+              <a:tabLst/>
+              <a:defRPr/>
+            </a:pPr>
+            <a:endParaRPr kumimoji="0" lang="en-US" sz="1800" b="0" i="0" u="none" strike="noStrike" kern="1200" cap="none" spc="0" normalizeH="0" baseline="0" noProof="0">
+              <a:ln>
+                <a:noFill/>
+              </a:ln>
+              <a:solidFill>
+                <a:prstClr val="white"/>
+              </a:solidFill>
+              <a:effectLst/>
+              <a:uLnTx/>
+              <a:uFillTx/>
+              <a:latin typeface="Calibri" panose="020F0502020204030204"/>
+              <a:ea typeface="+mn-ea"/>
+              <a:cs typeface="+mn-cs"/>
+            </a:endParaRPr>
+          </a:p>
+        </p:txBody>
+      </p:sp>
+      <p:pic>
+        <p:nvPicPr>
+          <p:cNvPr id="2050" name="Picture 2" descr="IPS - Instituto Politécnico de Setúbal">
+            <a:extLst>
+              <a:ext uri="{FF2B5EF4-FFF2-40B4-BE49-F238E27FC236}">
+                <a16:creationId xmlns:a16="http://schemas.microsoft.com/office/drawing/2014/main" id="{0D06FD84-CF5E-4E44-B323-D4EAC2AEAF7A}"/>
+              </a:ext>
+            </a:extLst>
+          </p:cNvPr>
+          <p:cNvPicPr>
+            <a:picLocks noChangeAspect="1" noChangeArrowheads="1"/>
+          </p:cNvPicPr>
+          <p:nvPr/>
+        </p:nvPicPr>
+        <p:blipFill>
+          <a:blip r:embed="rId2">
+            <a:extLst>
+              <a:ext uri="{28A0092B-C50C-407E-A947-70E740481C1C}">
+                <a14:useLocalDpi xmlns:a14="http://schemas.microsoft.com/office/drawing/2010/main" val="0"/>
+              </a:ext>
+            </a:extLst>
+          </a:blip>
+          <a:stretch>
+            <a:fillRect/>
+          </a:stretch>
+        </p:blipFill>
+        <p:spPr bwMode="auto">
+          <a:xfrm>
+            <a:off x="419382" y="1475154"/>
+            <a:ext cx="4047843" cy="2539521"/>
+          </a:xfrm>
+          <a:prstGeom prst="rect">
+            <a:avLst/>
+          </a:prstGeom>
+          <a:noFill/>
+          <a:extLst>
+            <a:ext uri="{909E8E84-426E-40DD-AFC4-6F175D3DCCD1}">
+              <a14:hiddenFill xmlns:a14="http://schemas.microsoft.com/office/drawing/2010/main">
+                <a:solidFill>
+                  <a:srgbClr val="FFFFFF"/>
+                </a:solidFill>
+              </a14:hiddenFill>
+            </a:ext>
+          </a:extLst>
+        </p:spPr>
+      </p:pic>
     </p:spTree>
     <p:extLst>
       <p:ext uri="{BB962C8B-B14F-4D97-AF65-F5344CB8AC3E}">
@@ -3408,6 +10093,14 @@
 <file path=ppt/slides/slide2.xml><?xml version="1.0" encoding="utf-8"?>
 <p:sld xmlns:a="http://schemas.openxmlformats.org/drawingml/2006/main" xmlns:r="http://schemas.openxmlformats.org/officeDocument/2006/relationships" xmlns:p="http://schemas.openxmlformats.org/presentationml/2006/main">
   <p:cSld>
+    <p:bg>
+      <p:bgPr>
+        <a:solidFill>
+          <a:schemeClr val="bg1"/>
+        </a:solidFill>
+        <a:effectLst/>
+      </p:bgPr>
+    </p:bg>
     <p:spTree>
       <p:nvGrpSpPr>
         <p:cNvPr id="1" name=""/>
@@ -3424,6 +10117,600 @@
       </p:grpSpPr>
       <p:sp>
         <p:nvSpPr>
+          <p:cNvPr id="9" name="Freeform: Shape 8">
+            <a:extLst>
+              <a:ext uri="{FF2B5EF4-FFF2-40B4-BE49-F238E27FC236}">
+                <a16:creationId xmlns:a16="http://schemas.microsoft.com/office/drawing/2014/main" id="{42285737-90EE-47DC-AC80-8AE156B11969}"/>
+              </a:ext>
+              <a:ext uri="{C183D7F6-B498-43B3-948B-1728B52AA6E4}">
+                <adec:decorative xmlns:adec="http://schemas.microsoft.com/office/drawing/2017/decorative" val="1"/>
+              </a:ext>
+            </a:extLst>
+          </p:cNvPr>
+          <p:cNvSpPr>
+            <a:spLocks noGrp="1" noRot="1" noChangeAspect="1" noMove="1" noResize="1" noEditPoints="1" noAdjustHandles="1" noChangeArrowheads="1" noChangeShapeType="1" noTextEdit="1"/>
+          </p:cNvSpPr>
+          <p:nvPr>
+            <p:extLst>
+              <p:ext uri="{386F3935-93C4-4BCD-93E2-E3B085C9AB24}">
+                <p16:designElem xmlns:p16="http://schemas.microsoft.com/office/powerpoint/2015/main" val="1"/>
+              </p:ext>
+            </p:extLst>
+          </p:nvPr>
+        </p:nvSpPr>
+        <p:spPr>
+          <a:xfrm flipV="1">
+            <a:off x="-1" y="-1"/>
+            <a:ext cx="4403709" cy="6858001"/>
+          </a:xfrm>
+          <a:custGeom>
+            <a:avLst/>
+            <a:gdLst>
+              <a:gd name="connsiteX0" fmla="*/ 3223890 w 4403709"/>
+              <a:gd name="connsiteY0" fmla="*/ 6858001 h 6858001"/>
+              <a:gd name="connsiteX1" fmla="*/ 4101908 w 4403709"/>
+              <a:gd name="connsiteY1" fmla="*/ 6858001 h 6858001"/>
+              <a:gd name="connsiteX2" fmla="*/ 3254950 w 4403709"/>
+              <a:gd name="connsiteY2" fmla="*/ 1599356 h 6858001"/>
+              <a:gd name="connsiteX3" fmla="*/ 3254950 w 4403709"/>
+              <a:gd name="connsiteY3" fmla="*/ 1594062 h 6858001"/>
+              <a:gd name="connsiteX4" fmla="*/ 4403709 w 4403709"/>
+              <a:gd name="connsiteY4" fmla="*/ 0 h 6858001"/>
+              <a:gd name="connsiteX5" fmla="*/ 3254950 w 4403709"/>
+              <a:gd name="connsiteY5" fmla="*/ 0 h 6858001"/>
+              <a:gd name="connsiteX6" fmla="*/ 2903520 w 4403709"/>
+              <a:gd name="connsiteY6" fmla="*/ 0 h 6858001"/>
+              <a:gd name="connsiteX7" fmla="*/ 0 w 4403709"/>
+              <a:gd name="connsiteY7" fmla="*/ 0 h 6858001"/>
+              <a:gd name="connsiteX8" fmla="*/ 0 w 4403709"/>
+              <a:gd name="connsiteY8" fmla="*/ 6858000 h 6858001"/>
+              <a:gd name="connsiteX9" fmla="*/ 3223890 w 4403709"/>
+              <a:gd name="connsiteY9" fmla="*/ 6858000 h 6858001"/>
+            </a:gdLst>
+            <a:ahLst/>
+            <a:cxnLst>
+              <a:cxn ang="0">
+                <a:pos x="connsiteX0" y="connsiteY0"/>
+              </a:cxn>
+              <a:cxn ang="0">
+                <a:pos x="connsiteX1" y="connsiteY1"/>
+              </a:cxn>
+              <a:cxn ang="0">
+                <a:pos x="connsiteX2" y="connsiteY2"/>
+              </a:cxn>
+              <a:cxn ang="0">
+                <a:pos x="connsiteX3" y="connsiteY3"/>
+              </a:cxn>
+              <a:cxn ang="0">
+                <a:pos x="connsiteX4" y="connsiteY4"/>
+              </a:cxn>
+              <a:cxn ang="0">
+                <a:pos x="connsiteX5" y="connsiteY5"/>
+              </a:cxn>
+              <a:cxn ang="0">
+                <a:pos x="connsiteX6" y="connsiteY6"/>
+              </a:cxn>
+              <a:cxn ang="0">
+                <a:pos x="connsiteX7" y="connsiteY7"/>
+              </a:cxn>
+              <a:cxn ang="0">
+                <a:pos x="connsiteX8" y="connsiteY8"/>
+              </a:cxn>
+              <a:cxn ang="0">
+                <a:pos x="connsiteX9" y="connsiteY9"/>
+              </a:cxn>
+            </a:cxnLst>
+            <a:rect l="l" t="t" r="r" b="b"/>
+            <a:pathLst>
+              <a:path w="4403709" h="6858001">
+                <a:moveTo>
+                  <a:pt x="3223890" y="6858001"/>
+                </a:moveTo>
+                <a:lnTo>
+                  <a:pt x="4101908" y="6858001"/>
+                </a:lnTo>
+                <a:lnTo>
+                  <a:pt x="3254950" y="1599356"/>
+                </a:lnTo>
+                <a:lnTo>
+                  <a:pt x="3254950" y="1594062"/>
+                </a:lnTo>
+                <a:lnTo>
+                  <a:pt x="4403709" y="0"/>
+                </a:lnTo>
+                <a:lnTo>
+                  <a:pt x="3254950" y="0"/>
+                </a:lnTo>
+                <a:lnTo>
+                  <a:pt x="2903520" y="0"/>
+                </a:lnTo>
+                <a:lnTo>
+                  <a:pt x="0" y="0"/>
+                </a:lnTo>
+                <a:lnTo>
+                  <a:pt x="0" y="6858000"/>
+                </a:lnTo>
+                <a:lnTo>
+                  <a:pt x="3223890" y="6858000"/>
+                </a:lnTo>
+                <a:close/>
+              </a:path>
+            </a:pathLst>
+          </a:custGeom>
+          <a:ln>
+            <a:noFill/>
+          </a:ln>
+        </p:spPr>
+        <p:style>
+          <a:lnRef idx="2">
+            <a:schemeClr val="accent1">
+              <a:shade val="50000"/>
+            </a:schemeClr>
+          </a:lnRef>
+          <a:fillRef idx="1002">
+            <a:schemeClr val="dk1"/>
+          </a:fillRef>
+          <a:effectRef idx="0">
+            <a:schemeClr val="accent1"/>
+          </a:effectRef>
+          <a:fontRef idx="minor">
+            <a:schemeClr val="lt1"/>
+          </a:fontRef>
+        </p:style>
+        <p:txBody>
+          <a:bodyPr rtlCol="0" anchor="ctr"/>
+          <a:lstStyle/>
+          <a:p>
+            <a:pPr marL="0" marR="0" lvl="0" indent="0" algn="ctr" defTabSz="457200" rtl="0" eaLnBrk="1" fontAlgn="auto" latinLnBrk="0" hangingPunct="1">
+              <a:lnSpc>
+                <a:spcPct val="100000"/>
+              </a:lnSpc>
+              <a:spcBef>
+                <a:spcPts val="0"/>
+              </a:spcBef>
+              <a:spcAft>
+                <a:spcPts val="0"/>
+              </a:spcAft>
+              <a:buClrTx/>
+              <a:buSzTx/>
+              <a:buFontTx/>
+              <a:buNone/>
+              <a:tabLst/>
+              <a:defRPr/>
+            </a:pPr>
+            <a:endParaRPr kumimoji="0" lang="en-US" sz="1800" b="0" i="0" u="none" strike="noStrike" kern="1200" cap="none" spc="0" normalizeH="0" baseline="0" noProof="0">
+              <a:ln>
+                <a:noFill/>
+              </a:ln>
+              <a:solidFill>
+                <a:prstClr val="black"/>
+              </a:solidFill>
+              <a:effectLst/>
+              <a:uLnTx/>
+              <a:uFillTx/>
+              <a:latin typeface="Calibri" panose="020F0502020204030204"/>
+              <a:ea typeface="+mn-ea"/>
+              <a:cs typeface="+mn-cs"/>
+            </a:endParaRPr>
+          </a:p>
+        </p:txBody>
+      </p:sp>
+      <p:grpSp>
+        <p:nvGrpSpPr>
+          <p:cNvPr id="11" name="Group 10">
+            <a:extLst>
+              <a:ext uri="{FF2B5EF4-FFF2-40B4-BE49-F238E27FC236}">
+                <a16:creationId xmlns:a16="http://schemas.microsoft.com/office/drawing/2014/main" id="{B57BDC17-F1B3-455F-BBF1-680AA1F25C06}"/>
+              </a:ext>
+              <a:ext uri="{C183D7F6-B498-43B3-948B-1728B52AA6E4}">
+                <adec:decorative xmlns:adec="http://schemas.microsoft.com/office/drawing/2017/decorative" val="1"/>
+              </a:ext>
+            </a:extLst>
+          </p:cNvPr>
+          <p:cNvGrpSpPr>
+            <a:grpSpLocks noGrp="1" noUngrp="1" noRot="1" noChangeAspect="1" noMove="1" noResize="1"/>
+          </p:cNvGrpSpPr>
+          <p:nvPr>
+            <p:extLst>
+              <p:ext uri="{386F3935-93C4-4BCD-93E2-E3B085C9AB24}">
+                <p16:designElem xmlns:p16="http://schemas.microsoft.com/office/powerpoint/2015/main" val="1"/>
+              </p:ext>
+            </p:extLst>
+          </p:nvPr>
+        </p:nvGrpSpPr>
+        <p:grpSpPr>
+          <a:xfrm>
+            <a:off x="3315292" y="0"/>
+            <a:ext cx="2436813" cy="6858001"/>
+            <a:chOff x="1320800" y="0"/>
+            <a:chExt cx="2436813" cy="6858001"/>
+          </a:xfrm>
+        </p:grpSpPr>
+        <p:sp>
+          <p:nvSpPr>
+            <p:cNvPr id="12" name="Freeform 6">
+              <a:extLst>
+                <a:ext uri="{FF2B5EF4-FFF2-40B4-BE49-F238E27FC236}">
+                  <a16:creationId xmlns:a16="http://schemas.microsoft.com/office/drawing/2014/main" id="{64E2FA9A-FEF7-4501-B0EB-5E45EDD2177A}"/>
+                </a:ext>
+                <a:ext uri="{C183D7F6-B498-43B3-948B-1728B52AA6E4}">
+                  <adec:decorative xmlns:adec="http://schemas.microsoft.com/office/drawing/2017/decorative" val="1"/>
+                </a:ext>
+              </a:extLst>
+            </p:cNvPr>
+            <p:cNvSpPr/>
+            <p:nvPr>
+              <p:extLst>
+                <p:ext uri="{386F3935-93C4-4BCD-93E2-E3B085C9AB24}">
+                  <p16:designElem xmlns:p16="http://schemas.microsoft.com/office/powerpoint/2015/main" val="1"/>
+                </p:ext>
+              </p:extLst>
+            </p:nvPr>
+          </p:nvSpPr>
+          <p:spPr bwMode="auto">
+            <a:xfrm>
+              <a:off x="1627188" y="0"/>
+              <a:ext cx="1122363" cy="5329238"/>
+            </a:xfrm>
+            <a:custGeom>
+              <a:avLst/>
+              <a:gdLst/>
+              <a:ahLst/>
+              <a:cxnLst/>
+              <a:rect l="0" t="0" r="r" b="b"/>
+              <a:pathLst>
+                <a:path w="707" h="3357">
+                  <a:moveTo>
+                    <a:pt x="0" y="3330"/>
+                  </a:moveTo>
+                  <a:lnTo>
+                    <a:pt x="156" y="3357"/>
+                  </a:lnTo>
+                  <a:lnTo>
+                    <a:pt x="707" y="0"/>
+                  </a:lnTo>
+                  <a:lnTo>
+                    <a:pt x="547" y="0"/>
+                  </a:lnTo>
+                  <a:lnTo>
+                    <a:pt x="0" y="3330"/>
+                  </a:lnTo>
+                  <a:close/>
+                </a:path>
+              </a:pathLst>
+            </a:custGeom>
+            <a:solidFill>
+              <a:schemeClr val="accent1"/>
+            </a:solidFill>
+            <a:ln>
+              <a:noFill/>
+            </a:ln>
+          </p:spPr>
+        </p:sp>
+        <p:sp>
+          <p:nvSpPr>
+            <p:cNvPr id="13" name="Freeform 7">
+              <a:extLst>
+                <a:ext uri="{FF2B5EF4-FFF2-40B4-BE49-F238E27FC236}">
+                  <a16:creationId xmlns:a16="http://schemas.microsoft.com/office/drawing/2014/main" id="{BC38192B-B4CB-47D4-A3B1-10010247F158}"/>
+                </a:ext>
+                <a:ext uri="{C183D7F6-B498-43B3-948B-1728B52AA6E4}">
+                  <adec:decorative xmlns:adec="http://schemas.microsoft.com/office/drawing/2017/decorative" val="1"/>
+                </a:ext>
+              </a:extLst>
+            </p:cNvPr>
+            <p:cNvSpPr/>
+            <p:nvPr>
+              <p:extLst>
+                <p:ext uri="{386F3935-93C4-4BCD-93E2-E3B085C9AB24}">
+                  <p16:designElem xmlns:p16="http://schemas.microsoft.com/office/powerpoint/2015/main" val="1"/>
+                </p:ext>
+              </p:extLst>
+            </p:nvPr>
+          </p:nvSpPr>
+          <p:spPr bwMode="auto">
+            <a:xfrm>
+              <a:off x="1320800" y="0"/>
+              <a:ext cx="1117600" cy="5276850"/>
+            </a:xfrm>
+            <a:custGeom>
+              <a:avLst/>
+              <a:gdLst/>
+              <a:ahLst/>
+              <a:cxnLst/>
+              <a:rect l="0" t="0" r="r" b="b"/>
+              <a:pathLst>
+                <a:path w="704" h="3324">
+                  <a:moveTo>
+                    <a:pt x="704" y="0"/>
+                  </a:moveTo>
+                  <a:lnTo>
+                    <a:pt x="545" y="0"/>
+                  </a:lnTo>
+                  <a:lnTo>
+                    <a:pt x="0" y="3300"/>
+                  </a:lnTo>
+                  <a:lnTo>
+                    <a:pt x="157" y="3324"/>
+                  </a:lnTo>
+                  <a:lnTo>
+                    <a:pt x="704" y="0"/>
+                  </a:lnTo>
+                  <a:close/>
+                </a:path>
+              </a:pathLst>
+            </a:custGeom>
+            <a:solidFill>
+              <a:srgbClr val="595959"/>
+            </a:solidFill>
+            <a:ln>
+              <a:noFill/>
+            </a:ln>
+          </p:spPr>
+        </p:sp>
+        <p:sp>
+          <p:nvSpPr>
+            <p:cNvPr id="14" name="Freeform 8">
+              <a:extLst>
+                <a:ext uri="{FF2B5EF4-FFF2-40B4-BE49-F238E27FC236}">
+                  <a16:creationId xmlns:a16="http://schemas.microsoft.com/office/drawing/2014/main" id="{96330E33-E171-4B0F-82B5-AF7230399B5C}"/>
+                </a:ext>
+                <a:ext uri="{C183D7F6-B498-43B3-948B-1728B52AA6E4}">
+                  <adec:decorative xmlns:adec="http://schemas.microsoft.com/office/drawing/2017/decorative" val="1"/>
+                </a:ext>
+              </a:extLst>
+            </p:cNvPr>
+            <p:cNvSpPr/>
+            <p:nvPr>
+              <p:extLst>
+                <p:ext uri="{386F3935-93C4-4BCD-93E2-E3B085C9AB24}">
+                  <p16:designElem xmlns:p16="http://schemas.microsoft.com/office/powerpoint/2015/main" val="1"/>
+                </p:ext>
+              </p:extLst>
+            </p:nvPr>
+          </p:nvSpPr>
+          <p:spPr bwMode="auto">
+            <a:xfrm>
+              <a:off x="1320800" y="5238750"/>
+              <a:ext cx="1228725" cy="1619250"/>
+            </a:xfrm>
+            <a:custGeom>
+              <a:avLst/>
+              <a:gdLst/>
+              <a:ahLst/>
+              <a:cxnLst/>
+              <a:rect l="0" t="0" r="r" b="b"/>
+              <a:pathLst>
+                <a:path w="774" h="1020">
+                  <a:moveTo>
+                    <a:pt x="0" y="0"/>
+                  </a:moveTo>
+                  <a:lnTo>
+                    <a:pt x="740" y="1020"/>
+                  </a:lnTo>
+                  <a:lnTo>
+                    <a:pt x="774" y="1020"/>
+                  </a:lnTo>
+                  <a:lnTo>
+                    <a:pt x="0" y="0"/>
+                  </a:lnTo>
+                  <a:close/>
+                </a:path>
+              </a:pathLst>
+            </a:custGeom>
+            <a:solidFill>
+              <a:srgbClr val="262626"/>
+            </a:solidFill>
+            <a:ln>
+              <a:noFill/>
+            </a:ln>
+          </p:spPr>
+        </p:sp>
+        <p:sp>
+          <p:nvSpPr>
+            <p:cNvPr id="15" name="Freeform 9">
+              <a:extLst>
+                <a:ext uri="{FF2B5EF4-FFF2-40B4-BE49-F238E27FC236}">
+                  <a16:creationId xmlns:a16="http://schemas.microsoft.com/office/drawing/2014/main" id="{332B1723-69BF-42D7-B757-0FA059E15256}"/>
+                </a:ext>
+                <a:ext uri="{C183D7F6-B498-43B3-948B-1728B52AA6E4}">
+                  <adec:decorative xmlns:adec="http://schemas.microsoft.com/office/drawing/2017/decorative" val="1"/>
+                </a:ext>
+              </a:extLst>
+            </p:cNvPr>
+            <p:cNvSpPr/>
+            <p:nvPr>
+              <p:extLst>
+                <p:ext uri="{386F3935-93C4-4BCD-93E2-E3B085C9AB24}">
+                  <p16:designElem xmlns:p16="http://schemas.microsoft.com/office/powerpoint/2015/main" val="1"/>
+                </p:ext>
+              </p:extLst>
+            </p:nvPr>
+          </p:nvSpPr>
+          <p:spPr bwMode="auto">
+            <a:xfrm>
+              <a:off x="1627188" y="5291138"/>
+              <a:ext cx="1495425" cy="1566863"/>
+            </a:xfrm>
+            <a:custGeom>
+              <a:avLst/>
+              <a:gdLst/>
+              <a:ahLst/>
+              <a:cxnLst/>
+              <a:rect l="0" t="0" r="r" b="b"/>
+              <a:pathLst>
+                <a:path w="942" h="987">
+                  <a:moveTo>
+                    <a:pt x="0" y="0"/>
+                  </a:moveTo>
+                  <a:lnTo>
+                    <a:pt x="909" y="987"/>
+                  </a:lnTo>
+                  <a:lnTo>
+                    <a:pt x="942" y="987"/>
+                  </a:lnTo>
+                  <a:lnTo>
+                    <a:pt x="0" y="0"/>
+                  </a:lnTo>
+                  <a:close/>
+                </a:path>
+              </a:pathLst>
+            </a:custGeom>
+            <a:solidFill>
+              <a:schemeClr val="accent1">
+                <a:lumMod val="50000"/>
+              </a:schemeClr>
+            </a:solidFill>
+            <a:ln>
+              <a:noFill/>
+            </a:ln>
+          </p:spPr>
+        </p:sp>
+        <p:sp>
+          <p:nvSpPr>
+            <p:cNvPr id="16" name="Freeform 10">
+              <a:extLst>
+                <a:ext uri="{FF2B5EF4-FFF2-40B4-BE49-F238E27FC236}">
+                  <a16:creationId xmlns:a16="http://schemas.microsoft.com/office/drawing/2014/main" id="{F115D62D-1E96-48D1-A78D-D370A0BFB9B5}"/>
+                </a:ext>
+                <a:ext uri="{C183D7F6-B498-43B3-948B-1728B52AA6E4}">
+                  <adec:decorative xmlns:adec="http://schemas.microsoft.com/office/drawing/2017/decorative" val="1"/>
+                </a:ext>
+              </a:extLst>
+            </p:cNvPr>
+            <p:cNvSpPr/>
+            <p:nvPr>
+              <p:extLst>
+                <p:ext uri="{386F3935-93C4-4BCD-93E2-E3B085C9AB24}">
+                  <p16:designElem xmlns:p16="http://schemas.microsoft.com/office/powerpoint/2015/main" val="1"/>
+                </p:ext>
+              </p:extLst>
+            </p:nvPr>
+          </p:nvSpPr>
+          <p:spPr bwMode="auto">
+            <a:xfrm>
+              <a:off x="1627188" y="5286375"/>
+              <a:ext cx="2130425" cy="1571625"/>
+            </a:xfrm>
+            <a:custGeom>
+              <a:avLst/>
+              <a:gdLst/>
+              <a:ahLst/>
+              <a:cxnLst/>
+              <a:rect l="0" t="0" r="r" b="b"/>
+              <a:pathLst>
+                <a:path w="1342" h="990">
+                  <a:moveTo>
+                    <a:pt x="0" y="3"/>
+                  </a:moveTo>
+                  <a:lnTo>
+                    <a:pt x="942" y="990"/>
+                  </a:lnTo>
+                  <a:lnTo>
+                    <a:pt x="1342" y="990"/>
+                  </a:lnTo>
+                  <a:lnTo>
+                    <a:pt x="156" y="27"/>
+                  </a:lnTo>
+                  <a:lnTo>
+                    <a:pt x="0" y="0"/>
+                  </a:lnTo>
+                  <a:lnTo>
+                    <a:pt x="0" y="3"/>
+                  </a:lnTo>
+                  <a:close/>
+                </a:path>
+              </a:pathLst>
+            </a:custGeom>
+            <a:solidFill>
+              <a:schemeClr val="accent1">
+                <a:lumMod val="75000"/>
+              </a:schemeClr>
+            </a:solidFill>
+            <a:ln>
+              <a:noFill/>
+            </a:ln>
+          </p:spPr>
+        </p:sp>
+        <p:sp>
+          <p:nvSpPr>
+            <p:cNvPr id="17" name="Freeform 11">
+              <a:extLst>
+                <a:ext uri="{FF2B5EF4-FFF2-40B4-BE49-F238E27FC236}">
+                  <a16:creationId xmlns:a16="http://schemas.microsoft.com/office/drawing/2014/main" id="{91C2876A-169D-4822-A766-C00578C88B4B}"/>
+                </a:ext>
+                <a:ext uri="{C183D7F6-B498-43B3-948B-1728B52AA6E4}">
+                  <adec:decorative xmlns:adec="http://schemas.microsoft.com/office/drawing/2017/decorative" val="1"/>
+                </a:ext>
+              </a:extLst>
+            </p:cNvPr>
+            <p:cNvSpPr/>
+            <p:nvPr>
+              <p:extLst>
+                <p:ext uri="{386F3935-93C4-4BCD-93E2-E3B085C9AB24}">
+                  <p16:designElem xmlns:p16="http://schemas.microsoft.com/office/powerpoint/2015/main" val="1"/>
+                </p:ext>
+              </p:extLst>
+            </p:nvPr>
+          </p:nvSpPr>
+          <p:spPr bwMode="auto">
+            <a:xfrm>
+              <a:off x="1320800" y="5238750"/>
+              <a:ext cx="1695450" cy="1619250"/>
+            </a:xfrm>
+            <a:custGeom>
+              <a:avLst/>
+              <a:gdLst/>
+              <a:ahLst/>
+              <a:cxnLst/>
+              <a:rect l="0" t="0" r="r" b="b"/>
+              <a:pathLst>
+                <a:path w="1068" h="1020">
+                  <a:moveTo>
+                    <a:pt x="1068" y="1020"/>
+                  </a:moveTo>
+                  <a:lnTo>
+                    <a:pt x="184" y="60"/>
+                  </a:lnTo>
+                  <a:lnTo>
+                    <a:pt x="154" y="27"/>
+                  </a:lnTo>
+                  <a:lnTo>
+                    <a:pt x="157" y="27"/>
+                  </a:lnTo>
+                  <a:lnTo>
+                    <a:pt x="157" y="24"/>
+                  </a:lnTo>
+                  <a:lnTo>
+                    <a:pt x="154" y="24"/>
+                  </a:lnTo>
+                  <a:lnTo>
+                    <a:pt x="0" y="0"/>
+                  </a:lnTo>
+                  <a:lnTo>
+                    <a:pt x="0" y="0"/>
+                  </a:lnTo>
+                  <a:lnTo>
+                    <a:pt x="774" y="1020"/>
+                  </a:lnTo>
+                  <a:lnTo>
+                    <a:pt x="1068" y="1020"/>
+                  </a:lnTo>
+                  <a:close/>
+                </a:path>
+              </a:pathLst>
+            </a:custGeom>
+            <a:solidFill>
+              <a:srgbClr val="404040"/>
+            </a:solidFill>
+            <a:ln>
+              <a:noFill/>
+            </a:ln>
+          </p:spPr>
+        </p:sp>
+      </p:grpSp>
+      <p:sp>
+        <p:nvSpPr>
           <p:cNvPr id="2" name="Título 1">
             <a:extLst>
               <a:ext uri="{FF2B5EF4-FFF2-40B4-BE49-F238E27FC236}">
@@ -3438,71 +10725,60 @@
             <p:ph type="title"/>
           </p:nvPr>
         </p:nvSpPr>
-        <p:spPr/>
+        <p:spPr>
+          <a:xfrm>
+            <a:off x="535020" y="685800"/>
+            <a:ext cx="2780271" cy="5105400"/>
+          </a:xfrm>
+        </p:spPr>
         <p:txBody>
-          <a:bodyPr/>
+          <a:bodyPr>
+            <a:normAutofit/>
+          </a:bodyPr>
           <a:lstStyle/>
           <a:p>
             <a:r>
-              <a:rPr lang="pt-PT" dirty="0"/>
+              <a:rPr lang="pt-PT" sz="4000">
+                <a:solidFill>
+                  <a:srgbClr val="FFFFFF"/>
+                </a:solidFill>
+              </a:rPr>
               <a:t>Lista de requisitos funcionais </a:t>
             </a:r>
           </a:p>
         </p:txBody>
       </p:sp>
-      <p:sp>
-        <p:nvSpPr>
-          <p:cNvPr id="3" name="Marcador de Posição de Conteúdo 2">
+      <p:graphicFrame>
+        <p:nvGraphicFramePr>
+          <p:cNvPr id="5" name="Marcador de Posição de Conteúdo 2">
             <a:extLst>
               <a:ext uri="{FF2B5EF4-FFF2-40B4-BE49-F238E27FC236}">
-                <a16:creationId xmlns:a16="http://schemas.microsoft.com/office/drawing/2014/main" id="{29828E48-B15F-41E2-8BE3-8A0503FD2916}"/>
+                <a16:creationId xmlns:a16="http://schemas.microsoft.com/office/drawing/2014/main" id="{C5E062E1-AC4C-482C-9722-5E2FB952FA1E}"/>
               </a:ext>
             </a:extLst>
           </p:cNvPr>
-          <p:cNvSpPr>
-            <a:spLocks noGrp="1"/>
-          </p:cNvSpPr>
+          <p:cNvGraphicFramePr>
+            <a:graphicFrameLocks noGrp="1"/>
+          </p:cNvGraphicFramePr>
           <p:nvPr>
             <p:ph idx="1"/>
+            <p:extLst>
+              <p:ext uri="{D42A27DB-BD31-4B8C-83A1-F6EECF244321}">
+                <p14:modId xmlns:p14="http://schemas.microsoft.com/office/powerpoint/2010/main" val="1320035901"/>
+              </p:ext>
+            </p:extLst>
           </p:nvPr>
-        </p:nvSpPr>
-        <p:spPr/>
-        <p:txBody>
-          <a:bodyPr/>
-          <a:lstStyle/>
-          <a:p>
-            <a:r>
-              <a:rPr lang="pt-PT" dirty="0"/>
-              <a:t>Listagem do produtos;</a:t>
-            </a:r>
-          </a:p>
-          <a:p>
-            <a:r>
-              <a:rPr lang="pt-PT"/>
-              <a:t>Carrinho;</a:t>
-            </a:r>
-          </a:p>
-          <a:p>
-            <a:r>
-              <a:rPr lang="pt-PT" dirty="0" err="1"/>
-              <a:t>Tracking</a:t>
-            </a:r>
-            <a:r>
-              <a:rPr lang="pt-PT" dirty="0"/>
-              <a:t> da encomenda;</a:t>
-            </a:r>
-          </a:p>
-          <a:p>
-            <a:r>
-              <a:rPr lang="pt-PT" dirty="0"/>
-              <a:t>Histórico de encomendas; </a:t>
-            </a:r>
-          </a:p>
-          <a:p>
-            <a:endParaRPr lang="pt-PT" dirty="0"/>
-          </a:p>
-        </p:txBody>
-      </p:sp>
+        </p:nvGraphicFramePr>
+        <p:xfrm>
+          <a:off x="5010150" y="685800"/>
+          <a:ext cx="6492875" cy="5105400"/>
+        </p:xfrm>
+        <a:graphic>
+          <a:graphicData uri="http://schemas.openxmlformats.org/drawingml/2006/diagram">
+            <dgm:relIds xmlns:dgm="http://schemas.openxmlformats.org/drawingml/2006/diagram" xmlns:r="http://schemas.openxmlformats.org/officeDocument/2006/relationships" r:dm="rId2" r:lo="rId3" r:qs="rId4" r:cs="rId5"/>
+          </a:graphicData>
+        </a:graphic>
+      </p:graphicFrame>
     </p:spTree>
     <p:extLst>
       <p:ext uri="{BB962C8B-B14F-4D97-AF65-F5344CB8AC3E}">
@@ -3519,6 +10795,14 @@
 <file path=ppt/slides/slide3.xml><?xml version="1.0" encoding="utf-8"?>
 <p:sld xmlns:a="http://schemas.openxmlformats.org/drawingml/2006/main" xmlns:r="http://schemas.openxmlformats.org/officeDocument/2006/relationships" xmlns:p="http://schemas.openxmlformats.org/presentationml/2006/main">
   <p:cSld>
+    <p:bg>
+      <p:bgPr>
+        <a:solidFill>
+          <a:schemeClr val="bg1"/>
+        </a:solidFill>
+        <a:effectLst/>
+      </p:bgPr>
+    </p:bg>
     <p:spTree>
       <p:nvGrpSpPr>
         <p:cNvPr id="1" name=""/>
@@ -3535,6 +10819,600 @@
       </p:grpSpPr>
       <p:sp>
         <p:nvSpPr>
+          <p:cNvPr id="10" name="Freeform: Shape 9">
+            <a:extLst>
+              <a:ext uri="{FF2B5EF4-FFF2-40B4-BE49-F238E27FC236}">
+                <a16:creationId xmlns:a16="http://schemas.microsoft.com/office/drawing/2014/main" id="{42285737-90EE-47DC-AC80-8AE156B11969}"/>
+              </a:ext>
+              <a:ext uri="{C183D7F6-B498-43B3-948B-1728B52AA6E4}">
+                <adec:decorative xmlns:adec="http://schemas.microsoft.com/office/drawing/2017/decorative" val="1"/>
+              </a:ext>
+            </a:extLst>
+          </p:cNvPr>
+          <p:cNvSpPr>
+            <a:spLocks noGrp="1" noRot="1" noChangeAspect="1" noMove="1" noResize="1" noEditPoints="1" noAdjustHandles="1" noChangeArrowheads="1" noChangeShapeType="1" noTextEdit="1"/>
+          </p:cNvSpPr>
+          <p:nvPr>
+            <p:extLst>
+              <p:ext uri="{386F3935-93C4-4BCD-93E2-E3B085C9AB24}">
+                <p16:designElem xmlns:p16="http://schemas.microsoft.com/office/powerpoint/2015/main" val="1"/>
+              </p:ext>
+            </p:extLst>
+          </p:nvPr>
+        </p:nvSpPr>
+        <p:spPr>
+          <a:xfrm flipV="1">
+            <a:off x="-1" y="-1"/>
+            <a:ext cx="4403709" cy="6858001"/>
+          </a:xfrm>
+          <a:custGeom>
+            <a:avLst/>
+            <a:gdLst>
+              <a:gd name="connsiteX0" fmla="*/ 3223890 w 4403709"/>
+              <a:gd name="connsiteY0" fmla="*/ 6858001 h 6858001"/>
+              <a:gd name="connsiteX1" fmla="*/ 4101908 w 4403709"/>
+              <a:gd name="connsiteY1" fmla="*/ 6858001 h 6858001"/>
+              <a:gd name="connsiteX2" fmla="*/ 3254950 w 4403709"/>
+              <a:gd name="connsiteY2" fmla="*/ 1599356 h 6858001"/>
+              <a:gd name="connsiteX3" fmla="*/ 3254950 w 4403709"/>
+              <a:gd name="connsiteY3" fmla="*/ 1594062 h 6858001"/>
+              <a:gd name="connsiteX4" fmla="*/ 4403709 w 4403709"/>
+              <a:gd name="connsiteY4" fmla="*/ 0 h 6858001"/>
+              <a:gd name="connsiteX5" fmla="*/ 3254950 w 4403709"/>
+              <a:gd name="connsiteY5" fmla="*/ 0 h 6858001"/>
+              <a:gd name="connsiteX6" fmla="*/ 2903520 w 4403709"/>
+              <a:gd name="connsiteY6" fmla="*/ 0 h 6858001"/>
+              <a:gd name="connsiteX7" fmla="*/ 0 w 4403709"/>
+              <a:gd name="connsiteY7" fmla="*/ 0 h 6858001"/>
+              <a:gd name="connsiteX8" fmla="*/ 0 w 4403709"/>
+              <a:gd name="connsiteY8" fmla="*/ 6858000 h 6858001"/>
+              <a:gd name="connsiteX9" fmla="*/ 3223890 w 4403709"/>
+              <a:gd name="connsiteY9" fmla="*/ 6858000 h 6858001"/>
+            </a:gdLst>
+            <a:ahLst/>
+            <a:cxnLst>
+              <a:cxn ang="0">
+                <a:pos x="connsiteX0" y="connsiteY0"/>
+              </a:cxn>
+              <a:cxn ang="0">
+                <a:pos x="connsiteX1" y="connsiteY1"/>
+              </a:cxn>
+              <a:cxn ang="0">
+                <a:pos x="connsiteX2" y="connsiteY2"/>
+              </a:cxn>
+              <a:cxn ang="0">
+                <a:pos x="connsiteX3" y="connsiteY3"/>
+              </a:cxn>
+              <a:cxn ang="0">
+                <a:pos x="connsiteX4" y="connsiteY4"/>
+              </a:cxn>
+              <a:cxn ang="0">
+                <a:pos x="connsiteX5" y="connsiteY5"/>
+              </a:cxn>
+              <a:cxn ang="0">
+                <a:pos x="connsiteX6" y="connsiteY6"/>
+              </a:cxn>
+              <a:cxn ang="0">
+                <a:pos x="connsiteX7" y="connsiteY7"/>
+              </a:cxn>
+              <a:cxn ang="0">
+                <a:pos x="connsiteX8" y="connsiteY8"/>
+              </a:cxn>
+              <a:cxn ang="0">
+                <a:pos x="connsiteX9" y="connsiteY9"/>
+              </a:cxn>
+            </a:cxnLst>
+            <a:rect l="l" t="t" r="r" b="b"/>
+            <a:pathLst>
+              <a:path w="4403709" h="6858001">
+                <a:moveTo>
+                  <a:pt x="3223890" y="6858001"/>
+                </a:moveTo>
+                <a:lnTo>
+                  <a:pt x="4101908" y="6858001"/>
+                </a:lnTo>
+                <a:lnTo>
+                  <a:pt x="3254950" y="1599356"/>
+                </a:lnTo>
+                <a:lnTo>
+                  <a:pt x="3254950" y="1594062"/>
+                </a:lnTo>
+                <a:lnTo>
+                  <a:pt x="4403709" y="0"/>
+                </a:lnTo>
+                <a:lnTo>
+                  <a:pt x="3254950" y="0"/>
+                </a:lnTo>
+                <a:lnTo>
+                  <a:pt x="2903520" y="0"/>
+                </a:lnTo>
+                <a:lnTo>
+                  <a:pt x="0" y="0"/>
+                </a:lnTo>
+                <a:lnTo>
+                  <a:pt x="0" y="6858000"/>
+                </a:lnTo>
+                <a:lnTo>
+                  <a:pt x="3223890" y="6858000"/>
+                </a:lnTo>
+                <a:close/>
+              </a:path>
+            </a:pathLst>
+          </a:custGeom>
+          <a:ln>
+            <a:noFill/>
+          </a:ln>
+        </p:spPr>
+        <p:style>
+          <a:lnRef idx="2">
+            <a:schemeClr val="accent1">
+              <a:shade val="50000"/>
+            </a:schemeClr>
+          </a:lnRef>
+          <a:fillRef idx="1002">
+            <a:schemeClr val="dk1"/>
+          </a:fillRef>
+          <a:effectRef idx="0">
+            <a:schemeClr val="accent1"/>
+          </a:effectRef>
+          <a:fontRef idx="minor">
+            <a:schemeClr val="lt1"/>
+          </a:fontRef>
+        </p:style>
+        <p:txBody>
+          <a:bodyPr rtlCol="0" anchor="ctr"/>
+          <a:lstStyle/>
+          <a:p>
+            <a:pPr marL="0" marR="0" lvl="0" indent="0" algn="ctr" defTabSz="457200" rtl="0" eaLnBrk="1" fontAlgn="auto" latinLnBrk="0" hangingPunct="1">
+              <a:lnSpc>
+                <a:spcPct val="100000"/>
+              </a:lnSpc>
+              <a:spcBef>
+                <a:spcPts val="0"/>
+              </a:spcBef>
+              <a:spcAft>
+                <a:spcPts val="0"/>
+              </a:spcAft>
+              <a:buClrTx/>
+              <a:buSzTx/>
+              <a:buFontTx/>
+              <a:buNone/>
+              <a:tabLst/>
+              <a:defRPr/>
+            </a:pPr>
+            <a:endParaRPr kumimoji="0" lang="en-US" sz="1800" b="0" i="0" u="none" strike="noStrike" kern="1200" cap="none" spc="0" normalizeH="0" baseline="0" noProof="0">
+              <a:ln>
+                <a:noFill/>
+              </a:ln>
+              <a:solidFill>
+                <a:prstClr val="black"/>
+              </a:solidFill>
+              <a:effectLst/>
+              <a:uLnTx/>
+              <a:uFillTx/>
+              <a:latin typeface="Calibri" panose="020F0502020204030204"/>
+              <a:ea typeface="+mn-ea"/>
+              <a:cs typeface="+mn-cs"/>
+            </a:endParaRPr>
+          </a:p>
+        </p:txBody>
+      </p:sp>
+      <p:grpSp>
+        <p:nvGrpSpPr>
+          <p:cNvPr id="12" name="Group 11">
+            <a:extLst>
+              <a:ext uri="{FF2B5EF4-FFF2-40B4-BE49-F238E27FC236}">
+                <a16:creationId xmlns:a16="http://schemas.microsoft.com/office/drawing/2014/main" id="{B57BDC17-F1B3-455F-BBF1-680AA1F25C06}"/>
+              </a:ext>
+              <a:ext uri="{C183D7F6-B498-43B3-948B-1728B52AA6E4}">
+                <adec:decorative xmlns:adec="http://schemas.microsoft.com/office/drawing/2017/decorative" val="1"/>
+              </a:ext>
+            </a:extLst>
+          </p:cNvPr>
+          <p:cNvGrpSpPr>
+            <a:grpSpLocks noGrp="1" noUngrp="1" noRot="1" noChangeAspect="1" noMove="1" noResize="1"/>
+          </p:cNvGrpSpPr>
+          <p:nvPr>
+            <p:extLst>
+              <p:ext uri="{386F3935-93C4-4BCD-93E2-E3B085C9AB24}">
+                <p16:designElem xmlns:p16="http://schemas.microsoft.com/office/powerpoint/2015/main" val="1"/>
+              </p:ext>
+            </p:extLst>
+          </p:nvPr>
+        </p:nvGrpSpPr>
+        <p:grpSpPr>
+          <a:xfrm>
+            <a:off x="3315292" y="0"/>
+            <a:ext cx="2436813" cy="6858001"/>
+            <a:chOff x="1320800" y="0"/>
+            <a:chExt cx="2436813" cy="6858001"/>
+          </a:xfrm>
+        </p:grpSpPr>
+        <p:sp>
+          <p:nvSpPr>
+            <p:cNvPr id="13" name="Freeform 6">
+              <a:extLst>
+                <a:ext uri="{FF2B5EF4-FFF2-40B4-BE49-F238E27FC236}">
+                  <a16:creationId xmlns:a16="http://schemas.microsoft.com/office/drawing/2014/main" id="{64E2FA9A-FEF7-4501-B0EB-5E45EDD2177A}"/>
+                </a:ext>
+                <a:ext uri="{C183D7F6-B498-43B3-948B-1728B52AA6E4}">
+                  <adec:decorative xmlns:adec="http://schemas.microsoft.com/office/drawing/2017/decorative" val="1"/>
+                </a:ext>
+              </a:extLst>
+            </p:cNvPr>
+            <p:cNvSpPr/>
+            <p:nvPr>
+              <p:extLst>
+                <p:ext uri="{386F3935-93C4-4BCD-93E2-E3B085C9AB24}">
+                  <p16:designElem xmlns:p16="http://schemas.microsoft.com/office/powerpoint/2015/main" val="1"/>
+                </p:ext>
+              </p:extLst>
+            </p:nvPr>
+          </p:nvSpPr>
+          <p:spPr bwMode="auto">
+            <a:xfrm>
+              <a:off x="1627188" y="0"/>
+              <a:ext cx="1122363" cy="5329238"/>
+            </a:xfrm>
+            <a:custGeom>
+              <a:avLst/>
+              <a:gdLst/>
+              <a:ahLst/>
+              <a:cxnLst/>
+              <a:rect l="0" t="0" r="r" b="b"/>
+              <a:pathLst>
+                <a:path w="707" h="3357">
+                  <a:moveTo>
+                    <a:pt x="0" y="3330"/>
+                  </a:moveTo>
+                  <a:lnTo>
+                    <a:pt x="156" y="3357"/>
+                  </a:lnTo>
+                  <a:lnTo>
+                    <a:pt x="707" y="0"/>
+                  </a:lnTo>
+                  <a:lnTo>
+                    <a:pt x="547" y="0"/>
+                  </a:lnTo>
+                  <a:lnTo>
+                    <a:pt x="0" y="3330"/>
+                  </a:lnTo>
+                  <a:close/>
+                </a:path>
+              </a:pathLst>
+            </a:custGeom>
+            <a:solidFill>
+              <a:schemeClr val="accent1"/>
+            </a:solidFill>
+            <a:ln>
+              <a:noFill/>
+            </a:ln>
+          </p:spPr>
+        </p:sp>
+        <p:sp>
+          <p:nvSpPr>
+            <p:cNvPr id="14" name="Freeform 7">
+              <a:extLst>
+                <a:ext uri="{FF2B5EF4-FFF2-40B4-BE49-F238E27FC236}">
+                  <a16:creationId xmlns:a16="http://schemas.microsoft.com/office/drawing/2014/main" id="{BC38192B-B4CB-47D4-A3B1-10010247F158}"/>
+                </a:ext>
+                <a:ext uri="{C183D7F6-B498-43B3-948B-1728B52AA6E4}">
+                  <adec:decorative xmlns:adec="http://schemas.microsoft.com/office/drawing/2017/decorative" val="1"/>
+                </a:ext>
+              </a:extLst>
+            </p:cNvPr>
+            <p:cNvSpPr/>
+            <p:nvPr>
+              <p:extLst>
+                <p:ext uri="{386F3935-93C4-4BCD-93E2-E3B085C9AB24}">
+                  <p16:designElem xmlns:p16="http://schemas.microsoft.com/office/powerpoint/2015/main" val="1"/>
+                </p:ext>
+              </p:extLst>
+            </p:nvPr>
+          </p:nvSpPr>
+          <p:spPr bwMode="auto">
+            <a:xfrm>
+              <a:off x="1320800" y="0"/>
+              <a:ext cx="1117600" cy="5276850"/>
+            </a:xfrm>
+            <a:custGeom>
+              <a:avLst/>
+              <a:gdLst/>
+              <a:ahLst/>
+              <a:cxnLst/>
+              <a:rect l="0" t="0" r="r" b="b"/>
+              <a:pathLst>
+                <a:path w="704" h="3324">
+                  <a:moveTo>
+                    <a:pt x="704" y="0"/>
+                  </a:moveTo>
+                  <a:lnTo>
+                    <a:pt x="545" y="0"/>
+                  </a:lnTo>
+                  <a:lnTo>
+                    <a:pt x="0" y="3300"/>
+                  </a:lnTo>
+                  <a:lnTo>
+                    <a:pt x="157" y="3324"/>
+                  </a:lnTo>
+                  <a:lnTo>
+                    <a:pt x="704" y="0"/>
+                  </a:lnTo>
+                  <a:close/>
+                </a:path>
+              </a:pathLst>
+            </a:custGeom>
+            <a:solidFill>
+              <a:srgbClr val="595959"/>
+            </a:solidFill>
+            <a:ln>
+              <a:noFill/>
+            </a:ln>
+          </p:spPr>
+        </p:sp>
+        <p:sp>
+          <p:nvSpPr>
+            <p:cNvPr id="15" name="Freeform 8">
+              <a:extLst>
+                <a:ext uri="{FF2B5EF4-FFF2-40B4-BE49-F238E27FC236}">
+                  <a16:creationId xmlns:a16="http://schemas.microsoft.com/office/drawing/2014/main" id="{96330E33-E171-4B0F-82B5-AF7230399B5C}"/>
+                </a:ext>
+                <a:ext uri="{C183D7F6-B498-43B3-948B-1728B52AA6E4}">
+                  <adec:decorative xmlns:adec="http://schemas.microsoft.com/office/drawing/2017/decorative" val="1"/>
+                </a:ext>
+              </a:extLst>
+            </p:cNvPr>
+            <p:cNvSpPr/>
+            <p:nvPr>
+              <p:extLst>
+                <p:ext uri="{386F3935-93C4-4BCD-93E2-E3B085C9AB24}">
+                  <p16:designElem xmlns:p16="http://schemas.microsoft.com/office/powerpoint/2015/main" val="1"/>
+                </p:ext>
+              </p:extLst>
+            </p:nvPr>
+          </p:nvSpPr>
+          <p:spPr bwMode="auto">
+            <a:xfrm>
+              <a:off x="1320800" y="5238750"/>
+              <a:ext cx="1228725" cy="1619250"/>
+            </a:xfrm>
+            <a:custGeom>
+              <a:avLst/>
+              <a:gdLst/>
+              <a:ahLst/>
+              <a:cxnLst/>
+              <a:rect l="0" t="0" r="r" b="b"/>
+              <a:pathLst>
+                <a:path w="774" h="1020">
+                  <a:moveTo>
+                    <a:pt x="0" y="0"/>
+                  </a:moveTo>
+                  <a:lnTo>
+                    <a:pt x="740" y="1020"/>
+                  </a:lnTo>
+                  <a:lnTo>
+                    <a:pt x="774" y="1020"/>
+                  </a:lnTo>
+                  <a:lnTo>
+                    <a:pt x="0" y="0"/>
+                  </a:lnTo>
+                  <a:close/>
+                </a:path>
+              </a:pathLst>
+            </a:custGeom>
+            <a:solidFill>
+              <a:srgbClr val="262626"/>
+            </a:solidFill>
+            <a:ln>
+              <a:noFill/>
+            </a:ln>
+          </p:spPr>
+        </p:sp>
+        <p:sp>
+          <p:nvSpPr>
+            <p:cNvPr id="16" name="Freeform 9">
+              <a:extLst>
+                <a:ext uri="{FF2B5EF4-FFF2-40B4-BE49-F238E27FC236}">
+                  <a16:creationId xmlns:a16="http://schemas.microsoft.com/office/drawing/2014/main" id="{332B1723-69BF-42D7-B757-0FA059E15256}"/>
+                </a:ext>
+                <a:ext uri="{C183D7F6-B498-43B3-948B-1728B52AA6E4}">
+                  <adec:decorative xmlns:adec="http://schemas.microsoft.com/office/drawing/2017/decorative" val="1"/>
+                </a:ext>
+              </a:extLst>
+            </p:cNvPr>
+            <p:cNvSpPr/>
+            <p:nvPr>
+              <p:extLst>
+                <p:ext uri="{386F3935-93C4-4BCD-93E2-E3B085C9AB24}">
+                  <p16:designElem xmlns:p16="http://schemas.microsoft.com/office/powerpoint/2015/main" val="1"/>
+                </p:ext>
+              </p:extLst>
+            </p:nvPr>
+          </p:nvSpPr>
+          <p:spPr bwMode="auto">
+            <a:xfrm>
+              <a:off x="1627188" y="5291138"/>
+              <a:ext cx="1495425" cy="1566863"/>
+            </a:xfrm>
+            <a:custGeom>
+              <a:avLst/>
+              <a:gdLst/>
+              <a:ahLst/>
+              <a:cxnLst/>
+              <a:rect l="0" t="0" r="r" b="b"/>
+              <a:pathLst>
+                <a:path w="942" h="987">
+                  <a:moveTo>
+                    <a:pt x="0" y="0"/>
+                  </a:moveTo>
+                  <a:lnTo>
+                    <a:pt x="909" y="987"/>
+                  </a:lnTo>
+                  <a:lnTo>
+                    <a:pt x="942" y="987"/>
+                  </a:lnTo>
+                  <a:lnTo>
+                    <a:pt x="0" y="0"/>
+                  </a:lnTo>
+                  <a:close/>
+                </a:path>
+              </a:pathLst>
+            </a:custGeom>
+            <a:solidFill>
+              <a:schemeClr val="accent1">
+                <a:lumMod val="50000"/>
+              </a:schemeClr>
+            </a:solidFill>
+            <a:ln>
+              <a:noFill/>
+            </a:ln>
+          </p:spPr>
+        </p:sp>
+        <p:sp>
+          <p:nvSpPr>
+            <p:cNvPr id="17" name="Freeform 10">
+              <a:extLst>
+                <a:ext uri="{FF2B5EF4-FFF2-40B4-BE49-F238E27FC236}">
+                  <a16:creationId xmlns:a16="http://schemas.microsoft.com/office/drawing/2014/main" id="{F115D62D-1E96-48D1-A78D-D370A0BFB9B5}"/>
+                </a:ext>
+                <a:ext uri="{C183D7F6-B498-43B3-948B-1728B52AA6E4}">
+                  <adec:decorative xmlns:adec="http://schemas.microsoft.com/office/drawing/2017/decorative" val="1"/>
+                </a:ext>
+              </a:extLst>
+            </p:cNvPr>
+            <p:cNvSpPr/>
+            <p:nvPr>
+              <p:extLst>
+                <p:ext uri="{386F3935-93C4-4BCD-93E2-E3B085C9AB24}">
+                  <p16:designElem xmlns:p16="http://schemas.microsoft.com/office/powerpoint/2015/main" val="1"/>
+                </p:ext>
+              </p:extLst>
+            </p:nvPr>
+          </p:nvSpPr>
+          <p:spPr bwMode="auto">
+            <a:xfrm>
+              <a:off x="1627188" y="5286375"/>
+              <a:ext cx="2130425" cy="1571625"/>
+            </a:xfrm>
+            <a:custGeom>
+              <a:avLst/>
+              <a:gdLst/>
+              <a:ahLst/>
+              <a:cxnLst/>
+              <a:rect l="0" t="0" r="r" b="b"/>
+              <a:pathLst>
+                <a:path w="1342" h="990">
+                  <a:moveTo>
+                    <a:pt x="0" y="3"/>
+                  </a:moveTo>
+                  <a:lnTo>
+                    <a:pt x="942" y="990"/>
+                  </a:lnTo>
+                  <a:lnTo>
+                    <a:pt x="1342" y="990"/>
+                  </a:lnTo>
+                  <a:lnTo>
+                    <a:pt x="156" y="27"/>
+                  </a:lnTo>
+                  <a:lnTo>
+                    <a:pt x="0" y="0"/>
+                  </a:lnTo>
+                  <a:lnTo>
+                    <a:pt x="0" y="3"/>
+                  </a:lnTo>
+                  <a:close/>
+                </a:path>
+              </a:pathLst>
+            </a:custGeom>
+            <a:solidFill>
+              <a:schemeClr val="accent1">
+                <a:lumMod val="75000"/>
+              </a:schemeClr>
+            </a:solidFill>
+            <a:ln>
+              <a:noFill/>
+            </a:ln>
+          </p:spPr>
+        </p:sp>
+        <p:sp>
+          <p:nvSpPr>
+            <p:cNvPr id="18" name="Freeform 11">
+              <a:extLst>
+                <a:ext uri="{FF2B5EF4-FFF2-40B4-BE49-F238E27FC236}">
+                  <a16:creationId xmlns:a16="http://schemas.microsoft.com/office/drawing/2014/main" id="{91C2876A-169D-4822-A766-C00578C88B4B}"/>
+                </a:ext>
+                <a:ext uri="{C183D7F6-B498-43B3-948B-1728B52AA6E4}">
+                  <adec:decorative xmlns:adec="http://schemas.microsoft.com/office/drawing/2017/decorative" val="1"/>
+                </a:ext>
+              </a:extLst>
+            </p:cNvPr>
+            <p:cNvSpPr/>
+            <p:nvPr>
+              <p:extLst>
+                <p:ext uri="{386F3935-93C4-4BCD-93E2-E3B085C9AB24}">
+                  <p16:designElem xmlns:p16="http://schemas.microsoft.com/office/powerpoint/2015/main" val="1"/>
+                </p:ext>
+              </p:extLst>
+            </p:nvPr>
+          </p:nvSpPr>
+          <p:spPr bwMode="auto">
+            <a:xfrm>
+              <a:off x="1320800" y="5238750"/>
+              <a:ext cx="1695450" cy="1619250"/>
+            </a:xfrm>
+            <a:custGeom>
+              <a:avLst/>
+              <a:gdLst/>
+              <a:ahLst/>
+              <a:cxnLst/>
+              <a:rect l="0" t="0" r="r" b="b"/>
+              <a:pathLst>
+                <a:path w="1068" h="1020">
+                  <a:moveTo>
+                    <a:pt x="1068" y="1020"/>
+                  </a:moveTo>
+                  <a:lnTo>
+                    <a:pt x="184" y="60"/>
+                  </a:lnTo>
+                  <a:lnTo>
+                    <a:pt x="154" y="27"/>
+                  </a:lnTo>
+                  <a:lnTo>
+                    <a:pt x="157" y="27"/>
+                  </a:lnTo>
+                  <a:lnTo>
+                    <a:pt x="157" y="24"/>
+                  </a:lnTo>
+                  <a:lnTo>
+                    <a:pt x="154" y="24"/>
+                  </a:lnTo>
+                  <a:lnTo>
+                    <a:pt x="0" y="0"/>
+                  </a:lnTo>
+                  <a:lnTo>
+                    <a:pt x="0" y="0"/>
+                  </a:lnTo>
+                  <a:lnTo>
+                    <a:pt x="774" y="1020"/>
+                  </a:lnTo>
+                  <a:lnTo>
+                    <a:pt x="1068" y="1020"/>
+                  </a:lnTo>
+                  <a:close/>
+                </a:path>
+              </a:pathLst>
+            </a:custGeom>
+            <a:solidFill>
+              <a:srgbClr val="404040"/>
+            </a:solidFill>
+            <a:ln>
+              <a:noFill/>
+            </a:ln>
+          </p:spPr>
+        </p:sp>
+      </p:grpSp>
+      <p:sp>
+        <p:nvSpPr>
           <p:cNvPr id="2" name="Título 1">
             <a:extLst>
               <a:ext uri="{FF2B5EF4-FFF2-40B4-BE49-F238E27FC236}">
@@ -3549,13 +11427,24 @@
             <p:ph type="title"/>
           </p:nvPr>
         </p:nvSpPr>
-        <p:spPr/>
+        <p:spPr>
+          <a:xfrm>
+            <a:off x="535020" y="685800"/>
+            <a:ext cx="2780271" cy="5105400"/>
+          </a:xfrm>
+        </p:spPr>
         <p:txBody>
-          <a:bodyPr/>
+          <a:bodyPr>
+            <a:normAutofit/>
+          </a:bodyPr>
           <a:lstStyle/>
           <a:p>
             <a:r>
-              <a:rPr lang="pt-PT" dirty="0"/>
+              <a:rPr lang="pt-PT" sz="4000">
+                <a:solidFill>
+                  <a:srgbClr val="FFFFFF"/>
+                </a:solidFill>
+              </a:rPr>
               <a:t>Lista de requisitos não funcionais </a:t>
             </a:r>
           </a:p>
@@ -3563,10 +11452,190 @@
       </p:sp>
       <p:sp>
         <p:nvSpPr>
-          <p:cNvPr id="3" name="Marcador de Posição de Conteúdo 2">
+          <p:cNvPr id="4" name="AutoShape 2">
             <a:extLst>
               <a:ext uri="{FF2B5EF4-FFF2-40B4-BE49-F238E27FC236}">
-                <a16:creationId xmlns:a16="http://schemas.microsoft.com/office/drawing/2014/main" id="{DB984C19-82AD-4D76-8495-5DA45EE59E9D}"/>
+                <a16:creationId xmlns:a16="http://schemas.microsoft.com/office/drawing/2014/main" id="{0EC3B504-ED70-4895-8739-B486804AFA31}"/>
+              </a:ext>
+            </a:extLst>
+          </p:cNvPr>
+          <p:cNvSpPr>
+            <a:spLocks noChangeAspect="1" noChangeArrowheads="1"/>
+          </p:cNvSpPr>
+          <p:nvPr/>
+        </p:nvSpPr>
+        <p:spPr bwMode="auto">
+          <a:xfrm>
+            <a:off x="5943600" y="3276600"/>
+            <a:ext cx="304800" cy="304800"/>
+          </a:xfrm>
+          <a:prstGeom prst="rect">
+            <a:avLst/>
+          </a:prstGeom>
+          <a:noFill/>
+          <a:extLst>
+            <a:ext uri="{909E8E84-426E-40DD-AFC4-6F175D3DCCD1}">
+              <a14:hiddenFill xmlns:a14="http://schemas.microsoft.com/office/drawing/2010/main">
+                <a:solidFill>
+                  <a:srgbClr val="FFFFFF"/>
+                </a:solidFill>
+              </a14:hiddenFill>
+            </a:ext>
+          </a:extLst>
+        </p:spPr>
+        <p:txBody>
+          <a:bodyPr vert="horz" wrap="square" lIns="91440" tIns="45720" rIns="91440" bIns="45720" numCol="1" anchor="t" anchorCtr="0" compatLnSpc="1">
+            <a:prstTxWarp prst="textNoShape">
+              <a:avLst/>
+            </a:prstTxWarp>
+          </a:bodyPr>
+          <a:lstStyle/>
+          <a:p>
+            <a:endParaRPr lang="pt-PT"/>
+          </a:p>
+        </p:txBody>
+      </p:sp>
+      <p:graphicFrame>
+        <p:nvGraphicFramePr>
+          <p:cNvPr id="6" name="Marcador de Posição de Conteúdo 2">
+            <a:extLst>
+              <a:ext uri="{FF2B5EF4-FFF2-40B4-BE49-F238E27FC236}">
+                <a16:creationId xmlns:a16="http://schemas.microsoft.com/office/drawing/2014/main" id="{56934C5F-D88B-48E8-9E4E-4B2A69D821BC}"/>
+              </a:ext>
+            </a:extLst>
+          </p:cNvPr>
+          <p:cNvGraphicFramePr>
+            <a:graphicFrameLocks noGrp="1"/>
+          </p:cNvGraphicFramePr>
+          <p:nvPr>
+            <p:ph idx="1"/>
+            <p:extLst>
+              <p:ext uri="{D42A27DB-BD31-4B8C-83A1-F6EECF244321}">
+                <p14:modId xmlns:p14="http://schemas.microsoft.com/office/powerpoint/2010/main" val="2454513097"/>
+              </p:ext>
+            </p:extLst>
+          </p:nvPr>
+        </p:nvGraphicFramePr>
+        <p:xfrm>
+          <a:off x="5010150" y="685800"/>
+          <a:ext cx="6492875" cy="5105400"/>
+        </p:xfrm>
+        <a:graphic>
+          <a:graphicData uri="http://schemas.openxmlformats.org/drawingml/2006/diagram">
+            <dgm:relIds xmlns:dgm="http://schemas.openxmlformats.org/drawingml/2006/diagram" xmlns:r="http://schemas.openxmlformats.org/officeDocument/2006/relationships" r:dm="rId2" r:lo="rId3" r:qs="rId4" r:cs="rId5"/>
+          </a:graphicData>
+        </a:graphic>
+      </p:graphicFrame>
+    </p:spTree>
+    <p:extLst>
+      <p:ext uri="{BB962C8B-B14F-4D97-AF65-F5344CB8AC3E}">
+        <p14:creationId xmlns:p14="http://schemas.microsoft.com/office/powerpoint/2010/main" val="879961233"/>
+      </p:ext>
+    </p:extLst>
+  </p:cSld>
+  <p:clrMapOvr>
+    <a:masterClrMapping/>
+  </p:clrMapOvr>
+</p:sld>
+</file>
+
+<file path=ppt/slides/slide4.xml><?xml version="1.0" encoding="utf-8"?>
+<p:sld xmlns:a="http://schemas.openxmlformats.org/drawingml/2006/main" xmlns:r="http://schemas.openxmlformats.org/officeDocument/2006/relationships" xmlns:p="http://schemas.openxmlformats.org/presentationml/2006/main">
+  <p:cSld>
+    <p:bg>
+      <p:bgPr>
+        <a:solidFill>
+          <a:schemeClr val="bg1"/>
+        </a:solidFill>
+        <a:effectLst/>
+      </p:bgPr>
+    </p:bg>
+    <p:spTree>
+      <p:nvGrpSpPr>
+        <p:cNvPr id="1" name=""/>
+        <p:cNvGrpSpPr/>
+        <p:nvPr/>
+      </p:nvGrpSpPr>
+      <p:grpSpPr>
+        <a:xfrm>
+          <a:off x="0" y="0"/>
+          <a:ext cx="0" cy="0"/>
+          <a:chOff x="0" y="0"/>
+          <a:chExt cx="0" cy="0"/>
+        </a:xfrm>
+      </p:grpSpPr>
+      <p:sp>
+        <p:nvSpPr>
+          <p:cNvPr id="71" name="Rectangle 70">
+            <a:extLst>
+              <a:ext uri="{FF2B5EF4-FFF2-40B4-BE49-F238E27FC236}">
+                <a16:creationId xmlns:a16="http://schemas.microsoft.com/office/drawing/2014/main" id="{C0B27210-D0CA-4654-B3E3-9ABB4F178EA1}"/>
+              </a:ext>
+              <a:ext uri="{C183D7F6-B498-43B3-948B-1728B52AA6E4}">
+                <adec:decorative xmlns:adec="http://schemas.microsoft.com/office/drawing/2017/decorative" val="1"/>
+              </a:ext>
+            </a:extLst>
+          </p:cNvPr>
+          <p:cNvSpPr>
+            <a:spLocks noGrp="1" noRot="1" noChangeAspect="1" noMove="1" noResize="1" noEditPoints="1" noAdjustHandles="1" noChangeArrowheads="1" noChangeShapeType="1" noTextEdit="1"/>
+          </p:cNvSpPr>
+          <p:nvPr>
+            <p:extLst>
+              <p:ext uri="{386F3935-93C4-4BCD-93E2-E3B085C9AB24}">
+                <p16:designElem xmlns:p16="http://schemas.microsoft.com/office/powerpoint/2015/main" val="1"/>
+              </p:ext>
+            </p:extLst>
+          </p:nvPr>
+        </p:nvSpPr>
+        <p:spPr>
+          <a:xfrm>
+            <a:off x="0" y="0"/>
+            <a:ext cx="12192000" cy="6858000"/>
+          </a:xfrm>
+          <a:prstGeom prst="rect">
+            <a:avLst/>
+          </a:prstGeom>
+          <a:solidFill>
+            <a:schemeClr val="tx1">
+              <a:lumMod val="75000"/>
+              <a:lumOff val="25000"/>
+            </a:schemeClr>
+          </a:solidFill>
+          <a:ln>
+            <a:noFill/>
+          </a:ln>
+        </p:spPr>
+        <p:style>
+          <a:lnRef idx="2">
+            <a:schemeClr val="accent1">
+              <a:shade val="50000"/>
+            </a:schemeClr>
+          </a:lnRef>
+          <a:fillRef idx="1">
+            <a:schemeClr val="accent1"/>
+          </a:fillRef>
+          <a:effectRef idx="0">
+            <a:schemeClr val="accent1"/>
+          </a:effectRef>
+          <a:fontRef idx="minor">
+            <a:schemeClr val="lt1"/>
+          </a:fontRef>
+        </p:style>
+        <p:txBody>
+          <a:bodyPr rtlCol="0" anchor="ctr"/>
+          <a:lstStyle/>
+          <a:p>
+            <a:pPr algn="ctr"/>
+            <a:endParaRPr lang="en-US"/>
+          </a:p>
+        </p:txBody>
+      </p:sp>
+      <p:sp>
+        <p:nvSpPr>
+          <p:cNvPr id="2" name="Título 1">
+            <a:extLst>
+              <a:ext uri="{FF2B5EF4-FFF2-40B4-BE49-F238E27FC236}">
+                <a16:creationId xmlns:a16="http://schemas.microsoft.com/office/drawing/2014/main" id="{A70105F4-6EFC-4B60-95E9-5AD32B2F03EA}"/>
               </a:ext>
             </a:extLst>
           </p:cNvPr>
@@ -3574,22 +11643,477 @@
             <a:spLocks noGrp="1"/>
           </p:cNvSpPr>
           <p:nvPr>
-            <p:ph idx="1"/>
+            <p:ph type="ctrTitle"/>
           </p:nvPr>
         </p:nvSpPr>
-        <p:spPr/>
+        <p:spPr>
+          <a:xfrm>
+            <a:off x="6746628" y="1783959"/>
+            <a:ext cx="4645250" cy="2889114"/>
+          </a:xfrm>
+        </p:spPr>
         <p:txBody>
-          <a:bodyPr/>
+          <a:bodyPr anchor="b">
+            <a:normAutofit/>
+          </a:bodyPr>
           <a:lstStyle/>
           <a:p>
-            <a:endParaRPr lang="pt-PT" dirty="0"/>
+            <a:pPr algn="l"/>
+            <a:r>
+              <a:rPr lang="pt-PT">
+                <a:solidFill>
+                  <a:schemeClr val="bg1"/>
+                </a:solidFill>
+              </a:rPr>
+              <a:t>PhonePizza</a:t>
+            </a:r>
           </a:p>
         </p:txBody>
       </p:sp>
+      <p:sp>
+        <p:nvSpPr>
+          <p:cNvPr id="3" name="Subtítulo 2">
+            <a:extLst>
+              <a:ext uri="{FF2B5EF4-FFF2-40B4-BE49-F238E27FC236}">
+                <a16:creationId xmlns:a16="http://schemas.microsoft.com/office/drawing/2014/main" id="{FBD99179-6D6D-44F0-AC9F-5230A7611A8C}"/>
+              </a:ext>
+            </a:extLst>
+          </p:cNvPr>
+          <p:cNvSpPr>
+            <a:spLocks noGrp="1"/>
+          </p:cNvSpPr>
+          <p:nvPr>
+            <p:ph type="subTitle" idx="1"/>
+          </p:nvPr>
+        </p:nvSpPr>
+        <p:spPr>
+          <a:xfrm>
+            <a:off x="6746627" y="4750893"/>
+            <a:ext cx="4645250" cy="1147863"/>
+          </a:xfrm>
+        </p:spPr>
+        <p:txBody>
+          <a:bodyPr anchor="t">
+            <a:normAutofit/>
+          </a:bodyPr>
+          <a:lstStyle/>
+          <a:p>
+            <a:pPr algn="l"/>
+            <a:r>
+              <a:rPr lang="pt-PT" sz="1900">
+                <a:solidFill>
+                  <a:schemeClr val="bg1"/>
+                </a:solidFill>
+              </a:rPr>
+              <a:t>Pedro Serpe </a:t>
+            </a:r>
+          </a:p>
+          <a:p>
+            <a:pPr algn="l"/>
+            <a:r>
+              <a:rPr lang="pt-PT" sz="1900">
+                <a:solidFill>
+                  <a:schemeClr val="bg1"/>
+                </a:solidFill>
+              </a:rPr>
+              <a:t>Ricardo Palhoça</a:t>
+            </a:r>
+          </a:p>
+          <a:p>
+            <a:pPr algn="l"/>
+            <a:r>
+              <a:rPr lang="pt-PT" sz="1900">
+                <a:solidFill>
+                  <a:schemeClr val="bg1"/>
+                </a:solidFill>
+              </a:rPr>
+              <a:t>Grupo 7</a:t>
+            </a:r>
+          </a:p>
+        </p:txBody>
+      </p:sp>
+      <p:sp>
+        <p:nvSpPr>
+          <p:cNvPr id="73" name="Freeform: Shape 72">
+            <a:extLst>
+              <a:ext uri="{FF2B5EF4-FFF2-40B4-BE49-F238E27FC236}">
+                <a16:creationId xmlns:a16="http://schemas.microsoft.com/office/drawing/2014/main" id="{1DB7C82F-AB7E-4F0C-B829-FA1B9C415180}"/>
+              </a:ext>
+              <a:ext uri="{C183D7F6-B498-43B3-948B-1728B52AA6E4}">
+                <adec:decorative xmlns:adec="http://schemas.microsoft.com/office/drawing/2017/decorative" val="1"/>
+              </a:ext>
+            </a:extLst>
+          </p:cNvPr>
+          <p:cNvSpPr>
+            <a:spLocks noGrp="1" noRot="1" noChangeAspect="1" noMove="1" noResize="1" noEditPoints="1" noAdjustHandles="1" noChangeArrowheads="1" noChangeShapeType="1" noTextEdit="1"/>
+          </p:cNvSpPr>
+          <p:nvPr>
+            <p:extLst>
+              <p:ext uri="{386F3935-93C4-4BCD-93E2-E3B085C9AB24}">
+                <p16:designElem xmlns:p16="http://schemas.microsoft.com/office/powerpoint/2015/main" val="1"/>
+              </p:ext>
+            </p:extLst>
+          </p:nvPr>
+        </p:nvSpPr>
+        <p:spPr>
+          <a:xfrm flipH="1">
+            <a:off x="0" y="0"/>
+            <a:ext cx="6172782" cy="6858000"/>
+          </a:xfrm>
+          <a:custGeom>
+            <a:avLst/>
+            <a:gdLst>
+              <a:gd name="connsiteX0" fmla="*/ 6172782 w 6172782"/>
+              <a:gd name="connsiteY0" fmla="*/ 0 h 6858000"/>
+              <a:gd name="connsiteX1" fmla="*/ 69075 w 6172782"/>
+              <a:gd name="connsiteY1" fmla="*/ 0 h 6858000"/>
+              <a:gd name="connsiteX2" fmla="*/ 35131 w 6172782"/>
+              <a:gd name="connsiteY2" fmla="*/ 267128 h 6858000"/>
+              <a:gd name="connsiteX3" fmla="*/ 0 w 6172782"/>
+              <a:gd name="connsiteY3" fmla="*/ 962845 h 6858000"/>
+              <a:gd name="connsiteX4" fmla="*/ 3276103 w 6172782"/>
+              <a:gd name="connsiteY4" fmla="*/ 6782205 h 6858000"/>
+              <a:gd name="connsiteX5" fmla="*/ 3407923 w 6172782"/>
+              <a:gd name="connsiteY5" fmla="*/ 6858000 h 6858000"/>
+              <a:gd name="connsiteX6" fmla="*/ 6172782 w 6172782"/>
+              <a:gd name="connsiteY6" fmla="*/ 6858000 h 6858000"/>
+            </a:gdLst>
+            <a:ahLst/>
+            <a:cxnLst>
+              <a:cxn ang="0">
+                <a:pos x="connsiteX0" y="connsiteY0"/>
+              </a:cxn>
+              <a:cxn ang="0">
+                <a:pos x="connsiteX1" y="connsiteY1"/>
+              </a:cxn>
+              <a:cxn ang="0">
+                <a:pos x="connsiteX2" y="connsiteY2"/>
+              </a:cxn>
+              <a:cxn ang="0">
+                <a:pos x="connsiteX3" y="connsiteY3"/>
+              </a:cxn>
+              <a:cxn ang="0">
+                <a:pos x="connsiteX4" y="connsiteY4"/>
+              </a:cxn>
+              <a:cxn ang="0">
+                <a:pos x="connsiteX5" y="connsiteY5"/>
+              </a:cxn>
+              <a:cxn ang="0">
+                <a:pos x="connsiteX6" y="connsiteY6"/>
+              </a:cxn>
+            </a:cxnLst>
+            <a:rect l="l" t="t" r="r" b="b"/>
+            <a:pathLst>
+              <a:path w="6172782" h="6858000">
+                <a:moveTo>
+                  <a:pt x="6172782" y="0"/>
+                </a:moveTo>
+                <a:lnTo>
+                  <a:pt x="69075" y="0"/>
+                </a:lnTo>
+                <a:lnTo>
+                  <a:pt x="35131" y="267128"/>
+                </a:lnTo>
+                <a:cubicBezTo>
+                  <a:pt x="11901" y="495874"/>
+                  <a:pt x="0" y="727970"/>
+                  <a:pt x="0" y="962845"/>
+                </a:cubicBezTo>
+                <a:cubicBezTo>
+                  <a:pt x="0" y="3429034"/>
+                  <a:pt x="1312002" y="5588789"/>
+                  <a:pt x="3276103" y="6782205"/>
+                </a:cubicBezTo>
+                <a:lnTo>
+                  <a:pt x="3407923" y="6858000"/>
+                </a:lnTo>
+                <a:lnTo>
+                  <a:pt x="6172782" y="6858000"/>
+                </a:lnTo>
+                <a:close/>
+              </a:path>
+            </a:pathLst>
+          </a:custGeom>
+          <a:solidFill>
+            <a:schemeClr val="bg1">
+              <a:alpha val="80000"/>
+            </a:schemeClr>
+          </a:solidFill>
+          <a:ln>
+            <a:noFill/>
+          </a:ln>
+        </p:spPr>
+        <p:style>
+          <a:lnRef idx="2">
+            <a:schemeClr val="accent1">
+              <a:shade val="50000"/>
+            </a:schemeClr>
+          </a:lnRef>
+          <a:fillRef idx="1">
+            <a:schemeClr val="accent1"/>
+          </a:fillRef>
+          <a:effectRef idx="0">
+            <a:schemeClr val="accent1"/>
+          </a:effectRef>
+          <a:fontRef idx="minor">
+            <a:schemeClr val="lt1"/>
+          </a:fontRef>
+        </p:style>
+        <p:txBody>
+          <a:bodyPr wrap="square" rtlCol="0" anchor="ctr">
+            <a:noAutofit/>
+          </a:bodyPr>
+          <a:lstStyle/>
+          <a:p>
+            <a:pPr marL="0" marR="0" lvl="0" indent="0" algn="ctr" defTabSz="914400" rtl="0" eaLnBrk="1" fontAlgn="auto" latinLnBrk="0" hangingPunct="1">
+              <a:lnSpc>
+                <a:spcPct val="100000"/>
+              </a:lnSpc>
+              <a:spcBef>
+                <a:spcPts val="0"/>
+              </a:spcBef>
+              <a:spcAft>
+                <a:spcPts val="0"/>
+              </a:spcAft>
+              <a:buClrTx/>
+              <a:buSzTx/>
+              <a:buFontTx/>
+              <a:buNone/>
+              <a:tabLst/>
+              <a:defRPr/>
+            </a:pPr>
+            <a:endParaRPr kumimoji="0" lang="en-US" sz="1800" b="0" i="0" u="none" strike="noStrike" kern="1200" cap="none" spc="0" normalizeH="0" baseline="0" noProof="0">
+              <a:ln>
+                <a:noFill/>
+              </a:ln>
+              <a:solidFill>
+                <a:prstClr val="white"/>
+              </a:solidFill>
+              <a:effectLst/>
+              <a:uLnTx/>
+              <a:uFillTx/>
+              <a:latin typeface="Calibri" panose="020F0502020204030204"/>
+              <a:ea typeface="+mn-ea"/>
+              <a:cs typeface="+mn-cs"/>
+            </a:endParaRPr>
+          </a:p>
+        </p:txBody>
+      </p:sp>
+      <p:sp>
+        <p:nvSpPr>
+          <p:cNvPr id="75" name="Freeform: Shape 74">
+            <a:extLst>
+              <a:ext uri="{FF2B5EF4-FFF2-40B4-BE49-F238E27FC236}">
+                <a16:creationId xmlns:a16="http://schemas.microsoft.com/office/drawing/2014/main" id="{70B66945-4967-4040-926D-DCA44313CDAB}"/>
+              </a:ext>
+              <a:ext uri="{C183D7F6-B498-43B3-948B-1728B52AA6E4}">
+                <adec:decorative xmlns:adec="http://schemas.microsoft.com/office/drawing/2017/decorative" val="1"/>
+              </a:ext>
+            </a:extLst>
+          </p:cNvPr>
+          <p:cNvSpPr>
+            <a:spLocks noGrp="1" noRot="1" noChangeAspect="1" noMove="1" noResize="1" noEditPoints="1" noAdjustHandles="1" noChangeArrowheads="1" noChangeShapeType="1" noTextEdit="1"/>
+          </p:cNvSpPr>
+          <p:nvPr>
+            <p:extLst>
+              <p:ext uri="{386F3935-93C4-4BCD-93E2-E3B085C9AB24}">
+                <p16:designElem xmlns:p16="http://schemas.microsoft.com/office/powerpoint/2015/main" val="1"/>
+              </p:ext>
+            </p:extLst>
+          </p:nvPr>
+        </p:nvSpPr>
+        <p:spPr>
+          <a:xfrm>
+            <a:off x="0" y="0"/>
+            <a:ext cx="6024154" cy="6858000"/>
+          </a:xfrm>
+          <a:custGeom>
+            <a:avLst/>
+            <a:gdLst>
+              <a:gd name="connsiteX0" fmla="*/ 0 w 6024154"/>
+              <a:gd name="connsiteY0" fmla="*/ 0 h 6858000"/>
+              <a:gd name="connsiteX1" fmla="*/ 5953780 w 6024154"/>
+              <a:gd name="connsiteY1" fmla="*/ 0 h 6858000"/>
+              <a:gd name="connsiteX2" fmla="*/ 5989880 w 6024154"/>
+              <a:gd name="connsiteY2" fmla="*/ 284091 h 6858000"/>
+              <a:gd name="connsiteX3" fmla="*/ 6024154 w 6024154"/>
+              <a:gd name="connsiteY3" fmla="*/ 962844 h 6858000"/>
+              <a:gd name="connsiteX4" fmla="*/ 2549934 w 6024154"/>
+              <a:gd name="connsiteY4" fmla="*/ 6800152 h 6858000"/>
+              <a:gd name="connsiteX5" fmla="*/ 2436987 w 6024154"/>
+              <a:gd name="connsiteY5" fmla="*/ 6858000 h 6858000"/>
+              <a:gd name="connsiteX6" fmla="*/ 0 w 6024154"/>
+              <a:gd name="connsiteY6" fmla="*/ 6858000 h 6858000"/>
+            </a:gdLst>
+            <a:ahLst/>
+            <a:cxnLst>
+              <a:cxn ang="0">
+                <a:pos x="connsiteX0" y="connsiteY0"/>
+              </a:cxn>
+              <a:cxn ang="0">
+                <a:pos x="connsiteX1" y="connsiteY1"/>
+              </a:cxn>
+              <a:cxn ang="0">
+                <a:pos x="connsiteX2" y="connsiteY2"/>
+              </a:cxn>
+              <a:cxn ang="0">
+                <a:pos x="connsiteX3" y="connsiteY3"/>
+              </a:cxn>
+              <a:cxn ang="0">
+                <a:pos x="connsiteX4" y="connsiteY4"/>
+              </a:cxn>
+              <a:cxn ang="0">
+                <a:pos x="connsiteX5" y="connsiteY5"/>
+              </a:cxn>
+              <a:cxn ang="0">
+                <a:pos x="connsiteX6" y="connsiteY6"/>
+              </a:cxn>
+            </a:cxnLst>
+            <a:rect l="l" t="t" r="r" b="b"/>
+            <a:pathLst>
+              <a:path w="6024154" h="6858000">
+                <a:moveTo>
+                  <a:pt x="0" y="0"/>
+                </a:moveTo>
+                <a:lnTo>
+                  <a:pt x="5953780" y="0"/>
+                </a:lnTo>
+                <a:lnTo>
+                  <a:pt x="5989880" y="284091"/>
+                </a:lnTo>
+                <a:cubicBezTo>
+                  <a:pt x="6012544" y="507260"/>
+                  <a:pt x="6024154" y="733696"/>
+                  <a:pt x="6024154" y="962844"/>
+                </a:cubicBezTo>
+                <a:cubicBezTo>
+                  <a:pt x="6024154" y="3483472"/>
+                  <a:pt x="4619336" y="5675986"/>
+                  <a:pt x="2549934" y="6800152"/>
+                </a:cubicBezTo>
+                <a:lnTo>
+                  <a:pt x="2436987" y="6858000"/>
+                </a:lnTo>
+                <a:lnTo>
+                  <a:pt x="0" y="6858000"/>
+                </a:lnTo>
+                <a:close/>
+              </a:path>
+            </a:pathLst>
+          </a:custGeom>
+          <a:solidFill>
+            <a:schemeClr val="bg1"/>
+          </a:solidFill>
+          <a:ln>
+            <a:noFill/>
+          </a:ln>
+        </p:spPr>
+        <p:style>
+          <a:lnRef idx="2">
+            <a:schemeClr val="accent1">
+              <a:shade val="50000"/>
+            </a:schemeClr>
+          </a:lnRef>
+          <a:fillRef idx="1">
+            <a:schemeClr val="accent1"/>
+          </a:fillRef>
+          <a:effectRef idx="0">
+            <a:schemeClr val="accent1"/>
+          </a:effectRef>
+          <a:fontRef idx="minor">
+            <a:schemeClr val="lt1"/>
+          </a:fontRef>
+        </p:style>
+        <p:txBody>
+          <a:bodyPr wrap="square" rtlCol="0" anchor="ctr">
+            <a:noAutofit/>
+          </a:bodyPr>
+          <a:lstStyle/>
+          <a:p>
+            <a:pPr marL="0" marR="0" lvl="0" indent="0" algn="ctr" defTabSz="914400" rtl="0" eaLnBrk="1" fontAlgn="auto" latinLnBrk="0" hangingPunct="1">
+              <a:lnSpc>
+                <a:spcPct val="100000"/>
+              </a:lnSpc>
+              <a:spcBef>
+                <a:spcPts val="0"/>
+              </a:spcBef>
+              <a:spcAft>
+                <a:spcPts val="0"/>
+              </a:spcAft>
+              <a:buClrTx/>
+              <a:buSzTx/>
+              <a:buFontTx/>
+              <a:buNone/>
+              <a:tabLst/>
+              <a:defRPr/>
+            </a:pPr>
+            <a:endParaRPr kumimoji="0" lang="en-US" sz="1800" b="0" i="0" u="none" strike="noStrike" kern="1200" cap="none" spc="0" normalizeH="0" baseline="0" noProof="0">
+              <a:ln>
+                <a:noFill/>
+              </a:ln>
+              <a:solidFill>
+                <a:prstClr val="white"/>
+              </a:solidFill>
+              <a:effectLst/>
+              <a:uLnTx/>
+              <a:uFillTx/>
+              <a:latin typeface="Calibri" panose="020F0502020204030204"/>
+              <a:ea typeface="+mn-ea"/>
+              <a:cs typeface="+mn-cs"/>
+            </a:endParaRPr>
+          </a:p>
+        </p:txBody>
+      </p:sp>
+      <p:pic>
+        <p:nvPicPr>
+          <p:cNvPr id="2050" name="Picture 2" descr="IPS - Instituto Politécnico de Setúbal">
+            <a:extLst>
+              <a:ext uri="{FF2B5EF4-FFF2-40B4-BE49-F238E27FC236}">
+                <a16:creationId xmlns:a16="http://schemas.microsoft.com/office/drawing/2014/main" id="{0D06FD84-CF5E-4E44-B323-D4EAC2AEAF7A}"/>
+              </a:ext>
+            </a:extLst>
+          </p:cNvPr>
+          <p:cNvPicPr>
+            <a:picLocks noChangeAspect="1" noChangeArrowheads="1"/>
+          </p:cNvPicPr>
+          <p:nvPr/>
+        </p:nvPicPr>
+        <p:blipFill>
+          <a:blip r:embed="rId2">
+            <a:extLst>
+              <a:ext uri="{28A0092B-C50C-407E-A947-70E740481C1C}">
+                <a14:useLocalDpi xmlns:a14="http://schemas.microsoft.com/office/drawing/2010/main" val="0"/>
+              </a:ext>
+            </a:extLst>
+          </a:blip>
+          <a:stretch>
+            <a:fillRect/>
+          </a:stretch>
+        </p:blipFill>
+        <p:spPr bwMode="auto">
+          <a:xfrm>
+            <a:off x="419382" y="1475154"/>
+            <a:ext cx="4047843" cy="2539521"/>
+          </a:xfrm>
+          <a:prstGeom prst="rect">
+            <a:avLst/>
+          </a:prstGeom>
+          <a:noFill/>
+          <a:extLst>
+            <a:ext uri="{909E8E84-426E-40DD-AFC4-6F175D3DCCD1}">
+              <a14:hiddenFill xmlns:a14="http://schemas.microsoft.com/office/drawing/2010/main">
+                <a:solidFill>
+                  <a:srgbClr val="FFFFFF"/>
+                </a:solidFill>
+              </a14:hiddenFill>
+            </a:ext>
+          </a:extLst>
+        </p:spPr>
+      </p:pic>
     </p:spTree>
     <p:extLst>
       <p:ext uri="{BB962C8B-B14F-4D97-AF65-F5344CB8AC3E}">
-        <p14:creationId xmlns:p14="http://schemas.microsoft.com/office/powerpoint/2010/main" val="879961233"/>
+        <p14:creationId xmlns:p14="http://schemas.microsoft.com/office/powerpoint/2010/main" val="1617267024"/>
       </p:ext>
     </p:extLst>
   </p:cSld>

--- a/Projeto_Sistemas_Informacao/Trabalho_10-11.pptx
+++ b/Projeto_Sistemas_Informacao/Trabalho_10-11.pptx
@@ -1701,10 +1701,22 @@
         <a:lstStyle/>
         <a:p>
           <a:r>
-            <a:rPr lang="pt-PT"/>
-            <a:t>Listagem do produtos;</a:t>
+            <a:rPr lang="pt-PT" dirty="0"/>
+            <a:t>Validar o cliente;</a:t>
           </a:r>
-          <a:endParaRPr lang="en-US"/>
+        </a:p>
+        <a:p>
+          <a:r>
+            <a:rPr lang="pt-PT" dirty="0"/>
+            <a:t>Listar os produtos;</a:t>
+          </a:r>
+        </a:p>
+        <a:p>
+          <a:r>
+            <a:rPr lang="pt-PT" dirty="0"/>
+            <a:t>Pesquisar produtos em especifico;</a:t>
+          </a:r>
+          <a:endParaRPr lang="en-US" dirty="0"/>
         </a:p>
       </dgm:t>
     </dgm:pt>
@@ -1738,10 +1750,9 @@
         <a:lstStyle/>
         <a:p>
           <a:r>
-            <a:rPr lang="pt-PT"/>
+            <a:rPr lang="pt-PT" dirty="0"/>
             <a:t>Carrinho;</a:t>
           </a:r>
-          <a:endParaRPr lang="en-US"/>
         </a:p>
       </dgm:t>
     </dgm:pt>
@@ -1773,6 +1784,12 @@
       <dgm:t>
         <a:bodyPr/>
         <a:lstStyle/>
+        <a:p>
+          <a:r>
+            <a:rPr lang="pt-PT" dirty="0"/>
+            <a:t>Pagamento;</a:t>
+          </a:r>
+        </a:p>
         <a:p>
           <a:r>
             <a:rPr lang="pt-PT" dirty="0"/>
@@ -1812,10 +1829,20 @@
         <a:lstStyle/>
         <a:p>
           <a:r>
-            <a:rPr lang="pt-PT"/>
-            <a:t>Tracking da encomenda;</a:t>
+            <a:rPr lang="pt-PT" dirty="0"/>
+            <a:t>Tipo de Entrega;</a:t>
           </a:r>
-          <a:endParaRPr lang="en-US"/>
+        </a:p>
+        <a:p>
+          <a:r>
+            <a:rPr lang="pt-PT" dirty="0" err="1"/>
+            <a:t>Tracking</a:t>
+          </a:r>
+          <a:r>
+            <a:rPr lang="pt-PT" dirty="0"/>
+            <a:t> da encomenda;</a:t>
+          </a:r>
+          <a:endParaRPr lang="en-US" dirty="0"/>
         </a:p>
       </dgm:t>
     </dgm:pt>
@@ -1897,7 +1924,7 @@
       <dgm:spPr/>
     </dgm:pt>
     <dgm:pt modelId="{02BAF7DA-CFE3-455E-81F4-8C8D5DBF07C9}" type="pres">
-      <dgm:prSet presAssocID="{B24FA4F3-9C20-4A4A-82EF-1976375DA2DC}" presName="tx1" presStyleLbl="revTx" presStyleIdx="0" presStyleCnt="5"/>
+      <dgm:prSet presAssocID="{B24FA4F3-9C20-4A4A-82EF-1976375DA2DC}" presName="tx1" presStyleLbl="revTx" presStyleIdx="0" presStyleCnt="5" custScaleY="63940"/>
       <dgm:spPr/>
     </dgm:pt>
     <dgm:pt modelId="{EA922934-DE51-49F4-A752-0C7CDE4EF791}" type="pres">
@@ -1913,7 +1940,7 @@
       <dgm:spPr/>
     </dgm:pt>
     <dgm:pt modelId="{4254D8D1-53AE-4E9B-B604-E3A12A832AD5}" type="pres">
-      <dgm:prSet presAssocID="{D672490F-8B22-4C12-B522-B7839F1770DB}" presName="tx1" presStyleLbl="revTx" presStyleIdx="1" presStyleCnt="5"/>
+      <dgm:prSet presAssocID="{D672490F-8B22-4C12-B522-B7839F1770DB}" presName="tx1" presStyleLbl="revTx" presStyleIdx="1" presStyleCnt="5" custScaleY="25783"/>
       <dgm:spPr/>
     </dgm:pt>
     <dgm:pt modelId="{574D22F1-AA78-4C63-A84E-0A66DCE42F20}" type="pres">
@@ -1929,7 +1956,7 @@
       <dgm:spPr/>
     </dgm:pt>
     <dgm:pt modelId="{D784C0FE-7B51-482C-B203-5F687D06A36C}" type="pres">
-      <dgm:prSet presAssocID="{B12A95E9-8C6E-46EE-9A8D-57FB55DAC882}" presName="tx1" presStyleLbl="revTx" presStyleIdx="2" presStyleCnt="5"/>
+      <dgm:prSet presAssocID="{B12A95E9-8C6E-46EE-9A8D-57FB55DAC882}" presName="tx1" presStyleLbl="revTx" presStyleIdx="2" presStyleCnt="5" custScaleY="43754"/>
       <dgm:spPr/>
     </dgm:pt>
     <dgm:pt modelId="{E9793441-437D-4905-B6EC-5550E80A1A87}" type="pres">
@@ -1945,7 +1972,7 @@
       <dgm:spPr/>
     </dgm:pt>
     <dgm:pt modelId="{E287B03E-3805-4B88-8DB7-ED50A0D63866}" type="pres">
-      <dgm:prSet presAssocID="{6B29CBEA-F6A1-4A15-86E5-9F04ED39ADAD}" presName="tx1" presStyleLbl="revTx" presStyleIdx="3" presStyleCnt="5"/>
+      <dgm:prSet presAssocID="{6B29CBEA-F6A1-4A15-86E5-9F04ED39ADAD}" presName="tx1" presStyleLbl="revTx" presStyleIdx="3" presStyleCnt="5" custScaleY="50049"/>
       <dgm:spPr/>
     </dgm:pt>
     <dgm:pt modelId="{BAE43BF8-DBD1-4280-9884-A19A48596259}" type="pres">
@@ -2108,10 +2135,10 @@
         <a:lstStyle/>
         <a:p>
           <a:r>
-            <a:rPr lang="pt-PT"/>
+            <a:rPr lang="pt-PT" dirty="0"/>
             <a:t>Verificação do cliente;</a:t>
           </a:r>
-          <a:endParaRPr lang="en-US"/>
+          <a:endParaRPr lang="en-US" dirty="0"/>
         </a:p>
       </dgm:t>
     </dgm:pt>
@@ -2301,8 +2328,8 @@
       </dsp:nvSpPr>
       <dsp:spPr>
         <a:xfrm>
-          <a:off x="0" y="623"/>
-          <a:ext cx="6492875" cy="0"/>
+          <a:off x="0" y="1369"/>
+          <a:ext cx="6843183" cy="0"/>
         </a:xfrm>
         <a:prstGeom prst="line">
           <a:avLst/>
@@ -2351,8 +2378,8 @@
       </dsp:nvSpPr>
       <dsp:spPr>
         <a:xfrm>
-          <a:off x="0" y="623"/>
-          <a:ext cx="6492875" cy="1020830"/>
+          <a:off x="0" y="1369"/>
+          <a:ext cx="6843183" cy="1341676"/>
         </a:xfrm>
         <a:prstGeom prst="rect">
           <a:avLst/>
@@ -2376,12 +2403,12 @@
         <a:fontRef idx="minor"/>
       </dsp:style>
       <dsp:txBody>
-        <a:bodyPr spcFirstLastPara="0" vert="horz" wrap="square" lIns="171450" tIns="171450" rIns="171450" bIns="171450" numCol="1" spcCol="1270" anchor="t" anchorCtr="0">
+        <a:bodyPr spcFirstLastPara="0" vert="horz" wrap="square" lIns="83820" tIns="83820" rIns="83820" bIns="83820" numCol="1" spcCol="1270" anchor="t" anchorCtr="0">
           <a:noAutofit/>
         </a:bodyPr>
         <a:lstStyle/>
         <a:p>
-          <a:pPr marL="0" lvl="0" indent="0" algn="l" defTabSz="2000250">
+          <a:pPr marL="0" lvl="0" indent="0" algn="l" defTabSz="977900">
             <a:lnSpc>
               <a:spcPct val="90000"/>
             </a:lnSpc>
@@ -2394,15 +2421,51 @@
             <a:buNone/>
           </a:pPr>
           <a:r>
-            <a:rPr lang="pt-PT" sz="4500" kern="1200"/>
-            <a:t>Listagem do produtos;</a:t>
+            <a:rPr lang="pt-PT" sz="2200" kern="1200" dirty="0"/>
+            <a:t>Validar o cliente;</a:t>
           </a:r>
-          <a:endParaRPr lang="en-US" sz="4500" kern="1200"/>
+        </a:p>
+        <a:p>
+          <a:pPr marL="0" lvl="0" indent="0" algn="l" defTabSz="977900">
+            <a:lnSpc>
+              <a:spcPct val="90000"/>
+            </a:lnSpc>
+            <a:spcBef>
+              <a:spcPct val="0"/>
+            </a:spcBef>
+            <a:spcAft>
+              <a:spcPct val="35000"/>
+            </a:spcAft>
+            <a:buNone/>
+          </a:pPr>
+          <a:r>
+            <a:rPr lang="pt-PT" sz="2200" kern="1200" dirty="0"/>
+            <a:t>Listar os produtos;</a:t>
+          </a:r>
+        </a:p>
+        <a:p>
+          <a:pPr marL="0" lvl="0" indent="0" algn="l" defTabSz="977900">
+            <a:lnSpc>
+              <a:spcPct val="90000"/>
+            </a:lnSpc>
+            <a:spcBef>
+              <a:spcPct val="0"/>
+            </a:spcBef>
+            <a:spcAft>
+              <a:spcPct val="35000"/>
+            </a:spcAft>
+            <a:buNone/>
+          </a:pPr>
+          <a:r>
+            <a:rPr lang="pt-PT" sz="2200" kern="1200" dirty="0"/>
+            <a:t>Pesquisar produtos em especifico;</a:t>
+          </a:r>
+          <a:endParaRPr lang="en-US" sz="2200" kern="1200" dirty="0"/>
         </a:p>
       </dsp:txBody>
       <dsp:txXfrm>
-        <a:off x="0" y="623"/>
-        <a:ext cx="6492875" cy="1020830"/>
+        <a:off x="0" y="1369"/>
+        <a:ext cx="6843183" cy="1341676"/>
       </dsp:txXfrm>
     </dsp:sp>
     <dsp:sp modelId="{B77336A3-5E49-4803-9031-A652F0E4DCFF}">
@@ -2412,8 +2475,8 @@
       </dsp:nvSpPr>
       <dsp:spPr>
         <a:xfrm>
-          <a:off x="0" y="1021453"/>
-          <a:ext cx="6492875" cy="0"/>
+          <a:off x="0" y="1343045"/>
+          <a:ext cx="6843183" cy="0"/>
         </a:xfrm>
         <a:prstGeom prst="line">
           <a:avLst/>
@@ -2462,8 +2525,8 @@
       </dsp:nvSpPr>
       <dsp:spPr>
         <a:xfrm>
-          <a:off x="0" y="1021453"/>
-          <a:ext cx="6492875" cy="1020830"/>
+          <a:off x="0" y="1343045"/>
+          <a:ext cx="6843183" cy="541014"/>
         </a:xfrm>
         <a:prstGeom prst="rect">
           <a:avLst/>
@@ -2487,12 +2550,12 @@
         <a:fontRef idx="minor"/>
       </dsp:style>
       <dsp:txBody>
-        <a:bodyPr spcFirstLastPara="0" vert="horz" wrap="square" lIns="171450" tIns="171450" rIns="171450" bIns="171450" numCol="1" spcCol="1270" anchor="t" anchorCtr="0">
+        <a:bodyPr spcFirstLastPara="0" vert="horz" wrap="square" lIns="83820" tIns="83820" rIns="83820" bIns="83820" numCol="1" spcCol="1270" anchor="t" anchorCtr="0">
           <a:noAutofit/>
         </a:bodyPr>
         <a:lstStyle/>
         <a:p>
-          <a:pPr marL="0" lvl="0" indent="0" algn="l" defTabSz="2000250">
+          <a:pPr marL="0" lvl="0" indent="0" algn="l" defTabSz="977900">
             <a:lnSpc>
               <a:spcPct val="90000"/>
             </a:lnSpc>
@@ -2505,15 +2568,14 @@
             <a:buNone/>
           </a:pPr>
           <a:r>
-            <a:rPr lang="pt-PT" sz="4500" kern="1200"/>
+            <a:rPr lang="pt-PT" sz="2200" kern="1200" dirty="0"/>
             <a:t>Carrinho;</a:t>
           </a:r>
-          <a:endParaRPr lang="en-US" sz="4500" kern="1200"/>
         </a:p>
       </dsp:txBody>
       <dsp:txXfrm>
-        <a:off x="0" y="1021453"/>
-        <a:ext cx="6492875" cy="1020830"/>
+        <a:off x="0" y="1343045"/>
+        <a:ext cx="6843183" cy="541014"/>
       </dsp:txXfrm>
     </dsp:sp>
     <dsp:sp modelId="{D55CD4B4-BA3B-4576-BC32-B4B8584239F2}">
@@ -2523,8 +2585,8 @@
       </dsp:nvSpPr>
       <dsp:spPr>
         <a:xfrm>
-          <a:off x="0" y="2042284"/>
-          <a:ext cx="6492875" cy="0"/>
+          <a:off x="0" y="1884059"/>
+          <a:ext cx="6843183" cy="0"/>
         </a:xfrm>
         <a:prstGeom prst="line">
           <a:avLst/>
@@ -2573,8 +2635,8 @@
       </dsp:nvSpPr>
       <dsp:spPr>
         <a:xfrm>
-          <a:off x="0" y="2042284"/>
-          <a:ext cx="6492875" cy="1020830"/>
+          <a:off x="0" y="1884059"/>
+          <a:ext cx="6843183" cy="918105"/>
         </a:xfrm>
         <a:prstGeom prst="rect">
           <a:avLst/>
@@ -2598,12 +2660,12 @@
         <a:fontRef idx="minor"/>
       </dsp:style>
       <dsp:txBody>
-        <a:bodyPr spcFirstLastPara="0" vert="horz" wrap="square" lIns="171450" tIns="171450" rIns="171450" bIns="171450" numCol="1" spcCol="1270" anchor="t" anchorCtr="0">
+        <a:bodyPr spcFirstLastPara="0" vert="horz" wrap="square" lIns="83820" tIns="83820" rIns="83820" bIns="83820" numCol="1" spcCol="1270" anchor="t" anchorCtr="0">
           <a:noAutofit/>
         </a:bodyPr>
         <a:lstStyle/>
         <a:p>
-          <a:pPr marL="0" lvl="0" indent="0" algn="l" defTabSz="2000250">
+          <a:pPr marL="0" lvl="0" indent="0" algn="l" defTabSz="977900">
             <a:lnSpc>
               <a:spcPct val="90000"/>
             </a:lnSpc>
@@ -2616,15 +2678,33 @@
             <a:buNone/>
           </a:pPr>
           <a:r>
-            <a:rPr lang="pt-PT" sz="4500" kern="1200" dirty="0"/>
+            <a:rPr lang="pt-PT" sz="2200" kern="1200" dirty="0"/>
+            <a:t>Pagamento;</a:t>
+          </a:r>
+        </a:p>
+        <a:p>
+          <a:pPr marL="0" lvl="0" indent="0" algn="l" defTabSz="977900">
+            <a:lnSpc>
+              <a:spcPct val="90000"/>
+            </a:lnSpc>
+            <a:spcBef>
+              <a:spcPct val="0"/>
+            </a:spcBef>
+            <a:spcAft>
+              <a:spcPct val="35000"/>
+            </a:spcAft>
+            <a:buNone/>
+          </a:pPr>
+          <a:r>
+            <a:rPr lang="pt-PT" sz="2200" kern="1200" dirty="0"/>
             <a:t>Fartura (opcional);</a:t>
           </a:r>
-          <a:endParaRPr lang="en-US" sz="4500" kern="1200" dirty="0"/>
+          <a:endParaRPr lang="en-US" sz="2200" kern="1200" dirty="0"/>
         </a:p>
       </dsp:txBody>
       <dsp:txXfrm>
-        <a:off x="0" y="2042284"/>
-        <a:ext cx="6492875" cy="1020830"/>
+        <a:off x="0" y="1884059"/>
+        <a:ext cx="6843183" cy="918105"/>
       </dsp:txXfrm>
     </dsp:sp>
     <dsp:sp modelId="{16AB90D7-EBB5-45BF-AB6D-05F1A0300860}">
@@ -2634,8 +2714,8 @@
       </dsp:nvSpPr>
       <dsp:spPr>
         <a:xfrm>
-          <a:off x="0" y="3063115"/>
-          <a:ext cx="6492875" cy="0"/>
+          <a:off x="0" y="2802165"/>
+          <a:ext cx="6843183" cy="0"/>
         </a:xfrm>
         <a:prstGeom prst="line">
           <a:avLst/>
@@ -2684,8 +2764,8 @@
       </dsp:nvSpPr>
       <dsp:spPr>
         <a:xfrm>
-          <a:off x="0" y="3063115"/>
-          <a:ext cx="6492875" cy="1020830"/>
+          <a:off x="0" y="2802165"/>
+          <a:ext cx="6843183" cy="1050196"/>
         </a:xfrm>
         <a:prstGeom prst="rect">
           <a:avLst/>
@@ -2709,12 +2789,12 @@
         <a:fontRef idx="minor"/>
       </dsp:style>
       <dsp:txBody>
-        <a:bodyPr spcFirstLastPara="0" vert="horz" wrap="square" lIns="171450" tIns="171450" rIns="171450" bIns="171450" numCol="1" spcCol="1270" anchor="t" anchorCtr="0">
+        <a:bodyPr spcFirstLastPara="0" vert="horz" wrap="square" lIns="83820" tIns="83820" rIns="83820" bIns="83820" numCol="1" spcCol="1270" anchor="t" anchorCtr="0">
           <a:noAutofit/>
         </a:bodyPr>
         <a:lstStyle/>
         <a:p>
-          <a:pPr marL="0" lvl="0" indent="0" algn="l" defTabSz="2000250">
+          <a:pPr marL="0" lvl="0" indent="0" algn="l" defTabSz="977900">
             <a:lnSpc>
               <a:spcPct val="90000"/>
             </a:lnSpc>
@@ -2727,15 +2807,37 @@
             <a:buNone/>
           </a:pPr>
           <a:r>
-            <a:rPr lang="pt-PT" sz="4500" kern="1200"/>
-            <a:t>Tracking da encomenda;</a:t>
+            <a:rPr lang="pt-PT" sz="2200" kern="1200" dirty="0"/>
+            <a:t>Tipo de Entrega;</a:t>
           </a:r>
-          <a:endParaRPr lang="en-US" sz="4500" kern="1200"/>
+        </a:p>
+        <a:p>
+          <a:pPr marL="0" lvl="0" indent="0" algn="l" defTabSz="977900">
+            <a:lnSpc>
+              <a:spcPct val="90000"/>
+            </a:lnSpc>
+            <a:spcBef>
+              <a:spcPct val="0"/>
+            </a:spcBef>
+            <a:spcAft>
+              <a:spcPct val="35000"/>
+            </a:spcAft>
+            <a:buNone/>
+          </a:pPr>
+          <a:r>
+            <a:rPr lang="pt-PT" sz="2200" kern="1200" dirty="0" err="1"/>
+            <a:t>Tracking</a:t>
+          </a:r>
+          <a:r>
+            <a:rPr lang="pt-PT" sz="2200" kern="1200" dirty="0"/>
+            <a:t> da encomenda;</a:t>
+          </a:r>
+          <a:endParaRPr lang="en-US" sz="2200" kern="1200" dirty="0"/>
         </a:p>
       </dsp:txBody>
       <dsp:txXfrm>
-        <a:off x="0" y="3063115"/>
-        <a:ext cx="6492875" cy="1020830"/>
+        <a:off x="0" y="2802165"/>
+        <a:ext cx="6843183" cy="1050196"/>
       </dsp:txXfrm>
     </dsp:sp>
     <dsp:sp modelId="{FD992DA9-9AE1-4291-9AAA-81E672CD8DE1}">
@@ -2745,8 +2847,8 @@
       </dsp:nvSpPr>
       <dsp:spPr>
         <a:xfrm>
-          <a:off x="0" y="4083946"/>
-          <a:ext cx="6492875" cy="0"/>
+          <a:off x="0" y="3852361"/>
+          <a:ext cx="6843183" cy="0"/>
         </a:xfrm>
         <a:prstGeom prst="line">
           <a:avLst/>
@@ -2795,8 +2897,8 @@
       </dsp:nvSpPr>
       <dsp:spPr>
         <a:xfrm>
-          <a:off x="0" y="4083946"/>
-          <a:ext cx="6492875" cy="1020830"/>
+          <a:off x="0" y="3852361"/>
+          <a:ext cx="6843183" cy="2098336"/>
         </a:xfrm>
         <a:prstGeom prst="rect">
           <a:avLst/>
@@ -2820,12 +2922,12 @@
         <a:fontRef idx="minor"/>
       </dsp:style>
       <dsp:txBody>
-        <a:bodyPr spcFirstLastPara="0" vert="horz" wrap="square" lIns="171450" tIns="171450" rIns="171450" bIns="171450" numCol="1" spcCol="1270" anchor="t" anchorCtr="0">
+        <a:bodyPr spcFirstLastPara="0" vert="horz" wrap="square" lIns="83820" tIns="83820" rIns="83820" bIns="83820" numCol="1" spcCol="1270" anchor="t" anchorCtr="0">
           <a:noAutofit/>
         </a:bodyPr>
         <a:lstStyle/>
         <a:p>
-          <a:pPr marL="0" lvl="0" indent="0" algn="l" defTabSz="2000250">
+          <a:pPr marL="0" lvl="0" indent="0" algn="l" defTabSz="977900">
             <a:lnSpc>
               <a:spcPct val="90000"/>
             </a:lnSpc>
@@ -2838,15 +2940,15 @@
             <a:buNone/>
           </a:pPr>
           <a:r>
-            <a:rPr lang="pt-PT" sz="4500" kern="1200" dirty="0"/>
+            <a:rPr lang="pt-PT" sz="2200" kern="1200" dirty="0"/>
             <a:t>Histórico de encomendas. </a:t>
           </a:r>
-          <a:endParaRPr lang="en-US" sz="4500" kern="1200" dirty="0"/>
+          <a:endParaRPr lang="en-US" sz="2200" kern="1200" dirty="0"/>
         </a:p>
       </dsp:txBody>
       <dsp:txXfrm>
-        <a:off x="0" y="4083946"/>
-        <a:ext cx="6492875" cy="1020830"/>
+        <a:off x="0" y="3852361"/>
+        <a:ext cx="6843183" cy="2098336"/>
       </dsp:txXfrm>
     </dsp:sp>
   </dsp:spTree>
@@ -3183,10 +3285,10 @@
             <a:buNone/>
           </a:pPr>
           <a:r>
-            <a:rPr lang="pt-PT" sz="3200" kern="1200"/>
+            <a:rPr lang="pt-PT" sz="3200" kern="1200" dirty="0"/>
             <a:t>Verificação do cliente;</a:t>
           </a:r>
-          <a:endParaRPr lang="en-US" sz="3200" kern="1200"/>
+          <a:endParaRPr lang="en-US" sz="3200" kern="1200" dirty="0"/>
         </a:p>
       </dsp:txBody>
       <dsp:txXfrm>
@@ -6456,7 +6558,7 @@
           <a:p>
             <a:fld id="{9F7D4D18-A6B7-4AD0-A81E-94058CE2BCE4}" type="datetimeFigureOut">
               <a:rPr lang="pt-PT" smtClean="0"/>
-              <a:t>09/11/2021</a:t>
+              <a:t>10/11/2021</a:t>
             </a:fld>
             <a:endParaRPr lang="pt-PT"/>
           </a:p>
@@ -6654,7 +6756,7 @@
           <a:p>
             <a:fld id="{9F7D4D18-A6B7-4AD0-A81E-94058CE2BCE4}" type="datetimeFigureOut">
               <a:rPr lang="pt-PT" smtClean="0"/>
-              <a:t>09/11/2021</a:t>
+              <a:t>10/11/2021</a:t>
             </a:fld>
             <a:endParaRPr lang="pt-PT"/>
           </a:p>
@@ -6862,7 +6964,7 @@
           <a:p>
             <a:fld id="{9F7D4D18-A6B7-4AD0-A81E-94058CE2BCE4}" type="datetimeFigureOut">
               <a:rPr lang="pt-PT" smtClean="0"/>
-              <a:t>09/11/2021</a:t>
+              <a:t>10/11/2021</a:t>
             </a:fld>
             <a:endParaRPr lang="pt-PT"/>
           </a:p>
@@ -7060,7 +7162,7 @@
           <a:p>
             <a:fld id="{9F7D4D18-A6B7-4AD0-A81E-94058CE2BCE4}" type="datetimeFigureOut">
               <a:rPr lang="pt-PT" smtClean="0"/>
-              <a:t>09/11/2021</a:t>
+              <a:t>10/11/2021</a:t>
             </a:fld>
             <a:endParaRPr lang="pt-PT"/>
           </a:p>
@@ -7335,7 +7437,7 @@
           <a:p>
             <a:fld id="{9F7D4D18-A6B7-4AD0-A81E-94058CE2BCE4}" type="datetimeFigureOut">
               <a:rPr lang="pt-PT" smtClean="0"/>
-              <a:t>09/11/2021</a:t>
+              <a:t>10/11/2021</a:t>
             </a:fld>
             <a:endParaRPr lang="pt-PT"/>
           </a:p>
@@ -7600,7 +7702,7 @@
           <a:p>
             <a:fld id="{9F7D4D18-A6B7-4AD0-A81E-94058CE2BCE4}" type="datetimeFigureOut">
               <a:rPr lang="pt-PT" smtClean="0"/>
-              <a:t>09/11/2021</a:t>
+              <a:t>10/11/2021</a:t>
             </a:fld>
             <a:endParaRPr lang="pt-PT"/>
           </a:p>
@@ -8012,7 +8114,7 @@
           <a:p>
             <a:fld id="{9F7D4D18-A6B7-4AD0-A81E-94058CE2BCE4}" type="datetimeFigureOut">
               <a:rPr lang="pt-PT" smtClean="0"/>
-              <a:t>09/11/2021</a:t>
+              <a:t>10/11/2021</a:t>
             </a:fld>
             <a:endParaRPr lang="pt-PT"/>
           </a:p>
@@ -8153,7 +8255,7 @@
           <a:p>
             <a:fld id="{9F7D4D18-A6B7-4AD0-A81E-94058CE2BCE4}" type="datetimeFigureOut">
               <a:rPr lang="pt-PT" smtClean="0"/>
-              <a:t>09/11/2021</a:t>
+              <a:t>10/11/2021</a:t>
             </a:fld>
             <a:endParaRPr lang="pt-PT"/>
           </a:p>
@@ -8266,7 +8368,7 @@
           <a:p>
             <a:fld id="{9F7D4D18-A6B7-4AD0-A81E-94058CE2BCE4}" type="datetimeFigureOut">
               <a:rPr lang="pt-PT" smtClean="0"/>
-              <a:t>09/11/2021</a:t>
+              <a:t>10/11/2021</a:t>
             </a:fld>
             <a:endParaRPr lang="pt-PT"/>
           </a:p>
@@ -8577,7 +8679,7 @@
           <a:p>
             <a:fld id="{9F7D4D18-A6B7-4AD0-A81E-94058CE2BCE4}" type="datetimeFigureOut">
               <a:rPr lang="pt-PT" smtClean="0"/>
-              <a:t>09/11/2021</a:t>
+              <a:t>10/11/2021</a:t>
             </a:fld>
             <a:endParaRPr lang="pt-PT"/>
           </a:p>
@@ -8865,7 +8967,7 @@
           <a:p>
             <a:fld id="{9F7D4D18-A6B7-4AD0-A81E-94058CE2BCE4}" type="datetimeFigureOut">
               <a:rPr lang="pt-PT" smtClean="0"/>
-              <a:t>09/11/2021</a:t>
+              <a:t>10/11/2021</a:t>
             </a:fld>
             <a:endParaRPr lang="pt-PT"/>
           </a:p>
@@ -9106,7 +9208,7 @@
           <a:p>
             <a:fld id="{9F7D4D18-A6B7-4AD0-A81E-94058CE2BCE4}" type="datetimeFigureOut">
               <a:rPr lang="pt-PT" smtClean="0"/>
-              <a:t>09/11/2021</a:t>
+              <a:t>10/11/2021</a:t>
             </a:fld>
             <a:endParaRPr lang="pt-PT"/>
           </a:p>
@@ -10048,6 +10150,54 @@
         <p:blipFill>
           <a:blip r:embed="rId2">
             <a:extLst>
+              <a:ext uri="{BEBA8EAE-BF5A-486C-A8C5-ECC9F3942E4B}">
+                <a14:imgProps xmlns:a14="http://schemas.microsoft.com/office/drawing/2010/main">
+                  <a14:imgLayer r:embed="rId3">
+                    <a14:imgEffect>
+                      <a14:backgroundRemoval t="7879" b="89697" l="4563" r="95057">
+                        <a14:foregroundMark x1="29658" y1="38182" x2="36882" y2="25455"/>
+                        <a14:foregroundMark x1="40684" y1="20000" x2="47148" y2="10303"/>
+                        <a14:foregroundMark x1="47909" y1="20000" x2="48289" y2="29697"/>
+                        <a14:foregroundMark x1="38403" y1="44242" x2="39924" y2="36970"/>
+                        <a14:foregroundMark x1="30418" y1="56970" x2="31179" y2="49091"/>
+                        <a14:foregroundMark x1="28137" y1="23030" x2="31179" y2="21818"/>
+                        <a14:foregroundMark x1="37643" y1="8485" x2="39924" y2="7879"/>
+                        <a14:foregroundMark x1="4563" y1="84848" x2="4563" y2="76364"/>
+                        <a14:foregroundMark x1="15589" y1="37576" x2="21293" y2="36364"/>
+                        <a14:foregroundMark x1="8365" y1="87273" x2="8745" y2="78182"/>
+                        <a14:foregroundMark x1="16730" y1="81818" x2="19011" y2="83030"/>
+                        <a14:foregroundMark x1="29278" y1="76364" x2="29278" y2="76364"/>
+                        <a14:foregroundMark x1="30798" y1="76364" x2="30798" y2="76364"/>
+                        <a14:foregroundMark x1="35741" y1="76364" x2="35741" y2="76364"/>
+                        <a14:foregroundMark x1="38403" y1="76970" x2="38403" y2="76970"/>
+                        <a14:foregroundMark x1="40304" y1="76970" x2="40304" y2="76970"/>
+                        <a14:foregroundMark x1="42205" y1="76364" x2="42205" y2="76364"/>
+                        <a14:foregroundMark x1="40304" y1="72121" x2="40304" y2="72121"/>
+                        <a14:foregroundMark x1="44487" y1="78182" x2="44487" y2="78182"/>
+                        <a14:foregroundMark x1="48289" y1="73939" x2="48289" y2="73939"/>
+                        <a14:foregroundMark x1="50190" y1="76364" x2="50190" y2="76364"/>
+                        <a14:foregroundMark x1="31559" y1="86061" x2="31559" y2="86061"/>
+                        <a14:foregroundMark x1="36122" y1="85455" x2="36122" y2="85455"/>
+                        <a14:foregroundMark x1="39163" y1="87273" x2="39163" y2="87273"/>
+                        <a14:foregroundMark x1="41065" y1="87273" x2="41065" y2="87273"/>
+                        <a14:foregroundMark x1="39163" y1="82424" x2="39163" y2="82424"/>
+                        <a14:foregroundMark x1="47529" y1="89091" x2="47529" y2="89091"/>
+                        <a14:foregroundMark x1="50190" y1="88485" x2="50190" y2="88485"/>
+                        <a14:foregroundMark x1="53992" y1="87879" x2="53992" y2="87879"/>
+                        <a14:foregroundMark x1="57795" y1="84848" x2="57795" y2="84848"/>
+                        <a14:foregroundMark x1="66160" y1="88485" x2="66160" y2="88485"/>
+                        <a14:foregroundMark x1="71103" y1="87273" x2="71103" y2="87273"/>
+                        <a14:foregroundMark x1="77186" y1="89091" x2="77186" y2="89091"/>
+                        <a14:foregroundMark x1="87072" y1="88485" x2="87072" y2="88485"/>
+                        <a14:foregroundMark x1="82890" y1="88485" x2="82890" y2="88485"/>
+                        <a14:foregroundMark x1="80989" y1="86667" x2="80989" y2="86667"/>
+                        <a14:foregroundMark x1="90114" y1="89697" x2="90114" y2="89697"/>
+                        <a14:foregroundMark x1="95057" y1="88485" x2="95057" y2="88485"/>
+                      </a14:backgroundRemoval>
+                    </a14:imgEffect>
+                  </a14:imgLayer>
+                </a14:imgProps>
+              </a:ext>
               <a:ext uri="{28A0092B-C50C-407E-A947-70E740481C1C}">
                 <a14:useLocalDpi xmlns:a14="http://schemas.microsoft.com/office/drawing/2010/main" val="0"/>
               </a:ext>
@@ -10764,14 +10914,14 @@
             <p:ph idx="1"/>
             <p:extLst>
               <p:ext uri="{D42A27DB-BD31-4B8C-83A1-F6EECF244321}">
-                <p14:modId xmlns:p14="http://schemas.microsoft.com/office/powerpoint/2010/main" val="1320035901"/>
+                <p14:modId xmlns:p14="http://schemas.microsoft.com/office/powerpoint/2010/main" val="4037117370"/>
               </p:ext>
             </p:extLst>
           </p:nvPr>
         </p:nvGraphicFramePr>
         <p:xfrm>
           <a:off x="5010150" y="685800"/>
-          <a:ext cx="6492875" cy="5105400"/>
+          <a:ext cx="6843183" cy="5952067"/>
         </p:xfrm>
         <a:graphic>
           <a:graphicData uri="http://schemas.openxmlformats.org/drawingml/2006/diagram">
